--- a/Uke 37/Uke37.pptx
+++ b/Uke 37/Uke37.pptx
@@ -6,7 +6,7 @@
   </p:sldMasterIdLst>
   <p:sldIdLst>
     <p:sldId id="256" r:id="rId5"/>
-    <p:sldId id="257" r:id="rId6"/>
+    <p:sldId id="263" r:id="rId6"/>
     <p:sldId id="258" r:id="rId7"/>
     <p:sldId id="259" r:id="rId8"/>
     <p:sldId id="260" r:id="rId9"/>
@@ -110,7 +110,6920 @@
       </a:defRPr>
     </a:lvl9pPr>
   </p:defaultTextStyle>
+  <p:extLst>
+    <p:ext uri="{EFAFB233-063F-42B5-8137-9DF3F51BA10A}">
+      <p15:sldGuideLst xmlns:p15="http://schemas.microsoft.com/office/powerpoint/2012/main"/>
+    </p:ext>
+  </p:extLst>
 </p:presentation>
+</file>
+
+<file path=ppt/revisionInfo.xml><?xml version="1.0" encoding="utf-8"?>
+<p1510:revInfo xmlns:a="http://schemas.openxmlformats.org/drawingml/2006/main" xmlns:r="http://schemas.openxmlformats.org/officeDocument/2006/relationships" xmlns:p1510="http://schemas.microsoft.com/office/powerpoint/2015/10/main">
+  <p1510:revLst>
+    <p1510:client id="{22AA54FA-BF3D-4225-AC39-E061E38FC14E}" v="18" dt="2019-09-06T14:53:06.075"/>
+  </p1510:revLst>
+</p1510:revInfo>
+</file>
+
+<file path=ppt/changesInfos/changesInfo1.xml><?xml version="1.0" encoding="utf-8"?>
+<pc:chgInfo xmlns:a="http://schemas.openxmlformats.org/drawingml/2006/main" xmlns:r="http://schemas.openxmlformats.org/officeDocument/2006/relationships" xmlns:ac="http://schemas.microsoft.com/office/drawing/2013/main/command" xmlns:pc="http://schemas.microsoft.com/office/powerpoint/2013/main/command">
+  <pc:docChgLst>
+    <pc:chgData name="Aizan Magomadova" userId="b3d38ecc-02a7-4810-ad44-0e9f513517c5" providerId="ADAL" clId="{22AA54FA-BF3D-4225-AC39-E061E38FC14E}"/>
+    <pc:docChg chg="undo custSel mod addSld delSld modSld">
+      <pc:chgData name="Aizan Magomadova" userId="b3d38ecc-02a7-4810-ad44-0e9f513517c5" providerId="ADAL" clId="{22AA54FA-BF3D-4225-AC39-E061E38FC14E}" dt="2019-09-06T14:56:50.102" v="69" actId="26606"/>
+      <pc:docMkLst>
+        <pc:docMk/>
+      </pc:docMkLst>
+      <pc:sldChg chg="addSp delSp modSp del">
+        <pc:chgData name="Aizan Magomadova" userId="b3d38ecc-02a7-4810-ad44-0e9f513517c5" providerId="ADAL" clId="{22AA54FA-BF3D-4225-AC39-E061E38FC14E}" dt="2019-09-06T14:53:09.914" v="30" actId="2696"/>
+        <pc:sldMkLst>
+          <pc:docMk/>
+          <pc:sldMk cId="3398389793" sldId="257"/>
+        </pc:sldMkLst>
+        <pc:spChg chg="mod">
+          <ac:chgData name="Aizan Magomadova" userId="b3d38ecc-02a7-4810-ad44-0e9f513517c5" providerId="ADAL" clId="{22AA54FA-BF3D-4225-AC39-E061E38FC14E}" dt="2019-09-06T14:51:08.714" v="12"/>
+          <ac:spMkLst>
+            <pc:docMk/>
+            <pc:sldMk cId="3398389793" sldId="257"/>
+            <ac:spMk id="4" creationId="{992CD921-5B22-4BED-ADFA-75630000E8F2}"/>
+          </ac:spMkLst>
+        </pc:spChg>
+        <pc:spChg chg="add mod">
+          <ac:chgData name="Aizan Magomadova" userId="b3d38ecc-02a7-4810-ad44-0e9f513517c5" providerId="ADAL" clId="{22AA54FA-BF3D-4225-AC39-E061E38FC14E}" dt="2019-09-06T14:52:01.511" v="19" actId="1076"/>
+          <ac:spMkLst>
+            <pc:docMk/>
+            <pc:sldMk cId="3398389793" sldId="257"/>
+            <ac:spMk id="7" creationId="{1DE76118-BE77-4BEF-A382-10224653806F}"/>
+          </ac:spMkLst>
+        </pc:spChg>
+        <pc:spChg chg="add">
+          <ac:chgData name="Aizan Magomadova" userId="b3d38ecc-02a7-4810-ad44-0e9f513517c5" providerId="ADAL" clId="{22AA54FA-BF3D-4225-AC39-E061E38FC14E}" dt="2019-09-06T14:51:22.227" v="15"/>
+          <ac:spMkLst>
+            <pc:docMk/>
+            <pc:sldMk cId="3398389793" sldId="257"/>
+            <ac:spMk id="8" creationId="{369AAD1B-A92C-489E-B7BB-55E7ABE8C51B}"/>
+          </ac:spMkLst>
+        </pc:spChg>
+        <pc:spChg chg="del mod">
+          <ac:chgData name="Aizan Magomadova" userId="b3d38ecc-02a7-4810-ad44-0e9f513517c5" providerId="ADAL" clId="{22AA54FA-BF3D-4225-AC39-E061E38FC14E}" dt="2019-09-06T14:51:16.892" v="14" actId="478"/>
+          <ac:spMkLst>
+            <pc:docMk/>
+            <pc:sldMk cId="3398389793" sldId="257"/>
+            <ac:spMk id="9" creationId="{F3296749-819D-428C-8A86-C6B56101EB98}"/>
+          </ac:spMkLst>
+        </pc:spChg>
+        <pc:picChg chg="add mod">
+          <ac:chgData name="Aizan Magomadova" userId="b3d38ecc-02a7-4810-ad44-0e9f513517c5" providerId="ADAL" clId="{22AA54FA-BF3D-4225-AC39-E061E38FC14E}" dt="2019-09-06T14:50:16.317" v="10" actId="1076"/>
+          <ac:picMkLst>
+            <pc:docMk/>
+            <pc:sldMk cId="3398389793" sldId="257"/>
+            <ac:picMk id="10" creationId="{904FB354-99F3-4FD7-BE7A-54E2DF220461}"/>
+          </ac:picMkLst>
+        </pc:picChg>
+        <pc:picChg chg="del">
+          <ac:chgData name="Aizan Magomadova" userId="b3d38ecc-02a7-4810-ad44-0e9f513517c5" providerId="ADAL" clId="{22AA54FA-BF3D-4225-AC39-E061E38FC14E}" dt="2019-09-06T14:49:28.583" v="2"/>
+          <ac:picMkLst>
+            <pc:docMk/>
+            <pc:sldMk cId="3398389793" sldId="257"/>
+            <ac:picMk id="13" creationId="{891ADAE6-51DC-4314-B782-CA4AA5EB3471}"/>
+          </ac:picMkLst>
+        </pc:picChg>
+        <pc:picChg chg="del">
+          <ac:chgData name="Aizan Magomadova" userId="b3d38ecc-02a7-4810-ad44-0e9f513517c5" providerId="ADAL" clId="{22AA54FA-BF3D-4225-AC39-E061E38FC14E}" dt="2019-09-06T14:49:36.700" v="4"/>
+          <ac:picMkLst>
+            <pc:docMk/>
+            <pc:sldMk cId="3398389793" sldId="257"/>
+            <ac:picMk id="15" creationId="{8EFF45FD-E461-4627-8727-F97D1F192559}"/>
+          </ac:picMkLst>
+        </pc:picChg>
+      </pc:sldChg>
+      <pc:sldChg chg="addSp delSp modSp">
+        <pc:chgData name="Aizan Magomadova" userId="b3d38ecc-02a7-4810-ad44-0e9f513517c5" providerId="ADAL" clId="{22AA54FA-BF3D-4225-AC39-E061E38FC14E}" dt="2019-09-06T14:54:03.460" v="38" actId="20577"/>
+        <pc:sldMkLst>
+          <pc:docMk/>
+          <pc:sldMk cId="1645237244" sldId="258"/>
+        </pc:sldMkLst>
+        <pc:spChg chg="mod">
+          <ac:chgData name="Aizan Magomadova" userId="b3d38ecc-02a7-4810-ad44-0e9f513517c5" providerId="ADAL" clId="{22AA54FA-BF3D-4225-AC39-E061E38FC14E}" dt="2019-09-06T14:54:03.460" v="38" actId="20577"/>
+          <ac:spMkLst>
+            <pc:docMk/>
+            <pc:sldMk cId="1645237244" sldId="258"/>
+            <ac:spMk id="5" creationId="{70A7C618-32C1-4C71-807E-5B72CA742E0B}"/>
+          </ac:spMkLst>
+        </pc:spChg>
+        <pc:picChg chg="mod">
+          <ac:chgData name="Aizan Magomadova" userId="b3d38ecc-02a7-4810-ad44-0e9f513517c5" providerId="ADAL" clId="{22AA54FA-BF3D-4225-AC39-E061E38FC14E}" dt="2019-09-06T14:53:21.264" v="33" actId="1076"/>
+          <ac:picMkLst>
+            <pc:docMk/>
+            <pc:sldMk cId="1645237244" sldId="258"/>
+            <ac:picMk id="7" creationId="{235681CD-DD96-4103-9DEE-F81B4F6383E0}"/>
+          </ac:picMkLst>
+        </pc:picChg>
+        <pc:picChg chg="del">
+          <ac:chgData name="Aizan Magomadova" userId="b3d38ecc-02a7-4810-ad44-0e9f513517c5" providerId="ADAL" clId="{22AA54FA-BF3D-4225-AC39-E061E38FC14E}" dt="2019-09-06T14:49:18.680" v="0"/>
+          <ac:picMkLst>
+            <pc:docMk/>
+            <pc:sldMk cId="1645237244" sldId="258"/>
+            <ac:picMk id="8" creationId="{9B2BA226-DFD7-44EE-AC80-99E468C8BFCE}"/>
+          </ac:picMkLst>
+        </pc:picChg>
+        <pc:picChg chg="add mod">
+          <ac:chgData name="Aizan Magomadova" userId="b3d38ecc-02a7-4810-ad44-0e9f513517c5" providerId="ADAL" clId="{22AA54FA-BF3D-4225-AC39-E061E38FC14E}" dt="2019-09-06T14:53:33.385" v="36" actId="1076"/>
+          <ac:picMkLst>
+            <pc:docMk/>
+            <pc:sldMk cId="1645237244" sldId="258"/>
+            <ac:picMk id="9" creationId="{5E64CCE8-0279-43AB-9151-8973DFA9A35E}"/>
+          </ac:picMkLst>
+        </pc:picChg>
+        <pc:picChg chg="add mod">
+          <ac:chgData name="Aizan Magomadova" userId="b3d38ecc-02a7-4810-ad44-0e9f513517c5" providerId="ADAL" clId="{22AA54FA-BF3D-4225-AC39-E061E38FC14E}" dt="2019-09-06T14:53:26.071" v="34" actId="1076"/>
+          <ac:picMkLst>
+            <pc:docMk/>
+            <pc:sldMk cId="1645237244" sldId="258"/>
+            <ac:picMk id="10" creationId="{31E02C91-5A18-478C-9E18-315236E0728B}"/>
+          </ac:picMkLst>
+        </pc:picChg>
+      </pc:sldChg>
+      <pc:sldChg chg="addSp delSp modSp mod setBg">
+        <pc:chgData name="Aizan Magomadova" userId="b3d38ecc-02a7-4810-ad44-0e9f513517c5" providerId="ADAL" clId="{22AA54FA-BF3D-4225-AC39-E061E38FC14E}" dt="2019-09-06T14:56:06.167" v="64" actId="20577"/>
+        <pc:sldMkLst>
+          <pc:docMk/>
+          <pc:sldMk cId="1862553086" sldId="259"/>
+        </pc:sldMkLst>
+        <pc:spChg chg="mod">
+          <ac:chgData name="Aizan Magomadova" userId="b3d38ecc-02a7-4810-ad44-0e9f513517c5" providerId="ADAL" clId="{22AA54FA-BF3D-4225-AC39-E061E38FC14E}" dt="2019-09-06T14:56:06.167" v="64" actId="20577"/>
+          <ac:spMkLst>
+            <pc:docMk/>
+            <pc:sldMk cId="1862553086" sldId="259"/>
+            <ac:spMk id="2" creationId="{0E62AD7A-98EA-4B67-BD28-AC4F623740EB}"/>
+          </ac:spMkLst>
+        </pc:spChg>
+        <pc:spChg chg="del">
+          <ac:chgData name="Aizan Magomadova" userId="b3d38ecc-02a7-4810-ad44-0e9f513517c5" providerId="ADAL" clId="{22AA54FA-BF3D-4225-AC39-E061E38FC14E}" dt="2019-09-06T14:55:28.788" v="39" actId="26606"/>
+          <ac:spMkLst>
+            <pc:docMk/>
+            <pc:sldMk cId="1862553086" sldId="259"/>
+            <ac:spMk id="3" creationId="{13F9FAB5-84E7-4643-BF5C-0257F2D9BFF5}"/>
+          </ac:spMkLst>
+        </pc:spChg>
+        <pc:spChg chg="add">
+          <ac:chgData name="Aizan Magomadova" userId="b3d38ecc-02a7-4810-ad44-0e9f513517c5" providerId="ADAL" clId="{22AA54FA-BF3D-4225-AC39-E061E38FC14E}" dt="2019-09-06T14:55:28.788" v="39" actId="26606"/>
+          <ac:spMkLst>
+            <pc:docMk/>
+            <pc:sldMk cId="1862553086" sldId="259"/>
+            <ac:spMk id="10" creationId="{46C2E80F-49A6-4372-B103-219D417A55ED}"/>
+          </ac:spMkLst>
+        </pc:spChg>
+        <pc:graphicFrameChg chg="add">
+          <ac:chgData name="Aizan Magomadova" userId="b3d38ecc-02a7-4810-ad44-0e9f513517c5" providerId="ADAL" clId="{22AA54FA-BF3D-4225-AC39-E061E38FC14E}" dt="2019-09-06T14:55:28.788" v="39" actId="26606"/>
+          <ac:graphicFrameMkLst>
+            <pc:docMk/>
+            <pc:sldMk cId="1862553086" sldId="259"/>
+            <ac:graphicFrameMk id="5" creationId="{7B2058AE-DA05-4523-BD0D-B613008C1480}"/>
+          </ac:graphicFrameMkLst>
+        </pc:graphicFrameChg>
+      </pc:sldChg>
+      <pc:sldChg chg="addSp delSp modSp mod setBg">
+        <pc:chgData name="Aizan Magomadova" userId="b3d38ecc-02a7-4810-ad44-0e9f513517c5" providerId="ADAL" clId="{22AA54FA-BF3D-4225-AC39-E061E38FC14E}" dt="2019-09-06T14:56:50.102" v="69" actId="26606"/>
+        <pc:sldMkLst>
+          <pc:docMk/>
+          <pc:sldMk cId="3103298667" sldId="262"/>
+        </pc:sldMkLst>
+        <pc:spChg chg="mod">
+          <ac:chgData name="Aizan Magomadova" userId="b3d38ecc-02a7-4810-ad44-0e9f513517c5" providerId="ADAL" clId="{22AA54FA-BF3D-4225-AC39-E061E38FC14E}" dt="2019-09-06T14:56:50.102" v="69" actId="26606"/>
+          <ac:spMkLst>
+            <pc:docMk/>
+            <pc:sldMk cId="3103298667" sldId="262"/>
+            <ac:spMk id="2" creationId="{6755A60A-E7AF-4189-A8E7-31195FC446B6}"/>
+          </ac:spMkLst>
+        </pc:spChg>
+        <pc:spChg chg="add del">
+          <ac:chgData name="Aizan Magomadova" userId="b3d38ecc-02a7-4810-ad44-0e9f513517c5" providerId="ADAL" clId="{22AA54FA-BF3D-4225-AC39-E061E38FC14E}" dt="2019-09-06T14:56:50.102" v="69" actId="26606"/>
+          <ac:spMkLst>
+            <pc:docMk/>
+            <pc:sldMk cId="3103298667" sldId="262"/>
+            <ac:spMk id="3" creationId="{4297DB2C-41A5-4C33-93DC-AA0BF79CDFCD}"/>
+          </ac:spMkLst>
+        </pc:spChg>
+        <pc:spChg chg="add del">
+          <ac:chgData name="Aizan Magomadova" userId="b3d38ecc-02a7-4810-ad44-0e9f513517c5" providerId="ADAL" clId="{22AA54FA-BF3D-4225-AC39-E061E38FC14E}" dt="2019-09-06T14:56:50.023" v="68" actId="26606"/>
+          <ac:spMkLst>
+            <pc:docMk/>
+            <pc:sldMk cId="3103298667" sldId="262"/>
+            <ac:spMk id="8" creationId="{8D70B121-56F4-4848-B38B-182089D909FA}"/>
+          </ac:spMkLst>
+        </pc:spChg>
+        <pc:spChg chg="add del">
+          <ac:chgData name="Aizan Magomadova" userId="b3d38ecc-02a7-4810-ad44-0e9f513517c5" providerId="ADAL" clId="{22AA54FA-BF3D-4225-AC39-E061E38FC14E}" dt="2019-09-06T14:56:47.961" v="66" actId="26606"/>
+          <ac:spMkLst>
+            <pc:docMk/>
+            <pc:sldMk cId="3103298667" sldId="262"/>
+            <ac:spMk id="10" creationId="{46C2E80F-49A6-4372-B103-219D417A55ED}"/>
+          </ac:spMkLst>
+        </pc:spChg>
+        <pc:spChg chg="add del">
+          <ac:chgData name="Aizan Magomadova" userId="b3d38ecc-02a7-4810-ad44-0e9f513517c5" providerId="ADAL" clId="{22AA54FA-BF3D-4225-AC39-E061E38FC14E}" dt="2019-09-06T14:56:50.023" v="68" actId="26606"/>
+          <ac:spMkLst>
+            <pc:docMk/>
+            <pc:sldMk cId="3103298667" sldId="262"/>
+            <ac:spMk id="13" creationId="{4297DB2C-41A5-4C33-93DC-AA0BF79CDFCD}"/>
+          </ac:spMkLst>
+        </pc:spChg>
+        <pc:spChg chg="add">
+          <ac:chgData name="Aizan Magomadova" userId="b3d38ecc-02a7-4810-ad44-0e9f513517c5" providerId="ADAL" clId="{22AA54FA-BF3D-4225-AC39-E061E38FC14E}" dt="2019-09-06T14:56:50.102" v="69" actId="26606"/>
+          <ac:spMkLst>
+            <pc:docMk/>
+            <pc:sldMk cId="3103298667" sldId="262"/>
+            <ac:spMk id="15" creationId="{46C2E80F-49A6-4372-B103-219D417A55ED}"/>
+          </ac:spMkLst>
+        </pc:spChg>
+        <pc:graphicFrameChg chg="add del">
+          <ac:chgData name="Aizan Magomadova" userId="b3d38ecc-02a7-4810-ad44-0e9f513517c5" providerId="ADAL" clId="{22AA54FA-BF3D-4225-AC39-E061E38FC14E}" dt="2019-09-06T14:56:47.961" v="66" actId="26606"/>
+          <ac:graphicFrameMkLst>
+            <pc:docMk/>
+            <pc:sldMk cId="3103298667" sldId="262"/>
+            <ac:graphicFrameMk id="5" creationId="{FCFA91B5-0EC0-46D0-9FE4-F365B397A85B}"/>
+          </ac:graphicFrameMkLst>
+        </pc:graphicFrameChg>
+        <pc:graphicFrameChg chg="add">
+          <ac:chgData name="Aizan Magomadova" userId="b3d38ecc-02a7-4810-ad44-0e9f513517c5" providerId="ADAL" clId="{22AA54FA-BF3D-4225-AC39-E061E38FC14E}" dt="2019-09-06T14:56:50.102" v="69" actId="26606"/>
+          <ac:graphicFrameMkLst>
+            <pc:docMk/>
+            <pc:sldMk cId="3103298667" sldId="262"/>
+            <ac:graphicFrameMk id="16" creationId="{FCFA91B5-0EC0-46D0-9FE4-F365B397A85B}"/>
+          </ac:graphicFrameMkLst>
+        </pc:graphicFrameChg>
+        <pc:cxnChg chg="add del">
+          <ac:chgData name="Aizan Magomadova" userId="b3d38ecc-02a7-4810-ad44-0e9f513517c5" providerId="ADAL" clId="{22AA54FA-BF3D-4225-AC39-E061E38FC14E}" dt="2019-09-06T14:56:50.023" v="68" actId="26606"/>
+          <ac:cxnSpMkLst>
+            <pc:docMk/>
+            <pc:sldMk cId="3103298667" sldId="262"/>
+            <ac:cxnSpMk id="12" creationId="{2D72A2C9-F3CA-4216-8BAD-FA4C970C3C4E}"/>
+          </ac:cxnSpMkLst>
+        </pc:cxnChg>
+      </pc:sldChg>
+      <pc:sldChg chg="addSp delSp modSp add mod setBg">
+        <pc:chgData name="Aizan Magomadova" userId="b3d38ecc-02a7-4810-ad44-0e9f513517c5" providerId="ADAL" clId="{22AA54FA-BF3D-4225-AC39-E061E38FC14E}" dt="2019-09-06T14:53:06.075" v="29"/>
+        <pc:sldMkLst>
+          <pc:docMk/>
+          <pc:sldMk cId="3526304866" sldId="263"/>
+        </pc:sldMkLst>
+        <pc:spChg chg="del">
+          <ac:chgData name="Aizan Magomadova" userId="b3d38ecc-02a7-4810-ad44-0e9f513517c5" providerId="ADAL" clId="{22AA54FA-BF3D-4225-AC39-E061E38FC14E}" dt="2019-09-06T14:51:42.455" v="17"/>
+          <ac:spMkLst>
+            <pc:docMk/>
+            <pc:sldMk cId="3526304866" sldId="263"/>
+            <ac:spMk id="2" creationId="{A1CCE4B4-37A7-4CF6-8215-D07CF3142696}"/>
+          </ac:spMkLst>
+        </pc:spChg>
+        <pc:spChg chg="del">
+          <ac:chgData name="Aizan Magomadova" userId="b3d38ecc-02a7-4810-ad44-0e9f513517c5" providerId="ADAL" clId="{22AA54FA-BF3D-4225-AC39-E061E38FC14E}" dt="2019-09-06T14:51:42.455" v="17"/>
+          <ac:spMkLst>
+            <pc:docMk/>
+            <pc:sldMk cId="3526304866" sldId="263"/>
+            <ac:spMk id="3" creationId="{015C9E16-53E7-419E-9BEF-A53EC33A1F69}"/>
+          </ac:spMkLst>
+        </pc:spChg>
+        <pc:spChg chg="add mod">
+          <ac:chgData name="Aizan Magomadova" userId="b3d38ecc-02a7-4810-ad44-0e9f513517c5" providerId="ADAL" clId="{22AA54FA-BF3D-4225-AC39-E061E38FC14E}" dt="2019-09-06T14:53:03.755" v="27" actId="26606"/>
+          <ac:spMkLst>
+            <pc:docMk/>
+            <pc:sldMk cId="3526304866" sldId="263"/>
+            <ac:spMk id="4" creationId="{7ADE6A78-3717-4C40-BA61-45F0F5BEF156}"/>
+          </ac:spMkLst>
+        </pc:spChg>
+        <pc:spChg chg="add del mod">
+          <ac:chgData name="Aizan Magomadova" userId="b3d38ecc-02a7-4810-ad44-0e9f513517c5" providerId="ADAL" clId="{22AA54FA-BF3D-4225-AC39-E061E38FC14E}" dt="2019-09-06T14:53:06.075" v="29"/>
+          <ac:spMkLst>
+            <pc:docMk/>
+            <pc:sldMk cId="3526304866" sldId="263"/>
+            <ac:spMk id="5" creationId="{62D75C23-0AAE-4CB7-8C7D-A2C2A49212A9}"/>
+          </ac:spMkLst>
+        </pc:spChg>
+        <pc:spChg chg="add mod ord">
+          <ac:chgData name="Aizan Magomadova" userId="b3d38ecc-02a7-4810-ad44-0e9f513517c5" providerId="ADAL" clId="{22AA54FA-BF3D-4225-AC39-E061E38FC14E}" dt="2019-09-06T14:53:03.755" v="27" actId="26606"/>
+          <ac:spMkLst>
+            <pc:docMk/>
+            <pc:sldMk cId="3526304866" sldId="263"/>
+            <ac:spMk id="6" creationId="{95F0615B-5048-4219-9B80-7BC5D6290FAF}"/>
+          </ac:spMkLst>
+        </pc:spChg>
+        <pc:spChg chg="add del">
+          <ac:chgData name="Aizan Magomadova" userId="b3d38ecc-02a7-4810-ad44-0e9f513517c5" providerId="ADAL" clId="{22AA54FA-BF3D-4225-AC39-E061E38FC14E}" dt="2019-09-06T14:52:58.918" v="25" actId="26606"/>
+          <ac:spMkLst>
+            <pc:docMk/>
+            <pc:sldMk cId="3526304866" sldId="263"/>
+            <ac:spMk id="13" creationId="{C95B82D5-A8BB-45BF-BED8-C7B206892100}"/>
+          </ac:spMkLst>
+        </pc:spChg>
+        <pc:spChg chg="add del">
+          <ac:chgData name="Aizan Magomadova" userId="b3d38ecc-02a7-4810-ad44-0e9f513517c5" providerId="ADAL" clId="{22AA54FA-BF3D-4225-AC39-E061E38FC14E}" dt="2019-09-06T14:52:58.918" v="25" actId="26606"/>
+          <ac:spMkLst>
+            <pc:docMk/>
+            <pc:sldMk cId="3526304866" sldId="263"/>
+            <ac:spMk id="15" creationId="{296C61EC-FBF4-4216-BE67-6C864D30A01C}"/>
+          </ac:spMkLst>
+        </pc:spChg>
+        <pc:spChg chg="add del">
+          <ac:chgData name="Aizan Magomadova" userId="b3d38ecc-02a7-4810-ad44-0e9f513517c5" providerId="ADAL" clId="{22AA54FA-BF3D-4225-AC39-E061E38FC14E}" dt="2019-09-06T14:53:03.755" v="27" actId="26606"/>
+          <ac:spMkLst>
+            <pc:docMk/>
+            <pc:sldMk cId="3526304866" sldId="263"/>
+            <ac:spMk id="17" creationId="{E02F3C71-C981-4614-98EA-D6C494F8091E}"/>
+          </ac:spMkLst>
+        </pc:spChg>
+        <pc:picChg chg="add mod ord">
+          <ac:chgData name="Aizan Magomadova" userId="b3d38ecc-02a7-4810-ad44-0e9f513517c5" providerId="ADAL" clId="{22AA54FA-BF3D-4225-AC39-E061E38FC14E}" dt="2019-09-06T14:53:03.755" v="27" actId="26606"/>
+          <ac:picMkLst>
+            <pc:docMk/>
+            <pc:sldMk cId="3526304866" sldId="263"/>
+            <ac:picMk id="7" creationId="{0FCE0A22-FE35-4B9C-9545-7BB3C524F2D4}"/>
+          </ac:picMkLst>
+        </pc:picChg>
+        <pc:picChg chg="add del mod">
+          <ac:chgData name="Aizan Magomadova" userId="b3d38ecc-02a7-4810-ad44-0e9f513517c5" providerId="ADAL" clId="{22AA54FA-BF3D-4225-AC39-E061E38FC14E}" dt="2019-09-06T14:53:06.075" v="29"/>
+          <ac:picMkLst>
+            <pc:docMk/>
+            <pc:sldMk cId="3526304866" sldId="263"/>
+            <ac:picMk id="8" creationId="{8834B04B-0C88-4141-8B4E-553AA42F5235}"/>
+          </ac:picMkLst>
+        </pc:picChg>
+      </pc:sldChg>
+    </pc:docChg>
+  </pc:docChgLst>
+</pc:chgInfo>
+</file>
+
+<file path=ppt/diagrams/colors1.xml><?xml version="1.0" encoding="utf-8"?>
+<dgm:colorsDef xmlns:dgm="http://schemas.openxmlformats.org/drawingml/2006/diagram" xmlns:a="http://schemas.openxmlformats.org/drawingml/2006/main" uniqueId="urn:microsoft.com/office/officeart/2018/5/colors/Iconchunking_neutralbg_colorful5">
+  <dgm:title val=""/>
+  <dgm:desc val=""/>
+  <dgm:catLst>
+    <dgm:cat type="colorful" pri="10500"/>
+  </dgm:catLst>
+  <dgm:styleLbl name="node0">
+    <dgm:fillClrLst meth="repeat">
+      <a:schemeClr val="accent4"/>
+    </dgm:fillClrLst>
+    <dgm:linClrLst meth="repeat">
+      <a:schemeClr val="lt1"/>
+    </dgm:linClrLst>
+    <dgm:effectClrLst/>
+    <dgm:txLinClrLst/>
+    <dgm:txFillClrLst/>
+    <dgm:txEffectClrLst/>
+  </dgm:styleLbl>
+  <dgm:styleLbl name="node1">
+    <dgm:fillClrLst>
+      <a:schemeClr val="accent5"/>
+      <a:schemeClr val="accent6"/>
+    </dgm:fillClrLst>
+    <dgm:linClrLst meth="repeat">
+      <a:schemeClr val="lt1">
+        <a:alpha val="0"/>
+      </a:schemeClr>
+    </dgm:linClrLst>
+    <dgm:effectClrLst/>
+    <dgm:txLinClrLst/>
+    <dgm:txFillClrLst/>
+    <dgm:txEffectClrLst/>
+  </dgm:styleLbl>
+  <dgm:styleLbl name="alignNode1">
+    <dgm:fillClrLst>
+      <a:schemeClr val="accent5"/>
+      <a:schemeClr val="accent6"/>
+    </dgm:fillClrLst>
+    <dgm:linClrLst>
+      <a:schemeClr val="accent5"/>
+      <a:schemeClr val="accent6"/>
+    </dgm:linClrLst>
+    <dgm:effectClrLst/>
+    <dgm:txLinClrLst/>
+    <dgm:txFillClrLst/>
+    <dgm:txEffectClrLst/>
+  </dgm:styleLbl>
+  <dgm:styleLbl name="lnNode1">
+    <dgm:fillClrLst>
+      <a:schemeClr val="accent5"/>
+      <a:schemeClr val="accent6"/>
+    </dgm:fillClrLst>
+    <dgm:linClrLst meth="repeat">
+      <a:schemeClr val="lt1"/>
+    </dgm:linClrLst>
+    <dgm:effectClrLst/>
+    <dgm:txLinClrLst/>
+    <dgm:txFillClrLst/>
+    <dgm:txEffectClrLst/>
+  </dgm:styleLbl>
+  <dgm:styleLbl name="vennNode1">
+    <dgm:fillClrLst>
+      <a:schemeClr val="accent5">
+        <a:alpha val="50000"/>
+      </a:schemeClr>
+      <a:schemeClr val="accent6">
+        <a:alpha val="50000"/>
+      </a:schemeClr>
+    </dgm:fillClrLst>
+    <dgm:linClrLst meth="repeat">
+      <a:schemeClr val="lt1"/>
+    </dgm:linClrLst>
+    <dgm:effectClrLst/>
+    <dgm:txLinClrLst/>
+    <dgm:txFillClrLst/>
+    <dgm:txEffectClrLst/>
+  </dgm:styleLbl>
+  <dgm:styleLbl name="node2">
+    <dgm:fillClrLst>
+      <a:schemeClr val="accent6"/>
+    </dgm:fillClrLst>
+    <dgm:linClrLst meth="repeat">
+      <a:schemeClr val="lt1"/>
+    </dgm:linClrLst>
+    <dgm:effectClrLst/>
+    <dgm:txLinClrLst/>
+    <dgm:txFillClrLst/>
+    <dgm:txEffectClrLst/>
+  </dgm:styleLbl>
+  <dgm:styleLbl name="node3">
+    <dgm:fillClrLst>
+      <a:schemeClr val="accent1"/>
+    </dgm:fillClrLst>
+    <dgm:linClrLst meth="repeat">
+      <a:schemeClr val="lt1"/>
+    </dgm:linClrLst>
+    <dgm:effectClrLst/>
+    <dgm:txLinClrLst/>
+    <dgm:txFillClrLst/>
+    <dgm:txEffectClrLst/>
+  </dgm:styleLbl>
+  <dgm:styleLbl name="node4">
+    <dgm:fillClrLst>
+      <a:schemeClr val="accent2"/>
+    </dgm:fillClrLst>
+    <dgm:linClrLst meth="repeat">
+      <a:schemeClr val="lt1"/>
+    </dgm:linClrLst>
+    <dgm:effectClrLst/>
+    <dgm:txLinClrLst/>
+    <dgm:txFillClrLst/>
+    <dgm:txEffectClrLst/>
+  </dgm:styleLbl>
+  <dgm:styleLbl name="fgImgPlace1">
+    <dgm:fillClrLst>
+      <a:schemeClr val="accent5">
+        <a:tint val="50000"/>
+      </a:schemeClr>
+      <a:schemeClr val="accent6">
+        <a:tint val="50000"/>
+      </a:schemeClr>
+    </dgm:fillClrLst>
+    <dgm:linClrLst meth="repeat">
+      <a:schemeClr val="lt1"/>
+    </dgm:linClrLst>
+    <dgm:effectClrLst/>
+    <dgm:txLinClrLst/>
+    <dgm:txFillClrLst meth="repeat">
+      <a:schemeClr val="lt1"/>
+    </dgm:txFillClrLst>
+    <dgm:txEffectClrLst/>
+  </dgm:styleLbl>
+  <dgm:styleLbl name="alignImgPlace1">
+    <dgm:fillClrLst>
+      <a:schemeClr val="accent5">
+        <a:tint val="50000"/>
+      </a:schemeClr>
+      <a:schemeClr val="accent6">
+        <a:tint val="20000"/>
+      </a:schemeClr>
+    </dgm:fillClrLst>
+    <dgm:linClrLst meth="repeat">
+      <a:schemeClr val="lt1"/>
+    </dgm:linClrLst>
+    <dgm:effectClrLst/>
+    <dgm:txLinClrLst/>
+    <dgm:txFillClrLst meth="repeat">
+      <a:schemeClr val="lt1"/>
+    </dgm:txFillClrLst>
+    <dgm:txEffectClrLst/>
+  </dgm:styleLbl>
+  <dgm:styleLbl name="bgImgPlace1">
+    <dgm:fillClrLst>
+      <a:schemeClr val="accent5">
+        <a:tint val="50000"/>
+      </a:schemeClr>
+      <a:schemeClr val="accent6">
+        <a:tint val="20000"/>
+      </a:schemeClr>
+    </dgm:fillClrLst>
+    <dgm:linClrLst meth="repeat">
+      <a:schemeClr val="lt1"/>
+    </dgm:linClrLst>
+    <dgm:effectClrLst/>
+    <dgm:txLinClrLst/>
+    <dgm:txFillClrLst meth="repeat">
+      <a:schemeClr val="lt1"/>
+    </dgm:txFillClrLst>
+    <dgm:txEffectClrLst/>
+  </dgm:styleLbl>
+  <dgm:styleLbl name="sibTrans2D1">
+    <dgm:fillClrLst>
+      <a:schemeClr val="accent5"/>
+      <a:schemeClr val="accent6"/>
+    </dgm:fillClrLst>
+    <dgm:linClrLst meth="repeat">
+      <a:schemeClr val="lt1"/>
+    </dgm:linClrLst>
+    <dgm:effectClrLst/>
+    <dgm:txLinClrLst/>
+    <dgm:txFillClrLst/>
+    <dgm:txEffectClrLst/>
+  </dgm:styleLbl>
+  <dgm:styleLbl name="fgSibTrans2D1">
+    <dgm:fillClrLst>
+      <a:schemeClr val="accent5"/>
+      <a:schemeClr val="accent6"/>
+    </dgm:fillClrLst>
+    <dgm:linClrLst meth="repeat">
+      <a:schemeClr val="lt1"/>
+    </dgm:linClrLst>
+    <dgm:effectClrLst/>
+    <dgm:txLinClrLst/>
+    <dgm:txFillClrLst meth="repeat">
+      <a:schemeClr val="lt1"/>
+    </dgm:txFillClrLst>
+    <dgm:txEffectClrLst/>
+  </dgm:styleLbl>
+  <dgm:styleLbl name="bgSibTrans2D1">
+    <dgm:fillClrLst>
+      <a:schemeClr val="accent5"/>
+      <a:schemeClr val="accent6"/>
+    </dgm:fillClrLst>
+    <dgm:linClrLst meth="repeat">
+      <a:schemeClr val="lt1"/>
+    </dgm:linClrLst>
+    <dgm:effectClrLst/>
+    <dgm:txLinClrLst/>
+    <dgm:txFillClrLst meth="repeat">
+      <a:schemeClr val="lt1"/>
+    </dgm:txFillClrLst>
+    <dgm:txEffectClrLst/>
+  </dgm:styleLbl>
+  <dgm:styleLbl name="sibTrans1D1">
+    <dgm:fillClrLst/>
+    <dgm:linClrLst>
+      <a:schemeClr val="accent5"/>
+      <a:schemeClr val="accent6"/>
+    </dgm:linClrLst>
+    <dgm:effectClrLst/>
+    <dgm:txLinClrLst/>
+    <dgm:txFillClrLst meth="repeat">
+      <a:schemeClr val="tx1"/>
+    </dgm:txFillClrLst>
+    <dgm:txEffectClrLst/>
+  </dgm:styleLbl>
+  <dgm:styleLbl name="callout">
+    <dgm:fillClrLst meth="repeat">
+      <a:schemeClr val="accent5"/>
+    </dgm:fillClrLst>
+    <dgm:linClrLst meth="repeat">
+      <a:schemeClr val="accent5">
+        <a:tint val="50000"/>
+      </a:schemeClr>
+    </dgm:linClrLst>
+    <dgm:effectClrLst/>
+    <dgm:txLinClrLst/>
+    <dgm:txFillClrLst meth="repeat">
+      <a:schemeClr val="tx1"/>
+    </dgm:txFillClrLst>
+    <dgm:txEffectClrLst/>
+  </dgm:styleLbl>
+  <dgm:styleLbl name="asst0">
+    <dgm:fillClrLst meth="repeat">
+      <a:schemeClr val="accent5"/>
+    </dgm:fillClrLst>
+    <dgm:linClrLst meth="repeat">
+      <a:schemeClr val="lt1">
+        <a:shade val="80000"/>
+      </a:schemeClr>
+    </dgm:linClrLst>
+    <dgm:effectClrLst/>
+    <dgm:txLinClrLst/>
+    <dgm:txFillClrLst/>
+    <dgm:txEffectClrLst/>
+  </dgm:styleLbl>
+  <dgm:styleLbl name="asst1">
+    <dgm:fillClrLst meth="repeat">
+      <a:schemeClr val="accent6"/>
+    </dgm:fillClrLst>
+    <dgm:linClrLst meth="repeat">
+      <a:schemeClr val="lt1">
+        <a:shade val="80000"/>
+      </a:schemeClr>
+    </dgm:linClrLst>
+    <dgm:effectClrLst/>
+    <dgm:txLinClrLst/>
+    <dgm:txFillClrLst/>
+    <dgm:txEffectClrLst/>
+  </dgm:styleLbl>
+  <dgm:styleLbl name="asst2">
+    <dgm:fillClrLst>
+      <a:schemeClr val="accent1"/>
+    </dgm:fillClrLst>
+    <dgm:linClrLst meth="repeat">
+      <a:schemeClr val="lt1"/>
+    </dgm:linClrLst>
+    <dgm:effectClrLst/>
+    <dgm:txLinClrLst/>
+    <dgm:txFillClrLst/>
+    <dgm:txEffectClrLst/>
+  </dgm:styleLbl>
+  <dgm:styleLbl name="asst3">
+    <dgm:fillClrLst>
+      <a:schemeClr val="accent2"/>
+    </dgm:fillClrLst>
+    <dgm:linClrLst meth="repeat">
+      <a:schemeClr val="lt1"/>
+    </dgm:linClrLst>
+    <dgm:effectClrLst/>
+    <dgm:txLinClrLst/>
+    <dgm:txFillClrLst/>
+    <dgm:txEffectClrLst/>
+  </dgm:styleLbl>
+  <dgm:styleLbl name="asst4">
+    <dgm:fillClrLst>
+      <a:schemeClr val="accent3"/>
+    </dgm:fillClrLst>
+    <dgm:linClrLst meth="repeat">
+      <a:schemeClr val="lt1"/>
+    </dgm:linClrLst>
+    <dgm:effectClrLst/>
+    <dgm:txLinClrLst/>
+    <dgm:txFillClrLst/>
+    <dgm:txEffectClrLst/>
+  </dgm:styleLbl>
+  <dgm:styleLbl name="parChTrans2D1">
+    <dgm:fillClrLst meth="repeat">
+      <a:schemeClr val="accent5"/>
+    </dgm:fillClrLst>
+    <dgm:linClrLst meth="repeat">
+      <a:schemeClr val="lt1"/>
+    </dgm:linClrLst>
+    <dgm:effectClrLst/>
+    <dgm:txLinClrLst/>
+    <dgm:txFillClrLst meth="repeat">
+      <a:schemeClr val="lt1"/>
+    </dgm:txFillClrLst>
+    <dgm:txEffectClrLst/>
+  </dgm:styleLbl>
+  <dgm:styleLbl name="parChTrans2D2">
+    <dgm:fillClrLst meth="repeat">
+      <a:schemeClr val="accent6"/>
+    </dgm:fillClrLst>
+    <dgm:linClrLst meth="repeat">
+      <a:schemeClr val="lt1"/>
+    </dgm:linClrLst>
+    <dgm:effectClrLst/>
+    <dgm:txLinClrLst/>
+    <dgm:txFillClrLst/>
+    <dgm:txEffectClrLst/>
+  </dgm:styleLbl>
+  <dgm:styleLbl name="parChTrans2D3">
+    <dgm:fillClrLst meth="repeat">
+      <a:schemeClr val="accent6"/>
+    </dgm:fillClrLst>
+    <dgm:linClrLst meth="repeat">
+      <a:schemeClr val="lt1"/>
+    </dgm:linClrLst>
+    <dgm:effectClrLst/>
+    <dgm:txLinClrLst/>
+    <dgm:txFillClrLst/>
+    <dgm:txEffectClrLst/>
+  </dgm:styleLbl>
+  <dgm:styleLbl name="parChTrans2D4">
+    <dgm:fillClrLst meth="repeat">
+      <a:schemeClr val="accent1"/>
+    </dgm:fillClrLst>
+    <dgm:linClrLst meth="repeat">
+      <a:schemeClr val="lt1"/>
+    </dgm:linClrLst>
+    <dgm:effectClrLst/>
+    <dgm:txLinClrLst/>
+    <dgm:txFillClrLst meth="repeat">
+      <a:schemeClr val="lt1"/>
+    </dgm:txFillClrLst>
+    <dgm:txEffectClrLst/>
+  </dgm:styleLbl>
+  <dgm:styleLbl name="parChTrans1D1">
+    <dgm:fillClrLst meth="repeat">
+      <a:schemeClr val="accent5"/>
+    </dgm:fillClrLst>
+    <dgm:linClrLst meth="repeat">
+      <a:schemeClr val="accent5"/>
+    </dgm:linClrLst>
+    <dgm:effectClrLst/>
+    <dgm:txLinClrLst/>
+    <dgm:txFillClrLst meth="repeat">
+      <a:schemeClr val="tx1"/>
+    </dgm:txFillClrLst>
+    <dgm:txEffectClrLst/>
+  </dgm:styleLbl>
+  <dgm:styleLbl name="parChTrans1D2">
+    <dgm:fillClrLst meth="repeat">
+      <a:schemeClr val="accent6">
+        <a:tint val="90000"/>
+      </a:schemeClr>
+    </dgm:fillClrLst>
+    <dgm:linClrLst meth="repeat">
+      <a:schemeClr val="accent6"/>
+    </dgm:linClrLst>
+    <dgm:effectClrLst/>
+    <dgm:txLinClrLst/>
+    <dgm:txFillClrLst meth="repeat">
+      <a:schemeClr val="tx1"/>
+    </dgm:txFillClrLst>
+    <dgm:txEffectClrLst/>
+  </dgm:styleLbl>
+  <dgm:styleLbl name="parChTrans1D3">
+    <dgm:fillClrLst meth="repeat">
+      <a:schemeClr val="accent6">
+        <a:tint val="70000"/>
+      </a:schemeClr>
+    </dgm:fillClrLst>
+    <dgm:linClrLst meth="repeat">
+      <a:schemeClr val="accent1"/>
+    </dgm:linClrLst>
+    <dgm:effectClrLst/>
+    <dgm:txLinClrLst/>
+    <dgm:txFillClrLst meth="repeat">
+      <a:schemeClr val="tx1"/>
+    </dgm:txFillClrLst>
+    <dgm:txEffectClrLst/>
+  </dgm:styleLbl>
+  <dgm:styleLbl name="parChTrans1D4">
+    <dgm:fillClrLst meth="repeat">
+      <a:schemeClr val="accent6">
+        <a:tint val="50000"/>
+      </a:schemeClr>
+    </dgm:fillClrLst>
+    <dgm:linClrLst meth="repeat">
+      <a:schemeClr val="accent2"/>
+    </dgm:linClrLst>
+    <dgm:effectClrLst/>
+    <dgm:txLinClrLst/>
+    <dgm:txFillClrLst meth="repeat">
+      <a:schemeClr val="tx1"/>
+    </dgm:txFillClrLst>
+    <dgm:txEffectClrLst/>
+  </dgm:styleLbl>
+  <dgm:styleLbl name="fgAcc1">
+    <dgm:fillClrLst meth="repeat">
+      <a:schemeClr val="lt1">
+        <a:alpha val="90000"/>
+      </a:schemeClr>
+    </dgm:fillClrLst>
+    <dgm:linClrLst>
+      <a:schemeClr val="accent5"/>
+      <a:schemeClr val="accent6"/>
+    </dgm:linClrLst>
+    <dgm:effectClrLst/>
+    <dgm:txLinClrLst/>
+    <dgm:txFillClrLst meth="repeat">
+      <a:schemeClr val="dk1"/>
+    </dgm:txFillClrLst>
+    <dgm:txEffectClrLst/>
+  </dgm:styleLbl>
+  <dgm:styleLbl name="conFgAcc1">
+    <dgm:fillClrLst meth="repeat">
+      <a:schemeClr val="lt1">
+        <a:alpha val="90000"/>
+      </a:schemeClr>
+    </dgm:fillClrLst>
+    <dgm:linClrLst>
+      <a:schemeClr val="accent5"/>
+      <a:schemeClr val="accent6"/>
+    </dgm:linClrLst>
+    <dgm:effectClrLst/>
+    <dgm:txLinClrLst/>
+    <dgm:txFillClrLst meth="repeat">
+      <a:schemeClr val="dk1"/>
+    </dgm:txFillClrLst>
+    <dgm:txEffectClrLst/>
+  </dgm:styleLbl>
+  <dgm:styleLbl name="alignAcc1">
+    <dgm:fillClrLst meth="repeat">
+      <a:schemeClr val="lt1">
+        <a:alpha val="90000"/>
+      </a:schemeClr>
+    </dgm:fillClrLst>
+    <dgm:linClrLst>
+      <a:schemeClr val="accent5"/>
+      <a:schemeClr val="accent6"/>
+    </dgm:linClrLst>
+    <dgm:effectClrLst/>
+    <dgm:txLinClrLst/>
+    <dgm:txFillClrLst meth="repeat">
+      <a:schemeClr val="dk1"/>
+    </dgm:txFillClrLst>
+    <dgm:txEffectClrLst/>
+  </dgm:styleLbl>
+  <dgm:styleLbl name="trAlignAcc1">
+    <dgm:fillClrLst meth="repeat">
+      <a:schemeClr val="lt1">
+        <a:alpha val="40000"/>
+      </a:schemeClr>
+    </dgm:fillClrLst>
+    <dgm:linClrLst meth="repeat">
+      <a:schemeClr val="accent5"/>
+    </dgm:linClrLst>
+    <dgm:effectClrLst/>
+    <dgm:txLinClrLst/>
+    <dgm:txFillClrLst meth="repeat">
+      <a:schemeClr val="dk1"/>
+    </dgm:txFillClrLst>
+    <dgm:txEffectClrLst/>
+  </dgm:styleLbl>
+  <dgm:styleLbl name="bgAcc1">
+    <dgm:fillClrLst meth="repeat">
+      <a:schemeClr val="lt1">
+        <a:alpha val="90000"/>
+      </a:schemeClr>
+    </dgm:fillClrLst>
+    <dgm:linClrLst>
+      <a:schemeClr val="accent5"/>
+      <a:schemeClr val="accent6"/>
+    </dgm:linClrLst>
+    <dgm:effectClrLst/>
+    <dgm:txLinClrLst/>
+    <dgm:txFillClrLst meth="repeat">
+      <a:schemeClr val="dk1"/>
+    </dgm:txFillClrLst>
+    <dgm:txEffectClrLst/>
+  </dgm:styleLbl>
+  <dgm:styleLbl name="solidFgAcc1">
+    <dgm:fillClrLst meth="repeat">
+      <a:schemeClr val="lt1"/>
+    </dgm:fillClrLst>
+    <dgm:linClrLst>
+      <a:schemeClr val="accent5"/>
+      <a:schemeClr val="accent6"/>
+    </dgm:linClrLst>
+    <dgm:effectClrLst/>
+    <dgm:txLinClrLst/>
+    <dgm:txFillClrLst meth="repeat">
+      <a:schemeClr val="dk1"/>
+    </dgm:txFillClrLst>
+    <dgm:txEffectClrLst/>
+  </dgm:styleLbl>
+  <dgm:styleLbl name="solidAlignAcc1">
+    <dgm:fillClrLst meth="repeat">
+      <a:schemeClr val="lt1"/>
+    </dgm:fillClrLst>
+    <dgm:linClrLst>
+      <a:schemeClr val="accent5"/>
+      <a:schemeClr val="accent6"/>
+    </dgm:linClrLst>
+    <dgm:effectClrLst/>
+    <dgm:txLinClrLst/>
+    <dgm:txFillClrLst meth="repeat">
+      <a:schemeClr val="dk1"/>
+    </dgm:txFillClrLst>
+    <dgm:txEffectClrLst/>
+  </dgm:styleLbl>
+  <dgm:styleLbl name="solidBgAcc1">
+    <dgm:fillClrLst meth="repeat">
+      <a:schemeClr val="lt1"/>
+    </dgm:fillClrLst>
+    <dgm:linClrLst>
+      <a:schemeClr val="accent5"/>
+      <a:schemeClr val="accent6"/>
+    </dgm:linClrLst>
+    <dgm:effectClrLst/>
+    <dgm:txLinClrLst/>
+    <dgm:txFillClrLst meth="repeat">
+      <a:schemeClr val="dk1"/>
+    </dgm:txFillClrLst>
+    <dgm:txEffectClrLst/>
+  </dgm:styleLbl>
+  <dgm:styleLbl name="fgAccFollowNode1">
+    <dgm:fillClrLst>
+      <a:schemeClr val="accent5">
+        <a:tint val="40000"/>
+        <a:alpha val="90000"/>
+      </a:schemeClr>
+      <a:schemeClr val="accent6">
+        <a:tint val="40000"/>
+        <a:alpha val="90000"/>
+      </a:schemeClr>
+    </dgm:fillClrLst>
+    <dgm:linClrLst>
+      <a:schemeClr val="accent5">
+        <a:tint val="40000"/>
+        <a:alpha val="90000"/>
+      </a:schemeClr>
+      <a:schemeClr val="accent5">
+        <a:tint val="40000"/>
+        <a:alpha val="90000"/>
+      </a:schemeClr>
+    </dgm:linClrLst>
+    <dgm:effectClrLst/>
+    <dgm:txLinClrLst/>
+    <dgm:txFillClrLst meth="repeat">
+      <a:schemeClr val="dk1"/>
+    </dgm:txFillClrLst>
+    <dgm:txEffectClrLst/>
+  </dgm:styleLbl>
+  <dgm:styleLbl name="alignAccFollowNode1">
+    <dgm:fillClrLst>
+      <a:schemeClr val="accent5">
+        <a:tint val="40000"/>
+        <a:alpha val="90000"/>
+      </a:schemeClr>
+      <a:schemeClr val="accent6">
+        <a:tint val="40000"/>
+        <a:alpha val="90000"/>
+      </a:schemeClr>
+    </dgm:fillClrLst>
+    <dgm:linClrLst>
+      <a:schemeClr val="accent5">
+        <a:tint val="40000"/>
+        <a:alpha val="90000"/>
+      </a:schemeClr>
+      <a:schemeClr val="accent6">
+        <a:tint val="40000"/>
+        <a:alpha val="90000"/>
+      </a:schemeClr>
+    </dgm:linClrLst>
+    <dgm:effectClrLst/>
+    <dgm:txLinClrLst/>
+    <dgm:txFillClrLst meth="repeat">
+      <a:schemeClr val="dk1"/>
+    </dgm:txFillClrLst>
+    <dgm:txEffectClrLst/>
+  </dgm:styleLbl>
+  <dgm:styleLbl name="bgAccFollowNode1">
+    <dgm:fillClrLst>
+      <a:schemeClr val="accent5">
+        <a:tint val="40000"/>
+        <a:alpha val="90000"/>
+      </a:schemeClr>
+      <a:schemeClr val="accent6">
+        <a:tint val="40000"/>
+        <a:alpha val="90000"/>
+      </a:schemeClr>
+    </dgm:fillClrLst>
+    <dgm:linClrLst>
+      <a:schemeClr val="accent5">
+        <a:tint val="40000"/>
+        <a:alpha val="90000"/>
+      </a:schemeClr>
+      <a:schemeClr val="accent6">
+        <a:tint val="40000"/>
+        <a:alpha val="90000"/>
+      </a:schemeClr>
+    </dgm:linClrLst>
+    <dgm:effectClrLst/>
+    <dgm:txLinClrLst/>
+    <dgm:txFillClrLst meth="repeat">
+      <a:schemeClr val="dk1"/>
+    </dgm:txFillClrLst>
+    <dgm:txEffectClrLst/>
+  </dgm:styleLbl>
+  <dgm:styleLbl name="fgAcc0">
+    <dgm:fillClrLst meth="repeat">
+      <a:schemeClr val="lt1">
+        <a:alpha val="90000"/>
+      </a:schemeClr>
+    </dgm:fillClrLst>
+    <dgm:linClrLst>
+      <a:schemeClr val="accent4"/>
+    </dgm:linClrLst>
+    <dgm:effectClrLst/>
+    <dgm:txLinClrLst/>
+    <dgm:txFillClrLst meth="repeat">
+      <a:schemeClr val="dk1"/>
+    </dgm:txFillClrLst>
+    <dgm:txEffectClrLst/>
+  </dgm:styleLbl>
+  <dgm:styleLbl name="fgAcc2">
+    <dgm:fillClrLst meth="repeat">
+      <a:schemeClr val="lt1">
+        <a:alpha val="90000"/>
+      </a:schemeClr>
+    </dgm:fillClrLst>
+    <dgm:linClrLst>
+      <a:schemeClr val="accent6"/>
+    </dgm:linClrLst>
+    <dgm:effectClrLst/>
+    <dgm:txLinClrLst/>
+    <dgm:txFillClrLst meth="repeat">
+      <a:schemeClr val="dk1"/>
+    </dgm:txFillClrLst>
+    <dgm:txEffectClrLst/>
+  </dgm:styleLbl>
+  <dgm:styleLbl name="fgAcc3">
+    <dgm:fillClrLst meth="repeat">
+      <a:schemeClr val="lt1">
+        <a:alpha val="90000"/>
+      </a:schemeClr>
+    </dgm:fillClrLst>
+    <dgm:linClrLst>
+      <a:schemeClr val="accent1"/>
+    </dgm:linClrLst>
+    <dgm:effectClrLst/>
+    <dgm:txLinClrLst/>
+    <dgm:txFillClrLst meth="repeat">
+      <a:schemeClr val="dk1"/>
+    </dgm:txFillClrLst>
+    <dgm:txEffectClrLst/>
+  </dgm:styleLbl>
+  <dgm:styleLbl name="fgAcc4">
+    <dgm:fillClrLst meth="repeat">
+      <a:schemeClr val="lt1">
+        <a:alpha val="90000"/>
+      </a:schemeClr>
+    </dgm:fillClrLst>
+    <dgm:linClrLst>
+      <a:schemeClr val="accent2"/>
+    </dgm:linClrLst>
+    <dgm:effectClrLst/>
+    <dgm:txLinClrLst/>
+    <dgm:txFillClrLst meth="repeat">
+      <a:schemeClr val="dk1"/>
+    </dgm:txFillClrLst>
+    <dgm:txEffectClrLst/>
+  </dgm:styleLbl>
+  <dgm:styleLbl name="bgShp">
+    <dgm:fillClrLst meth="repeat">
+      <a:schemeClr val="bg1">
+        <a:lumMod val="95000"/>
+      </a:schemeClr>
+    </dgm:fillClrLst>
+    <dgm:linClrLst meth="repeat">
+      <a:schemeClr val="dk1"/>
+    </dgm:linClrLst>
+    <dgm:effectClrLst/>
+    <dgm:txLinClrLst/>
+    <dgm:txFillClrLst meth="repeat">
+      <a:schemeClr val="dk1"/>
+    </dgm:txFillClrLst>
+    <dgm:txEffectClrLst/>
+  </dgm:styleLbl>
+  <dgm:styleLbl name="dkBgShp">
+    <dgm:fillClrLst meth="repeat">
+      <a:schemeClr val="accent5">
+        <a:shade val="90000"/>
+      </a:schemeClr>
+    </dgm:fillClrLst>
+    <dgm:linClrLst meth="repeat">
+      <a:schemeClr val="dk1"/>
+    </dgm:linClrLst>
+    <dgm:effectClrLst/>
+    <dgm:txLinClrLst/>
+    <dgm:txFillClrLst meth="repeat">
+      <a:schemeClr val="lt1"/>
+    </dgm:txFillClrLst>
+    <dgm:txEffectClrLst/>
+  </dgm:styleLbl>
+  <dgm:styleLbl name="trBgShp">
+    <dgm:fillClrLst meth="repeat">
+      <a:schemeClr val="accent5">
+        <a:tint val="50000"/>
+        <a:alpha val="40000"/>
+      </a:schemeClr>
+    </dgm:fillClrLst>
+    <dgm:linClrLst meth="repeat">
+      <a:schemeClr val="accent5"/>
+    </dgm:linClrLst>
+    <dgm:effectClrLst/>
+    <dgm:txLinClrLst/>
+    <dgm:txFillClrLst meth="repeat">
+      <a:schemeClr val="lt1"/>
+    </dgm:txFillClrLst>
+    <dgm:txEffectClrLst/>
+  </dgm:styleLbl>
+  <dgm:styleLbl name="fgShp">
+    <dgm:fillClrLst meth="repeat">
+      <a:schemeClr val="accent5">
+        <a:tint val="40000"/>
+      </a:schemeClr>
+    </dgm:fillClrLst>
+    <dgm:linClrLst meth="repeat">
+      <a:schemeClr val="lt1"/>
+    </dgm:linClrLst>
+    <dgm:effectClrLst/>
+    <dgm:txLinClrLst/>
+    <dgm:txFillClrLst meth="repeat">
+      <a:schemeClr val="dk1"/>
+    </dgm:txFillClrLst>
+    <dgm:txEffectClrLst/>
+  </dgm:styleLbl>
+  <dgm:styleLbl name="revTx">
+    <dgm:fillClrLst meth="repeat">
+      <a:schemeClr val="lt1">
+        <a:alpha val="0"/>
+      </a:schemeClr>
+    </dgm:fillClrLst>
+    <dgm:linClrLst meth="repeat">
+      <a:schemeClr val="dk1">
+        <a:alpha val="0"/>
+      </a:schemeClr>
+    </dgm:linClrLst>
+    <dgm:effectClrLst/>
+    <dgm:txLinClrLst/>
+    <dgm:txFillClrLst meth="repeat">
+      <a:schemeClr val="tx1"/>
+    </dgm:txFillClrLst>
+    <dgm:txEffectClrLst/>
+  </dgm:styleLbl>
+</dgm:colorsDef>
+</file>
+
+<file path=ppt/diagrams/colors2.xml><?xml version="1.0" encoding="utf-8"?>
+<dgm:colorsDef xmlns:dgm="http://schemas.openxmlformats.org/drawingml/2006/diagram" xmlns:a="http://schemas.openxmlformats.org/drawingml/2006/main" uniqueId="urn:microsoft.com/office/officeart/2018/5/colors/Iconchunking_neutralbg_colorful5">
+  <dgm:title val=""/>
+  <dgm:desc val=""/>
+  <dgm:catLst>
+    <dgm:cat type="colorful" pri="10500"/>
+  </dgm:catLst>
+  <dgm:styleLbl name="node0">
+    <dgm:fillClrLst meth="repeat">
+      <a:schemeClr val="accent4"/>
+    </dgm:fillClrLst>
+    <dgm:linClrLst meth="repeat">
+      <a:schemeClr val="lt1"/>
+    </dgm:linClrLst>
+    <dgm:effectClrLst/>
+    <dgm:txLinClrLst/>
+    <dgm:txFillClrLst/>
+    <dgm:txEffectClrLst/>
+  </dgm:styleLbl>
+  <dgm:styleLbl name="node1">
+    <dgm:fillClrLst>
+      <a:schemeClr val="accent5"/>
+      <a:schemeClr val="accent6"/>
+    </dgm:fillClrLst>
+    <dgm:linClrLst meth="repeat">
+      <a:schemeClr val="lt1">
+        <a:alpha val="0"/>
+      </a:schemeClr>
+    </dgm:linClrLst>
+    <dgm:effectClrLst/>
+    <dgm:txLinClrLst/>
+    <dgm:txFillClrLst/>
+    <dgm:txEffectClrLst/>
+  </dgm:styleLbl>
+  <dgm:styleLbl name="alignNode1">
+    <dgm:fillClrLst>
+      <a:schemeClr val="accent5"/>
+      <a:schemeClr val="accent6"/>
+    </dgm:fillClrLst>
+    <dgm:linClrLst>
+      <a:schemeClr val="accent5"/>
+      <a:schemeClr val="accent6"/>
+    </dgm:linClrLst>
+    <dgm:effectClrLst/>
+    <dgm:txLinClrLst/>
+    <dgm:txFillClrLst/>
+    <dgm:txEffectClrLst/>
+  </dgm:styleLbl>
+  <dgm:styleLbl name="lnNode1">
+    <dgm:fillClrLst>
+      <a:schemeClr val="accent5"/>
+      <a:schemeClr val="accent6"/>
+    </dgm:fillClrLst>
+    <dgm:linClrLst meth="repeat">
+      <a:schemeClr val="lt1"/>
+    </dgm:linClrLst>
+    <dgm:effectClrLst/>
+    <dgm:txLinClrLst/>
+    <dgm:txFillClrLst/>
+    <dgm:txEffectClrLst/>
+  </dgm:styleLbl>
+  <dgm:styleLbl name="vennNode1">
+    <dgm:fillClrLst>
+      <a:schemeClr val="accent5">
+        <a:alpha val="50000"/>
+      </a:schemeClr>
+      <a:schemeClr val="accent6">
+        <a:alpha val="50000"/>
+      </a:schemeClr>
+    </dgm:fillClrLst>
+    <dgm:linClrLst meth="repeat">
+      <a:schemeClr val="lt1"/>
+    </dgm:linClrLst>
+    <dgm:effectClrLst/>
+    <dgm:txLinClrLst/>
+    <dgm:txFillClrLst/>
+    <dgm:txEffectClrLst/>
+  </dgm:styleLbl>
+  <dgm:styleLbl name="node2">
+    <dgm:fillClrLst>
+      <a:schemeClr val="accent6"/>
+    </dgm:fillClrLst>
+    <dgm:linClrLst meth="repeat">
+      <a:schemeClr val="lt1"/>
+    </dgm:linClrLst>
+    <dgm:effectClrLst/>
+    <dgm:txLinClrLst/>
+    <dgm:txFillClrLst/>
+    <dgm:txEffectClrLst/>
+  </dgm:styleLbl>
+  <dgm:styleLbl name="node3">
+    <dgm:fillClrLst>
+      <a:schemeClr val="accent1"/>
+    </dgm:fillClrLst>
+    <dgm:linClrLst meth="repeat">
+      <a:schemeClr val="lt1"/>
+    </dgm:linClrLst>
+    <dgm:effectClrLst/>
+    <dgm:txLinClrLst/>
+    <dgm:txFillClrLst/>
+    <dgm:txEffectClrLst/>
+  </dgm:styleLbl>
+  <dgm:styleLbl name="node4">
+    <dgm:fillClrLst>
+      <a:schemeClr val="accent2"/>
+    </dgm:fillClrLst>
+    <dgm:linClrLst meth="repeat">
+      <a:schemeClr val="lt1"/>
+    </dgm:linClrLst>
+    <dgm:effectClrLst/>
+    <dgm:txLinClrLst/>
+    <dgm:txFillClrLst/>
+    <dgm:txEffectClrLst/>
+  </dgm:styleLbl>
+  <dgm:styleLbl name="fgImgPlace1">
+    <dgm:fillClrLst>
+      <a:schemeClr val="accent5">
+        <a:tint val="50000"/>
+      </a:schemeClr>
+      <a:schemeClr val="accent6">
+        <a:tint val="50000"/>
+      </a:schemeClr>
+    </dgm:fillClrLst>
+    <dgm:linClrLst meth="repeat">
+      <a:schemeClr val="lt1"/>
+    </dgm:linClrLst>
+    <dgm:effectClrLst/>
+    <dgm:txLinClrLst/>
+    <dgm:txFillClrLst meth="repeat">
+      <a:schemeClr val="lt1"/>
+    </dgm:txFillClrLst>
+    <dgm:txEffectClrLst/>
+  </dgm:styleLbl>
+  <dgm:styleLbl name="alignImgPlace1">
+    <dgm:fillClrLst>
+      <a:schemeClr val="accent5">
+        <a:tint val="50000"/>
+      </a:schemeClr>
+      <a:schemeClr val="accent6">
+        <a:tint val="20000"/>
+      </a:schemeClr>
+    </dgm:fillClrLst>
+    <dgm:linClrLst meth="repeat">
+      <a:schemeClr val="lt1"/>
+    </dgm:linClrLst>
+    <dgm:effectClrLst/>
+    <dgm:txLinClrLst/>
+    <dgm:txFillClrLst meth="repeat">
+      <a:schemeClr val="lt1"/>
+    </dgm:txFillClrLst>
+    <dgm:txEffectClrLst/>
+  </dgm:styleLbl>
+  <dgm:styleLbl name="bgImgPlace1">
+    <dgm:fillClrLst>
+      <a:schemeClr val="accent5">
+        <a:tint val="50000"/>
+      </a:schemeClr>
+      <a:schemeClr val="accent6">
+        <a:tint val="20000"/>
+      </a:schemeClr>
+    </dgm:fillClrLst>
+    <dgm:linClrLst meth="repeat">
+      <a:schemeClr val="lt1"/>
+    </dgm:linClrLst>
+    <dgm:effectClrLst/>
+    <dgm:txLinClrLst/>
+    <dgm:txFillClrLst meth="repeat">
+      <a:schemeClr val="lt1"/>
+    </dgm:txFillClrLst>
+    <dgm:txEffectClrLst/>
+  </dgm:styleLbl>
+  <dgm:styleLbl name="sibTrans2D1">
+    <dgm:fillClrLst>
+      <a:schemeClr val="accent5"/>
+      <a:schemeClr val="accent6"/>
+    </dgm:fillClrLst>
+    <dgm:linClrLst meth="repeat">
+      <a:schemeClr val="lt1"/>
+    </dgm:linClrLst>
+    <dgm:effectClrLst/>
+    <dgm:txLinClrLst/>
+    <dgm:txFillClrLst/>
+    <dgm:txEffectClrLst/>
+  </dgm:styleLbl>
+  <dgm:styleLbl name="fgSibTrans2D1">
+    <dgm:fillClrLst>
+      <a:schemeClr val="accent5"/>
+      <a:schemeClr val="accent6"/>
+    </dgm:fillClrLst>
+    <dgm:linClrLst meth="repeat">
+      <a:schemeClr val="lt1"/>
+    </dgm:linClrLst>
+    <dgm:effectClrLst/>
+    <dgm:txLinClrLst/>
+    <dgm:txFillClrLst meth="repeat">
+      <a:schemeClr val="lt1"/>
+    </dgm:txFillClrLst>
+    <dgm:txEffectClrLst/>
+  </dgm:styleLbl>
+  <dgm:styleLbl name="bgSibTrans2D1">
+    <dgm:fillClrLst>
+      <a:schemeClr val="accent5"/>
+      <a:schemeClr val="accent6"/>
+    </dgm:fillClrLst>
+    <dgm:linClrLst meth="repeat">
+      <a:schemeClr val="lt1"/>
+    </dgm:linClrLst>
+    <dgm:effectClrLst/>
+    <dgm:txLinClrLst/>
+    <dgm:txFillClrLst meth="repeat">
+      <a:schemeClr val="lt1"/>
+    </dgm:txFillClrLst>
+    <dgm:txEffectClrLst/>
+  </dgm:styleLbl>
+  <dgm:styleLbl name="sibTrans1D1">
+    <dgm:fillClrLst/>
+    <dgm:linClrLst>
+      <a:schemeClr val="accent5"/>
+      <a:schemeClr val="accent6"/>
+    </dgm:linClrLst>
+    <dgm:effectClrLst/>
+    <dgm:txLinClrLst/>
+    <dgm:txFillClrLst meth="repeat">
+      <a:schemeClr val="tx1"/>
+    </dgm:txFillClrLst>
+    <dgm:txEffectClrLst/>
+  </dgm:styleLbl>
+  <dgm:styleLbl name="callout">
+    <dgm:fillClrLst meth="repeat">
+      <a:schemeClr val="accent5"/>
+    </dgm:fillClrLst>
+    <dgm:linClrLst meth="repeat">
+      <a:schemeClr val="accent5">
+        <a:tint val="50000"/>
+      </a:schemeClr>
+    </dgm:linClrLst>
+    <dgm:effectClrLst/>
+    <dgm:txLinClrLst/>
+    <dgm:txFillClrLst meth="repeat">
+      <a:schemeClr val="tx1"/>
+    </dgm:txFillClrLst>
+    <dgm:txEffectClrLst/>
+  </dgm:styleLbl>
+  <dgm:styleLbl name="asst0">
+    <dgm:fillClrLst meth="repeat">
+      <a:schemeClr val="accent5"/>
+    </dgm:fillClrLst>
+    <dgm:linClrLst meth="repeat">
+      <a:schemeClr val="lt1">
+        <a:shade val="80000"/>
+      </a:schemeClr>
+    </dgm:linClrLst>
+    <dgm:effectClrLst/>
+    <dgm:txLinClrLst/>
+    <dgm:txFillClrLst/>
+    <dgm:txEffectClrLst/>
+  </dgm:styleLbl>
+  <dgm:styleLbl name="asst1">
+    <dgm:fillClrLst meth="repeat">
+      <a:schemeClr val="accent6"/>
+    </dgm:fillClrLst>
+    <dgm:linClrLst meth="repeat">
+      <a:schemeClr val="lt1">
+        <a:shade val="80000"/>
+      </a:schemeClr>
+    </dgm:linClrLst>
+    <dgm:effectClrLst/>
+    <dgm:txLinClrLst/>
+    <dgm:txFillClrLst/>
+    <dgm:txEffectClrLst/>
+  </dgm:styleLbl>
+  <dgm:styleLbl name="asst2">
+    <dgm:fillClrLst>
+      <a:schemeClr val="accent1"/>
+    </dgm:fillClrLst>
+    <dgm:linClrLst meth="repeat">
+      <a:schemeClr val="lt1"/>
+    </dgm:linClrLst>
+    <dgm:effectClrLst/>
+    <dgm:txLinClrLst/>
+    <dgm:txFillClrLst/>
+    <dgm:txEffectClrLst/>
+  </dgm:styleLbl>
+  <dgm:styleLbl name="asst3">
+    <dgm:fillClrLst>
+      <a:schemeClr val="accent2"/>
+    </dgm:fillClrLst>
+    <dgm:linClrLst meth="repeat">
+      <a:schemeClr val="lt1"/>
+    </dgm:linClrLst>
+    <dgm:effectClrLst/>
+    <dgm:txLinClrLst/>
+    <dgm:txFillClrLst/>
+    <dgm:txEffectClrLst/>
+  </dgm:styleLbl>
+  <dgm:styleLbl name="asst4">
+    <dgm:fillClrLst>
+      <a:schemeClr val="accent3"/>
+    </dgm:fillClrLst>
+    <dgm:linClrLst meth="repeat">
+      <a:schemeClr val="lt1"/>
+    </dgm:linClrLst>
+    <dgm:effectClrLst/>
+    <dgm:txLinClrLst/>
+    <dgm:txFillClrLst/>
+    <dgm:txEffectClrLst/>
+  </dgm:styleLbl>
+  <dgm:styleLbl name="parChTrans2D1">
+    <dgm:fillClrLst meth="repeat">
+      <a:schemeClr val="accent5"/>
+    </dgm:fillClrLst>
+    <dgm:linClrLst meth="repeat">
+      <a:schemeClr val="lt1"/>
+    </dgm:linClrLst>
+    <dgm:effectClrLst/>
+    <dgm:txLinClrLst/>
+    <dgm:txFillClrLst meth="repeat">
+      <a:schemeClr val="lt1"/>
+    </dgm:txFillClrLst>
+    <dgm:txEffectClrLst/>
+  </dgm:styleLbl>
+  <dgm:styleLbl name="parChTrans2D2">
+    <dgm:fillClrLst meth="repeat">
+      <a:schemeClr val="accent6"/>
+    </dgm:fillClrLst>
+    <dgm:linClrLst meth="repeat">
+      <a:schemeClr val="lt1"/>
+    </dgm:linClrLst>
+    <dgm:effectClrLst/>
+    <dgm:txLinClrLst/>
+    <dgm:txFillClrLst/>
+    <dgm:txEffectClrLst/>
+  </dgm:styleLbl>
+  <dgm:styleLbl name="parChTrans2D3">
+    <dgm:fillClrLst meth="repeat">
+      <a:schemeClr val="accent6"/>
+    </dgm:fillClrLst>
+    <dgm:linClrLst meth="repeat">
+      <a:schemeClr val="lt1"/>
+    </dgm:linClrLst>
+    <dgm:effectClrLst/>
+    <dgm:txLinClrLst/>
+    <dgm:txFillClrLst/>
+    <dgm:txEffectClrLst/>
+  </dgm:styleLbl>
+  <dgm:styleLbl name="parChTrans2D4">
+    <dgm:fillClrLst meth="repeat">
+      <a:schemeClr val="accent1"/>
+    </dgm:fillClrLst>
+    <dgm:linClrLst meth="repeat">
+      <a:schemeClr val="lt1"/>
+    </dgm:linClrLst>
+    <dgm:effectClrLst/>
+    <dgm:txLinClrLst/>
+    <dgm:txFillClrLst meth="repeat">
+      <a:schemeClr val="lt1"/>
+    </dgm:txFillClrLst>
+    <dgm:txEffectClrLst/>
+  </dgm:styleLbl>
+  <dgm:styleLbl name="parChTrans1D1">
+    <dgm:fillClrLst meth="repeat">
+      <a:schemeClr val="accent5"/>
+    </dgm:fillClrLst>
+    <dgm:linClrLst meth="repeat">
+      <a:schemeClr val="accent5"/>
+    </dgm:linClrLst>
+    <dgm:effectClrLst/>
+    <dgm:txLinClrLst/>
+    <dgm:txFillClrLst meth="repeat">
+      <a:schemeClr val="tx1"/>
+    </dgm:txFillClrLst>
+    <dgm:txEffectClrLst/>
+  </dgm:styleLbl>
+  <dgm:styleLbl name="parChTrans1D2">
+    <dgm:fillClrLst meth="repeat">
+      <a:schemeClr val="accent6">
+        <a:tint val="90000"/>
+      </a:schemeClr>
+    </dgm:fillClrLst>
+    <dgm:linClrLst meth="repeat">
+      <a:schemeClr val="accent6"/>
+    </dgm:linClrLst>
+    <dgm:effectClrLst/>
+    <dgm:txLinClrLst/>
+    <dgm:txFillClrLst meth="repeat">
+      <a:schemeClr val="tx1"/>
+    </dgm:txFillClrLst>
+    <dgm:txEffectClrLst/>
+  </dgm:styleLbl>
+  <dgm:styleLbl name="parChTrans1D3">
+    <dgm:fillClrLst meth="repeat">
+      <a:schemeClr val="accent6">
+        <a:tint val="70000"/>
+      </a:schemeClr>
+    </dgm:fillClrLst>
+    <dgm:linClrLst meth="repeat">
+      <a:schemeClr val="accent1"/>
+    </dgm:linClrLst>
+    <dgm:effectClrLst/>
+    <dgm:txLinClrLst/>
+    <dgm:txFillClrLst meth="repeat">
+      <a:schemeClr val="tx1"/>
+    </dgm:txFillClrLst>
+    <dgm:txEffectClrLst/>
+  </dgm:styleLbl>
+  <dgm:styleLbl name="parChTrans1D4">
+    <dgm:fillClrLst meth="repeat">
+      <a:schemeClr val="accent6">
+        <a:tint val="50000"/>
+      </a:schemeClr>
+    </dgm:fillClrLst>
+    <dgm:linClrLst meth="repeat">
+      <a:schemeClr val="accent2"/>
+    </dgm:linClrLst>
+    <dgm:effectClrLst/>
+    <dgm:txLinClrLst/>
+    <dgm:txFillClrLst meth="repeat">
+      <a:schemeClr val="tx1"/>
+    </dgm:txFillClrLst>
+    <dgm:txEffectClrLst/>
+  </dgm:styleLbl>
+  <dgm:styleLbl name="fgAcc1">
+    <dgm:fillClrLst meth="repeat">
+      <a:schemeClr val="lt1">
+        <a:alpha val="90000"/>
+      </a:schemeClr>
+    </dgm:fillClrLst>
+    <dgm:linClrLst>
+      <a:schemeClr val="accent5"/>
+      <a:schemeClr val="accent6"/>
+    </dgm:linClrLst>
+    <dgm:effectClrLst/>
+    <dgm:txLinClrLst/>
+    <dgm:txFillClrLst meth="repeat">
+      <a:schemeClr val="dk1"/>
+    </dgm:txFillClrLst>
+    <dgm:txEffectClrLst/>
+  </dgm:styleLbl>
+  <dgm:styleLbl name="conFgAcc1">
+    <dgm:fillClrLst meth="repeat">
+      <a:schemeClr val="lt1">
+        <a:alpha val="90000"/>
+      </a:schemeClr>
+    </dgm:fillClrLst>
+    <dgm:linClrLst>
+      <a:schemeClr val="accent5"/>
+      <a:schemeClr val="accent6"/>
+    </dgm:linClrLst>
+    <dgm:effectClrLst/>
+    <dgm:txLinClrLst/>
+    <dgm:txFillClrLst meth="repeat">
+      <a:schemeClr val="dk1"/>
+    </dgm:txFillClrLst>
+    <dgm:txEffectClrLst/>
+  </dgm:styleLbl>
+  <dgm:styleLbl name="alignAcc1">
+    <dgm:fillClrLst meth="repeat">
+      <a:schemeClr val="lt1">
+        <a:alpha val="90000"/>
+      </a:schemeClr>
+    </dgm:fillClrLst>
+    <dgm:linClrLst>
+      <a:schemeClr val="accent5"/>
+      <a:schemeClr val="accent6"/>
+    </dgm:linClrLst>
+    <dgm:effectClrLst/>
+    <dgm:txLinClrLst/>
+    <dgm:txFillClrLst meth="repeat">
+      <a:schemeClr val="dk1"/>
+    </dgm:txFillClrLst>
+    <dgm:txEffectClrLst/>
+  </dgm:styleLbl>
+  <dgm:styleLbl name="trAlignAcc1">
+    <dgm:fillClrLst meth="repeat">
+      <a:schemeClr val="lt1">
+        <a:alpha val="40000"/>
+      </a:schemeClr>
+    </dgm:fillClrLst>
+    <dgm:linClrLst meth="repeat">
+      <a:schemeClr val="accent5"/>
+    </dgm:linClrLst>
+    <dgm:effectClrLst/>
+    <dgm:txLinClrLst/>
+    <dgm:txFillClrLst meth="repeat">
+      <a:schemeClr val="dk1"/>
+    </dgm:txFillClrLst>
+    <dgm:txEffectClrLst/>
+  </dgm:styleLbl>
+  <dgm:styleLbl name="bgAcc1">
+    <dgm:fillClrLst meth="repeat">
+      <a:schemeClr val="lt1">
+        <a:alpha val="90000"/>
+      </a:schemeClr>
+    </dgm:fillClrLst>
+    <dgm:linClrLst>
+      <a:schemeClr val="accent5"/>
+      <a:schemeClr val="accent6"/>
+    </dgm:linClrLst>
+    <dgm:effectClrLst/>
+    <dgm:txLinClrLst/>
+    <dgm:txFillClrLst meth="repeat">
+      <a:schemeClr val="dk1"/>
+    </dgm:txFillClrLst>
+    <dgm:txEffectClrLst/>
+  </dgm:styleLbl>
+  <dgm:styleLbl name="solidFgAcc1">
+    <dgm:fillClrLst meth="repeat">
+      <a:schemeClr val="lt1"/>
+    </dgm:fillClrLst>
+    <dgm:linClrLst>
+      <a:schemeClr val="accent5"/>
+      <a:schemeClr val="accent6"/>
+    </dgm:linClrLst>
+    <dgm:effectClrLst/>
+    <dgm:txLinClrLst/>
+    <dgm:txFillClrLst meth="repeat">
+      <a:schemeClr val="dk1"/>
+    </dgm:txFillClrLst>
+    <dgm:txEffectClrLst/>
+  </dgm:styleLbl>
+  <dgm:styleLbl name="solidAlignAcc1">
+    <dgm:fillClrLst meth="repeat">
+      <a:schemeClr val="lt1"/>
+    </dgm:fillClrLst>
+    <dgm:linClrLst>
+      <a:schemeClr val="accent5"/>
+      <a:schemeClr val="accent6"/>
+    </dgm:linClrLst>
+    <dgm:effectClrLst/>
+    <dgm:txLinClrLst/>
+    <dgm:txFillClrLst meth="repeat">
+      <a:schemeClr val="dk1"/>
+    </dgm:txFillClrLst>
+    <dgm:txEffectClrLst/>
+  </dgm:styleLbl>
+  <dgm:styleLbl name="solidBgAcc1">
+    <dgm:fillClrLst meth="repeat">
+      <a:schemeClr val="lt1"/>
+    </dgm:fillClrLst>
+    <dgm:linClrLst>
+      <a:schemeClr val="accent5"/>
+      <a:schemeClr val="accent6"/>
+    </dgm:linClrLst>
+    <dgm:effectClrLst/>
+    <dgm:txLinClrLst/>
+    <dgm:txFillClrLst meth="repeat">
+      <a:schemeClr val="dk1"/>
+    </dgm:txFillClrLst>
+    <dgm:txEffectClrLst/>
+  </dgm:styleLbl>
+  <dgm:styleLbl name="fgAccFollowNode1">
+    <dgm:fillClrLst>
+      <a:schemeClr val="accent5">
+        <a:tint val="40000"/>
+        <a:alpha val="90000"/>
+      </a:schemeClr>
+      <a:schemeClr val="accent6">
+        <a:tint val="40000"/>
+        <a:alpha val="90000"/>
+      </a:schemeClr>
+    </dgm:fillClrLst>
+    <dgm:linClrLst>
+      <a:schemeClr val="accent5">
+        <a:tint val="40000"/>
+        <a:alpha val="90000"/>
+      </a:schemeClr>
+      <a:schemeClr val="accent5">
+        <a:tint val="40000"/>
+        <a:alpha val="90000"/>
+      </a:schemeClr>
+    </dgm:linClrLst>
+    <dgm:effectClrLst/>
+    <dgm:txLinClrLst/>
+    <dgm:txFillClrLst meth="repeat">
+      <a:schemeClr val="dk1"/>
+    </dgm:txFillClrLst>
+    <dgm:txEffectClrLst/>
+  </dgm:styleLbl>
+  <dgm:styleLbl name="alignAccFollowNode1">
+    <dgm:fillClrLst>
+      <a:schemeClr val="accent5">
+        <a:tint val="40000"/>
+        <a:alpha val="90000"/>
+      </a:schemeClr>
+      <a:schemeClr val="accent6">
+        <a:tint val="40000"/>
+        <a:alpha val="90000"/>
+      </a:schemeClr>
+    </dgm:fillClrLst>
+    <dgm:linClrLst>
+      <a:schemeClr val="accent5">
+        <a:tint val="40000"/>
+        <a:alpha val="90000"/>
+      </a:schemeClr>
+      <a:schemeClr val="accent6">
+        <a:tint val="40000"/>
+        <a:alpha val="90000"/>
+      </a:schemeClr>
+    </dgm:linClrLst>
+    <dgm:effectClrLst/>
+    <dgm:txLinClrLst/>
+    <dgm:txFillClrLst meth="repeat">
+      <a:schemeClr val="dk1"/>
+    </dgm:txFillClrLst>
+    <dgm:txEffectClrLst/>
+  </dgm:styleLbl>
+  <dgm:styleLbl name="bgAccFollowNode1">
+    <dgm:fillClrLst>
+      <a:schemeClr val="accent5">
+        <a:tint val="40000"/>
+        <a:alpha val="90000"/>
+      </a:schemeClr>
+      <a:schemeClr val="accent6">
+        <a:tint val="40000"/>
+        <a:alpha val="90000"/>
+      </a:schemeClr>
+    </dgm:fillClrLst>
+    <dgm:linClrLst>
+      <a:schemeClr val="accent5">
+        <a:tint val="40000"/>
+        <a:alpha val="90000"/>
+      </a:schemeClr>
+      <a:schemeClr val="accent6">
+        <a:tint val="40000"/>
+        <a:alpha val="90000"/>
+      </a:schemeClr>
+    </dgm:linClrLst>
+    <dgm:effectClrLst/>
+    <dgm:txLinClrLst/>
+    <dgm:txFillClrLst meth="repeat">
+      <a:schemeClr val="dk1"/>
+    </dgm:txFillClrLst>
+    <dgm:txEffectClrLst/>
+  </dgm:styleLbl>
+  <dgm:styleLbl name="fgAcc0">
+    <dgm:fillClrLst meth="repeat">
+      <a:schemeClr val="lt1">
+        <a:alpha val="90000"/>
+      </a:schemeClr>
+    </dgm:fillClrLst>
+    <dgm:linClrLst>
+      <a:schemeClr val="accent4"/>
+    </dgm:linClrLst>
+    <dgm:effectClrLst/>
+    <dgm:txLinClrLst/>
+    <dgm:txFillClrLst meth="repeat">
+      <a:schemeClr val="dk1"/>
+    </dgm:txFillClrLst>
+    <dgm:txEffectClrLst/>
+  </dgm:styleLbl>
+  <dgm:styleLbl name="fgAcc2">
+    <dgm:fillClrLst meth="repeat">
+      <a:schemeClr val="lt1">
+        <a:alpha val="90000"/>
+      </a:schemeClr>
+    </dgm:fillClrLst>
+    <dgm:linClrLst>
+      <a:schemeClr val="accent6"/>
+    </dgm:linClrLst>
+    <dgm:effectClrLst/>
+    <dgm:txLinClrLst/>
+    <dgm:txFillClrLst meth="repeat">
+      <a:schemeClr val="dk1"/>
+    </dgm:txFillClrLst>
+    <dgm:txEffectClrLst/>
+  </dgm:styleLbl>
+  <dgm:styleLbl name="fgAcc3">
+    <dgm:fillClrLst meth="repeat">
+      <a:schemeClr val="lt1">
+        <a:alpha val="90000"/>
+      </a:schemeClr>
+    </dgm:fillClrLst>
+    <dgm:linClrLst>
+      <a:schemeClr val="accent1"/>
+    </dgm:linClrLst>
+    <dgm:effectClrLst/>
+    <dgm:txLinClrLst/>
+    <dgm:txFillClrLst meth="repeat">
+      <a:schemeClr val="dk1"/>
+    </dgm:txFillClrLst>
+    <dgm:txEffectClrLst/>
+  </dgm:styleLbl>
+  <dgm:styleLbl name="fgAcc4">
+    <dgm:fillClrLst meth="repeat">
+      <a:schemeClr val="lt1">
+        <a:alpha val="90000"/>
+      </a:schemeClr>
+    </dgm:fillClrLst>
+    <dgm:linClrLst>
+      <a:schemeClr val="accent2"/>
+    </dgm:linClrLst>
+    <dgm:effectClrLst/>
+    <dgm:txLinClrLst/>
+    <dgm:txFillClrLst meth="repeat">
+      <a:schemeClr val="dk1"/>
+    </dgm:txFillClrLst>
+    <dgm:txEffectClrLst/>
+  </dgm:styleLbl>
+  <dgm:styleLbl name="bgShp">
+    <dgm:fillClrLst meth="repeat">
+      <a:schemeClr val="bg1">
+        <a:lumMod val="95000"/>
+      </a:schemeClr>
+    </dgm:fillClrLst>
+    <dgm:linClrLst meth="repeat">
+      <a:schemeClr val="dk1"/>
+    </dgm:linClrLst>
+    <dgm:effectClrLst/>
+    <dgm:txLinClrLst/>
+    <dgm:txFillClrLst meth="repeat">
+      <a:schemeClr val="dk1"/>
+    </dgm:txFillClrLst>
+    <dgm:txEffectClrLst/>
+  </dgm:styleLbl>
+  <dgm:styleLbl name="dkBgShp">
+    <dgm:fillClrLst meth="repeat">
+      <a:schemeClr val="accent5">
+        <a:shade val="90000"/>
+      </a:schemeClr>
+    </dgm:fillClrLst>
+    <dgm:linClrLst meth="repeat">
+      <a:schemeClr val="dk1"/>
+    </dgm:linClrLst>
+    <dgm:effectClrLst/>
+    <dgm:txLinClrLst/>
+    <dgm:txFillClrLst meth="repeat">
+      <a:schemeClr val="lt1"/>
+    </dgm:txFillClrLst>
+    <dgm:txEffectClrLst/>
+  </dgm:styleLbl>
+  <dgm:styleLbl name="trBgShp">
+    <dgm:fillClrLst meth="repeat">
+      <a:schemeClr val="accent5">
+        <a:tint val="50000"/>
+        <a:alpha val="40000"/>
+      </a:schemeClr>
+    </dgm:fillClrLst>
+    <dgm:linClrLst meth="repeat">
+      <a:schemeClr val="accent5"/>
+    </dgm:linClrLst>
+    <dgm:effectClrLst/>
+    <dgm:txLinClrLst/>
+    <dgm:txFillClrLst meth="repeat">
+      <a:schemeClr val="lt1"/>
+    </dgm:txFillClrLst>
+    <dgm:txEffectClrLst/>
+  </dgm:styleLbl>
+  <dgm:styleLbl name="fgShp">
+    <dgm:fillClrLst meth="repeat">
+      <a:schemeClr val="accent5">
+        <a:tint val="40000"/>
+      </a:schemeClr>
+    </dgm:fillClrLst>
+    <dgm:linClrLst meth="repeat">
+      <a:schemeClr val="lt1"/>
+    </dgm:linClrLst>
+    <dgm:effectClrLst/>
+    <dgm:txLinClrLst/>
+    <dgm:txFillClrLst meth="repeat">
+      <a:schemeClr val="dk1"/>
+    </dgm:txFillClrLst>
+    <dgm:txEffectClrLst/>
+  </dgm:styleLbl>
+  <dgm:styleLbl name="revTx">
+    <dgm:fillClrLst meth="repeat">
+      <a:schemeClr val="lt1">
+        <a:alpha val="0"/>
+      </a:schemeClr>
+    </dgm:fillClrLst>
+    <dgm:linClrLst meth="repeat">
+      <a:schemeClr val="dk1">
+        <a:alpha val="0"/>
+      </a:schemeClr>
+    </dgm:linClrLst>
+    <dgm:effectClrLst/>
+    <dgm:txLinClrLst/>
+    <dgm:txFillClrLst meth="repeat">
+      <a:schemeClr val="tx1"/>
+    </dgm:txFillClrLst>
+    <dgm:txEffectClrLst/>
+  </dgm:styleLbl>
+</dgm:colorsDef>
+</file>
+
+<file path=ppt/diagrams/data1.xml><?xml version="1.0" encoding="utf-8"?>
+<dgm:dataModel xmlns:dgm="http://schemas.openxmlformats.org/drawingml/2006/diagram" xmlns:a="http://schemas.openxmlformats.org/drawingml/2006/main">
+  <dgm:ptLst>
+    <dgm:pt modelId="{E35534D9-DD43-4E87-8B2B-99614484660D}" type="doc">
+      <dgm:prSet loTypeId="urn:microsoft.com/office/officeart/2018/2/layout/IconVerticalSolidList" loCatId="icon" qsTypeId="urn:microsoft.com/office/officeart/2005/8/quickstyle/simple1" qsCatId="simple" csTypeId="urn:microsoft.com/office/officeart/2018/5/colors/Iconchunking_neutralbg_colorful5" csCatId="colorful" phldr="1"/>
+      <dgm:spPr/>
+      <dgm:t>
+        <a:bodyPr/>
+        <a:lstStyle/>
+        <a:p>
+          <a:endParaRPr lang="en-US"/>
+        </a:p>
+      </dgm:t>
+    </dgm:pt>
+    <dgm:pt modelId="{BE2B12B7-4586-4A38-99E8-A44993E94B1A}">
+      <dgm:prSet/>
+      <dgm:spPr/>
+      <dgm:t>
+        <a:bodyPr/>
+        <a:lstStyle/>
+        <a:p>
+          <a:r>
+            <a:rPr lang="nb-NO"/>
+            <a:t>Eksempel Tegne i canvas med en while-løkke Side 89</a:t>
+          </a:r>
+          <a:endParaRPr lang="en-US"/>
+        </a:p>
+      </dgm:t>
+    </dgm:pt>
+    <dgm:pt modelId="{23E32A29-51FF-4987-9FCF-FE74FAB63E7E}" type="parTrans" cxnId="{17B7F3D5-2C81-4254-9574-3009F42B20BB}">
+      <dgm:prSet/>
+      <dgm:spPr/>
+      <dgm:t>
+        <a:bodyPr/>
+        <a:lstStyle/>
+        <a:p>
+          <a:endParaRPr lang="en-US"/>
+        </a:p>
+      </dgm:t>
+    </dgm:pt>
+    <dgm:pt modelId="{4EE0288D-4357-433C-945A-78F76BC9528B}" type="sibTrans" cxnId="{17B7F3D5-2C81-4254-9574-3009F42B20BB}">
+      <dgm:prSet/>
+      <dgm:spPr/>
+      <dgm:t>
+        <a:bodyPr/>
+        <a:lstStyle/>
+        <a:p>
+          <a:endParaRPr lang="en-US"/>
+        </a:p>
+      </dgm:t>
+    </dgm:pt>
+    <dgm:pt modelId="{144F5289-4B72-48DA-8F32-B9ABD2FCD3A5}">
+      <dgm:prSet/>
+      <dgm:spPr/>
+      <dgm:t>
+        <a:bodyPr/>
+        <a:lstStyle/>
+        <a:p>
+          <a:r>
+            <a:rPr lang="nb-NO"/>
+            <a:t>Eksempel Kassaapparat Side 90</a:t>
+          </a:r>
+          <a:endParaRPr lang="en-US"/>
+        </a:p>
+      </dgm:t>
+    </dgm:pt>
+    <dgm:pt modelId="{29AC0125-D0A3-4477-B6BC-F3C9164FD977}" type="parTrans" cxnId="{52F7C952-FE36-4706-827E-5FB08C74DBF4}">
+      <dgm:prSet/>
+      <dgm:spPr/>
+      <dgm:t>
+        <a:bodyPr/>
+        <a:lstStyle/>
+        <a:p>
+          <a:endParaRPr lang="en-US"/>
+        </a:p>
+      </dgm:t>
+    </dgm:pt>
+    <dgm:pt modelId="{0872B805-8DDA-4FDB-854F-F2F2FCA45B75}" type="sibTrans" cxnId="{52F7C952-FE36-4706-827E-5FB08C74DBF4}">
+      <dgm:prSet/>
+      <dgm:spPr/>
+      <dgm:t>
+        <a:bodyPr/>
+        <a:lstStyle/>
+        <a:p>
+          <a:endParaRPr lang="en-US"/>
+        </a:p>
+      </dgm:t>
+    </dgm:pt>
+    <dgm:pt modelId="{EFB82897-C4E1-4A12-AB0B-976332381FDA}">
+      <dgm:prSet/>
+      <dgm:spPr/>
+      <dgm:t>
+        <a:bodyPr/>
+        <a:lstStyle/>
+        <a:p>
+          <a:r>
+            <a:rPr lang="nb-NO"/>
+            <a:t>PRØV SELV side 90</a:t>
+          </a:r>
+          <a:endParaRPr lang="en-US"/>
+        </a:p>
+      </dgm:t>
+    </dgm:pt>
+    <dgm:pt modelId="{9616DDA1-51CC-49E7-9E4C-63DF206DCBEF}" type="parTrans" cxnId="{E67A30A8-3B18-4B6F-AF2C-FE7868CDF554}">
+      <dgm:prSet/>
+      <dgm:spPr/>
+      <dgm:t>
+        <a:bodyPr/>
+        <a:lstStyle/>
+        <a:p>
+          <a:endParaRPr lang="en-US"/>
+        </a:p>
+      </dgm:t>
+    </dgm:pt>
+    <dgm:pt modelId="{B05531E3-77F5-40AE-92EE-C28646420F16}" type="sibTrans" cxnId="{E67A30A8-3B18-4B6F-AF2C-FE7868CDF554}">
+      <dgm:prSet/>
+      <dgm:spPr/>
+      <dgm:t>
+        <a:bodyPr/>
+        <a:lstStyle/>
+        <a:p>
+          <a:endParaRPr lang="en-US"/>
+        </a:p>
+      </dgm:t>
+    </dgm:pt>
+    <dgm:pt modelId="{0D64D528-09EE-4BAB-927B-CE1FDB25AEB3}" type="pres">
+      <dgm:prSet presAssocID="{E35534D9-DD43-4E87-8B2B-99614484660D}" presName="root" presStyleCnt="0">
+        <dgm:presLayoutVars>
+          <dgm:dir/>
+          <dgm:resizeHandles val="exact"/>
+        </dgm:presLayoutVars>
+      </dgm:prSet>
+      <dgm:spPr/>
+    </dgm:pt>
+    <dgm:pt modelId="{B97B8E48-E745-4A31-99AF-93DA4ED93ECD}" type="pres">
+      <dgm:prSet presAssocID="{BE2B12B7-4586-4A38-99E8-A44993E94B1A}" presName="compNode" presStyleCnt="0"/>
+      <dgm:spPr/>
+    </dgm:pt>
+    <dgm:pt modelId="{4E605E34-03CA-4198-8D40-487D3A7A1BEA}" type="pres">
+      <dgm:prSet presAssocID="{BE2B12B7-4586-4A38-99E8-A44993E94B1A}" presName="bgRect" presStyleLbl="bgShp" presStyleIdx="0" presStyleCnt="3"/>
+      <dgm:spPr/>
+    </dgm:pt>
+    <dgm:pt modelId="{DB549A51-D537-440E-8785-869F051B7191}" type="pres">
+      <dgm:prSet presAssocID="{BE2B12B7-4586-4A38-99E8-A44993E94B1A}" presName="iconRect" presStyleLbl="node1" presStyleIdx="0" presStyleCnt="3"/>
+      <dgm:spPr>
+        <a:blipFill>
+          <a:blip xmlns:r="http://schemas.openxmlformats.org/officeDocument/2006/relationships" r:embed="rId1">
+            <a:extLst>
+              <a:ext uri="{28A0092B-C50C-407E-A947-70E740481C1C}">
+                <a14:useLocalDpi xmlns:a14="http://schemas.microsoft.com/office/drawing/2010/main" val="0"/>
+              </a:ext>
+              <a:ext uri="{96DAC541-7B7A-43D3-8B79-37D633B846F1}">
+                <asvg:svgBlip xmlns:asvg="http://schemas.microsoft.com/office/drawing/2016/SVG/main" r:embed="rId2"/>
+              </a:ext>
+            </a:extLst>
+          </a:blip>
+          <a:stretch>
+            <a:fillRect/>
+          </a:stretch>
+        </a:blipFill>
+        <a:ln>
+          <a:noFill/>
+        </a:ln>
+      </dgm:spPr>
+      <dgm:extLst>
+        <a:ext uri="{E40237B7-FDA0-4F09-8148-C483321AD2D9}">
+          <dgm14:cNvPr xmlns:dgm14="http://schemas.microsoft.com/office/drawing/2010/diagram" id="0" name="" descr="Easel"/>
+        </a:ext>
+      </dgm:extLst>
+    </dgm:pt>
+    <dgm:pt modelId="{6AD36D46-0823-48FB-9944-2C405E890AB8}" type="pres">
+      <dgm:prSet presAssocID="{BE2B12B7-4586-4A38-99E8-A44993E94B1A}" presName="spaceRect" presStyleCnt="0"/>
+      <dgm:spPr/>
+    </dgm:pt>
+    <dgm:pt modelId="{1B605C5D-AFFF-41E9-A571-8BA51A25B527}" type="pres">
+      <dgm:prSet presAssocID="{BE2B12B7-4586-4A38-99E8-A44993E94B1A}" presName="parTx" presStyleLbl="revTx" presStyleIdx="0" presStyleCnt="3">
+        <dgm:presLayoutVars>
+          <dgm:chMax val="0"/>
+          <dgm:chPref val="0"/>
+        </dgm:presLayoutVars>
+      </dgm:prSet>
+      <dgm:spPr/>
+    </dgm:pt>
+    <dgm:pt modelId="{2327FB99-90C6-4CA4-A05A-670CE0455A42}" type="pres">
+      <dgm:prSet presAssocID="{4EE0288D-4357-433C-945A-78F76BC9528B}" presName="sibTrans" presStyleCnt="0"/>
+      <dgm:spPr/>
+    </dgm:pt>
+    <dgm:pt modelId="{4F37294F-9B47-48C4-B91B-A2E6F5E796CC}" type="pres">
+      <dgm:prSet presAssocID="{144F5289-4B72-48DA-8F32-B9ABD2FCD3A5}" presName="compNode" presStyleCnt="0"/>
+      <dgm:spPr/>
+    </dgm:pt>
+    <dgm:pt modelId="{F1A0BA1D-5D42-4D3A-AEBF-8851AC414B4F}" type="pres">
+      <dgm:prSet presAssocID="{144F5289-4B72-48DA-8F32-B9ABD2FCD3A5}" presName="bgRect" presStyleLbl="bgShp" presStyleIdx="1" presStyleCnt="3"/>
+      <dgm:spPr/>
+    </dgm:pt>
+    <dgm:pt modelId="{5D89DD86-3B5A-4365-ADC0-92BEF3AF6026}" type="pres">
+      <dgm:prSet presAssocID="{144F5289-4B72-48DA-8F32-B9ABD2FCD3A5}" presName="iconRect" presStyleLbl="node1" presStyleIdx="1" presStyleCnt="3"/>
+      <dgm:spPr>
+        <a:blipFill>
+          <a:blip xmlns:r="http://schemas.openxmlformats.org/officeDocument/2006/relationships" r:embed="rId3">
+            <a:extLst>
+              <a:ext uri="{28A0092B-C50C-407E-A947-70E740481C1C}">
+                <a14:useLocalDpi xmlns:a14="http://schemas.microsoft.com/office/drawing/2010/main" val="0"/>
+              </a:ext>
+              <a:ext uri="{96DAC541-7B7A-43D3-8B79-37D633B846F1}">
+                <asvg:svgBlip xmlns:asvg="http://schemas.microsoft.com/office/drawing/2016/SVG/main" r:embed="rId4"/>
+              </a:ext>
+            </a:extLst>
+          </a:blip>
+          <a:stretch>
+            <a:fillRect/>
+          </a:stretch>
+        </a:blipFill>
+        <a:ln>
+          <a:noFill/>
+        </a:ln>
+      </dgm:spPr>
+      <dgm:extLst>
+        <a:ext uri="{E40237B7-FDA0-4F09-8148-C483321AD2D9}">
+          <dgm14:cNvPr xmlns:dgm14="http://schemas.microsoft.com/office/drawing/2010/diagram" id="0" name="" descr="Checkmark"/>
+        </a:ext>
+      </dgm:extLst>
+    </dgm:pt>
+    <dgm:pt modelId="{84C04E40-EC89-488B-9043-09DF5405CFEB}" type="pres">
+      <dgm:prSet presAssocID="{144F5289-4B72-48DA-8F32-B9ABD2FCD3A5}" presName="spaceRect" presStyleCnt="0"/>
+      <dgm:spPr/>
+    </dgm:pt>
+    <dgm:pt modelId="{17B64197-B4B4-4861-9215-C5080194FAEB}" type="pres">
+      <dgm:prSet presAssocID="{144F5289-4B72-48DA-8F32-B9ABD2FCD3A5}" presName="parTx" presStyleLbl="revTx" presStyleIdx="1" presStyleCnt="3">
+        <dgm:presLayoutVars>
+          <dgm:chMax val="0"/>
+          <dgm:chPref val="0"/>
+        </dgm:presLayoutVars>
+      </dgm:prSet>
+      <dgm:spPr/>
+    </dgm:pt>
+    <dgm:pt modelId="{12FE4044-D891-45B1-A6EB-FA21CA6E949A}" type="pres">
+      <dgm:prSet presAssocID="{0872B805-8DDA-4FDB-854F-F2F2FCA45B75}" presName="sibTrans" presStyleCnt="0"/>
+      <dgm:spPr/>
+    </dgm:pt>
+    <dgm:pt modelId="{C62BB37F-B122-4453-84E3-14CAB2A04599}" type="pres">
+      <dgm:prSet presAssocID="{EFB82897-C4E1-4A12-AB0B-976332381FDA}" presName="compNode" presStyleCnt="0"/>
+      <dgm:spPr/>
+    </dgm:pt>
+    <dgm:pt modelId="{66CE0EB0-DBF8-43CF-B70B-DBF050C87912}" type="pres">
+      <dgm:prSet presAssocID="{EFB82897-C4E1-4A12-AB0B-976332381FDA}" presName="bgRect" presStyleLbl="bgShp" presStyleIdx="2" presStyleCnt="3"/>
+      <dgm:spPr/>
+    </dgm:pt>
+    <dgm:pt modelId="{6C1F90B0-0971-401C-AF69-28328A1D8399}" type="pres">
+      <dgm:prSet presAssocID="{EFB82897-C4E1-4A12-AB0B-976332381FDA}" presName="iconRect" presStyleLbl="node1" presStyleIdx="2" presStyleCnt="3"/>
+      <dgm:spPr>
+        <a:blipFill>
+          <a:blip xmlns:r="http://schemas.openxmlformats.org/officeDocument/2006/relationships" r:embed="rId5">
+            <a:extLst>
+              <a:ext uri="{28A0092B-C50C-407E-A947-70E740481C1C}">
+                <a14:useLocalDpi xmlns:a14="http://schemas.microsoft.com/office/drawing/2010/main" val="0"/>
+              </a:ext>
+              <a:ext uri="{96DAC541-7B7A-43D3-8B79-37D633B846F1}">
+                <asvg:svgBlip xmlns:asvg="http://schemas.microsoft.com/office/drawing/2016/SVG/main" r:embed="rId6"/>
+              </a:ext>
+            </a:extLst>
+          </a:blip>
+          <a:stretch>
+            <a:fillRect/>
+          </a:stretch>
+        </a:blipFill>
+        <a:ln>
+          <a:noFill/>
+        </a:ln>
+      </dgm:spPr>
+      <dgm:extLst>
+        <a:ext uri="{E40237B7-FDA0-4F09-8148-C483321AD2D9}">
+          <dgm14:cNvPr xmlns:dgm14="http://schemas.microsoft.com/office/drawing/2010/diagram" id="0" name="" descr="Right Pointing Backhand Index"/>
+        </a:ext>
+      </dgm:extLst>
+    </dgm:pt>
+    <dgm:pt modelId="{FE6168B4-24A7-488C-A385-26621A8E2395}" type="pres">
+      <dgm:prSet presAssocID="{EFB82897-C4E1-4A12-AB0B-976332381FDA}" presName="spaceRect" presStyleCnt="0"/>
+      <dgm:spPr/>
+    </dgm:pt>
+    <dgm:pt modelId="{18ADC10C-54FA-4079-AEF3-29EB612D85F0}" type="pres">
+      <dgm:prSet presAssocID="{EFB82897-C4E1-4A12-AB0B-976332381FDA}" presName="parTx" presStyleLbl="revTx" presStyleIdx="2" presStyleCnt="3">
+        <dgm:presLayoutVars>
+          <dgm:chMax val="0"/>
+          <dgm:chPref val="0"/>
+        </dgm:presLayoutVars>
+      </dgm:prSet>
+      <dgm:spPr/>
+    </dgm:pt>
+  </dgm:ptLst>
+  <dgm:cxnLst>
+    <dgm:cxn modelId="{7770F32C-A665-4DCA-B443-52DE565F7E0F}" type="presOf" srcId="{EFB82897-C4E1-4A12-AB0B-976332381FDA}" destId="{18ADC10C-54FA-4079-AEF3-29EB612D85F0}" srcOrd="0" destOrd="0" presId="urn:microsoft.com/office/officeart/2018/2/layout/IconVerticalSolidList"/>
+    <dgm:cxn modelId="{52F7C952-FE36-4706-827E-5FB08C74DBF4}" srcId="{E35534D9-DD43-4E87-8B2B-99614484660D}" destId="{144F5289-4B72-48DA-8F32-B9ABD2FCD3A5}" srcOrd="1" destOrd="0" parTransId="{29AC0125-D0A3-4477-B6BC-F3C9164FD977}" sibTransId="{0872B805-8DDA-4FDB-854F-F2F2FCA45B75}"/>
+    <dgm:cxn modelId="{6134F290-665A-41DE-A355-69C154518C88}" type="presOf" srcId="{E35534D9-DD43-4E87-8B2B-99614484660D}" destId="{0D64D528-09EE-4BAB-927B-CE1FDB25AEB3}" srcOrd="0" destOrd="0" presId="urn:microsoft.com/office/officeart/2018/2/layout/IconVerticalSolidList"/>
+    <dgm:cxn modelId="{73893DA1-5BA9-49C4-BDA7-8E1ABE50D9C8}" type="presOf" srcId="{BE2B12B7-4586-4A38-99E8-A44993E94B1A}" destId="{1B605C5D-AFFF-41E9-A571-8BA51A25B527}" srcOrd="0" destOrd="0" presId="urn:microsoft.com/office/officeart/2018/2/layout/IconVerticalSolidList"/>
+    <dgm:cxn modelId="{E67A30A8-3B18-4B6F-AF2C-FE7868CDF554}" srcId="{E35534D9-DD43-4E87-8B2B-99614484660D}" destId="{EFB82897-C4E1-4A12-AB0B-976332381FDA}" srcOrd="2" destOrd="0" parTransId="{9616DDA1-51CC-49E7-9E4C-63DF206DCBEF}" sibTransId="{B05531E3-77F5-40AE-92EE-C28646420F16}"/>
+    <dgm:cxn modelId="{17B7F3D5-2C81-4254-9574-3009F42B20BB}" srcId="{E35534D9-DD43-4E87-8B2B-99614484660D}" destId="{BE2B12B7-4586-4A38-99E8-A44993E94B1A}" srcOrd="0" destOrd="0" parTransId="{23E32A29-51FF-4987-9FCF-FE74FAB63E7E}" sibTransId="{4EE0288D-4357-433C-945A-78F76BC9528B}"/>
+    <dgm:cxn modelId="{63DBE6F9-4287-4721-92D0-2AC8E86ED615}" type="presOf" srcId="{144F5289-4B72-48DA-8F32-B9ABD2FCD3A5}" destId="{17B64197-B4B4-4861-9215-C5080194FAEB}" srcOrd="0" destOrd="0" presId="urn:microsoft.com/office/officeart/2018/2/layout/IconVerticalSolidList"/>
+    <dgm:cxn modelId="{B830E933-3088-4870-BF28-F87C745267A7}" type="presParOf" srcId="{0D64D528-09EE-4BAB-927B-CE1FDB25AEB3}" destId="{B97B8E48-E745-4A31-99AF-93DA4ED93ECD}" srcOrd="0" destOrd="0" presId="urn:microsoft.com/office/officeart/2018/2/layout/IconVerticalSolidList"/>
+    <dgm:cxn modelId="{F0A57E7D-FFC4-4DFD-AC61-8C86EC8CD48B}" type="presParOf" srcId="{B97B8E48-E745-4A31-99AF-93DA4ED93ECD}" destId="{4E605E34-03CA-4198-8D40-487D3A7A1BEA}" srcOrd="0" destOrd="0" presId="urn:microsoft.com/office/officeart/2018/2/layout/IconVerticalSolidList"/>
+    <dgm:cxn modelId="{3A59DC42-7155-4270-99F6-F9ED21580C20}" type="presParOf" srcId="{B97B8E48-E745-4A31-99AF-93DA4ED93ECD}" destId="{DB549A51-D537-440E-8785-869F051B7191}" srcOrd="1" destOrd="0" presId="urn:microsoft.com/office/officeart/2018/2/layout/IconVerticalSolidList"/>
+    <dgm:cxn modelId="{0A04837B-3398-45AE-B8F7-AB42A656C260}" type="presParOf" srcId="{B97B8E48-E745-4A31-99AF-93DA4ED93ECD}" destId="{6AD36D46-0823-48FB-9944-2C405E890AB8}" srcOrd="2" destOrd="0" presId="urn:microsoft.com/office/officeart/2018/2/layout/IconVerticalSolidList"/>
+    <dgm:cxn modelId="{94FF0A85-9D4D-4449-8C56-082281FB5A97}" type="presParOf" srcId="{B97B8E48-E745-4A31-99AF-93DA4ED93ECD}" destId="{1B605C5D-AFFF-41E9-A571-8BA51A25B527}" srcOrd="3" destOrd="0" presId="urn:microsoft.com/office/officeart/2018/2/layout/IconVerticalSolidList"/>
+    <dgm:cxn modelId="{A4C5DD23-95B3-413D-8BE8-7018D48325D8}" type="presParOf" srcId="{0D64D528-09EE-4BAB-927B-CE1FDB25AEB3}" destId="{2327FB99-90C6-4CA4-A05A-670CE0455A42}" srcOrd="1" destOrd="0" presId="urn:microsoft.com/office/officeart/2018/2/layout/IconVerticalSolidList"/>
+    <dgm:cxn modelId="{6B04950A-367E-4F5F-95BE-5239ED4829FF}" type="presParOf" srcId="{0D64D528-09EE-4BAB-927B-CE1FDB25AEB3}" destId="{4F37294F-9B47-48C4-B91B-A2E6F5E796CC}" srcOrd="2" destOrd="0" presId="urn:microsoft.com/office/officeart/2018/2/layout/IconVerticalSolidList"/>
+    <dgm:cxn modelId="{82AB3C70-1FE6-4BB8-9D35-84DFBF90DA12}" type="presParOf" srcId="{4F37294F-9B47-48C4-B91B-A2E6F5E796CC}" destId="{F1A0BA1D-5D42-4D3A-AEBF-8851AC414B4F}" srcOrd="0" destOrd="0" presId="urn:microsoft.com/office/officeart/2018/2/layout/IconVerticalSolidList"/>
+    <dgm:cxn modelId="{4932A15E-C4E4-4294-858D-05B048A5B19C}" type="presParOf" srcId="{4F37294F-9B47-48C4-B91B-A2E6F5E796CC}" destId="{5D89DD86-3B5A-4365-ADC0-92BEF3AF6026}" srcOrd="1" destOrd="0" presId="urn:microsoft.com/office/officeart/2018/2/layout/IconVerticalSolidList"/>
+    <dgm:cxn modelId="{8AAC9C3F-CEE3-457C-A8EF-813B62FB3488}" type="presParOf" srcId="{4F37294F-9B47-48C4-B91B-A2E6F5E796CC}" destId="{84C04E40-EC89-488B-9043-09DF5405CFEB}" srcOrd="2" destOrd="0" presId="urn:microsoft.com/office/officeart/2018/2/layout/IconVerticalSolidList"/>
+    <dgm:cxn modelId="{EAF5B5B4-BD43-4178-BCBF-0F2F18E34AEE}" type="presParOf" srcId="{4F37294F-9B47-48C4-B91B-A2E6F5E796CC}" destId="{17B64197-B4B4-4861-9215-C5080194FAEB}" srcOrd="3" destOrd="0" presId="urn:microsoft.com/office/officeart/2018/2/layout/IconVerticalSolidList"/>
+    <dgm:cxn modelId="{6D6E271A-BB39-4CB1-ADCD-D7BE0CE25676}" type="presParOf" srcId="{0D64D528-09EE-4BAB-927B-CE1FDB25AEB3}" destId="{12FE4044-D891-45B1-A6EB-FA21CA6E949A}" srcOrd="3" destOrd="0" presId="urn:microsoft.com/office/officeart/2018/2/layout/IconVerticalSolidList"/>
+    <dgm:cxn modelId="{38357E92-16A9-467B-AEB5-07CE1FE97300}" type="presParOf" srcId="{0D64D528-09EE-4BAB-927B-CE1FDB25AEB3}" destId="{C62BB37F-B122-4453-84E3-14CAB2A04599}" srcOrd="4" destOrd="0" presId="urn:microsoft.com/office/officeart/2018/2/layout/IconVerticalSolidList"/>
+    <dgm:cxn modelId="{304239A1-E60F-423F-86D4-9D0F657EE40C}" type="presParOf" srcId="{C62BB37F-B122-4453-84E3-14CAB2A04599}" destId="{66CE0EB0-DBF8-43CF-B70B-DBF050C87912}" srcOrd="0" destOrd="0" presId="urn:microsoft.com/office/officeart/2018/2/layout/IconVerticalSolidList"/>
+    <dgm:cxn modelId="{B4935999-5B3D-415C-B5EA-5DEAD862D8CE}" type="presParOf" srcId="{C62BB37F-B122-4453-84E3-14CAB2A04599}" destId="{6C1F90B0-0971-401C-AF69-28328A1D8399}" srcOrd="1" destOrd="0" presId="urn:microsoft.com/office/officeart/2018/2/layout/IconVerticalSolidList"/>
+    <dgm:cxn modelId="{E16810EC-9ABC-4368-B3DB-FC41A060814E}" type="presParOf" srcId="{C62BB37F-B122-4453-84E3-14CAB2A04599}" destId="{FE6168B4-24A7-488C-A385-26621A8E2395}" srcOrd="2" destOrd="0" presId="urn:microsoft.com/office/officeart/2018/2/layout/IconVerticalSolidList"/>
+    <dgm:cxn modelId="{D19ECBFA-C0C3-4619-AC1F-B4ACF4841360}" type="presParOf" srcId="{C62BB37F-B122-4453-84E3-14CAB2A04599}" destId="{18ADC10C-54FA-4079-AEF3-29EB612D85F0}" srcOrd="3" destOrd="0" presId="urn:microsoft.com/office/officeart/2018/2/layout/IconVerticalSolidList"/>
+  </dgm:cxnLst>
+  <dgm:bg/>
+  <dgm:whole/>
+  <dgm:extLst>
+    <a:ext uri="http://schemas.microsoft.com/office/drawing/2008/diagram">
+      <dsp:dataModelExt xmlns:dsp="http://schemas.microsoft.com/office/drawing/2008/diagram" relId="rId6" minVer="http://schemas.openxmlformats.org/drawingml/2006/diagram"/>
+    </a:ext>
+  </dgm:extLst>
+</dgm:dataModel>
+</file>
+
+<file path=ppt/diagrams/data2.xml><?xml version="1.0" encoding="utf-8"?>
+<dgm:dataModel xmlns:dgm="http://schemas.openxmlformats.org/drawingml/2006/diagram" xmlns:a="http://schemas.openxmlformats.org/drawingml/2006/main">
+  <dgm:ptLst>
+    <dgm:pt modelId="{650A5D41-5ACF-4F1D-BF73-010F3ACDED7E}" type="doc">
+      <dgm:prSet loTypeId="urn:microsoft.com/office/officeart/2018/2/layout/IconVerticalSolidList" loCatId="icon" qsTypeId="urn:microsoft.com/office/officeart/2005/8/quickstyle/simple1" qsCatId="simple" csTypeId="urn:microsoft.com/office/officeart/2018/5/colors/Iconchunking_neutralbg_colorful5" csCatId="colorful" phldr="1"/>
+      <dgm:spPr/>
+      <dgm:t>
+        <a:bodyPr/>
+        <a:lstStyle/>
+        <a:p>
+          <a:endParaRPr lang="en-US"/>
+        </a:p>
+      </dgm:t>
+    </dgm:pt>
+    <dgm:pt modelId="{BC3E7099-15F4-4D0A-8CCA-CAA3C336C34A}">
+      <dgm:prSet/>
+      <dgm:spPr/>
+      <dgm:t>
+        <a:bodyPr/>
+        <a:lstStyle/>
+        <a:p>
+          <a:r>
+            <a:rPr lang="nb-NO"/>
+            <a:t>Fibonaccitallene Side 92</a:t>
+          </a:r>
+          <a:endParaRPr lang="en-US"/>
+        </a:p>
+      </dgm:t>
+    </dgm:pt>
+    <dgm:pt modelId="{77458170-7974-4214-8083-988021190309}" type="parTrans" cxnId="{5C416820-3DA8-4D1D-A2C8-B5C9B70DD308}">
+      <dgm:prSet/>
+      <dgm:spPr/>
+      <dgm:t>
+        <a:bodyPr/>
+        <a:lstStyle/>
+        <a:p>
+          <a:endParaRPr lang="en-US"/>
+        </a:p>
+      </dgm:t>
+    </dgm:pt>
+    <dgm:pt modelId="{9A062AC4-EAEF-4C44-9E6E-709BA0CF06E1}" type="sibTrans" cxnId="{5C416820-3DA8-4D1D-A2C8-B5C9B70DD308}">
+      <dgm:prSet/>
+      <dgm:spPr/>
+      <dgm:t>
+        <a:bodyPr/>
+        <a:lstStyle/>
+        <a:p>
+          <a:endParaRPr lang="en-US"/>
+        </a:p>
+      </dgm:t>
+    </dgm:pt>
+    <dgm:pt modelId="{2D844F9F-D0CC-4976-A130-2A929CDA5204}">
+      <dgm:prSet/>
+      <dgm:spPr/>
+      <dgm:t>
+        <a:bodyPr/>
+        <a:lstStyle/>
+        <a:p>
+          <a:r>
+            <a:rPr lang="nb-NO"/>
+            <a:t>Å summere alle tallene fra en til hundre Side 92</a:t>
+          </a:r>
+          <a:endParaRPr lang="en-US"/>
+        </a:p>
+      </dgm:t>
+    </dgm:pt>
+    <dgm:pt modelId="{EDB6A275-7248-4433-A9C1-0D016A9C3F36}" type="parTrans" cxnId="{C91187C2-B4ED-43E4-894A-4EFE2570D331}">
+      <dgm:prSet/>
+      <dgm:spPr/>
+      <dgm:t>
+        <a:bodyPr/>
+        <a:lstStyle/>
+        <a:p>
+          <a:endParaRPr lang="en-US"/>
+        </a:p>
+      </dgm:t>
+    </dgm:pt>
+    <dgm:pt modelId="{A2F317E7-2ABD-4655-BBCE-0D292DAD825E}" type="sibTrans" cxnId="{C91187C2-B4ED-43E4-894A-4EFE2570D331}">
+      <dgm:prSet/>
+      <dgm:spPr/>
+      <dgm:t>
+        <a:bodyPr/>
+        <a:lstStyle/>
+        <a:p>
+          <a:endParaRPr lang="en-US"/>
+        </a:p>
+      </dgm:t>
+    </dgm:pt>
+    <dgm:pt modelId="{C75ED24D-3A65-4243-BEC7-F0CD83B9A9FA}">
+      <dgm:prSet/>
+      <dgm:spPr/>
+      <dgm:t>
+        <a:bodyPr/>
+        <a:lstStyle/>
+        <a:p>
+          <a:r>
+            <a:rPr lang="nb-NO"/>
+            <a:t>Gangetabell Side 93</a:t>
+          </a:r>
+          <a:endParaRPr lang="en-US"/>
+        </a:p>
+      </dgm:t>
+    </dgm:pt>
+    <dgm:pt modelId="{9FBB74E9-0795-4AAB-BA22-A96C6F6FD498}" type="parTrans" cxnId="{B99CCC93-65BB-4B68-87D9-52B0286EA280}">
+      <dgm:prSet/>
+      <dgm:spPr/>
+      <dgm:t>
+        <a:bodyPr/>
+        <a:lstStyle/>
+        <a:p>
+          <a:endParaRPr lang="en-US"/>
+        </a:p>
+      </dgm:t>
+    </dgm:pt>
+    <dgm:pt modelId="{A2397DA4-43EC-4249-B1F4-5C88ABF9DD2A}" type="sibTrans" cxnId="{B99CCC93-65BB-4B68-87D9-52B0286EA280}">
+      <dgm:prSet/>
+      <dgm:spPr/>
+      <dgm:t>
+        <a:bodyPr/>
+        <a:lstStyle/>
+        <a:p>
+          <a:endParaRPr lang="en-US"/>
+        </a:p>
+      </dgm:t>
+    </dgm:pt>
+    <dgm:pt modelId="{AE7CFDE5-AF01-46BD-A99A-29463828B19A}">
+      <dgm:prSet/>
+      <dgm:spPr/>
+      <dgm:t>
+        <a:bodyPr/>
+        <a:lstStyle/>
+        <a:p>
+          <a:r>
+            <a:rPr lang="nb-NO"/>
+            <a:t>For-løkke med flere variabler Side 94</a:t>
+          </a:r>
+          <a:endParaRPr lang="en-US"/>
+        </a:p>
+      </dgm:t>
+    </dgm:pt>
+    <dgm:pt modelId="{67B823B6-7AE3-40B1-A0A6-1C8FAF885404}" type="parTrans" cxnId="{A9CF2AF9-C621-425F-AC40-DC18BD4C013C}">
+      <dgm:prSet/>
+      <dgm:spPr/>
+      <dgm:t>
+        <a:bodyPr/>
+        <a:lstStyle/>
+        <a:p>
+          <a:endParaRPr lang="en-US"/>
+        </a:p>
+      </dgm:t>
+    </dgm:pt>
+    <dgm:pt modelId="{46BEA966-4AFC-4706-9394-EDF40583F7D4}" type="sibTrans" cxnId="{A9CF2AF9-C621-425F-AC40-DC18BD4C013C}">
+      <dgm:prSet/>
+      <dgm:spPr/>
+      <dgm:t>
+        <a:bodyPr/>
+        <a:lstStyle/>
+        <a:p>
+          <a:endParaRPr lang="en-US"/>
+        </a:p>
+      </dgm:t>
+    </dgm:pt>
+    <dgm:pt modelId="{395FBD8D-DFE3-42B6-B801-BD00EEF15E2C}">
+      <dgm:prSet/>
+      <dgm:spPr/>
+      <dgm:t>
+        <a:bodyPr/>
+        <a:lstStyle/>
+        <a:p>
+          <a:r>
+            <a:rPr lang="nb-NO"/>
+            <a:t>PRØV SELV side 94</a:t>
+          </a:r>
+          <a:endParaRPr lang="en-US"/>
+        </a:p>
+      </dgm:t>
+    </dgm:pt>
+    <dgm:pt modelId="{E5E8641F-FC35-4616-AFE8-2E69500DC407}" type="parTrans" cxnId="{9557555E-3F01-436A-9044-D232B66D825A}">
+      <dgm:prSet/>
+      <dgm:spPr/>
+      <dgm:t>
+        <a:bodyPr/>
+        <a:lstStyle/>
+        <a:p>
+          <a:endParaRPr lang="en-US"/>
+        </a:p>
+      </dgm:t>
+    </dgm:pt>
+    <dgm:pt modelId="{08743B93-19D0-4B90-8EDA-6F59C3695046}" type="sibTrans" cxnId="{9557555E-3F01-436A-9044-D232B66D825A}">
+      <dgm:prSet/>
+      <dgm:spPr/>
+      <dgm:t>
+        <a:bodyPr/>
+        <a:lstStyle/>
+        <a:p>
+          <a:endParaRPr lang="en-US"/>
+        </a:p>
+      </dgm:t>
+    </dgm:pt>
+    <dgm:pt modelId="{7EFF4725-63D1-48EF-937B-379C03AB9C3F}">
+      <dgm:prSet/>
+      <dgm:spPr/>
+      <dgm:t>
+        <a:bodyPr/>
+        <a:lstStyle/>
+        <a:p>
+          <a:r>
+            <a:rPr lang="nb-NO"/>
+            <a:t>Ekstrastoff Tegne i canvas med for-løkke</a:t>
+          </a:r>
+          <a:endParaRPr lang="en-US"/>
+        </a:p>
+      </dgm:t>
+    </dgm:pt>
+    <dgm:pt modelId="{CFC001C1-2FF0-4152-B665-FA25EC5278DB}" type="parTrans" cxnId="{E59C94F6-816F-4A37-9396-56879CA2C8E1}">
+      <dgm:prSet/>
+      <dgm:spPr/>
+      <dgm:t>
+        <a:bodyPr/>
+        <a:lstStyle/>
+        <a:p>
+          <a:endParaRPr lang="en-US"/>
+        </a:p>
+      </dgm:t>
+    </dgm:pt>
+    <dgm:pt modelId="{2F75E71C-1B28-4174-9E0C-9BF208939DE0}" type="sibTrans" cxnId="{E59C94F6-816F-4A37-9396-56879CA2C8E1}">
+      <dgm:prSet/>
+      <dgm:spPr/>
+      <dgm:t>
+        <a:bodyPr/>
+        <a:lstStyle/>
+        <a:p>
+          <a:endParaRPr lang="en-US"/>
+        </a:p>
+      </dgm:t>
+    </dgm:pt>
+    <dgm:pt modelId="{9ABF83F2-7283-43E7-8888-24916623CE6B}" type="pres">
+      <dgm:prSet presAssocID="{650A5D41-5ACF-4F1D-BF73-010F3ACDED7E}" presName="root" presStyleCnt="0">
+        <dgm:presLayoutVars>
+          <dgm:dir/>
+          <dgm:resizeHandles val="exact"/>
+        </dgm:presLayoutVars>
+      </dgm:prSet>
+      <dgm:spPr/>
+    </dgm:pt>
+    <dgm:pt modelId="{9F3D4B14-BDF0-45AA-AA1D-29A9B85795D8}" type="pres">
+      <dgm:prSet presAssocID="{BC3E7099-15F4-4D0A-8CCA-CAA3C336C34A}" presName="compNode" presStyleCnt="0"/>
+      <dgm:spPr/>
+    </dgm:pt>
+    <dgm:pt modelId="{CF173895-39EF-4730-8870-028BAC46B097}" type="pres">
+      <dgm:prSet presAssocID="{BC3E7099-15F4-4D0A-8CCA-CAA3C336C34A}" presName="bgRect" presStyleLbl="bgShp" presStyleIdx="0" presStyleCnt="6"/>
+      <dgm:spPr/>
+    </dgm:pt>
+    <dgm:pt modelId="{E7E0A518-EA29-48EF-80BA-3B3982806079}" type="pres">
+      <dgm:prSet presAssocID="{BC3E7099-15F4-4D0A-8CCA-CAA3C336C34A}" presName="iconRect" presStyleLbl="node1" presStyleIdx="0" presStyleCnt="6"/>
+      <dgm:spPr>
+        <a:blipFill>
+          <a:blip xmlns:r="http://schemas.openxmlformats.org/officeDocument/2006/relationships" r:embed="rId1">
+            <a:extLst>
+              <a:ext uri="{28A0092B-C50C-407E-A947-70E740481C1C}">
+                <a14:useLocalDpi xmlns:a14="http://schemas.microsoft.com/office/drawing/2010/main" val="0"/>
+              </a:ext>
+              <a:ext uri="{96DAC541-7B7A-43D3-8B79-37D633B846F1}">
+                <asvg:svgBlip xmlns:asvg="http://schemas.microsoft.com/office/drawing/2016/SVG/main" r:embed="rId2"/>
+              </a:ext>
+            </a:extLst>
+          </a:blip>
+          <a:stretch>
+            <a:fillRect/>
+          </a:stretch>
+        </a:blipFill>
+        <a:ln>
+          <a:noFill/>
+        </a:ln>
+      </dgm:spPr>
+      <dgm:extLst>
+        <a:ext uri="{E40237B7-FDA0-4F09-8148-C483321AD2D9}">
+          <dgm14:cNvPr xmlns:dgm14="http://schemas.microsoft.com/office/drawing/2010/diagram" id="0" name="" descr="AlterationsTailoring4"/>
+        </a:ext>
+      </dgm:extLst>
+    </dgm:pt>
+    <dgm:pt modelId="{42C6D0FA-2240-4E18-A2BA-806E51AD57A2}" type="pres">
+      <dgm:prSet presAssocID="{BC3E7099-15F4-4D0A-8CCA-CAA3C336C34A}" presName="spaceRect" presStyleCnt="0"/>
+      <dgm:spPr/>
+    </dgm:pt>
+    <dgm:pt modelId="{E5F23D21-DC52-422D-8945-9499175A1E1A}" type="pres">
+      <dgm:prSet presAssocID="{BC3E7099-15F4-4D0A-8CCA-CAA3C336C34A}" presName="parTx" presStyleLbl="revTx" presStyleIdx="0" presStyleCnt="6">
+        <dgm:presLayoutVars>
+          <dgm:chMax val="0"/>
+          <dgm:chPref val="0"/>
+        </dgm:presLayoutVars>
+      </dgm:prSet>
+      <dgm:spPr/>
+    </dgm:pt>
+    <dgm:pt modelId="{5A25B3E0-E874-4066-919E-ACC85EF79F11}" type="pres">
+      <dgm:prSet presAssocID="{9A062AC4-EAEF-4C44-9E6E-709BA0CF06E1}" presName="sibTrans" presStyleCnt="0"/>
+      <dgm:spPr/>
+    </dgm:pt>
+    <dgm:pt modelId="{4552084D-D666-4D28-9BB1-DCBCCE2B6E96}" type="pres">
+      <dgm:prSet presAssocID="{2D844F9F-D0CC-4976-A130-2A929CDA5204}" presName="compNode" presStyleCnt="0"/>
+      <dgm:spPr/>
+    </dgm:pt>
+    <dgm:pt modelId="{23E4DA5A-4341-42F1-A60E-AFD065B6124D}" type="pres">
+      <dgm:prSet presAssocID="{2D844F9F-D0CC-4976-A130-2A929CDA5204}" presName="bgRect" presStyleLbl="bgShp" presStyleIdx="1" presStyleCnt="6"/>
+      <dgm:spPr/>
+    </dgm:pt>
+    <dgm:pt modelId="{1CB9C189-842B-4A48-9AF2-2ADB314EDA64}" type="pres">
+      <dgm:prSet presAssocID="{2D844F9F-D0CC-4976-A130-2A929CDA5204}" presName="iconRect" presStyleLbl="node1" presStyleIdx="1" presStyleCnt="6"/>
+      <dgm:spPr>
+        <a:blipFill>
+          <a:blip xmlns:r="http://schemas.openxmlformats.org/officeDocument/2006/relationships" r:embed="rId3">
+            <a:extLst>
+              <a:ext uri="{28A0092B-C50C-407E-A947-70E740481C1C}">
+                <a14:useLocalDpi xmlns:a14="http://schemas.microsoft.com/office/drawing/2010/main" val="0"/>
+              </a:ext>
+              <a:ext uri="{96DAC541-7B7A-43D3-8B79-37D633B846F1}">
+                <asvg:svgBlip xmlns:asvg="http://schemas.microsoft.com/office/drawing/2016/SVG/main" r:embed="rId4"/>
+              </a:ext>
+            </a:extLst>
+          </a:blip>
+          <a:stretch>
+            <a:fillRect/>
+          </a:stretch>
+        </a:blipFill>
+        <a:ln>
+          <a:noFill/>
+        </a:ln>
+      </dgm:spPr>
+      <dgm:extLst>
+        <a:ext uri="{E40237B7-FDA0-4F09-8148-C483321AD2D9}">
+          <dgm14:cNvPr xmlns:dgm14="http://schemas.microsoft.com/office/drawing/2010/diagram" id="0" name="" descr="Mahjong"/>
+        </a:ext>
+      </dgm:extLst>
+    </dgm:pt>
+    <dgm:pt modelId="{2F228B9A-1BC8-4FFB-A9C7-0148DAA03092}" type="pres">
+      <dgm:prSet presAssocID="{2D844F9F-D0CC-4976-A130-2A929CDA5204}" presName="spaceRect" presStyleCnt="0"/>
+      <dgm:spPr/>
+    </dgm:pt>
+    <dgm:pt modelId="{A8468894-AAD0-4703-9B30-607A7C743227}" type="pres">
+      <dgm:prSet presAssocID="{2D844F9F-D0CC-4976-A130-2A929CDA5204}" presName="parTx" presStyleLbl="revTx" presStyleIdx="1" presStyleCnt="6">
+        <dgm:presLayoutVars>
+          <dgm:chMax val="0"/>
+          <dgm:chPref val="0"/>
+        </dgm:presLayoutVars>
+      </dgm:prSet>
+      <dgm:spPr/>
+    </dgm:pt>
+    <dgm:pt modelId="{91610365-696B-4403-A3D0-50D9EE24331D}" type="pres">
+      <dgm:prSet presAssocID="{A2F317E7-2ABD-4655-BBCE-0D292DAD825E}" presName="sibTrans" presStyleCnt="0"/>
+      <dgm:spPr/>
+    </dgm:pt>
+    <dgm:pt modelId="{939F9035-BB22-42F9-A5AD-310C97ECC690}" type="pres">
+      <dgm:prSet presAssocID="{C75ED24D-3A65-4243-BEC7-F0CD83B9A9FA}" presName="compNode" presStyleCnt="0"/>
+      <dgm:spPr/>
+    </dgm:pt>
+    <dgm:pt modelId="{9738C9B9-75BE-4CAA-9ED7-488E20C93E35}" type="pres">
+      <dgm:prSet presAssocID="{C75ED24D-3A65-4243-BEC7-F0CD83B9A9FA}" presName="bgRect" presStyleLbl="bgShp" presStyleIdx="2" presStyleCnt="6"/>
+      <dgm:spPr/>
+    </dgm:pt>
+    <dgm:pt modelId="{CABCE9C0-097A-4F04-881E-CD421C9B5F55}" type="pres">
+      <dgm:prSet presAssocID="{C75ED24D-3A65-4243-BEC7-F0CD83B9A9FA}" presName="iconRect" presStyleLbl="node1" presStyleIdx="2" presStyleCnt="6"/>
+      <dgm:spPr>
+        <a:blipFill>
+          <a:blip xmlns:r="http://schemas.openxmlformats.org/officeDocument/2006/relationships" r:embed="rId5">
+            <a:extLst>
+              <a:ext uri="{28A0092B-C50C-407E-A947-70E740481C1C}">
+                <a14:useLocalDpi xmlns:a14="http://schemas.microsoft.com/office/drawing/2010/main" val="0"/>
+              </a:ext>
+              <a:ext uri="{96DAC541-7B7A-43D3-8B79-37D633B846F1}">
+                <asvg:svgBlip xmlns:asvg="http://schemas.microsoft.com/office/drawing/2016/SVG/main" r:embed="rId6"/>
+              </a:ext>
+            </a:extLst>
+          </a:blip>
+          <a:stretch>
+            <a:fillRect/>
+          </a:stretch>
+        </a:blipFill>
+        <a:ln>
+          <a:noFill/>
+        </a:ln>
+      </dgm:spPr>
+      <dgm:extLst>
+        <a:ext uri="{E40237B7-FDA0-4F09-8148-C483321AD2D9}">
+          <dgm14:cNvPr xmlns:dgm14="http://schemas.microsoft.com/office/drawing/2010/diagram" id="0" name="" descr="PostitNotes3"/>
+        </a:ext>
+      </dgm:extLst>
+    </dgm:pt>
+    <dgm:pt modelId="{436981F1-583A-4AA8-A646-0CEE6929AE86}" type="pres">
+      <dgm:prSet presAssocID="{C75ED24D-3A65-4243-BEC7-F0CD83B9A9FA}" presName="spaceRect" presStyleCnt="0"/>
+      <dgm:spPr/>
+    </dgm:pt>
+    <dgm:pt modelId="{3BAF1FFC-F7AC-47CA-B152-50F1E74FD622}" type="pres">
+      <dgm:prSet presAssocID="{C75ED24D-3A65-4243-BEC7-F0CD83B9A9FA}" presName="parTx" presStyleLbl="revTx" presStyleIdx="2" presStyleCnt="6">
+        <dgm:presLayoutVars>
+          <dgm:chMax val="0"/>
+          <dgm:chPref val="0"/>
+        </dgm:presLayoutVars>
+      </dgm:prSet>
+      <dgm:spPr/>
+    </dgm:pt>
+    <dgm:pt modelId="{E97816DD-D0CA-45F8-89DD-5C0B2236462F}" type="pres">
+      <dgm:prSet presAssocID="{A2397DA4-43EC-4249-B1F4-5C88ABF9DD2A}" presName="sibTrans" presStyleCnt="0"/>
+      <dgm:spPr/>
+    </dgm:pt>
+    <dgm:pt modelId="{E79B8804-5403-4D99-AC17-4FD9EB53C45A}" type="pres">
+      <dgm:prSet presAssocID="{AE7CFDE5-AF01-46BD-A99A-29463828B19A}" presName="compNode" presStyleCnt="0"/>
+      <dgm:spPr/>
+    </dgm:pt>
+    <dgm:pt modelId="{B37ED0DC-93B3-4723-B7F4-D90C3A67F4D0}" type="pres">
+      <dgm:prSet presAssocID="{AE7CFDE5-AF01-46BD-A99A-29463828B19A}" presName="bgRect" presStyleLbl="bgShp" presStyleIdx="3" presStyleCnt="6"/>
+      <dgm:spPr/>
+    </dgm:pt>
+    <dgm:pt modelId="{DD27A42F-C6F3-4A2A-9F90-2BC7D76EA59C}" type="pres">
+      <dgm:prSet presAssocID="{AE7CFDE5-AF01-46BD-A99A-29463828B19A}" presName="iconRect" presStyleLbl="node1" presStyleIdx="3" presStyleCnt="6"/>
+      <dgm:spPr>
+        <a:blipFill>
+          <a:blip xmlns:r="http://schemas.openxmlformats.org/officeDocument/2006/relationships" r:embed="rId7">
+            <a:extLst>
+              <a:ext uri="{28A0092B-C50C-407E-A947-70E740481C1C}">
+                <a14:useLocalDpi xmlns:a14="http://schemas.microsoft.com/office/drawing/2010/main" val="0"/>
+              </a:ext>
+              <a:ext uri="{96DAC541-7B7A-43D3-8B79-37D633B846F1}">
+                <asvg:svgBlip xmlns:asvg="http://schemas.microsoft.com/office/drawing/2016/SVG/main" r:embed="rId8"/>
+              </a:ext>
+            </a:extLst>
+          </a:blip>
+          <a:stretch>
+            <a:fillRect/>
+          </a:stretch>
+        </a:blipFill>
+        <a:ln>
+          <a:noFill/>
+        </a:ln>
+      </dgm:spPr>
+      <dgm:extLst>
+        <a:ext uri="{E40237B7-FDA0-4F09-8148-C483321AD2D9}">
+          <dgm14:cNvPr xmlns:dgm14="http://schemas.microsoft.com/office/drawing/2010/diagram" id="0" name="" descr="Cmd(terminal)1"/>
+        </a:ext>
+      </dgm:extLst>
+    </dgm:pt>
+    <dgm:pt modelId="{2ADD3AE7-47AF-4765-9DFA-95F18BAD6BD9}" type="pres">
+      <dgm:prSet presAssocID="{AE7CFDE5-AF01-46BD-A99A-29463828B19A}" presName="spaceRect" presStyleCnt="0"/>
+      <dgm:spPr/>
+    </dgm:pt>
+    <dgm:pt modelId="{9E3FAB89-CB46-42F3-A684-DC93C8FA7AB2}" type="pres">
+      <dgm:prSet presAssocID="{AE7CFDE5-AF01-46BD-A99A-29463828B19A}" presName="parTx" presStyleLbl="revTx" presStyleIdx="3" presStyleCnt="6">
+        <dgm:presLayoutVars>
+          <dgm:chMax val="0"/>
+          <dgm:chPref val="0"/>
+        </dgm:presLayoutVars>
+      </dgm:prSet>
+      <dgm:spPr/>
+    </dgm:pt>
+    <dgm:pt modelId="{5A509B91-47F6-43C1-9450-0620AE897267}" type="pres">
+      <dgm:prSet presAssocID="{46BEA966-4AFC-4706-9394-EDF40583F7D4}" presName="sibTrans" presStyleCnt="0"/>
+      <dgm:spPr/>
+    </dgm:pt>
+    <dgm:pt modelId="{00ECE0F9-9847-4A74-B43C-4967D9EF5D5C}" type="pres">
+      <dgm:prSet presAssocID="{395FBD8D-DFE3-42B6-B801-BD00EEF15E2C}" presName="compNode" presStyleCnt="0"/>
+      <dgm:spPr/>
+    </dgm:pt>
+    <dgm:pt modelId="{B9AB6945-0CFB-4446-ACE2-A418C8750A0F}" type="pres">
+      <dgm:prSet presAssocID="{395FBD8D-DFE3-42B6-B801-BD00EEF15E2C}" presName="bgRect" presStyleLbl="bgShp" presStyleIdx="4" presStyleCnt="6"/>
+      <dgm:spPr/>
+    </dgm:pt>
+    <dgm:pt modelId="{EB12B1C2-B33D-41C1-84AF-1EED82A1FE08}" type="pres">
+      <dgm:prSet presAssocID="{395FBD8D-DFE3-42B6-B801-BD00EEF15E2C}" presName="iconRect" presStyleLbl="node1" presStyleIdx="4" presStyleCnt="6"/>
+      <dgm:spPr>
+        <a:blipFill>
+          <a:blip xmlns:r="http://schemas.openxmlformats.org/officeDocument/2006/relationships" r:embed="rId9">
+            <a:extLst>
+              <a:ext uri="{28A0092B-C50C-407E-A947-70E740481C1C}">
+                <a14:useLocalDpi xmlns:a14="http://schemas.microsoft.com/office/drawing/2010/main" val="0"/>
+              </a:ext>
+              <a:ext uri="{96DAC541-7B7A-43D3-8B79-37D633B846F1}">
+                <asvg:svgBlip xmlns:asvg="http://schemas.microsoft.com/office/drawing/2016/SVG/main" r:embed="rId10"/>
+              </a:ext>
+            </a:extLst>
+          </a:blip>
+          <a:stretch>
+            <a:fillRect/>
+          </a:stretch>
+        </a:blipFill>
+        <a:ln>
+          <a:noFill/>
+        </a:ln>
+      </dgm:spPr>
+      <dgm:extLst>
+        <a:ext uri="{E40237B7-FDA0-4F09-8148-C483321AD2D9}">
+          <dgm14:cNvPr xmlns:dgm14="http://schemas.microsoft.com/office/drawing/2010/diagram" id="0" name="" descr="Right Pointing Backhand Index"/>
+        </a:ext>
+      </dgm:extLst>
+    </dgm:pt>
+    <dgm:pt modelId="{7C389FDC-31BF-4899-93C1-742000D9E5FE}" type="pres">
+      <dgm:prSet presAssocID="{395FBD8D-DFE3-42B6-B801-BD00EEF15E2C}" presName="spaceRect" presStyleCnt="0"/>
+      <dgm:spPr/>
+    </dgm:pt>
+    <dgm:pt modelId="{72C152A4-DE42-4A55-B41C-36DFF11BEA1D}" type="pres">
+      <dgm:prSet presAssocID="{395FBD8D-DFE3-42B6-B801-BD00EEF15E2C}" presName="parTx" presStyleLbl="revTx" presStyleIdx="4" presStyleCnt="6">
+        <dgm:presLayoutVars>
+          <dgm:chMax val="0"/>
+          <dgm:chPref val="0"/>
+        </dgm:presLayoutVars>
+      </dgm:prSet>
+      <dgm:spPr/>
+    </dgm:pt>
+    <dgm:pt modelId="{46BB4B2C-F86B-467B-9C14-051884F013FB}" type="pres">
+      <dgm:prSet presAssocID="{08743B93-19D0-4B90-8EDA-6F59C3695046}" presName="sibTrans" presStyleCnt="0"/>
+      <dgm:spPr/>
+    </dgm:pt>
+    <dgm:pt modelId="{7350D89D-8725-40F6-9802-C4BE2C495CDA}" type="pres">
+      <dgm:prSet presAssocID="{7EFF4725-63D1-48EF-937B-379C03AB9C3F}" presName="compNode" presStyleCnt="0"/>
+      <dgm:spPr/>
+    </dgm:pt>
+    <dgm:pt modelId="{3A3B53C7-90D1-4E0B-88E7-2B64D64D7319}" type="pres">
+      <dgm:prSet presAssocID="{7EFF4725-63D1-48EF-937B-379C03AB9C3F}" presName="bgRect" presStyleLbl="bgShp" presStyleIdx="5" presStyleCnt="6"/>
+      <dgm:spPr/>
+    </dgm:pt>
+    <dgm:pt modelId="{5271C29F-4223-4B90-9AD0-98BBEC89DF97}" type="pres">
+      <dgm:prSet presAssocID="{7EFF4725-63D1-48EF-937B-379C03AB9C3F}" presName="iconRect" presStyleLbl="node1" presStyleIdx="5" presStyleCnt="6"/>
+      <dgm:spPr>
+        <a:blipFill>
+          <a:blip xmlns:r="http://schemas.openxmlformats.org/officeDocument/2006/relationships" r:embed="rId11">
+            <a:extLst>
+              <a:ext uri="{28A0092B-C50C-407E-A947-70E740481C1C}">
+                <a14:useLocalDpi xmlns:a14="http://schemas.microsoft.com/office/drawing/2010/main" val="0"/>
+              </a:ext>
+              <a:ext uri="{96DAC541-7B7A-43D3-8B79-37D633B846F1}">
+                <asvg:svgBlip xmlns:asvg="http://schemas.microsoft.com/office/drawing/2016/SVG/main" r:embed="rId12"/>
+              </a:ext>
+            </a:extLst>
+          </a:blip>
+          <a:stretch>
+            <a:fillRect/>
+          </a:stretch>
+        </a:blipFill>
+        <a:ln>
+          <a:noFill/>
+        </a:ln>
+      </dgm:spPr>
+      <dgm:extLst>
+        <a:ext uri="{E40237B7-FDA0-4F09-8148-C483321AD2D9}">
+          <dgm14:cNvPr xmlns:dgm14="http://schemas.microsoft.com/office/drawing/2010/diagram" id="0" name="" descr="Easel"/>
+        </a:ext>
+      </dgm:extLst>
+    </dgm:pt>
+    <dgm:pt modelId="{C25FF922-9AD6-43C0-9DEA-DD4333761884}" type="pres">
+      <dgm:prSet presAssocID="{7EFF4725-63D1-48EF-937B-379C03AB9C3F}" presName="spaceRect" presStyleCnt="0"/>
+      <dgm:spPr/>
+    </dgm:pt>
+    <dgm:pt modelId="{D032348E-1E96-4CA2-AB91-C28B567A027A}" type="pres">
+      <dgm:prSet presAssocID="{7EFF4725-63D1-48EF-937B-379C03AB9C3F}" presName="parTx" presStyleLbl="revTx" presStyleIdx="5" presStyleCnt="6">
+        <dgm:presLayoutVars>
+          <dgm:chMax val="0"/>
+          <dgm:chPref val="0"/>
+        </dgm:presLayoutVars>
+      </dgm:prSet>
+      <dgm:spPr/>
+    </dgm:pt>
+  </dgm:ptLst>
+  <dgm:cxnLst>
+    <dgm:cxn modelId="{42B9E111-AC62-4E8B-BC9A-6C064AF6100C}" type="presOf" srcId="{2D844F9F-D0CC-4976-A130-2A929CDA5204}" destId="{A8468894-AAD0-4703-9B30-607A7C743227}" srcOrd="0" destOrd="0" presId="urn:microsoft.com/office/officeart/2018/2/layout/IconVerticalSolidList"/>
+    <dgm:cxn modelId="{44F3961F-95DE-47B1-AC01-0AD1F46C6DAC}" type="presOf" srcId="{BC3E7099-15F4-4D0A-8CCA-CAA3C336C34A}" destId="{E5F23D21-DC52-422D-8945-9499175A1E1A}" srcOrd="0" destOrd="0" presId="urn:microsoft.com/office/officeart/2018/2/layout/IconVerticalSolidList"/>
+    <dgm:cxn modelId="{5C416820-3DA8-4D1D-A2C8-B5C9B70DD308}" srcId="{650A5D41-5ACF-4F1D-BF73-010F3ACDED7E}" destId="{BC3E7099-15F4-4D0A-8CCA-CAA3C336C34A}" srcOrd="0" destOrd="0" parTransId="{77458170-7974-4214-8083-988021190309}" sibTransId="{9A062AC4-EAEF-4C44-9E6E-709BA0CF06E1}"/>
+    <dgm:cxn modelId="{9557555E-3F01-436A-9044-D232B66D825A}" srcId="{650A5D41-5ACF-4F1D-BF73-010F3ACDED7E}" destId="{395FBD8D-DFE3-42B6-B801-BD00EEF15E2C}" srcOrd="4" destOrd="0" parTransId="{E5E8641F-FC35-4616-AFE8-2E69500DC407}" sibTransId="{08743B93-19D0-4B90-8EDA-6F59C3695046}"/>
+    <dgm:cxn modelId="{8B84A165-B13D-4BE2-95BD-CA33B13D3EFE}" type="presOf" srcId="{AE7CFDE5-AF01-46BD-A99A-29463828B19A}" destId="{9E3FAB89-CB46-42F3-A684-DC93C8FA7AB2}" srcOrd="0" destOrd="0" presId="urn:microsoft.com/office/officeart/2018/2/layout/IconVerticalSolidList"/>
+    <dgm:cxn modelId="{0F31E04F-D7CE-4F3D-A173-0441B22985CE}" type="presOf" srcId="{7EFF4725-63D1-48EF-937B-379C03AB9C3F}" destId="{D032348E-1E96-4CA2-AB91-C28B567A027A}" srcOrd="0" destOrd="0" presId="urn:microsoft.com/office/officeart/2018/2/layout/IconVerticalSolidList"/>
+    <dgm:cxn modelId="{20E25750-4B51-408F-9851-4528B4E40DAA}" type="presOf" srcId="{395FBD8D-DFE3-42B6-B801-BD00EEF15E2C}" destId="{72C152A4-DE42-4A55-B41C-36DFF11BEA1D}" srcOrd="0" destOrd="0" presId="urn:microsoft.com/office/officeart/2018/2/layout/IconVerticalSolidList"/>
+    <dgm:cxn modelId="{B99CCC93-65BB-4B68-87D9-52B0286EA280}" srcId="{650A5D41-5ACF-4F1D-BF73-010F3ACDED7E}" destId="{C75ED24D-3A65-4243-BEC7-F0CD83B9A9FA}" srcOrd="2" destOrd="0" parTransId="{9FBB74E9-0795-4AAB-BA22-A96C6F6FD498}" sibTransId="{A2397DA4-43EC-4249-B1F4-5C88ABF9DD2A}"/>
+    <dgm:cxn modelId="{D1C5509F-902F-4372-AF6F-5A6DCC864F27}" type="presOf" srcId="{650A5D41-5ACF-4F1D-BF73-010F3ACDED7E}" destId="{9ABF83F2-7283-43E7-8888-24916623CE6B}" srcOrd="0" destOrd="0" presId="urn:microsoft.com/office/officeart/2018/2/layout/IconVerticalSolidList"/>
+    <dgm:cxn modelId="{C91187C2-B4ED-43E4-894A-4EFE2570D331}" srcId="{650A5D41-5ACF-4F1D-BF73-010F3ACDED7E}" destId="{2D844F9F-D0CC-4976-A130-2A929CDA5204}" srcOrd="1" destOrd="0" parTransId="{EDB6A275-7248-4433-A9C1-0D016A9C3F36}" sibTransId="{A2F317E7-2ABD-4655-BBCE-0D292DAD825E}"/>
+    <dgm:cxn modelId="{7F8686CD-200D-4469-AA3F-49FC890371FD}" type="presOf" srcId="{C75ED24D-3A65-4243-BEC7-F0CD83B9A9FA}" destId="{3BAF1FFC-F7AC-47CA-B152-50F1E74FD622}" srcOrd="0" destOrd="0" presId="urn:microsoft.com/office/officeart/2018/2/layout/IconVerticalSolidList"/>
+    <dgm:cxn modelId="{E59C94F6-816F-4A37-9396-56879CA2C8E1}" srcId="{650A5D41-5ACF-4F1D-BF73-010F3ACDED7E}" destId="{7EFF4725-63D1-48EF-937B-379C03AB9C3F}" srcOrd="5" destOrd="0" parTransId="{CFC001C1-2FF0-4152-B665-FA25EC5278DB}" sibTransId="{2F75E71C-1B28-4174-9E0C-9BF208939DE0}"/>
+    <dgm:cxn modelId="{A9CF2AF9-C621-425F-AC40-DC18BD4C013C}" srcId="{650A5D41-5ACF-4F1D-BF73-010F3ACDED7E}" destId="{AE7CFDE5-AF01-46BD-A99A-29463828B19A}" srcOrd="3" destOrd="0" parTransId="{67B823B6-7AE3-40B1-A0A6-1C8FAF885404}" sibTransId="{46BEA966-4AFC-4706-9394-EDF40583F7D4}"/>
+    <dgm:cxn modelId="{A18215CE-3B74-47EA-9353-ADA2CC12BD3E}" type="presParOf" srcId="{9ABF83F2-7283-43E7-8888-24916623CE6B}" destId="{9F3D4B14-BDF0-45AA-AA1D-29A9B85795D8}" srcOrd="0" destOrd="0" presId="urn:microsoft.com/office/officeart/2018/2/layout/IconVerticalSolidList"/>
+    <dgm:cxn modelId="{D5DA9B05-FE4E-402D-8C89-245C9DC49B40}" type="presParOf" srcId="{9F3D4B14-BDF0-45AA-AA1D-29A9B85795D8}" destId="{CF173895-39EF-4730-8870-028BAC46B097}" srcOrd="0" destOrd="0" presId="urn:microsoft.com/office/officeart/2018/2/layout/IconVerticalSolidList"/>
+    <dgm:cxn modelId="{5BB691B2-5213-458A-B857-64D7621FBFD2}" type="presParOf" srcId="{9F3D4B14-BDF0-45AA-AA1D-29A9B85795D8}" destId="{E7E0A518-EA29-48EF-80BA-3B3982806079}" srcOrd="1" destOrd="0" presId="urn:microsoft.com/office/officeart/2018/2/layout/IconVerticalSolidList"/>
+    <dgm:cxn modelId="{1428E0FB-DD80-4B54-B38C-5935551F6873}" type="presParOf" srcId="{9F3D4B14-BDF0-45AA-AA1D-29A9B85795D8}" destId="{42C6D0FA-2240-4E18-A2BA-806E51AD57A2}" srcOrd="2" destOrd="0" presId="urn:microsoft.com/office/officeart/2018/2/layout/IconVerticalSolidList"/>
+    <dgm:cxn modelId="{4CF15718-7261-48D0-B92F-90404F6DE8E5}" type="presParOf" srcId="{9F3D4B14-BDF0-45AA-AA1D-29A9B85795D8}" destId="{E5F23D21-DC52-422D-8945-9499175A1E1A}" srcOrd="3" destOrd="0" presId="urn:microsoft.com/office/officeart/2018/2/layout/IconVerticalSolidList"/>
+    <dgm:cxn modelId="{F1D8C8A9-2582-441E-8639-78D91D5F7A74}" type="presParOf" srcId="{9ABF83F2-7283-43E7-8888-24916623CE6B}" destId="{5A25B3E0-E874-4066-919E-ACC85EF79F11}" srcOrd="1" destOrd="0" presId="urn:microsoft.com/office/officeart/2018/2/layout/IconVerticalSolidList"/>
+    <dgm:cxn modelId="{27B8A7DB-385D-443E-BB7A-B8DD800BB8C8}" type="presParOf" srcId="{9ABF83F2-7283-43E7-8888-24916623CE6B}" destId="{4552084D-D666-4D28-9BB1-DCBCCE2B6E96}" srcOrd="2" destOrd="0" presId="urn:microsoft.com/office/officeart/2018/2/layout/IconVerticalSolidList"/>
+    <dgm:cxn modelId="{13DCCC4E-40F5-4FCB-8AA6-091FC59FA020}" type="presParOf" srcId="{4552084D-D666-4D28-9BB1-DCBCCE2B6E96}" destId="{23E4DA5A-4341-42F1-A60E-AFD065B6124D}" srcOrd="0" destOrd="0" presId="urn:microsoft.com/office/officeart/2018/2/layout/IconVerticalSolidList"/>
+    <dgm:cxn modelId="{A2E221F8-F61E-476D-B883-3A1C41AB8A9B}" type="presParOf" srcId="{4552084D-D666-4D28-9BB1-DCBCCE2B6E96}" destId="{1CB9C189-842B-4A48-9AF2-2ADB314EDA64}" srcOrd="1" destOrd="0" presId="urn:microsoft.com/office/officeart/2018/2/layout/IconVerticalSolidList"/>
+    <dgm:cxn modelId="{EC47E418-3090-430E-9277-DDB80C132A8B}" type="presParOf" srcId="{4552084D-D666-4D28-9BB1-DCBCCE2B6E96}" destId="{2F228B9A-1BC8-4FFB-A9C7-0148DAA03092}" srcOrd="2" destOrd="0" presId="urn:microsoft.com/office/officeart/2018/2/layout/IconVerticalSolidList"/>
+    <dgm:cxn modelId="{A6ACD68A-EE8D-4E1B-98C1-F4BED08130C1}" type="presParOf" srcId="{4552084D-D666-4D28-9BB1-DCBCCE2B6E96}" destId="{A8468894-AAD0-4703-9B30-607A7C743227}" srcOrd="3" destOrd="0" presId="urn:microsoft.com/office/officeart/2018/2/layout/IconVerticalSolidList"/>
+    <dgm:cxn modelId="{863FE475-C4C9-4EB0-8EF3-D61C709771BA}" type="presParOf" srcId="{9ABF83F2-7283-43E7-8888-24916623CE6B}" destId="{91610365-696B-4403-A3D0-50D9EE24331D}" srcOrd="3" destOrd="0" presId="urn:microsoft.com/office/officeart/2018/2/layout/IconVerticalSolidList"/>
+    <dgm:cxn modelId="{09B82ADA-9D60-44CB-82AD-BBFE47647251}" type="presParOf" srcId="{9ABF83F2-7283-43E7-8888-24916623CE6B}" destId="{939F9035-BB22-42F9-A5AD-310C97ECC690}" srcOrd="4" destOrd="0" presId="urn:microsoft.com/office/officeart/2018/2/layout/IconVerticalSolidList"/>
+    <dgm:cxn modelId="{3CAFFD26-E382-4C08-833C-918568DF82E2}" type="presParOf" srcId="{939F9035-BB22-42F9-A5AD-310C97ECC690}" destId="{9738C9B9-75BE-4CAA-9ED7-488E20C93E35}" srcOrd="0" destOrd="0" presId="urn:microsoft.com/office/officeart/2018/2/layout/IconVerticalSolidList"/>
+    <dgm:cxn modelId="{C1992E23-6576-44A6-BF60-9B7D081C67BA}" type="presParOf" srcId="{939F9035-BB22-42F9-A5AD-310C97ECC690}" destId="{CABCE9C0-097A-4F04-881E-CD421C9B5F55}" srcOrd="1" destOrd="0" presId="urn:microsoft.com/office/officeart/2018/2/layout/IconVerticalSolidList"/>
+    <dgm:cxn modelId="{2BDCB971-1368-4D0D-BBBF-DB039A8B161A}" type="presParOf" srcId="{939F9035-BB22-42F9-A5AD-310C97ECC690}" destId="{436981F1-583A-4AA8-A646-0CEE6929AE86}" srcOrd="2" destOrd="0" presId="urn:microsoft.com/office/officeart/2018/2/layout/IconVerticalSolidList"/>
+    <dgm:cxn modelId="{20B61120-C038-47AC-AAB4-CB914D6B09F8}" type="presParOf" srcId="{939F9035-BB22-42F9-A5AD-310C97ECC690}" destId="{3BAF1FFC-F7AC-47CA-B152-50F1E74FD622}" srcOrd="3" destOrd="0" presId="urn:microsoft.com/office/officeart/2018/2/layout/IconVerticalSolidList"/>
+    <dgm:cxn modelId="{5730569E-F81F-48CB-933C-EBACFA902F43}" type="presParOf" srcId="{9ABF83F2-7283-43E7-8888-24916623CE6B}" destId="{E97816DD-D0CA-45F8-89DD-5C0B2236462F}" srcOrd="5" destOrd="0" presId="urn:microsoft.com/office/officeart/2018/2/layout/IconVerticalSolidList"/>
+    <dgm:cxn modelId="{0808BDEE-881D-4F76-814C-BADF371A79FC}" type="presParOf" srcId="{9ABF83F2-7283-43E7-8888-24916623CE6B}" destId="{E79B8804-5403-4D99-AC17-4FD9EB53C45A}" srcOrd="6" destOrd="0" presId="urn:microsoft.com/office/officeart/2018/2/layout/IconVerticalSolidList"/>
+    <dgm:cxn modelId="{DACF8E2B-5CF4-456D-9851-0624E2605043}" type="presParOf" srcId="{E79B8804-5403-4D99-AC17-4FD9EB53C45A}" destId="{B37ED0DC-93B3-4723-B7F4-D90C3A67F4D0}" srcOrd="0" destOrd="0" presId="urn:microsoft.com/office/officeart/2018/2/layout/IconVerticalSolidList"/>
+    <dgm:cxn modelId="{A600581C-F08E-49DE-8EE1-B81E46BDDA8D}" type="presParOf" srcId="{E79B8804-5403-4D99-AC17-4FD9EB53C45A}" destId="{DD27A42F-C6F3-4A2A-9F90-2BC7D76EA59C}" srcOrd="1" destOrd="0" presId="urn:microsoft.com/office/officeart/2018/2/layout/IconVerticalSolidList"/>
+    <dgm:cxn modelId="{C7E38714-DE57-40A5-B133-401D823B0FCC}" type="presParOf" srcId="{E79B8804-5403-4D99-AC17-4FD9EB53C45A}" destId="{2ADD3AE7-47AF-4765-9DFA-95F18BAD6BD9}" srcOrd="2" destOrd="0" presId="urn:microsoft.com/office/officeart/2018/2/layout/IconVerticalSolidList"/>
+    <dgm:cxn modelId="{ACA447F4-FF42-45CC-A04A-7B1747FAEE14}" type="presParOf" srcId="{E79B8804-5403-4D99-AC17-4FD9EB53C45A}" destId="{9E3FAB89-CB46-42F3-A684-DC93C8FA7AB2}" srcOrd="3" destOrd="0" presId="urn:microsoft.com/office/officeart/2018/2/layout/IconVerticalSolidList"/>
+    <dgm:cxn modelId="{4588291E-C329-4796-8290-3B86B0275C2C}" type="presParOf" srcId="{9ABF83F2-7283-43E7-8888-24916623CE6B}" destId="{5A509B91-47F6-43C1-9450-0620AE897267}" srcOrd="7" destOrd="0" presId="urn:microsoft.com/office/officeart/2018/2/layout/IconVerticalSolidList"/>
+    <dgm:cxn modelId="{80B0D726-C32F-484D-A61B-8209A912DE82}" type="presParOf" srcId="{9ABF83F2-7283-43E7-8888-24916623CE6B}" destId="{00ECE0F9-9847-4A74-B43C-4967D9EF5D5C}" srcOrd="8" destOrd="0" presId="urn:microsoft.com/office/officeart/2018/2/layout/IconVerticalSolidList"/>
+    <dgm:cxn modelId="{0CB371FD-5A60-40D2-AD43-A56AF86A6398}" type="presParOf" srcId="{00ECE0F9-9847-4A74-B43C-4967D9EF5D5C}" destId="{B9AB6945-0CFB-4446-ACE2-A418C8750A0F}" srcOrd="0" destOrd="0" presId="urn:microsoft.com/office/officeart/2018/2/layout/IconVerticalSolidList"/>
+    <dgm:cxn modelId="{BCDBF9F9-1C3F-423D-9F56-191EFF7D5B59}" type="presParOf" srcId="{00ECE0F9-9847-4A74-B43C-4967D9EF5D5C}" destId="{EB12B1C2-B33D-41C1-84AF-1EED82A1FE08}" srcOrd="1" destOrd="0" presId="urn:microsoft.com/office/officeart/2018/2/layout/IconVerticalSolidList"/>
+    <dgm:cxn modelId="{0A20C19A-46FF-4A20-AEF2-4EAFAFBFF753}" type="presParOf" srcId="{00ECE0F9-9847-4A74-B43C-4967D9EF5D5C}" destId="{7C389FDC-31BF-4899-93C1-742000D9E5FE}" srcOrd="2" destOrd="0" presId="urn:microsoft.com/office/officeart/2018/2/layout/IconVerticalSolidList"/>
+    <dgm:cxn modelId="{45B2F31E-E14D-4E8F-894A-55DD4F607E96}" type="presParOf" srcId="{00ECE0F9-9847-4A74-B43C-4967D9EF5D5C}" destId="{72C152A4-DE42-4A55-B41C-36DFF11BEA1D}" srcOrd="3" destOrd="0" presId="urn:microsoft.com/office/officeart/2018/2/layout/IconVerticalSolidList"/>
+    <dgm:cxn modelId="{7AC0DCF1-76A0-47F1-8E02-8757A41D3FDD}" type="presParOf" srcId="{9ABF83F2-7283-43E7-8888-24916623CE6B}" destId="{46BB4B2C-F86B-467B-9C14-051884F013FB}" srcOrd="9" destOrd="0" presId="urn:microsoft.com/office/officeart/2018/2/layout/IconVerticalSolidList"/>
+    <dgm:cxn modelId="{9F845A9F-744B-42D9-9D9E-50990B1892B6}" type="presParOf" srcId="{9ABF83F2-7283-43E7-8888-24916623CE6B}" destId="{7350D89D-8725-40F6-9802-C4BE2C495CDA}" srcOrd="10" destOrd="0" presId="urn:microsoft.com/office/officeart/2018/2/layout/IconVerticalSolidList"/>
+    <dgm:cxn modelId="{A9194106-65A3-47AC-A59B-CE48AA2B802A}" type="presParOf" srcId="{7350D89D-8725-40F6-9802-C4BE2C495CDA}" destId="{3A3B53C7-90D1-4E0B-88E7-2B64D64D7319}" srcOrd="0" destOrd="0" presId="urn:microsoft.com/office/officeart/2018/2/layout/IconVerticalSolidList"/>
+    <dgm:cxn modelId="{B167098E-1280-4065-AF53-07F79AA4BD02}" type="presParOf" srcId="{7350D89D-8725-40F6-9802-C4BE2C495CDA}" destId="{5271C29F-4223-4B90-9AD0-98BBEC89DF97}" srcOrd="1" destOrd="0" presId="urn:microsoft.com/office/officeart/2018/2/layout/IconVerticalSolidList"/>
+    <dgm:cxn modelId="{CAB44554-99D7-4D4E-8DF8-13DDB4EB3B83}" type="presParOf" srcId="{7350D89D-8725-40F6-9802-C4BE2C495CDA}" destId="{C25FF922-9AD6-43C0-9DEA-DD4333761884}" srcOrd="2" destOrd="0" presId="urn:microsoft.com/office/officeart/2018/2/layout/IconVerticalSolidList"/>
+    <dgm:cxn modelId="{807C89EF-34A3-4660-BC9C-06258D1D569A}" type="presParOf" srcId="{7350D89D-8725-40F6-9802-C4BE2C495CDA}" destId="{D032348E-1E96-4CA2-AB91-C28B567A027A}" srcOrd="3" destOrd="0" presId="urn:microsoft.com/office/officeart/2018/2/layout/IconVerticalSolidList"/>
+  </dgm:cxnLst>
+  <dgm:bg/>
+  <dgm:whole/>
+  <dgm:extLst>
+    <a:ext uri="http://schemas.microsoft.com/office/drawing/2008/diagram">
+      <dsp:dataModelExt xmlns:dsp="http://schemas.microsoft.com/office/drawing/2008/diagram" relId="rId6" minVer="http://schemas.openxmlformats.org/drawingml/2006/diagram"/>
+    </a:ext>
+  </dgm:extLst>
+</dgm:dataModel>
+</file>
+
+<file path=ppt/diagrams/drawing1.xml><?xml version="1.0" encoding="utf-8"?>
+<dsp:drawing xmlns:dgm="http://schemas.openxmlformats.org/drawingml/2006/diagram" xmlns:dsp="http://schemas.microsoft.com/office/drawing/2008/diagram" xmlns:a="http://schemas.openxmlformats.org/drawingml/2006/main">
+  <dsp:spTree>
+    <dsp:nvGrpSpPr>
+      <dsp:cNvPr id="0" name=""/>
+      <dsp:cNvGrpSpPr/>
+    </dsp:nvGrpSpPr>
+    <dsp:grpSpPr/>
+    <dsp:sp modelId="{4E605E34-03CA-4198-8D40-487D3A7A1BEA}">
+      <dsp:nvSpPr>
+        <dsp:cNvPr id="0" name=""/>
+        <dsp:cNvSpPr/>
+      </dsp:nvSpPr>
+      <dsp:spPr>
+        <a:xfrm>
+          <a:off x="0" y="718"/>
+          <a:ext cx="6513603" cy="1681139"/>
+        </a:xfrm>
+        <a:prstGeom prst="roundRect">
+          <a:avLst>
+            <a:gd name="adj" fmla="val 10000"/>
+          </a:avLst>
+        </a:prstGeom>
+        <a:solidFill>
+          <a:schemeClr val="bg1">
+            <a:lumMod val="95000"/>
+            <a:hueOff val="0"/>
+            <a:satOff val="0"/>
+            <a:lumOff val="0"/>
+            <a:alphaOff val="0"/>
+          </a:schemeClr>
+        </a:solidFill>
+        <a:ln>
+          <a:noFill/>
+        </a:ln>
+        <a:effectLst/>
+      </dsp:spPr>
+      <dsp:style>
+        <a:lnRef idx="0">
+          <a:scrgbClr r="0" g="0" b="0"/>
+        </a:lnRef>
+        <a:fillRef idx="1">
+          <a:scrgbClr r="0" g="0" b="0"/>
+        </a:fillRef>
+        <a:effectRef idx="0">
+          <a:scrgbClr r="0" g="0" b="0"/>
+        </a:effectRef>
+        <a:fontRef idx="minor"/>
+      </dsp:style>
+    </dsp:sp>
+    <dsp:sp modelId="{DB549A51-D537-440E-8785-869F051B7191}">
+      <dsp:nvSpPr>
+        <dsp:cNvPr id="0" name=""/>
+        <dsp:cNvSpPr/>
+      </dsp:nvSpPr>
+      <dsp:spPr>
+        <a:xfrm>
+          <a:off x="508544" y="378974"/>
+          <a:ext cx="924626" cy="924626"/>
+        </a:xfrm>
+        <a:prstGeom prst="rect">
+          <a:avLst/>
+        </a:prstGeom>
+        <a:blipFill>
+          <a:blip xmlns:r="http://schemas.openxmlformats.org/officeDocument/2006/relationships" r:embed="rId1">
+            <a:extLst>
+              <a:ext uri="{28A0092B-C50C-407E-A947-70E740481C1C}">
+                <a14:useLocalDpi xmlns:a14="http://schemas.microsoft.com/office/drawing/2010/main" val="0"/>
+              </a:ext>
+              <a:ext uri="{96DAC541-7B7A-43D3-8B79-37D633B846F1}">
+                <asvg:svgBlip xmlns:asvg="http://schemas.microsoft.com/office/drawing/2016/SVG/main" r:embed="rId2"/>
+              </a:ext>
+            </a:extLst>
+          </a:blip>
+          <a:stretch>
+            <a:fillRect/>
+          </a:stretch>
+        </a:blipFill>
+        <a:ln w="12700" cap="flat" cmpd="sng" algn="ctr">
+          <a:noFill/>
+          <a:prstDash val="solid"/>
+          <a:miter lim="800000"/>
+        </a:ln>
+        <a:effectLst/>
+      </dsp:spPr>
+      <dsp:style>
+        <a:lnRef idx="2">
+          <a:scrgbClr r="0" g="0" b="0"/>
+        </a:lnRef>
+        <a:fillRef idx="1">
+          <a:scrgbClr r="0" g="0" b="0"/>
+        </a:fillRef>
+        <a:effectRef idx="0">
+          <a:scrgbClr r="0" g="0" b="0"/>
+        </a:effectRef>
+        <a:fontRef idx="minor">
+          <a:schemeClr val="lt1"/>
+        </a:fontRef>
+      </dsp:style>
+    </dsp:sp>
+    <dsp:sp modelId="{1B605C5D-AFFF-41E9-A571-8BA51A25B527}">
+      <dsp:nvSpPr>
+        <dsp:cNvPr id="0" name=""/>
+        <dsp:cNvSpPr/>
+      </dsp:nvSpPr>
+      <dsp:spPr>
+        <a:xfrm>
+          <a:off x="1941716" y="718"/>
+          <a:ext cx="4571887" cy="1681139"/>
+        </a:xfrm>
+        <a:prstGeom prst="rect">
+          <a:avLst/>
+        </a:prstGeom>
+        <a:noFill/>
+        <a:ln>
+          <a:noFill/>
+        </a:ln>
+        <a:effectLst/>
+      </dsp:spPr>
+      <dsp:style>
+        <a:lnRef idx="0">
+          <a:scrgbClr r="0" g="0" b="0"/>
+        </a:lnRef>
+        <a:fillRef idx="0">
+          <a:scrgbClr r="0" g="0" b="0"/>
+        </a:fillRef>
+        <a:effectRef idx="0">
+          <a:scrgbClr r="0" g="0" b="0"/>
+        </a:effectRef>
+        <a:fontRef idx="minor"/>
+      </dsp:style>
+      <dsp:txBody>
+        <a:bodyPr spcFirstLastPara="0" vert="horz" wrap="square" lIns="177921" tIns="177921" rIns="177921" bIns="177921" numCol="1" spcCol="1270" anchor="ctr" anchorCtr="0">
+          <a:noAutofit/>
+        </a:bodyPr>
+        <a:lstStyle/>
+        <a:p>
+          <a:pPr marL="0" lvl="0" indent="0" algn="l" defTabSz="1111250">
+            <a:lnSpc>
+              <a:spcPct val="90000"/>
+            </a:lnSpc>
+            <a:spcBef>
+              <a:spcPct val="0"/>
+            </a:spcBef>
+            <a:spcAft>
+              <a:spcPct val="35000"/>
+            </a:spcAft>
+            <a:buNone/>
+          </a:pPr>
+          <a:r>
+            <a:rPr lang="nb-NO" sz="2500" kern="1200"/>
+            <a:t>Eksempel Tegne i canvas med en while-løkke Side 89</a:t>
+          </a:r>
+          <a:endParaRPr lang="en-US" sz="2500" kern="1200"/>
+        </a:p>
+      </dsp:txBody>
+      <dsp:txXfrm>
+        <a:off x="1941716" y="718"/>
+        <a:ext cx="4571887" cy="1681139"/>
+      </dsp:txXfrm>
+    </dsp:sp>
+    <dsp:sp modelId="{F1A0BA1D-5D42-4D3A-AEBF-8851AC414B4F}">
+      <dsp:nvSpPr>
+        <dsp:cNvPr id="0" name=""/>
+        <dsp:cNvSpPr/>
+      </dsp:nvSpPr>
+      <dsp:spPr>
+        <a:xfrm>
+          <a:off x="0" y="2102143"/>
+          <a:ext cx="6513603" cy="1681139"/>
+        </a:xfrm>
+        <a:prstGeom prst="roundRect">
+          <a:avLst>
+            <a:gd name="adj" fmla="val 10000"/>
+          </a:avLst>
+        </a:prstGeom>
+        <a:solidFill>
+          <a:schemeClr val="bg1">
+            <a:lumMod val="95000"/>
+            <a:hueOff val="0"/>
+            <a:satOff val="0"/>
+            <a:lumOff val="0"/>
+            <a:alphaOff val="0"/>
+          </a:schemeClr>
+        </a:solidFill>
+        <a:ln>
+          <a:noFill/>
+        </a:ln>
+        <a:effectLst/>
+      </dsp:spPr>
+      <dsp:style>
+        <a:lnRef idx="0">
+          <a:scrgbClr r="0" g="0" b="0"/>
+        </a:lnRef>
+        <a:fillRef idx="1">
+          <a:scrgbClr r="0" g="0" b="0"/>
+        </a:fillRef>
+        <a:effectRef idx="0">
+          <a:scrgbClr r="0" g="0" b="0"/>
+        </a:effectRef>
+        <a:fontRef idx="minor"/>
+      </dsp:style>
+    </dsp:sp>
+    <dsp:sp modelId="{5D89DD86-3B5A-4365-ADC0-92BEF3AF6026}">
+      <dsp:nvSpPr>
+        <dsp:cNvPr id="0" name=""/>
+        <dsp:cNvSpPr/>
+      </dsp:nvSpPr>
+      <dsp:spPr>
+        <a:xfrm>
+          <a:off x="508544" y="2480399"/>
+          <a:ext cx="924626" cy="924626"/>
+        </a:xfrm>
+        <a:prstGeom prst="rect">
+          <a:avLst/>
+        </a:prstGeom>
+        <a:blipFill>
+          <a:blip xmlns:r="http://schemas.openxmlformats.org/officeDocument/2006/relationships" r:embed="rId3">
+            <a:extLst>
+              <a:ext uri="{28A0092B-C50C-407E-A947-70E740481C1C}">
+                <a14:useLocalDpi xmlns:a14="http://schemas.microsoft.com/office/drawing/2010/main" val="0"/>
+              </a:ext>
+              <a:ext uri="{96DAC541-7B7A-43D3-8B79-37D633B846F1}">
+                <asvg:svgBlip xmlns:asvg="http://schemas.microsoft.com/office/drawing/2016/SVG/main" r:embed="rId4"/>
+              </a:ext>
+            </a:extLst>
+          </a:blip>
+          <a:stretch>
+            <a:fillRect/>
+          </a:stretch>
+        </a:blipFill>
+        <a:ln w="12700" cap="flat" cmpd="sng" algn="ctr">
+          <a:noFill/>
+          <a:prstDash val="solid"/>
+          <a:miter lim="800000"/>
+        </a:ln>
+        <a:effectLst/>
+      </dsp:spPr>
+      <dsp:style>
+        <a:lnRef idx="2">
+          <a:scrgbClr r="0" g="0" b="0"/>
+        </a:lnRef>
+        <a:fillRef idx="1">
+          <a:scrgbClr r="0" g="0" b="0"/>
+        </a:fillRef>
+        <a:effectRef idx="0">
+          <a:scrgbClr r="0" g="0" b="0"/>
+        </a:effectRef>
+        <a:fontRef idx="minor">
+          <a:schemeClr val="lt1"/>
+        </a:fontRef>
+      </dsp:style>
+    </dsp:sp>
+    <dsp:sp modelId="{17B64197-B4B4-4861-9215-C5080194FAEB}">
+      <dsp:nvSpPr>
+        <dsp:cNvPr id="0" name=""/>
+        <dsp:cNvSpPr/>
+      </dsp:nvSpPr>
+      <dsp:spPr>
+        <a:xfrm>
+          <a:off x="1941716" y="2102143"/>
+          <a:ext cx="4571887" cy="1681139"/>
+        </a:xfrm>
+        <a:prstGeom prst="rect">
+          <a:avLst/>
+        </a:prstGeom>
+        <a:noFill/>
+        <a:ln>
+          <a:noFill/>
+        </a:ln>
+        <a:effectLst/>
+      </dsp:spPr>
+      <dsp:style>
+        <a:lnRef idx="0">
+          <a:scrgbClr r="0" g="0" b="0"/>
+        </a:lnRef>
+        <a:fillRef idx="0">
+          <a:scrgbClr r="0" g="0" b="0"/>
+        </a:fillRef>
+        <a:effectRef idx="0">
+          <a:scrgbClr r="0" g="0" b="0"/>
+        </a:effectRef>
+        <a:fontRef idx="minor"/>
+      </dsp:style>
+      <dsp:txBody>
+        <a:bodyPr spcFirstLastPara="0" vert="horz" wrap="square" lIns="177921" tIns="177921" rIns="177921" bIns="177921" numCol="1" spcCol="1270" anchor="ctr" anchorCtr="0">
+          <a:noAutofit/>
+        </a:bodyPr>
+        <a:lstStyle/>
+        <a:p>
+          <a:pPr marL="0" lvl="0" indent="0" algn="l" defTabSz="1111250">
+            <a:lnSpc>
+              <a:spcPct val="90000"/>
+            </a:lnSpc>
+            <a:spcBef>
+              <a:spcPct val="0"/>
+            </a:spcBef>
+            <a:spcAft>
+              <a:spcPct val="35000"/>
+            </a:spcAft>
+            <a:buNone/>
+          </a:pPr>
+          <a:r>
+            <a:rPr lang="nb-NO" sz="2500" kern="1200"/>
+            <a:t>Eksempel Kassaapparat Side 90</a:t>
+          </a:r>
+          <a:endParaRPr lang="en-US" sz="2500" kern="1200"/>
+        </a:p>
+      </dsp:txBody>
+      <dsp:txXfrm>
+        <a:off x="1941716" y="2102143"/>
+        <a:ext cx="4571887" cy="1681139"/>
+      </dsp:txXfrm>
+    </dsp:sp>
+    <dsp:sp modelId="{66CE0EB0-DBF8-43CF-B70B-DBF050C87912}">
+      <dsp:nvSpPr>
+        <dsp:cNvPr id="0" name=""/>
+        <dsp:cNvSpPr/>
+      </dsp:nvSpPr>
+      <dsp:spPr>
+        <a:xfrm>
+          <a:off x="0" y="4203567"/>
+          <a:ext cx="6513603" cy="1681139"/>
+        </a:xfrm>
+        <a:prstGeom prst="roundRect">
+          <a:avLst>
+            <a:gd name="adj" fmla="val 10000"/>
+          </a:avLst>
+        </a:prstGeom>
+        <a:solidFill>
+          <a:schemeClr val="bg1">
+            <a:lumMod val="95000"/>
+            <a:hueOff val="0"/>
+            <a:satOff val="0"/>
+            <a:lumOff val="0"/>
+            <a:alphaOff val="0"/>
+          </a:schemeClr>
+        </a:solidFill>
+        <a:ln>
+          <a:noFill/>
+        </a:ln>
+        <a:effectLst/>
+      </dsp:spPr>
+      <dsp:style>
+        <a:lnRef idx="0">
+          <a:scrgbClr r="0" g="0" b="0"/>
+        </a:lnRef>
+        <a:fillRef idx="1">
+          <a:scrgbClr r="0" g="0" b="0"/>
+        </a:fillRef>
+        <a:effectRef idx="0">
+          <a:scrgbClr r="0" g="0" b="0"/>
+        </a:effectRef>
+        <a:fontRef idx="minor"/>
+      </dsp:style>
+    </dsp:sp>
+    <dsp:sp modelId="{6C1F90B0-0971-401C-AF69-28328A1D8399}">
+      <dsp:nvSpPr>
+        <dsp:cNvPr id="0" name=""/>
+        <dsp:cNvSpPr/>
+      </dsp:nvSpPr>
+      <dsp:spPr>
+        <a:xfrm>
+          <a:off x="508544" y="4581824"/>
+          <a:ext cx="924626" cy="924626"/>
+        </a:xfrm>
+        <a:prstGeom prst="rect">
+          <a:avLst/>
+        </a:prstGeom>
+        <a:blipFill>
+          <a:blip xmlns:r="http://schemas.openxmlformats.org/officeDocument/2006/relationships" r:embed="rId5">
+            <a:extLst>
+              <a:ext uri="{28A0092B-C50C-407E-A947-70E740481C1C}">
+                <a14:useLocalDpi xmlns:a14="http://schemas.microsoft.com/office/drawing/2010/main" val="0"/>
+              </a:ext>
+              <a:ext uri="{96DAC541-7B7A-43D3-8B79-37D633B846F1}">
+                <asvg:svgBlip xmlns:asvg="http://schemas.microsoft.com/office/drawing/2016/SVG/main" r:embed="rId6"/>
+              </a:ext>
+            </a:extLst>
+          </a:blip>
+          <a:stretch>
+            <a:fillRect/>
+          </a:stretch>
+        </a:blipFill>
+        <a:ln w="12700" cap="flat" cmpd="sng" algn="ctr">
+          <a:noFill/>
+          <a:prstDash val="solid"/>
+          <a:miter lim="800000"/>
+        </a:ln>
+        <a:effectLst/>
+      </dsp:spPr>
+      <dsp:style>
+        <a:lnRef idx="2">
+          <a:scrgbClr r="0" g="0" b="0"/>
+        </a:lnRef>
+        <a:fillRef idx="1">
+          <a:scrgbClr r="0" g="0" b="0"/>
+        </a:fillRef>
+        <a:effectRef idx="0">
+          <a:scrgbClr r="0" g="0" b="0"/>
+        </a:effectRef>
+        <a:fontRef idx="minor">
+          <a:schemeClr val="lt1"/>
+        </a:fontRef>
+      </dsp:style>
+    </dsp:sp>
+    <dsp:sp modelId="{18ADC10C-54FA-4079-AEF3-29EB612D85F0}">
+      <dsp:nvSpPr>
+        <dsp:cNvPr id="0" name=""/>
+        <dsp:cNvSpPr/>
+      </dsp:nvSpPr>
+      <dsp:spPr>
+        <a:xfrm>
+          <a:off x="1941716" y="4203567"/>
+          <a:ext cx="4571887" cy="1681139"/>
+        </a:xfrm>
+        <a:prstGeom prst="rect">
+          <a:avLst/>
+        </a:prstGeom>
+        <a:noFill/>
+        <a:ln>
+          <a:noFill/>
+        </a:ln>
+        <a:effectLst/>
+      </dsp:spPr>
+      <dsp:style>
+        <a:lnRef idx="0">
+          <a:scrgbClr r="0" g="0" b="0"/>
+        </a:lnRef>
+        <a:fillRef idx="0">
+          <a:scrgbClr r="0" g="0" b="0"/>
+        </a:fillRef>
+        <a:effectRef idx="0">
+          <a:scrgbClr r="0" g="0" b="0"/>
+        </a:effectRef>
+        <a:fontRef idx="minor"/>
+      </dsp:style>
+      <dsp:txBody>
+        <a:bodyPr spcFirstLastPara="0" vert="horz" wrap="square" lIns="177921" tIns="177921" rIns="177921" bIns="177921" numCol="1" spcCol="1270" anchor="ctr" anchorCtr="0">
+          <a:noAutofit/>
+        </a:bodyPr>
+        <a:lstStyle/>
+        <a:p>
+          <a:pPr marL="0" lvl="0" indent="0" algn="l" defTabSz="1111250">
+            <a:lnSpc>
+              <a:spcPct val="90000"/>
+            </a:lnSpc>
+            <a:spcBef>
+              <a:spcPct val="0"/>
+            </a:spcBef>
+            <a:spcAft>
+              <a:spcPct val="35000"/>
+            </a:spcAft>
+            <a:buNone/>
+          </a:pPr>
+          <a:r>
+            <a:rPr lang="nb-NO" sz="2500" kern="1200"/>
+            <a:t>PRØV SELV side 90</a:t>
+          </a:r>
+          <a:endParaRPr lang="en-US" sz="2500" kern="1200"/>
+        </a:p>
+      </dsp:txBody>
+      <dsp:txXfrm>
+        <a:off x="1941716" y="4203567"/>
+        <a:ext cx="4571887" cy="1681139"/>
+      </dsp:txXfrm>
+    </dsp:sp>
+  </dsp:spTree>
+</dsp:drawing>
+</file>
+
+<file path=ppt/diagrams/drawing2.xml><?xml version="1.0" encoding="utf-8"?>
+<dsp:drawing xmlns:dgm="http://schemas.openxmlformats.org/drawingml/2006/diagram" xmlns:dsp="http://schemas.microsoft.com/office/drawing/2008/diagram" xmlns:a="http://schemas.openxmlformats.org/drawingml/2006/main">
+  <dsp:spTree>
+    <dsp:nvGrpSpPr>
+      <dsp:cNvPr id="0" name=""/>
+      <dsp:cNvGrpSpPr/>
+    </dsp:nvGrpSpPr>
+    <dsp:grpSpPr/>
+    <dsp:sp modelId="{CF173895-39EF-4730-8870-028BAC46B097}">
+      <dsp:nvSpPr>
+        <dsp:cNvPr id="0" name=""/>
+        <dsp:cNvSpPr/>
+      </dsp:nvSpPr>
+      <dsp:spPr>
+        <a:xfrm>
+          <a:off x="0" y="1903"/>
+          <a:ext cx="6513603" cy="811257"/>
+        </a:xfrm>
+        <a:prstGeom prst="roundRect">
+          <a:avLst>
+            <a:gd name="adj" fmla="val 10000"/>
+          </a:avLst>
+        </a:prstGeom>
+        <a:solidFill>
+          <a:schemeClr val="bg1">
+            <a:lumMod val="95000"/>
+            <a:hueOff val="0"/>
+            <a:satOff val="0"/>
+            <a:lumOff val="0"/>
+            <a:alphaOff val="0"/>
+          </a:schemeClr>
+        </a:solidFill>
+        <a:ln>
+          <a:noFill/>
+        </a:ln>
+        <a:effectLst/>
+      </dsp:spPr>
+      <dsp:style>
+        <a:lnRef idx="0">
+          <a:scrgbClr r="0" g="0" b="0"/>
+        </a:lnRef>
+        <a:fillRef idx="1">
+          <a:scrgbClr r="0" g="0" b="0"/>
+        </a:fillRef>
+        <a:effectRef idx="0">
+          <a:scrgbClr r="0" g="0" b="0"/>
+        </a:effectRef>
+        <a:fontRef idx="minor"/>
+      </dsp:style>
+    </dsp:sp>
+    <dsp:sp modelId="{E7E0A518-EA29-48EF-80BA-3B3982806079}">
+      <dsp:nvSpPr>
+        <dsp:cNvPr id="0" name=""/>
+        <dsp:cNvSpPr/>
+      </dsp:nvSpPr>
+      <dsp:spPr>
+        <a:xfrm>
+          <a:off x="245405" y="184436"/>
+          <a:ext cx="446191" cy="446191"/>
+        </a:xfrm>
+        <a:prstGeom prst="rect">
+          <a:avLst/>
+        </a:prstGeom>
+        <a:blipFill>
+          <a:blip xmlns:r="http://schemas.openxmlformats.org/officeDocument/2006/relationships" r:embed="rId1">
+            <a:extLst>
+              <a:ext uri="{28A0092B-C50C-407E-A947-70E740481C1C}">
+                <a14:useLocalDpi xmlns:a14="http://schemas.microsoft.com/office/drawing/2010/main" val="0"/>
+              </a:ext>
+              <a:ext uri="{96DAC541-7B7A-43D3-8B79-37D633B846F1}">
+                <asvg:svgBlip xmlns:asvg="http://schemas.microsoft.com/office/drawing/2016/SVG/main" r:embed="rId2"/>
+              </a:ext>
+            </a:extLst>
+          </a:blip>
+          <a:stretch>
+            <a:fillRect/>
+          </a:stretch>
+        </a:blipFill>
+        <a:ln w="12700" cap="flat" cmpd="sng" algn="ctr">
+          <a:noFill/>
+          <a:prstDash val="solid"/>
+          <a:miter lim="800000"/>
+        </a:ln>
+        <a:effectLst/>
+      </dsp:spPr>
+      <dsp:style>
+        <a:lnRef idx="2">
+          <a:scrgbClr r="0" g="0" b="0"/>
+        </a:lnRef>
+        <a:fillRef idx="1">
+          <a:scrgbClr r="0" g="0" b="0"/>
+        </a:fillRef>
+        <a:effectRef idx="0">
+          <a:scrgbClr r="0" g="0" b="0"/>
+        </a:effectRef>
+        <a:fontRef idx="minor">
+          <a:schemeClr val="lt1"/>
+        </a:fontRef>
+      </dsp:style>
+    </dsp:sp>
+    <dsp:sp modelId="{E5F23D21-DC52-422D-8945-9499175A1E1A}">
+      <dsp:nvSpPr>
+        <dsp:cNvPr id="0" name=""/>
+        <dsp:cNvSpPr/>
+      </dsp:nvSpPr>
+      <dsp:spPr>
+        <a:xfrm>
+          <a:off x="937002" y="1903"/>
+          <a:ext cx="5576601" cy="811257"/>
+        </a:xfrm>
+        <a:prstGeom prst="rect">
+          <a:avLst/>
+        </a:prstGeom>
+        <a:noFill/>
+        <a:ln>
+          <a:noFill/>
+        </a:ln>
+        <a:effectLst/>
+      </dsp:spPr>
+      <dsp:style>
+        <a:lnRef idx="0">
+          <a:scrgbClr r="0" g="0" b="0"/>
+        </a:lnRef>
+        <a:fillRef idx="0">
+          <a:scrgbClr r="0" g="0" b="0"/>
+        </a:fillRef>
+        <a:effectRef idx="0">
+          <a:scrgbClr r="0" g="0" b="0"/>
+        </a:effectRef>
+        <a:fontRef idx="minor"/>
+      </dsp:style>
+      <dsp:txBody>
+        <a:bodyPr spcFirstLastPara="0" vert="horz" wrap="square" lIns="85858" tIns="85858" rIns="85858" bIns="85858" numCol="1" spcCol="1270" anchor="ctr" anchorCtr="0">
+          <a:noAutofit/>
+        </a:bodyPr>
+        <a:lstStyle/>
+        <a:p>
+          <a:pPr marL="0" lvl="0" indent="0" algn="l" defTabSz="844550">
+            <a:lnSpc>
+              <a:spcPct val="90000"/>
+            </a:lnSpc>
+            <a:spcBef>
+              <a:spcPct val="0"/>
+            </a:spcBef>
+            <a:spcAft>
+              <a:spcPct val="35000"/>
+            </a:spcAft>
+            <a:buNone/>
+          </a:pPr>
+          <a:r>
+            <a:rPr lang="nb-NO" sz="1900" kern="1200"/>
+            <a:t>Fibonaccitallene Side 92</a:t>
+          </a:r>
+          <a:endParaRPr lang="en-US" sz="1900" kern="1200"/>
+        </a:p>
+      </dsp:txBody>
+      <dsp:txXfrm>
+        <a:off x="937002" y="1903"/>
+        <a:ext cx="5576601" cy="811257"/>
+      </dsp:txXfrm>
+    </dsp:sp>
+    <dsp:sp modelId="{23E4DA5A-4341-42F1-A60E-AFD065B6124D}">
+      <dsp:nvSpPr>
+        <dsp:cNvPr id="0" name=""/>
+        <dsp:cNvSpPr/>
+      </dsp:nvSpPr>
+      <dsp:spPr>
+        <a:xfrm>
+          <a:off x="0" y="1015975"/>
+          <a:ext cx="6513603" cy="811257"/>
+        </a:xfrm>
+        <a:prstGeom prst="roundRect">
+          <a:avLst>
+            <a:gd name="adj" fmla="val 10000"/>
+          </a:avLst>
+        </a:prstGeom>
+        <a:solidFill>
+          <a:schemeClr val="bg1">
+            <a:lumMod val="95000"/>
+            <a:hueOff val="0"/>
+            <a:satOff val="0"/>
+            <a:lumOff val="0"/>
+            <a:alphaOff val="0"/>
+          </a:schemeClr>
+        </a:solidFill>
+        <a:ln>
+          <a:noFill/>
+        </a:ln>
+        <a:effectLst/>
+      </dsp:spPr>
+      <dsp:style>
+        <a:lnRef idx="0">
+          <a:scrgbClr r="0" g="0" b="0"/>
+        </a:lnRef>
+        <a:fillRef idx="1">
+          <a:scrgbClr r="0" g="0" b="0"/>
+        </a:fillRef>
+        <a:effectRef idx="0">
+          <a:scrgbClr r="0" g="0" b="0"/>
+        </a:effectRef>
+        <a:fontRef idx="minor"/>
+      </dsp:style>
+    </dsp:sp>
+    <dsp:sp modelId="{1CB9C189-842B-4A48-9AF2-2ADB314EDA64}">
+      <dsp:nvSpPr>
+        <dsp:cNvPr id="0" name=""/>
+        <dsp:cNvSpPr/>
+      </dsp:nvSpPr>
+      <dsp:spPr>
+        <a:xfrm>
+          <a:off x="245405" y="1198508"/>
+          <a:ext cx="446191" cy="446191"/>
+        </a:xfrm>
+        <a:prstGeom prst="rect">
+          <a:avLst/>
+        </a:prstGeom>
+        <a:blipFill>
+          <a:blip xmlns:r="http://schemas.openxmlformats.org/officeDocument/2006/relationships" r:embed="rId3">
+            <a:extLst>
+              <a:ext uri="{28A0092B-C50C-407E-A947-70E740481C1C}">
+                <a14:useLocalDpi xmlns:a14="http://schemas.microsoft.com/office/drawing/2010/main" val="0"/>
+              </a:ext>
+              <a:ext uri="{96DAC541-7B7A-43D3-8B79-37D633B846F1}">
+                <asvg:svgBlip xmlns:asvg="http://schemas.microsoft.com/office/drawing/2016/SVG/main" r:embed="rId4"/>
+              </a:ext>
+            </a:extLst>
+          </a:blip>
+          <a:stretch>
+            <a:fillRect/>
+          </a:stretch>
+        </a:blipFill>
+        <a:ln w="12700" cap="flat" cmpd="sng" algn="ctr">
+          <a:noFill/>
+          <a:prstDash val="solid"/>
+          <a:miter lim="800000"/>
+        </a:ln>
+        <a:effectLst/>
+      </dsp:spPr>
+      <dsp:style>
+        <a:lnRef idx="2">
+          <a:scrgbClr r="0" g="0" b="0"/>
+        </a:lnRef>
+        <a:fillRef idx="1">
+          <a:scrgbClr r="0" g="0" b="0"/>
+        </a:fillRef>
+        <a:effectRef idx="0">
+          <a:scrgbClr r="0" g="0" b="0"/>
+        </a:effectRef>
+        <a:fontRef idx="minor">
+          <a:schemeClr val="lt1"/>
+        </a:fontRef>
+      </dsp:style>
+    </dsp:sp>
+    <dsp:sp modelId="{A8468894-AAD0-4703-9B30-607A7C743227}">
+      <dsp:nvSpPr>
+        <dsp:cNvPr id="0" name=""/>
+        <dsp:cNvSpPr/>
+      </dsp:nvSpPr>
+      <dsp:spPr>
+        <a:xfrm>
+          <a:off x="937002" y="1015975"/>
+          <a:ext cx="5576601" cy="811257"/>
+        </a:xfrm>
+        <a:prstGeom prst="rect">
+          <a:avLst/>
+        </a:prstGeom>
+        <a:noFill/>
+        <a:ln>
+          <a:noFill/>
+        </a:ln>
+        <a:effectLst/>
+      </dsp:spPr>
+      <dsp:style>
+        <a:lnRef idx="0">
+          <a:scrgbClr r="0" g="0" b="0"/>
+        </a:lnRef>
+        <a:fillRef idx="0">
+          <a:scrgbClr r="0" g="0" b="0"/>
+        </a:fillRef>
+        <a:effectRef idx="0">
+          <a:scrgbClr r="0" g="0" b="0"/>
+        </a:effectRef>
+        <a:fontRef idx="minor"/>
+      </dsp:style>
+      <dsp:txBody>
+        <a:bodyPr spcFirstLastPara="0" vert="horz" wrap="square" lIns="85858" tIns="85858" rIns="85858" bIns="85858" numCol="1" spcCol="1270" anchor="ctr" anchorCtr="0">
+          <a:noAutofit/>
+        </a:bodyPr>
+        <a:lstStyle/>
+        <a:p>
+          <a:pPr marL="0" lvl="0" indent="0" algn="l" defTabSz="844550">
+            <a:lnSpc>
+              <a:spcPct val="90000"/>
+            </a:lnSpc>
+            <a:spcBef>
+              <a:spcPct val="0"/>
+            </a:spcBef>
+            <a:spcAft>
+              <a:spcPct val="35000"/>
+            </a:spcAft>
+            <a:buNone/>
+          </a:pPr>
+          <a:r>
+            <a:rPr lang="nb-NO" sz="1900" kern="1200"/>
+            <a:t>Å summere alle tallene fra en til hundre Side 92</a:t>
+          </a:r>
+          <a:endParaRPr lang="en-US" sz="1900" kern="1200"/>
+        </a:p>
+      </dsp:txBody>
+      <dsp:txXfrm>
+        <a:off x="937002" y="1015975"/>
+        <a:ext cx="5576601" cy="811257"/>
+      </dsp:txXfrm>
+    </dsp:sp>
+    <dsp:sp modelId="{9738C9B9-75BE-4CAA-9ED7-488E20C93E35}">
+      <dsp:nvSpPr>
+        <dsp:cNvPr id="0" name=""/>
+        <dsp:cNvSpPr/>
+      </dsp:nvSpPr>
+      <dsp:spPr>
+        <a:xfrm>
+          <a:off x="0" y="2030048"/>
+          <a:ext cx="6513603" cy="811257"/>
+        </a:xfrm>
+        <a:prstGeom prst="roundRect">
+          <a:avLst>
+            <a:gd name="adj" fmla="val 10000"/>
+          </a:avLst>
+        </a:prstGeom>
+        <a:solidFill>
+          <a:schemeClr val="bg1">
+            <a:lumMod val="95000"/>
+            <a:hueOff val="0"/>
+            <a:satOff val="0"/>
+            <a:lumOff val="0"/>
+            <a:alphaOff val="0"/>
+          </a:schemeClr>
+        </a:solidFill>
+        <a:ln>
+          <a:noFill/>
+        </a:ln>
+        <a:effectLst/>
+      </dsp:spPr>
+      <dsp:style>
+        <a:lnRef idx="0">
+          <a:scrgbClr r="0" g="0" b="0"/>
+        </a:lnRef>
+        <a:fillRef idx="1">
+          <a:scrgbClr r="0" g="0" b="0"/>
+        </a:fillRef>
+        <a:effectRef idx="0">
+          <a:scrgbClr r="0" g="0" b="0"/>
+        </a:effectRef>
+        <a:fontRef idx="minor"/>
+      </dsp:style>
+    </dsp:sp>
+    <dsp:sp modelId="{CABCE9C0-097A-4F04-881E-CD421C9B5F55}">
+      <dsp:nvSpPr>
+        <dsp:cNvPr id="0" name=""/>
+        <dsp:cNvSpPr/>
+      </dsp:nvSpPr>
+      <dsp:spPr>
+        <a:xfrm>
+          <a:off x="245405" y="2212581"/>
+          <a:ext cx="446191" cy="446191"/>
+        </a:xfrm>
+        <a:prstGeom prst="rect">
+          <a:avLst/>
+        </a:prstGeom>
+        <a:blipFill>
+          <a:blip xmlns:r="http://schemas.openxmlformats.org/officeDocument/2006/relationships" r:embed="rId5">
+            <a:extLst>
+              <a:ext uri="{28A0092B-C50C-407E-A947-70E740481C1C}">
+                <a14:useLocalDpi xmlns:a14="http://schemas.microsoft.com/office/drawing/2010/main" val="0"/>
+              </a:ext>
+              <a:ext uri="{96DAC541-7B7A-43D3-8B79-37D633B846F1}">
+                <asvg:svgBlip xmlns:asvg="http://schemas.microsoft.com/office/drawing/2016/SVG/main" r:embed="rId6"/>
+              </a:ext>
+            </a:extLst>
+          </a:blip>
+          <a:stretch>
+            <a:fillRect/>
+          </a:stretch>
+        </a:blipFill>
+        <a:ln w="12700" cap="flat" cmpd="sng" algn="ctr">
+          <a:noFill/>
+          <a:prstDash val="solid"/>
+          <a:miter lim="800000"/>
+        </a:ln>
+        <a:effectLst/>
+      </dsp:spPr>
+      <dsp:style>
+        <a:lnRef idx="2">
+          <a:scrgbClr r="0" g="0" b="0"/>
+        </a:lnRef>
+        <a:fillRef idx="1">
+          <a:scrgbClr r="0" g="0" b="0"/>
+        </a:fillRef>
+        <a:effectRef idx="0">
+          <a:scrgbClr r="0" g="0" b="0"/>
+        </a:effectRef>
+        <a:fontRef idx="minor">
+          <a:schemeClr val="lt1"/>
+        </a:fontRef>
+      </dsp:style>
+    </dsp:sp>
+    <dsp:sp modelId="{3BAF1FFC-F7AC-47CA-B152-50F1E74FD622}">
+      <dsp:nvSpPr>
+        <dsp:cNvPr id="0" name=""/>
+        <dsp:cNvSpPr/>
+      </dsp:nvSpPr>
+      <dsp:spPr>
+        <a:xfrm>
+          <a:off x="937002" y="2030048"/>
+          <a:ext cx="5576601" cy="811257"/>
+        </a:xfrm>
+        <a:prstGeom prst="rect">
+          <a:avLst/>
+        </a:prstGeom>
+        <a:noFill/>
+        <a:ln>
+          <a:noFill/>
+        </a:ln>
+        <a:effectLst/>
+      </dsp:spPr>
+      <dsp:style>
+        <a:lnRef idx="0">
+          <a:scrgbClr r="0" g="0" b="0"/>
+        </a:lnRef>
+        <a:fillRef idx="0">
+          <a:scrgbClr r="0" g="0" b="0"/>
+        </a:fillRef>
+        <a:effectRef idx="0">
+          <a:scrgbClr r="0" g="0" b="0"/>
+        </a:effectRef>
+        <a:fontRef idx="minor"/>
+      </dsp:style>
+      <dsp:txBody>
+        <a:bodyPr spcFirstLastPara="0" vert="horz" wrap="square" lIns="85858" tIns="85858" rIns="85858" bIns="85858" numCol="1" spcCol="1270" anchor="ctr" anchorCtr="0">
+          <a:noAutofit/>
+        </a:bodyPr>
+        <a:lstStyle/>
+        <a:p>
+          <a:pPr marL="0" lvl="0" indent="0" algn="l" defTabSz="844550">
+            <a:lnSpc>
+              <a:spcPct val="90000"/>
+            </a:lnSpc>
+            <a:spcBef>
+              <a:spcPct val="0"/>
+            </a:spcBef>
+            <a:spcAft>
+              <a:spcPct val="35000"/>
+            </a:spcAft>
+            <a:buNone/>
+          </a:pPr>
+          <a:r>
+            <a:rPr lang="nb-NO" sz="1900" kern="1200"/>
+            <a:t>Gangetabell Side 93</a:t>
+          </a:r>
+          <a:endParaRPr lang="en-US" sz="1900" kern="1200"/>
+        </a:p>
+      </dsp:txBody>
+      <dsp:txXfrm>
+        <a:off x="937002" y="2030048"/>
+        <a:ext cx="5576601" cy="811257"/>
+      </dsp:txXfrm>
+    </dsp:sp>
+    <dsp:sp modelId="{B37ED0DC-93B3-4723-B7F4-D90C3A67F4D0}">
+      <dsp:nvSpPr>
+        <dsp:cNvPr id="0" name=""/>
+        <dsp:cNvSpPr/>
+      </dsp:nvSpPr>
+      <dsp:spPr>
+        <a:xfrm>
+          <a:off x="0" y="3044120"/>
+          <a:ext cx="6513603" cy="811257"/>
+        </a:xfrm>
+        <a:prstGeom prst="roundRect">
+          <a:avLst>
+            <a:gd name="adj" fmla="val 10000"/>
+          </a:avLst>
+        </a:prstGeom>
+        <a:solidFill>
+          <a:schemeClr val="bg1">
+            <a:lumMod val="95000"/>
+            <a:hueOff val="0"/>
+            <a:satOff val="0"/>
+            <a:lumOff val="0"/>
+            <a:alphaOff val="0"/>
+          </a:schemeClr>
+        </a:solidFill>
+        <a:ln>
+          <a:noFill/>
+        </a:ln>
+        <a:effectLst/>
+      </dsp:spPr>
+      <dsp:style>
+        <a:lnRef idx="0">
+          <a:scrgbClr r="0" g="0" b="0"/>
+        </a:lnRef>
+        <a:fillRef idx="1">
+          <a:scrgbClr r="0" g="0" b="0"/>
+        </a:fillRef>
+        <a:effectRef idx="0">
+          <a:scrgbClr r="0" g="0" b="0"/>
+        </a:effectRef>
+        <a:fontRef idx="minor"/>
+      </dsp:style>
+    </dsp:sp>
+    <dsp:sp modelId="{DD27A42F-C6F3-4A2A-9F90-2BC7D76EA59C}">
+      <dsp:nvSpPr>
+        <dsp:cNvPr id="0" name=""/>
+        <dsp:cNvSpPr/>
+      </dsp:nvSpPr>
+      <dsp:spPr>
+        <a:xfrm>
+          <a:off x="245405" y="3226653"/>
+          <a:ext cx="446191" cy="446191"/>
+        </a:xfrm>
+        <a:prstGeom prst="rect">
+          <a:avLst/>
+        </a:prstGeom>
+        <a:blipFill>
+          <a:blip xmlns:r="http://schemas.openxmlformats.org/officeDocument/2006/relationships" r:embed="rId7">
+            <a:extLst>
+              <a:ext uri="{28A0092B-C50C-407E-A947-70E740481C1C}">
+                <a14:useLocalDpi xmlns:a14="http://schemas.microsoft.com/office/drawing/2010/main" val="0"/>
+              </a:ext>
+              <a:ext uri="{96DAC541-7B7A-43D3-8B79-37D633B846F1}">
+                <asvg:svgBlip xmlns:asvg="http://schemas.microsoft.com/office/drawing/2016/SVG/main" r:embed="rId8"/>
+              </a:ext>
+            </a:extLst>
+          </a:blip>
+          <a:stretch>
+            <a:fillRect/>
+          </a:stretch>
+        </a:blipFill>
+        <a:ln w="12700" cap="flat" cmpd="sng" algn="ctr">
+          <a:noFill/>
+          <a:prstDash val="solid"/>
+          <a:miter lim="800000"/>
+        </a:ln>
+        <a:effectLst/>
+      </dsp:spPr>
+      <dsp:style>
+        <a:lnRef idx="2">
+          <a:scrgbClr r="0" g="0" b="0"/>
+        </a:lnRef>
+        <a:fillRef idx="1">
+          <a:scrgbClr r="0" g="0" b="0"/>
+        </a:fillRef>
+        <a:effectRef idx="0">
+          <a:scrgbClr r="0" g="0" b="0"/>
+        </a:effectRef>
+        <a:fontRef idx="minor">
+          <a:schemeClr val="lt1"/>
+        </a:fontRef>
+      </dsp:style>
+    </dsp:sp>
+    <dsp:sp modelId="{9E3FAB89-CB46-42F3-A684-DC93C8FA7AB2}">
+      <dsp:nvSpPr>
+        <dsp:cNvPr id="0" name=""/>
+        <dsp:cNvSpPr/>
+      </dsp:nvSpPr>
+      <dsp:spPr>
+        <a:xfrm>
+          <a:off x="937002" y="3044120"/>
+          <a:ext cx="5576601" cy="811257"/>
+        </a:xfrm>
+        <a:prstGeom prst="rect">
+          <a:avLst/>
+        </a:prstGeom>
+        <a:noFill/>
+        <a:ln>
+          <a:noFill/>
+        </a:ln>
+        <a:effectLst/>
+      </dsp:spPr>
+      <dsp:style>
+        <a:lnRef idx="0">
+          <a:scrgbClr r="0" g="0" b="0"/>
+        </a:lnRef>
+        <a:fillRef idx="0">
+          <a:scrgbClr r="0" g="0" b="0"/>
+        </a:fillRef>
+        <a:effectRef idx="0">
+          <a:scrgbClr r="0" g="0" b="0"/>
+        </a:effectRef>
+        <a:fontRef idx="minor"/>
+      </dsp:style>
+      <dsp:txBody>
+        <a:bodyPr spcFirstLastPara="0" vert="horz" wrap="square" lIns="85858" tIns="85858" rIns="85858" bIns="85858" numCol="1" spcCol="1270" anchor="ctr" anchorCtr="0">
+          <a:noAutofit/>
+        </a:bodyPr>
+        <a:lstStyle/>
+        <a:p>
+          <a:pPr marL="0" lvl="0" indent="0" algn="l" defTabSz="844550">
+            <a:lnSpc>
+              <a:spcPct val="90000"/>
+            </a:lnSpc>
+            <a:spcBef>
+              <a:spcPct val="0"/>
+            </a:spcBef>
+            <a:spcAft>
+              <a:spcPct val="35000"/>
+            </a:spcAft>
+            <a:buNone/>
+          </a:pPr>
+          <a:r>
+            <a:rPr lang="nb-NO" sz="1900" kern="1200"/>
+            <a:t>For-løkke med flere variabler Side 94</a:t>
+          </a:r>
+          <a:endParaRPr lang="en-US" sz="1900" kern="1200"/>
+        </a:p>
+      </dsp:txBody>
+      <dsp:txXfrm>
+        <a:off x="937002" y="3044120"/>
+        <a:ext cx="5576601" cy="811257"/>
+      </dsp:txXfrm>
+    </dsp:sp>
+    <dsp:sp modelId="{B9AB6945-0CFB-4446-ACE2-A418C8750A0F}">
+      <dsp:nvSpPr>
+        <dsp:cNvPr id="0" name=""/>
+        <dsp:cNvSpPr/>
+      </dsp:nvSpPr>
+      <dsp:spPr>
+        <a:xfrm>
+          <a:off x="0" y="4058192"/>
+          <a:ext cx="6513603" cy="811257"/>
+        </a:xfrm>
+        <a:prstGeom prst="roundRect">
+          <a:avLst>
+            <a:gd name="adj" fmla="val 10000"/>
+          </a:avLst>
+        </a:prstGeom>
+        <a:solidFill>
+          <a:schemeClr val="bg1">
+            <a:lumMod val="95000"/>
+            <a:hueOff val="0"/>
+            <a:satOff val="0"/>
+            <a:lumOff val="0"/>
+            <a:alphaOff val="0"/>
+          </a:schemeClr>
+        </a:solidFill>
+        <a:ln>
+          <a:noFill/>
+        </a:ln>
+        <a:effectLst/>
+      </dsp:spPr>
+      <dsp:style>
+        <a:lnRef idx="0">
+          <a:scrgbClr r="0" g="0" b="0"/>
+        </a:lnRef>
+        <a:fillRef idx="1">
+          <a:scrgbClr r="0" g="0" b="0"/>
+        </a:fillRef>
+        <a:effectRef idx="0">
+          <a:scrgbClr r="0" g="0" b="0"/>
+        </a:effectRef>
+        <a:fontRef idx="minor"/>
+      </dsp:style>
+    </dsp:sp>
+    <dsp:sp modelId="{EB12B1C2-B33D-41C1-84AF-1EED82A1FE08}">
+      <dsp:nvSpPr>
+        <dsp:cNvPr id="0" name=""/>
+        <dsp:cNvSpPr/>
+      </dsp:nvSpPr>
+      <dsp:spPr>
+        <a:xfrm>
+          <a:off x="245405" y="4240725"/>
+          <a:ext cx="446191" cy="446191"/>
+        </a:xfrm>
+        <a:prstGeom prst="rect">
+          <a:avLst/>
+        </a:prstGeom>
+        <a:blipFill>
+          <a:blip xmlns:r="http://schemas.openxmlformats.org/officeDocument/2006/relationships" r:embed="rId9">
+            <a:extLst>
+              <a:ext uri="{28A0092B-C50C-407E-A947-70E740481C1C}">
+                <a14:useLocalDpi xmlns:a14="http://schemas.microsoft.com/office/drawing/2010/main" val="0"/>
+              </a:ext>
+              <a:ext uri="{96DAC541-7B7A-43D3-8B79-37D633B846F1}">
+                <asvg:svgBlip xmlns:asvg="http://schemas.microsoft.com/office/drawing/2016/SVG/main" r:embed="rId10"/>
+              </a:ext>
+            </a:extLst>
+          </a:blip>
+          <a:stretch>
+            <a:fillRect/>
+          </a:stretch>
+        </a:blipFill>
+        <a:ln w="12700" cap="flat" cmpd="sng" algn="ctr">
+          <a:noFill/>
+          <a:prstDash val="solid"/>
+          <a:miter lim="800000"/>
+        </a:ln>
+        <a:effectLst/>
+      </dsp:spPr>
+      <dsp:style>
+        <a:lnRef idx="2">
+          <a:scrgbClr r="0" g="0" b="0"/>
+        </a:lnRef>
+        <a:fillRef idx="1">
+          <a:scrgbClr r="0" g="0" b="0"/>
+        </a:fillRef>
+        <a:effectRef idx="0">
+          <a:scrgbClr r="0" g="0" b="0"/>
+        </a:effectRef>
+        <a:fontRef idx="minor">
+          <a:schemeClr val="lt1"/>
+        </a:fontRef>
+      </dsp:style>
+    </dsp:sp>
+    <dsp:sp modelId="{72C152A4-DE42-4A55-B41C-36DFF11BEA1D}">
+      <dsp:nvSpPr>
+        <dsp:cNvPr id="0" name=""/>
+        <dsp:cNvSpPr/>
+      </dsp:nvSpPr>
+      <dsp:spPr>
+        <a:xfrm>
+          <a:off x="937002" y="4058192"/>
+          <a:ext cx="5576601" cy="811257"/>
+        </a:xfrm>
+        <a:prstGeom prst="rect">
+          <a:avLst/>
+        </a:prstGeom>
+        <a:noFill/>
+        <a:ln>
+          <a:noFill/>
+        </a:ln>
+        <a:effectLst/>
+      </dsp:spPr>
+      <dsp:style>
+        <a:lnRef idx="0">
+          <a:scrgbClr r="0" g="0" b="0"/>
+        </a:lnRef>
+        <a:fillRef idx="0">
+          <a:scrgbClr r="0" g="0" b="0"/>
+        </a:fillRef>
+        <a:effectRef idx="0">
+          <a:scrgbClr r="0" g="0" b="0"/>
+        </a:effectRef>
+        <a:fontRef idx="minor"/>
+      </dsp:style>
+      <dsp:txBody>
+        <a:bodyPr spcFirstLastPara="0" vert="horz" wrap="square" lIns="85858" tIns="85858" rIns="85858" bIns="85858" numCol="1" spcCol="1270" anchor="ctr" anchorCtr="0">
+          <a:noAutofit/>
+        </a:bodyPr>
+        <a:lstStyle/>
+        <a:p>
+          <a:pPr marL="0" lvl="0" indent="0" algn="l" defTabSz="844550">
+            <a:lnSpc>
+              <a:spcPct val="90000"/>
+            </a:lnSpc>
+            <a:spcBef>
+              <a:spcPct val="0"/>
+            </a:spcBef>
+            <a:spcAft>
+              <a:spcPct val="35000"/>
+            </a:spcAft>
+            <a:buNone/>
+          </a:pPr>
+          <a:r>
+            <a:rPr lang="nb-NO" sz="1900" kern="1200"/>
+            <a:t>PRØV SELV side 94</a:t>
+          </a:r>
+          <a:endParaRPr lang="en-US" sz="1900" kern="1200"/>
+        </a:p>
+      </dsp:txBody>
+      <dsp:txXfrm>
+        <a:off x="937002" y="4058192"/>
+        <a:ext cx="5576601" cy="811257"/>
+      </dsp:txXfrm>
+    </dsp:sp>
+    <dsp:sp modelId="{3A3B53C7-90D1-4E0B-88E7-2B64D64D7319}">
+      <dsp:nvSpPr>
+        <dsp:cNvPr id="0" name=""/>
+        <dsp:cNvSpPr/>
+      </dsp:nvSpPr>
+      <dsp:spPr>
+        <a:xfrm>
+          <a:off x="0" y="5072264"/>
+          <a:ext cx="6513603" cy="811257"/>
+        </a:xfrm>
+        <a:prstGeom prst="roundRect">
+          <a:avLst>
+            <a:gd name="adj" fmla="val 10000"/>
+          </a:avLst>
+        </a:prstGeom>
+        <a:solidFill>
+          <a:schemeClr val="bg1">
+            <a:lumMod val="95000"/>
+            <a:hueOff val="0"/>
+            <a:satOff val="0"/>
+            <a:lumOff val="0"/>
+            <a:alphaOff val="0"/>
+          </a:schemeClr>
+        </a:solidFill>
+        <a:ln>
+          <a:noFill/>
+        </a:ln>
+        <a:effectLst/>
+      </dsp:spPr>
+      <dsp:style>
+        <a:lnRef idx="0">
+          <a:scrgbClr r="0" g="0" b="0"/>
+        </a:lnRef>
+        <a:fillRef idx="1">
+          <a:scrgbClr r="0" g="0" b="0"/>
+        </a:fillRef>
+        <a:effectRef idx="0">
+          <a:scrgbClr r="0" g="0" b="0"/>
+        </a:effectRef>
+        <a:fontRef idx="minor"/>
+      </dsp:style>
+    </dsp:sp>
+    <dsp:sp modelId="{5271C29F-4223-4B90-9AD0-98BBEC89DF97}">
+      <dsp:nvSpPr>
+        <dsp:cNvPr id="0" name=""/>
+        <dsp:cNvSpPr/>
+      </dsp:nvSpPr>
+      <dsp:spPr>
+        <a:xfrm>
+          <a:off x="245405" y="5254797"/>
+          <a:ext cx="446191" cy="446191"/>
+        </a:xfrm>
+        <a:prstGeom prst="rect">
+          <a:avLst/>
+        </a:prstGeom>
+        <a:blipFill>
+          <a:blip xmlns:r="http://schemas.openxmlformats.org/officeDocument/2006/relationships" r:embed="rId11">
+            <a:extLst>
+              <a:ext uri="{28A0092B-C50C-407E-A947-70E740481C1C}">
+                <a14:useLocalDpi xmlns:a14="http://schemas.microsoft.com/office/drawing/2010/main" val="0"/>
+              </a:ext>
+              <a:ext uri="{96DAC541-7B7A-43D3-8B79-37D633B846F1}">
+                <asvg:svgBlip xmlns:asvg="http://schemas.microsoft.com/office/drawing/2016/SVG/main" r:embed="rId12"/>
+              </a:ext>
+            </a:extLst>
+          </a:blip>
+          <a:stretch>
+            <a:fillRect/>
+          </a:stretch>
+        </a:blipFill>
+        <a:ln w="12700" cap="flat" cmpd="sng" algn="ctr">
+          <a:noFill/>
+          <a:prstDash val="solid"/>
+          <a:miter lim="800000"/>
+        </a:ln>
+        <a:effectLst/>
+      </dsp:spPr>
+      <dsp:style>
+        <a:lnRef idx="2">
+          <a:scrgbClr r="0" g="0" b="0"/>
+        </a:lnRef>
+        <a:fillRef idx="1">
+          <a:scrgbClr r="0" g="0" b="0"/>
+        </a:fillRef>
+        <a:effectRef idx="0">
+          <a:scrgbClr r="0" g="0" b="0"/>
+        </a:effectRef>
+        <a:fontRef idx="minor">
+          <a:schemeClr val="lt1"/>
+        </a:fontRef>
+      </dsp:style>
+    </dsp:sp>
+    <dsp:sp modelId="{D032348E-1E96-4CA2-AB91-C28B567A027A}">
+      <dsp:nvSpPr>
+        <dsp:cNvPr id="0" name=""/>
+        <dsp:cNvSpPr/>
+      </dsp:nvSpPr>
+      <dsp:spPr>
+        <a:xfrm>
+          <a:off x="937002" y="5072264"/>
+          <a:ext cx="5576601" cy="811257"/>
+        </a:xfrm>
+        <a:prstGeom prst="rect">
+          <a:avLst/>
+        </a:prstGeom>
+        <a:noFill/>
+        <a:ln>
+          <a:noFill/>
+        </a:ln>
+        <a:effectLst/>
+      </dsp:spPr>
+      <dsp:style>
+        <a:lnRef idx="0">
+          <a:scrgbClr r="0" g="0" b="0"/>
+        </a:lnRef>
+        <a:fillRef idx="0">
+          <a:scrgbClr r="0" g="0" b="0"/>
+        </a:fillRef>
+        <a:effectRef idx="0">
+          <a:scrgbClr r="0" g="0" b="0"/>
+        </a:effectRef>
+        <a:fontRef idx="minor"/>
+      </dsp:style>
+      <dsp:txBody>
+        <a:bodyPr spcFirstLastPara="0" vert="horz" wrap="square" lIns="85858" tIns="85858" rIns="85858" bIns="85858" numCol="1" spcCol="1270" anchor="ctr" anchorCtr="0">
+          <a:noAutofit/>
+        </a:bodyPr>
+        <a:lstStyle/>
+        <a:p>
+          <a:pPr marL="0" lvl="0" indent="0" algn="l" defTabSz="844550">
+            <a:lnSpc>
+              <a:spcPct val="90000"/>
+            </a:lnSpc>
+            <a:spcBef>
+              <a:spcPct val="0"/>
+            </a:spcBef>
+            <a:spcAft>
+              <a:spcPct val="35000"/>
+            </a:spcAft>
+            <a:buNone/>
+          </a:pPr>
+          <a:r>
+            <a:rPr lang="nb-NO" sz="1900" kern="1200"/>
+            <a:t>Ekstrastoff Tegne i canvas med for-løkke</a:t>
+          </a:r>
+          <a:endParaRPr lang="en-US" sz="1900" kern="1200"/>
+        </a:p>
+      </dsp:txBody>
+      <dsp:txXfrm>
+        <a:off x="937002" y="5072264"/>
+        <a:ext cx="5576601" cy="811257"/>
+      </dsp:txXfrm>
+    </dsp:sp>
+  </dsp:spTree>
+</dsp:drawing>
+</file>
+
+<file path=ppt/diagrams/layout1.xml><?xml version="1.0" encoding="utf-8"?>
+<dgm:layoutDef xmlns:dgm="http://schemas.openxmlformats.org/drawingml/2006/diagram" xmlns:a="http://schemas.openxmlformats.org/drawingml/2006/main" uniqueId="urn:microsoft.com/office/officeart/2018/2/layout/IconVerticalSolidList">
+  <dgm:title val="Icon Vertical Solid List"/>
+  <dgm:desc val="Use to show a series of visuals from top to bottom with Level 1 or Level 1 and Level 2 text grouped in a shape. Works best with icons or small pictures with lengthier descriptions."/>
+  <dgm:catLst>
+    <dgm:cat type="icon" pri="500"/>
+  </dgm:catLst>
+  <dgm:sampData useDef="1">
+    <dgm:dataModel>
+      <dgm:ptLst/>
+      <dgm:bg/>
+      <dgm:whole/>
+    </dgm:dataModel>
+  </dgm:sampData>
+  <dgm:styleData useDef="1">
+    <dgm:dataModel>
+      <dgm:ptLst/>
+      <dgm:bg/>
+      <dgm:whole/>
+    </dgm:dataModel>
+  </dgm:styleData>
+  <dgm:clrData useDef="1">
+    <dgm:dataModel>
+      <dgm:ptLst/>
+      <dgm:bg/>
+      <dgm:whole/>
+    </dgm:dataModel>
+  </dgm:clrData>
+  <dgm:layoutNode name="root">
+    <dgm:varLst>
+      <dgm:dir/>
+      <dgm:resizeHandles val="exact"/>
+    </dgm:varLst>
+    <dgm:choose name="Name0">
+      <dgm:if name="Name1" axis="self" func="var" arg="dir" op="equ" val="norm">
+        <dgm:alg type="lin">
+          <dgm:param type="linDir" val="fromT"/>
+          <dgm:param type="nodeHorzAlign" val="l"/>
+        </dgm:alg>
+      </dgm:if>
+      <dgm:else name="Name2">
+        <dgm:alg type="lin">
+          <dgm:param type="linDir" val="fromT"/>
+          <dgm:param type="nodeHorzAlign" val="r"/>
+        </dgm:alg>
+      </dgm:else>
+    </dgm:choose>
+    <dgm:shape xmlns:r="http://schemas.openxmlformats.org/officeDocument/2006/relationships" r:blip="">
+      <dgm:adjLst/>
+    </dgm:shape>
+    <dgm:presOf/>
+    <dgm:choose name="Name3">
+      <dgm:if name="Name4" axis="ch" ptType="node" func="cnt" op="lte" val="3">
+        <dgm:constrLst>
+          <dgm:constr type="h" for="ch" forName="compNode" refType="h" fact="0.3"/>
+          <dgm:constr type="w" for="ch" forName="compNode" refType="w"/>
+          <dgm:constr type="h" for="ch" forName="sibTrans" refType="h" refFor="ch" refForName="compNode" fact="0.25"/>
+          <dgm:constr type="primFontSz" for="des" forName="parTx" val="25"/>
+          <dgm:constr type="primFontSz" for="des" forName="desTx" refType="primFontSz" refFor="des" refForName="parTx" op="lte" fact="0.75"/>
+          <dgm:constr type="h" for="des" forName="compNode" op="equ"/>
+          <dgm:constr type="h" for="des" forName="bgRect" op="equ"/>
+          <dgm:constr type="h" for="des" forName="iconRect" op="equ"/>
+          <dgm:constr type="w" for="des" forName="iconRect" op="equ"/>
+          <dgm:constr type="h" for="des" forName="spaceRect" op="equ"/>
+          <dgm:constr type="h" for="des" forName="parTx" op="equ"/>
+          <dgm:constr type="h" for="des" forName="desTx" op="equ"/>
+        </dgm:constrLst>
+      </dgm:if>
+      <dgm:if name="Name5" axis="ch" ptType="node" func="cnt" op="lte" val="4">
+        <dgm:constrLst>
+          <dgm:constr type="h" for="ch" forName="compNode" refType="h" fact="0.3"/>
+          <dgm:constr type="w" for="ch" forName="compNode" refType="w"/>
+          <dgm:constr type="h" for="ch" forName="sibTrans" refType="h" refFor="ch" refForName="compNode" fact="0.25"/>
+          <dgm:constr type="primFontSz" for="des" forName="parTx" val="22"/>
+          <dgm:constr type="primFontSz" for="des" forName="desTx" refType="primFontSz" refFor="des" refForName="parTx" op="lte" fact="0.75"/>
+          <dgm:constr type="h" for="des" forName="compNode" op="equ"/>
+          <dgm:constr type="h" for="des" forName="bgRect" op="equ"/>
+          <dgm:constr type="h" for="des" forName="iconRect" op="equ"/>
+          <dgm:constr type="w" for="des" forName="iconRect" op="equ"/>
+          <dgm:constr type="h" for="des" forName="spaceRect" op="equ"/>
+          <dgm:constr type="h" for="des" forName="parTx" op="equ"/>
+          <dgm:constr type="h" for="des" forName="desTx" op="equ"/>
+        </dgm:constrLst>
+      </dgm:if>
+      <dgm:if name="Name6" axis="ch" ptType="node" func="cnt" op="lte" val="6">
+        <dgm:constrLst>
+          <dgm:constr type="h" for="ch" forName="compNode" refType="h" fact="0.3"/>
+          <dgm:constr type="w" for="ch" forName="compNode" refType="w"/>
+          <dgm:constr type="h" for="ch" forName="sibTrans" refType="h" refFor="ch" refForName="compNode" fact="0.25"/>
+          <dgm:constr type="primFontSz" for="des" forName="parTx" val="19"/>
+          <dgm:constr type="primFontSz" for="des" forName="desTx" refType="primFontSz" refFor="des" refForName="parTx" op="lte" fact="0.75"/>
+          <dgm:constr type="h" for="des" forName="compNode" op="equ"/>
+          <dgm:constr type="h" for="des" forName="bgRect" op="equ"/>
+          <dgm:constr type="h" for="des" forName="iconRect" op="equ"/>
+          <dgm:constr type="w" for="des" forName="iconRect" op="equ"/>
+          <dgm:constr type="h" for="des" forName="spaceRect" op="equ"/>
+          <dgm:constr type="h" for="des" forName="parTx" op="equ"/>
+          <dgm:constr type="h" for="des" forName="desTx" op="equ"/>
+        </dgm:constrLst>
+      </dgm:if>
+      <dgm:else name="Name7">
+        <dgm:constrLst>
+          <dgm:constr type="h" for="ch" forName="compNode" refType="h" fact="0.3"/>
+          <dgm:constr type="w" for="ch" forName="compNode" refType="w"/>
+          <dgm:constr type="h" for="ch" forName="sibTrans" refType="h" refFor="ch" refForName="compNode" fact="0.25"/>
+          <dgm:constr type="primFontSz" for="des" forName="parTx" val="16"/>
+          <dgm:constr type="primFontSz" for="des" forName="desTx" refType="primFontSz" refFor="des" refForName="parTx" op="lte" fact="0.75"/>
+          <dgm:constr type="h" for="des" forName="compNode" op="equ"/>
+          <dgm:constr type="h" for="des" forName="bgRect" op="equ"/>
+          <dgm:constr type="h" for="des" forName="iconRect" op="equ"/>
+          <dgm:constr type="w" for="des" forName="iconRect" op="equ"/>
+          <dgm:constr type="h" for="des" forName="spaceRect" op="equ"/>
+          <dgm:constr type="h" for="des" forName="parTx" op="equ"/>
+          <dgm:constr type="h" for="des" forName="desTx" op="equ"/>
+        </dgm:constrLst>
+      </dgm:else>
+    </dgm:choose>
+    <dgm:ruleLst>
+      <dgm:rule type="h" for="ch" forName="compNode" val="0" fact="NaN" max="NaN"/>
+    </dgm:ruleLst>
+    <dgm:forEach name="Name8" axis="ch" ptType="node">
+      <dgm:layoutNode name="compNode">
+        <dgm:alg type="composite"/>
+        <dgm:shape xmlns:r="http://schemas.openxmlformats.org/officeDocument/2006/relationships" r:blip="">
+          <dgm:adjLst/>
+        </dgm:shape>
+        <dgm:presOf axis="self"/>
+        <dgm:choose name="Name9">
+          <dgm:if name="Name10" axis="ch" ptType="node" func="cnt" op="gte" val="1">
+            <dgm:constrLst>
+              <dgm:constr type="w" for="ch" forName="bgRect" refType="w"/>
+              <dgm:constr type="h" for="ch" forName="bgRect" refType="h"/>
+              <dgm:constr type="l" for="ch" forName="bgRect"/>
+              <dgm:constr type="t" for="ch" forName="bgRect"/>
+              <dgm:constr type="h" for="ch" forName="iconRect" refType="h" fact="0.55"/>
+              <dgm:constr type="w" for="ch" forName="iconRect" refType="h" refFor="ch" refForName="iconRect"/>
+              <dgm:constr type="l" for="ch" forName="iconRect" refType="h" refFor="ch" refForName="iconRect" fact="0.55"/>
+              <dgm:constr type="ctrY" for="ch" forName="iconRect" refType="ctrY" refFor="ch" refForName="bgRect"/>
+              <dgm:constr type="w" for="ch" forName="spaceRect" refType="l" refFor="ch" refForName="iconRect"/>
+              <dgm:constr type="h" for="ch" forName="spaceRect" refType="h"/>
+              <dgm:constr type="l" for="ch" forName="spaceRect" refType="r" refFor="ch" refForName="iconRect"/>
+              <dgm:constr type="t" for="ch" forName="spaceRect"/>
+              <dgm:constr type="w" for="ch" forName="parTx" refType="w" fact="0.45"/>
+              <dgm:constr type="h" for="ch" forName="parTx" refType="h"/>
+              <dgm:constr type="l" for="ch" forName="parTx" refType="r" refFor="ch" refForName="spaceRect"/>
+              <dgm:constr type="t" for="ch" forName="parTx"/>
+              <dgm:constr type="h" for="ch" forName="desTx" refType="h"/>
+              <dgm:constr type="l" for="ch" forName="desTx" refType="r" refFor="ch" refForName="parTx"/>
+              <dgm:constr type="t" for="ch" forName="desTx"/>
+            </dgm:constrLst>
+          </dgm:if>
+          <dgm:else name="Name11">
+            <dgm:constrLst>
+              <dgm:constr type="w" for="ch" forName="bgRect" refType="w"/>
+              <dgm:constr type="h" for="ch" forName="bgRect" refType="h"/>
+              <dgm:constr type="l" for="ch" forName="bgRect"/>
+              <dgm:constr type="t" for="ch" forName="bgRect"/>
+              <dgm:constr type="h" for="ch" forName="iconRect" refType="h" fact="0.55"/>
+              <dgm:constr type="w" for="ch" forName="iconRect" refType="h" refFor="ch" refForName="iconRect"/>
+              <dgm:constr type="l" for="ch" forName="iconRect" refType="h" refFor="ch" refForName="iconRect" fact="0.55"/>
+              <dgm:constr type="ctrY" for="ch" forName="iconRect" refType="ctrY" refFor="ch" refForName="bgRect"/>
+              <dgm:constr type="w" for="ch" forName="spaceRect" refType="l" refFor="ch" refForName="iconRect"/>
+              <dgm:constr type="h" for="ch" forName="spaceRect" refType="h"/>
+              <dgm:constr type="l" for="ch" forName="spaceRect" refType="r" refFor="ch" refForName="iconRect"/>
+              <dgm:constr type="t" for="ch" forName="spaceRect"/>
+              <dgm:constr type="h" for="ch" forName="parTx" refType="h"/>
+              <dgm:constr type="l" for="ch" forName="parTx" refType="r" refFor="ch" refForName="spaceRect"/>
+              <dgm:constr type="t" for="ch" forName="parTx"/>
+            </dgm:constrLst>
+          </dgm:else>
+        </dgm:choose>
+        <dgm:ruleLst>
+          <dgm:rule type="h" val="INF" fact="NaN" max="NaN"/>
+        </dgm:ruleLst>
+        <dgm:layoutNode name="bgRect" styleLbl="bgShp">
+          <dgm:alg type="sp"/>
+          <dgm:shape xmlns:r="http://schemas.openxmlformats.org/officeDocument/2006/relationships" type="roundRect" r:blip="">
+            <dgm:adjLst>
+              <dgm:adj idx="1" val="0.1"/>
+            </dgm:adjLst>
+          </dgm:shape>
+          <dgm:presOf/>
+          <dgm:constrLst/>
+          <dgm:ruleLst/>
+        </dgm:layoutNode>
+        <dgm:layoutNode name="iconRect" styleLbl="node1">
+          <dgm:alg type="sp"/>
+          <dgm:shape xmlns:r="http://schemas.openxmlformats.org/officeDocument/2006/relationships" type="rect" r:blip="" blipPhldr="1">
+            <dgm:adjLst/>
+          </dgm:shape>
+          <dgm:presOf/>
+          <dgm:constrLst/>
+          <dgm:ruleLst/>
+        </dgm:layoutNode>
+        <dgm:layoutNode name="spaceRect">
+          <dgm:alg type="sp"/>
+          <dgm:shape xmlns:r="http://schemas.openxmlformats.org/officeDocument/2006/relationships" r:blip="">
+            <dgm:adjLst/>
+          </dgm:shape>
+          <dgm:presOf/>
+          <dgm:constrLst/>
+          <dgm:ruleLst/>
+        </dgm:layoutNode>
+        <dgm:layoutNode name="parTx" styleLbl="revTx">
+          <dgm:varLst>
+            <dgm:chMax val="0"/>
+            <dgm:chPref val="0"/>
+          </dgm:varLst>
+          <dgm:alg type="tx">
+            <dgm:param type="txAnchorVert" val="mid"/>
+            <dgm:param type="parTxLTRAlign" val="l"/>
+            <dgm:param type="shpTxLTRAlignCh" val="l"/>
+            <dgm:param type="parTxRTLAlign" val="r"/>
+            <dgm:param type="shpTxRTLAlignCh" val="r"/>
+          </dgm:alg>
+          <dgm:shape xmlns:r="http://schemas.openxmlformats.org/officeDocument/2006/relationships" type="rect" r:blip="">
+            <dgm:adjLst/>
+          </dgm:shape>
+          <dgm:presOf axis="self" ptType="node"/>
+          <dgm:constrLst>
+            <dgm:constr type="lMarg" refType="h" fact="0.3"/>
+            <dgm:constr type="rMarg" refType="h" fact="0.3"/>
+            <dgm:constr type="tMarg" refType="h" fact="0.3"/>
+            <dgm:constr type="bMarg" refType="h" fact="0.3"/>
+          </dgm:constrLst>
+          <dgm:ruleLst>
+            <dgm:rule type="primFontSz" val="14" fact="NaN" max="NaN"/>
+            <dgm:rule type="h" val="INF" fact="NaN" max="NaN"/>
+          </dgm:ruleLst>
+        </dgm:layoutNode>
+        <dgm:choose name="Name12">
+          <dgm:if name="Name13" axis="ch" ptType="node" func="cnt" op="gte" val="1">
+            <dgm:layoutNode name="desTx" styleLbl="revTx">
+              <dgm:varLst/>
+              <dgm:alg type="tx">
+                <dgm:param type="txAnchorVertCh" val="mid"/>
+                <dgm:param type="parTxLTRAlign" val="l"/>
+                <dgm:param type="shpTxLTRAlignCh" val="l"/>
+                <dgm:param type="parTxRTLAlign" val="r"/>
+                <dgm:param type="shpTxRTLAlignCh" val="r"/>
+                <dgm:param type="stBulletLvl" val="0"/>
+              </dgm:alg>
+              <dgm:shape xmlns:r="http://schemas.openxmlformats.org/officeDocument/2006/relationships" type="rect" r:blip="">
+                <dgm:adjLst/>
+              </dgm:shape>
+              <dgm:presOf axis="des" ptType="node"/>
+              <dgm:constrLst>
+                <dgm:constr type="primFontSz" val="18"/>
+                <dgm:constr type="secFontSz" refType="primFontSz"/>
+                <dgm:constr type="lMarg" refType="h" fact="0.3"/>
+                <dgm:constr type="rMarg" refType="h" fact="0.3"/>
+                <dgm:constr type="tMarg" refType="h" fact="0.3"/>
+                <dgm:constr type="bMarg" refType="h" fact="0.3"/>
+              </dgm:constrLst>
+              <dgm:ruleLst>
+                <dgm:rule type="primFontSz" val="11" fact="NaN" max="NaN"/>
+              </dgm:ruleLst>
+            </dgm:layoutNode>
+          </dgm:if>
+          <dgm:else name="Name14"/>
+        </dgm:choose>
+      </dgm:layoutNode>
+      <dgm:forEach name="Name15" axis="followSib" ptType="sibTrans" cnt="1">
+        <dgm:layoutNode name="sibTrans">
+          <dgm:alg type="sp"/>
+          <dgm:shape xmlns:r="http://schemas.openxmlformats.org/officeDocument/2006/relationships" r:blip="">
+            <dgm:adjLst/>
+          </dgm:shape>
+          <dgm:presOf axis="self"/>
+          <dgm:constrLst/>
+          <dgm:ruleLst/>
+        </dgm:layoutNode>
+      </dgm:forEach>
+    </dgm:forEach>
+  </dgm:layoutNode>
+  <dgm:extLst>
+    <a:ext uri="{68A01E43-0DF5-4B5B-8FA6-DAF915123BFB}">
+      <dgm1612:lstStyle xmlns:dgm1612="http://schemas.microsoft.com/office/drawing/2016/12/diagram">
+        <a:lvl1pPr>
+          <a:lnSpc>
+            <a:spcPct val="100000"/>
+          </a:lnSpc>
+        </a:lvl1pPr>
+        <a:lvl2pPr>
+          <a:lnSpc>
+            <a:spcPct val="100000"/>
+          </a:lnSpc>
+        </a:lvl2pPr>
+      </dgm1612:lstStyle>
+    </a:ext>
+  </dgm:extLst>
+</dgm:layoutDef>
+</file>
+
+<file path=ppt/diagrams/layout2.xml><?xml version="1.0" encoding="utf-8"?>
+<dgm:layoutDef xmlns:dgm="http://schemas.openxmlformats.org/drawingml/2006/diagram" xmlns:a="http://schemas.openxmlformats.org/drawingml/2006/main" uniqueId="urn:microsoft.com/office/officeart/2018/2/layout/IconVerticalSolidList">
+  <dgm:title val="Icon Vertical Solid List"/>
+  <dgm:desc val="Use to show a series of visuals from top to bottom with Level 1 or Level 1 and Level 2 text grouped in a shape. Works best with icons or small pictures with lengthier descriptions."/>
+  <dgm:catLst>
+    <dgm:cat type="icon" pri="500"/>
+  </dgm:catLst>
+  <dgm:sampData useDef="1">
+    <dgm:dataModel>
+      <dgm:ptLst/>
+      <dgm:bg/>
+      <dgm:whole/>
+    </dgm:dataModel>
+  </dgm:sampData>
+  <dgm:styleData useDef="1">
+    <dgm:dataModel>
+      <dgm:ptLst/>
+      <dgm:bg/>
+      <dgm:whole/>
+    </dgm:dataModel>
+  </dgm:styleData>
+  <dgm:clrData useDef="1">
+    <dgm:dataModel>
+      <dgm:ptLst/>
+      <dgm:bg/>
+      <dgm:whole/>
+    </dgm:dataModel>
+  </dgm:clrData>
+  <dgm:layoutNode name="root">
+    <dgm:varLst>
+      <dgm:dir/>
+      <dgm:resizeHandles val="exact"/>
+    </dgm:varLst>
+    <dgm:choose name="Name0">
+      <dgm:if name="Name1" axis="self" func="var" arg="dir" op="equ" val="norm">
+        <dgm:alg type="lin">
+          <dgm:param type="linDir" val="fromT"/>
+          <dgm:param type="nodeHorzAlign" val="l"/>
+        </dgm:alg>
+      </dgm:if>
+      <dgm:else name="Name2">
+        <dgm:alg type="lin">
+          <dgm:param type="linDir" val="fromT"/>
+          <dgm:param type="nodeHorzAlign" val="r"/>
+        </dgm:alg>
+      </dgm:else>
+    </dgm:choose>
+    <dgm:shape xmlns:r="http://schemas.openxmlformats.org/officeDocument/2006/relationships" r:blip="">
+      <dgm:adjLst/>
+    </dgm:shape>
+    <dgm:presOf/>
+    <dgm:choose name="Name3">
+      <dgm:if name="Name4" axis="ch" ptType="node" func="cnt" op="lte" val="3">
+        <dgm:constrLst>
+          <dgm:constr type="h" for="ch" forName="compNode" refType="h" fact="0.3"/>
+          <dgm:constr type="w" for="ch" forName="compNode" refType="w"/>
+          <dgm:constr type="h" for="ch" forName="sibTrans" refType="h" refFor="ch" refForName="compNode" fact="0.25"/>
+          <dgm:constr type="primFontSz" for="des" forName="parTx" val="25"/>
+          <dgm:constr type="primFontSz" for="des" forName="desTx" refType="primFontSz" refFor="des" refForName="parTx" op="lte" fact="0.75"/>
+          <dgm:constr type="h" for="des" forName="compNode" op="equ"/>
+          <dgm:constr type="h" for="des" forName="bgRect" op="equ"/>
+          <dgm:constr type="h" for="des" forName="iconRect" op="equ"/>
+          <dgm:constr type="w" for="des" forName="iconRect" op="equ"/>
+          <dgm:constr type="h" for="des" forName="spaceRect" op="equ"/>
+          <dgm:constr type="h" for="des" forName="parTx" op="equ"/>
+          <dgm:constr type="h" for="des" forName="desTx" op="equ"/>
+        </dgm:constrLst>
+      </dgm:if>
+      <dgm:if name="Name5" axis="ch" ptType="node" func="cnt" op="lte" val="4">
+        <dgm:constrLst>
+          <dgm:constr type="h" for="ch" forName="compNode" refType="h" fact="0.3"/>
+          <dgm:constr type="w" for="ch" forName="compNode" refType="w"/>
+          <dgm:constr type="h" for="ch" forName="sibTrans" refType="h" refFor="ch" refForName="compNode" fact="0.25"/>
+          <dgm:constr type="primFontSz" for="des" forName="parTx" val="22"/>
+          <dgm:constr type="primFontSz" for="des" forName="desTx" refType="primFontSz" refFor="des" refForName="parTx" op="lte" fact="0.75"/>
+          <dgm:constr type="h" for="des" forName="compNode" op="equ"/>
+          <dgm:constr type="h" for="des" forName="bgRect" op="equ"/>
+          <dgm:constr type="h" for="des" forName="iconRect" op="equ"/>
+          <dgm:constr type="w" for="des" forName="iconRect" op="equ"/>
+          <dgm:constr type="h" for="des" forName="spaceRect" op="equ"/>
+          <dgm:constr type="h" for="des" forName="parTx" op="equ"/>
+          <dgm:constr type="h" for="des" forName="desTx" op="equ"/>
+        </dgm:constrLst>
+      </dgm:if>
+      <dgm:if name="Name6" axis="ch" ptType="node" func="cnt" op="lte" val="6">
+        <dgm:constrLst>
+          <dgm:constr type="h" for="ch" forName="compNode" refType="h" fact="0.3"/>
+          <dgm:constr type="w" for="ch" forName="compNode" refType="w"/>
+          <dgm:constr type="h" for="ch" forName="sibTrans" refType="h" refFor="ch" refForName="compNode" fact="0.25"/>
+          <dgm:constr type="primFontSz" for="des" forName="parTx" val="19"/>
+          <dgm:constr type="primFontSz" for="des" forName="desTx" refType="primFontSz" refFor="des" refForName="parTx" op="lte" fact="0.75"/>
+          <dgm:constr type="h" for="des" forName="compNode" op="equ"/>
+          <dgm:constr type="h" for="des" forName="bgRect" op="equ"/>
+          <dgm:constr type="h" for="des" forName="iconRect" op="equ"/>
+          <dgm:constr type="w" for="des" forName="iconRect" op="equ"/>
+          <dgm:constr type="h" for="des" forName="spaceRect" op="equ"/>
+          <dgm:constr type="h" for="des" forName="parTx" op="equ"/>
+          <dgm:constr type="h" for="des" forName="desTx" op="equ"/>
+        </dgm:constrLst>
+      </dgm:if>
+      <dgm:else name="Name7">
+        <dgm:constrLst>
+          <dgm:constr type="h" for="ch" forName="compNode" refType="h" fact="0.3"/>
+          <dgm:constr type="w" for="ch" forName="compNode" refType="w"/>
+          <dgm:constr type="h" for="ch" forName="sibTrans" refType="h" refFor="ch" refForName="compNode" fact="0.25"/>
+          <dgm:constr type="primFontSz" for="des" forName="parTx" val="16"/>
+          <dgm:constr type="primFontSz" for="des" forName="desTx" refType="primFontSz" refFor="des" refForName="parTx" op="lte" fact="0.75"/>
+          <dgm:constr type="h" for="des" forName="compNode" op="equ"/>
+          <dgm:constr type="h" for="des" forName="bgRect" op="equ"/>
+          <dgm:constr type="h" for="des" forName="iconRect" op="equ"/>
+          <dgm:constr type="w" for="des" forName="iconRect" op="equ"/>
+          <dgm:constr type="h" for="des" forName="spaceRect" op="equ"/>
+          <dgm:constr type="h" for="des" forName="parTx" op="equ"/>
+          <dgm:constr type="h" for="des" forName="desTx" op="equ"/>
+        </dgm:constrLst>
+      </dgm:else>
+    </dgm:choose>
+    <dgm:ruleLst>
+      <dgm:rule type="h" for="ch" forName="compNode" val="0" fact="NaN" max="NaN"/>
+    </dgm:ruleLst>
+    <dgm:forEach name="Name8" axis="ch" ptType="node">
+      <dgm:layoutNode name="compNode">
+        <dgm:alg type="composite"/>
+        <dgm:shape xmlns:r="http://schemas.openxmlformats.org/officeDocument/2006/relationships" r:blip="">
+          <dgm:adjLst/>
+        </dgm:shape>
+        <dgm:presOf axis="self"/>
+        <dgm:choose name="Name9">
+          <dgm:if name="Name10" axis="ch" ptType="node" func="cnt" op="gte" val="1">
+            <dgm:constrLst>
+              <dgm:constr type="w" for="ch" forName="bgRect" refType="w"/>
+              <dgm:constr type="h" for="ch" forName="bgRect" refType="h"/>
+              <dgm:constr type="l" for="ch" forName="bgRect"/>
+              <dgm:constr type="t" for="ch" forName="bgRect"/>
+              <dgm:constr type="h" for="ch" forName="iconRect" refType="h" fact="0.55"/>
+              <dgm:constr type="w" for="ch" forName="iconRect" refType="h" refFor="ch" refForName="iconRect"/>
+              <dgm:constr type="l" for="ch" forName="iconRect" refType="h" refFor="ch" refForName="iconRect" fact="0.55"/>
+              <dgm:constr type="ctrY" for="ch" forName="iconRect" refType="ctrY" refFor="ch" refForName="bgRect"/>
+              <dgm:constr type="w" for="ch" forName="spaceRect" refType="l" refFor="ch" refForName="iconRect"/>
+              <dgm:constr type="h" for="ch" forName="spaceRect" refType="h"/>
+              <dgm:constr type="l" for="ch" forName="spaceRect" refType="r" refFor="ch" refForName="iconRect"/>
+              <dgm:constr type="t" for="ch" forName="spaceRect"/>
+              <dgm:constr type="w" for="ch" forName="parTx" refType="w" fact="0.45"/>
+              <dgm:constr type="h" for="ch" forName="parTx" refType="h"/>
+              <dgm:constr type="l" for="ch" forName="parTx" refType="r" refFor="ch" refForName="spaceRect"/>
+              <dgm:constr type="t" for="ch" forName="parTx"/>
+              <dgm:constr type="h" for="ch" forName="desTx" refType="h"/>
+              <dgm:constr type="l" for="ch" forName="desTx" refType="r" refFor="ch" refForName="parTx"/>
+              <dgm:constr type="t" for="ch" forName="desTx"/>
+            </dgm:constrLst>
+          </dgm:if>
+          <dgm:else name="Name11">
+            <dgm:constrLst>
+              <dgm:constr type="w" for="ch" forName="bgRect" refType="w"/>
+              <dgm:constr type="h" for="ch" forName="bgRect" refType="h"/>
+              <dgm:constr type="l" for="ch" forName="bgRect"/>
+              <dgm:constr type="t" for="ch" forName="bgRect"/>
+              <dgm:constr type="h" for="ch" forName="iconRect" refType="h" fact="0.55"/>
+              <dgm:constr type="w" for="ch" forName="iconRect" refType="h" refFor="ch" refForName="iconRect"/>
+              <dgm:constr type="l" for="ch" forName="iconRect" refType="h" refFor="ch" refForName="iconRect" fact="0.55"/>
+              <dgm:constr type="ctrY" for="ch" forName="iconRect" refType="ctrY" refFor="ch" refForName="bgRect"/>
+              <dgm:constr type="w" for="ch" forName="spaceRect" refType="l" refFor="ch" refForName="iconRect"/>
+              <dgm:constr type="h" for="ch" forName="spaceRect" refType="h"/>
+              <dgm:constr type="l" for="ch" forName="spaceRect" refType="r" refFor="ch" refForName="iconRect"/>
+              <dgm:constr type="t" for="ch" forName="spaceRect"/>
+              <dgm:constr type="h" for="ch" forName="parTx" refType="h"/>
+              <dgm:constr type="l" for="ch" forName="parTx" refType="r" refFor="ch" refForName="spaceRect"/>
+              <dgm:constr type="t" for="ch" forName="parTx"/>
+            </dgm:constrLst>
+          </dgm:else>
+        </dgm:choose>
+        <dgm:ruleLst>
+          <dgm:rule type="h" val="INF" fact="NaN" max="NaN"/>
+        </dgm:ruleLst>
+        <dgm:layoutNode name="bgRect" styleLbl="bgShp">
+          <dgm:alg type="sp"/>
+          <dgm:shape xmlns:r="http://schemas.openxmlformats.org/officeDocument/2006/relationships" type="roundRect" r:blip="">
+            <dgm:adjLst>
+              <dgm:adj idx="1" val="0.1"/>
+            </dgm:adjLst>
+          </dgm:shape>
+          <dgm:presOf/>
+          <dgm:constrLst/>
+          <dgm:ruleLst/>
+        </dgm:layoutNode>
+        <dgm:layoutNode name="iconRect" styleLbl="node1">
+          <dgm:alg type="sp"/>
+          <dgm:shape xmlns:r="http://schemas.openxmlformats.org/officeDocument/2006/relationships" type="rect" r:blip="" blipPhldr="1">
+            <dgm:adjLst/>
+          </dgm:shape>
+          <dgm:presOf/>
+          <dgm:constrLst/>
+          <dgm:ruleLst/>
+        </dgm:layoutNode>
+        <dgm:layoutNode name="spaceRect">
+          <dgm:alg type="sp"/>
+          <dgm:shape xmlns:r="http://schemas.openxmlformats.org/officeDocument/2006/relationships" r:blip="">
+            <dgm:adjLst/>
+          </dgm:shape>
+          <dgm:presOf/>
+          <dgm:constrLst/>
+          <dgm:ruleLst/>
+        </dgm:layoutNode>
+        <dgm:layoutNode name="parTx" styleLbl="revTx">
+          <dgm:varLst>
+            <dgm:chMax val="0"/>
+            <dgm:chPref val="0"/>
+          </dgm:varLst>
+          <dgm:alg type="tx">
+            <dgm:param type="txAnchorVert" val="mid"/>
+            <dgm:param type="parTxLTRAlign" val="l"/>
+            <dgm:param type="shpTxLTRAlignCh" val="l"/>
+            <dgm:param type="parTxRTLAlign" val="r"/>
+            <dgm:param type="shpTxRTLAlignCh" val="r"/>
+          </dgm:alg>
+          <dgm:shape xmlns:r="http://schemas.openxmlformats.org/officeDocument/2006/relationships" type="rect" r:blip="">
+            <dgm:adjLst/>
+          </dgm:shape>
+          <dgm:presOf axis="self" ptType="node"/>
+          <dgm:constrLst>
+            <dgm:constr type="lMarg" refType="h" fact="0.3"/>
+            <dgm:constr type="rMarg" refType="h" fact="0.3"/>
+            <dgm:constr type="tMarg" refType="h" fact="0.3"/>
+            <dgm:constr type="bMarg" refType="h" fact="0.3"/>
+          </dgm:constrLst>
+          <dgm:ruleLst>
+            <dgm:rule type="primFontSz" val="14" fact="NaN" max="NaN"/>
+            <dgm:rule type="h" val="INF" fact="NaN" max="NaN"/>
+          </dgm:ruleLst>
+        </dgm:layoutNode>
+        <dgm:choose name="Name12">
+          <dgm:if name="Name13" axis="ch" ptType="node" func="cnt" op="gte" val="1">
+            <dgm:layoutNode name="desTx" styleLbl="revTx">
+              <dgm:varLst/>
+              <dgm:alg type="tx">
+                <dgm:param type="txAnchorVertCh" val="mid"/>
+                <dgm:param type="parTxLTRAlign" val="l"/>
+                <dgm:param type="shpTxLTRAlignCh" val="l"/>
+                <dgm:param type="parTxRTLAlign" val="r"/>
+                <dgm:param type="shpTxRTLAlignCh" val="r"/>
+                <dgm:param type="stBulletLvl" val="0"/>
+              </dgm:alg>
+              <dgm:shape xmlns:r="http://schemas.openxmlformats.org/officeDocument/2006/relationships" type="rect" r:blip="">
+                <dgm:adjLst/>
+              </dgm:shape>
+              <dgm:presOf axis="des" ptType="node"/>
+              <dgm:constrLst>
+                <dgm:constr type="primFontSz" val="18"/>
+                <dgm:constr type="secFontSz" refType="primFontSz"/>
+                <dgm:constr type="lMarg" refType="h" fact="0.3"/>
+                <dgm:constr type="rMarg" refType="h" fact="0.3"/>
+                <dgm:constr type="tMarg" refType="h" fact="0.3"/>
+                <dgm:constr type="bMarg" refType="h" fact="0.3"/>
+              </dgm:constrLst>
+              <dgm:ruleLst>
+                <dgm:rule type="primFontSz" val="11" fact="NaN" max="NaN"/>
+              </dgm:ruleLst>
+            </dgm:layoutNode>
+          </dgm:if>
+          <dgm:else name="Name14"/>
+        </dgm:choose>
+      </dgm:layoutNode>
+      <dgm:forEach name="Name15" axis="followSib" ptType="sibTrans" cnt="1">
+        <dgm:layoutNode name="sibTrans">
+          <dgm:alg type="sp"/>
+          <dgm:shape xmlns:r="http://schemas.openxmlformats.org/officeDocument/2006/relationships" r:blip="">
+            <dgm:adjLst/>
+          </dgm:shape>
+          <dgm:presOf axis="self"/>
+          <dgm:constrLst/>
+          <dgm:ruleLst/>
+        </dgm:layoutNode>
+      </dgm:forEach>
+    </dgm:forEach>
+  </dgm:layoutNode>
+  <dgm:extLst>
+    <a:ext uri="{68A01E43-0DF5-4B5B-8FA6-DAF915123BFB}">
+      <dgm1612:lstStyle xmlns:dgm1612="http://schemas.microsoft.com/office/drawing/2016/12/diagram">
+        <a:lvl1pPr>
+          <a:lnSpc>
+            <a:spcPct val="100000"/>
+          </a:lnSpc>
+        </a:lvl1pPr>
+        <a:lvl2pPr>
+          <a:lnSpc>
+            <a:spcPct val="100000"/>
+          </a:lnSpc>
+        </a:lvl2pPr>
+      </dgm1612:lstStyle>
+    </a:ext>
+  </dgm:extLst>
+</dgm:layoutDef>
+</file>
+
+<file path=ppt/diagrams/quickStyle1.xml><?xml version="1.0" encoding="utf-8"?>
+<dgm:styleDef xmlns:dgm="http://schemas.openxmlformats.org/drawingml/2006/diagram" xmlns:a="http://schemas.openxmlformats.org/drawingml/2006/main" uniqueId="urn:microsoft.com/office/officeart/2005/8/quickstyle/simple1">
+  <dgm:title val=""/>
+  <dgm:desc val=""/>
+  <dgm:catLst>
+    <dgm:cat type="simple" pri="10100"/>
+  </dgm:catLst>
+  <dgm:scene3d>
+    <a:camera prst="orthographicFront"/>
+    <a:lightRig rig="threePt" dir="t"/>
+  </dgm:scene3d>
+  <dgm:styleLbl name="node0">
+    <dgm:scene3d>
+      <a:camera prst="orthographicFront"/>
+      <a:lightRig rig="threePt" dir="t"/>
+    </dgm:scene3d>
+    <dgm:sp3d/>
+    <dgm:txPr/>
+    <dgm:style>
+      <a:lnRef idx="2">
+        <a:scrgbClr r="0" g="0" b="0"/>
+      </a:lnRef>
+      <a:fillRef idx="1">
+        <a:scrgbClr r="0" g="0" b="0"/>
+      </a:fillRef>
+      <a:effectRef idx="0">
+        <a:scrgbClr r="0" g="0" b="0"/>
+      </a:effectRef>
+      <a:fontRef idx="minor">
+        <a:schemeClr val="lt1"/>
+      </a:fontRef>
+    </dgm:style>
+  </dgm:styleLbl>
+  <dgm:styleLbl name="lnNode1">
+    <dgm:scene3d>
+      <a:camera prst="orthographicFront"/>
+      <a:lightRig rig="threePt" dir="t"/>
+    </dgm:scene3d>
+    <dgm:sp3d/>
+    <dgm:txPr/>
+    <dgm:style>
+      <a:lnRef idx="2">
+        <a:scrgbClr r="0" g="0" b="0"/>
+      </a:lnRef>
+      <a:fillRef idx="1">
+        <a:scrgbClr r="0" g="0" b="0"/>
+      </a:fillRef>
+      <a:effectRef idx="0">
+        <a:scrgbClr r="0" g="0" b="0"/>
+      </a:effectRef>
+      <a:fontRef idx="minor">
+        <a:schemeClr val="lt1"/>
+      </a:fontRef>
+    </dgm:style>
+  </dgm:styleLbl>
+  <dgm:styleLbl name="vennNode1">
+    <dgm:scene3d>
+      <a:camera prst="orthographicFront"/>
+      <a:lightRig rig="threePt" dir="t"/>
+    </dgm:scene3d>
+    <dgm:sp3d/>
+    <dgm:txPr/>
+    <dgm:style>
+      <a:lnRef idx="2">
+        <a:scrgbClr r="0" g="0" b="0"/>
+      </a:lnRef>
+      <a:fillRef idx="1">
+        <a:scrgbClr r="0" g="0" b="0"/>
+      </a:fillRef>
+      <a:effectRef idx="0">
+        <a:scrgbClr r="0" g="0" b="0"/>
+      </a:effectRef>
+      <a:fontRef idx="minor">
+        <a:schemeClr val="tx1"/>
+      </a:fontRef>
+    </dgm:style>
+  </dgm:styleLbl>
+  <dgm:styleLbl name="alignNode1">
+    <dgm:scene3d>
+      <a:camera prst="orthographicFront"/>
+      <a:lightRig rig="threePt" dir="t"/>
+    </dgm:scene3d>
+    <dgm:sp3d/>
+    <dgm:txPr/>
+    <dgm:style>
+      <a:lnRef idx="2">
+        <a:scrgbClr r="0" g="0" b="0"/>
+      </a:lnRef>
+      <a:fillRef idx="1">
+        <a:scrgbClr r="0" g="0" b="0"/>
+      </a:fillRef>
+      <a:effectRef idx="0">
+        <a:scrgbClr r="0" g="0" b="0"/>
+      </a:effectRef>
+      <a:fontRef idx="minor">
+        <a:schemeClr val="lt1"/>
+      </a:fontRef>
+    </dgm:style>
+  </dgm:styleLbl>
+  <dgm:styleLbl name="node1">
+    <dgm:scene3d>
+      <a:camera prst="orthographicFront"/>
+      <a:lightRig rig="threePt" dir="t"/>
+    </dgm:scene3d>
+    <dgm:sp3d/>
+    <dgm:txPr/>
+    <dgm:style>
+      <a:lnRef idx="2">
+        <a:scrgbClr r="0" g="0" b="0"/>
+      </a:lnRef>
+      <a:fillRef idx="1">
+        <a:scrgbClr r="0" g="0" b="0"/>
+      </a:fillRef>
+      <a:effectRef idx="0">
+        <a:scrgbClr r="0" g="0" b="0"/>
+      </a:effectRef>
+      <a:fontRef idx="minor">
+        <a:schemeClr val="lt1"/>
+      </a:fontRef>
+    </dgm:style>
+  </dgm:styleLbl>
+  <dgm:styleLbl name="node2">
+    <dgm:scene3d>
+      <a:camera prst="orthographicFront"/>
+      <a:lightRig rig="threePt" dir="t"/>
+    </dgm:scene3d>
+    <dgm:sp3d/>
+    <dgm:txPr/>
+    <dgm:style>
+      <a:lnRef idx="2">
+        <a:scrgbClr r="0" g="0" b="0"/>
+      </a:lnRef>
+      <a:fillRef idx="1">
+        <a:scrgbClr r="0" g="0" b="0"/>
+      </a:fillRef>
+      <a:effectRef idx="0">
+        <a:scrgbClr r="0" g="0" b="0"/>
+      </a:effectRef>
+      <a:fontRef idx="minor">
+        <a:schemeClr val="lt1"/>
+      </a:fontRef>
+    </dgm:style>
+  </dgm:styleLbl>
+  <dgm:styleLbl name="node3">
+    <dgm:scene3d>
+      <a:camera prst="orthographicFront"/>
+      <a:lightRig rig="threePt" dir="t"/>
+    </dgm:scene3d>
+    <dgm:sp3d/>
+    <dgm:txPr/>
+    <dgm:style>
+      <a:lnRef idx="2">
+        <a:scrgbClr r="0" g="0" b="0"/>
+      </a:lnRef>
+      <a:fillRef idx="1">
+        <a:scrgbClr r="0" g="0" b="0"/>
+      </a:fillRef>
+      <a:effectRef idx="0">
+        <a:scrgbClr r="0" g="0" b="0"/>
+      </a:effectRef>
+      <a:fontRef idx="minor">
+        <a:schemeClr val="lt1"/>
+      </a:fontRef>
+    </dgm:style>
+  </dgm:styleLbl>
+  <dgm:styleLbl name="node4">
+    <dgm:scene3d>
+      <a:camera prst="orthographicFront"/>
+      <a:lightRig rig="threePt" dir="t"/>
+    </dgm:scene3d>
+    <dgm:sp3d/>
+    <dgm:txPr/>
+    <dgm:style>
+      <a:lnRef idx="2">
+        <a:scrgbClr r="0" g="0" b="0"/>
+      </a:lnRef>
+      <a:fillRef idx="1">
+        <a:scrgbClr r="0" g="0" b="0"/>
+      </a:fillRef>
+      <a:effectRef idx="0">
+        <a:scrgbClr r="0" g="0" b="0"/>
+      </a:effectRef>
+      <a:fontRef idx="minor">
+        <a:schemeClr val="lt1"/>
+      </a:fontRef>
+    </dgm:style>
+  </dgm:styleLbl>
+  <dgm:styleLbl name="fgImgPlace1">
+    <dgm:scene3d>
+      <a:camera prst="orthographicFront"/>
+      <a:lightRig rig="threePt" dir="t"/>
+    </dgm:scene3d>
+    <dgm:sp3d/>
+    <dgm:txPr/>
+    <dgm:style>
+      <a:lnRef idx="2">
+        <a:scrgbClr r="0" g="0" b="0"/>
+      </a:lnRef>
+      <a:fillRef idx="1">
+        <a:scrgbClr r="0" g="0" b="0"/>
+      </a:fillRef>
+      <a:effectRef idx="0">
+        <a:scrgbClr r="0" g="0" b="0"/>
+      </a:effectRef>
+      <a:fontRef idx="minor"/>
+    </dgm:style>
+  </dgm:styleLbl>
+  <dgm:styleLbl name="alignImgPlace1">
+    <dgm:scene3d>
+      <a:camera prst="orthographicFront"/>
+      <a:lightRig rig="threePt" dir="t"/>
+    </dgm:scene3d>
+    <dgm:sp3d/>
+    <dgm:txPr/>
+    <dgm:style>
+      <a:lnRef idx="2">
+        <a:scrgbClr r="0" g="0" b="0"/>
+      </a:lnRef>
+      <a:fillRef idx="1">
+        <a:scrgbClr r="0" g="0" b="0"/>
+      </a:fillRef>
+      <a:effectRef idx="0">
+        <a:scrgbClr r="0" g="0" b="0"/>
+      </a:effectRef>
+      <a:fontRef idx="minor"/>
+    </dgm:style>
+  </dgm:styleLbl>
+  <dgm:styleLbl name="bgImgPlace1">
+    <dgm:scene3d>
+      <a:camera prst="orthographicFront"/>
+      <a:lightRig rig="threePt" dir="t"/>
+    </dgm:scene3d>
+    <dgm:sp3d/>
+    <dgm:txPr/>
+    <dgm:style>
+      <a:lnRef idx="2">
+        <a:scrgbClr r="0" g="0" b="0"/>
+      </a:lnRef>
+      <a:fillRef idx="1">
+        <a:scrgbClr r="0" g="0" b="0"/>
+      </a:fillRef>
+      <a:effectRef idx="0">
+        <a:scrgbClr r="0" g="0" b="0"/>
+      </a:effectRef>
+      <a:fontRef idx="minor"/>
+    </dgm:style>
+  </dgm:styleLbl>
+  <dgm:styleLbl name="sibTrans2D1">
+    <dgm:scene3d>
+      <a:camera prst="orthographicFront"/>
+      <a:lightRig rig="threePt" dir="t"/>
+    </dgm:scene3d>
+    <dgm:sp3d/>
+    <dgm:txPr/>
+    <dgm:style>
+      <a:lnRef idx="0">
+        <a:scrgbClr r="0" g="0" b="0"/>
+      </a:lnRef>
+      <a:fillRef idx="1">
+        <a:scrgbClr r="0" g="0" b="0"/>
+      </a:fillRef>
+      <a:effectRef idx="0">
+        <a:scrgbClr r="0" g="0" b="0"/>
+      </a:effectRef>
+      <a:fontRef idx="minor">
+        <a:schemeClr val="lt1"/>
+      </a:fontRef>
+    </dgm:style>
+  </dgm:styleLbl>
+  <dgm:styleLbl name="fgSibTrans2D1">
+    <dgm:scene3d>
+      <a:camera prst="orthographicFront"/>
+      <a:lightRig rig="threePt" dir="t"/>
+    </dgm:scene3d>
+    <dgm:sp3d/>
+    <dgm:txPr/>
+    <dgm:style>
+      <a:lnRef idx="0">
+        <a:scrgbClr r="0" g="0" b="0"/>
+      </a:lnRef>
+      <a:fillRef idx="1">
+        <a:scrgbClr r="0" g="0" b="0"/>
+      </a:fillRef>
+      <a:effectRef idx="0">
+        <a:scrgbClr r="0" g="0" b="0"/>
+      </a:effectRef>
+      <a:fontRef idx="minor">
+        <a:schemeClr val="lt1"/>
+      </a:fontRef>
+    </dgm:style>
+  </dgm:styleLbl>
+  <dgm:styleLbl name="bgSibTrans2D1">
+    <dgm:scene3d>
+      <a:camera prst="orthographicFront"/>
+      <a:lightRig rig="threePt" dir="t"/>
+    </dgm:scene3d>
+    <dgm:sp3d/>
+    <dgm:txPr/>
+    <dgm:style>
+      <a:lnRef idx="0">
+        <a:scrgbClr r="0" g="0" b="0"/>
+      </a:lnRef>
+      <a:fillRef idx="1">
+        <a:scrgbClr r="0" g="0" b="0"/>
+      </a:fillRef>
+      <a:effectRef idx="0">
+        <a:scrgbClr r="0" g="0" b="0"/>
+      </a:effectRef>
+      <a:fontRef idx="minor">
+        <a:schemeClr val="lt1"/>
+      </a:fontRef>
+    </dgm:style>
+  </dgm:styleLbl>
+  <dgm:styleLbl name="sibTrans1D1">
+    <dgm:scene3d>
+      <a:camera prst="orthographicFront"/>
+      <a:lightRig rig="threePt" dir="t"/>
+    </dgm:scene3d>
+    <dgm:sp3d/>
+    <dgm:txPr/>
+    <dgm:style>
+      <a:lnRef idx="1">
+        <a:scrgbClr r="0" g="0" b="0"/>
+      </a:lnRef>
+      <a:fillRef idx="0">
+        <a:scrgbClr r="0" g="0" b="0"/>
+      </a:fillRef>
+      <a:effectRef idx="0">
+        <a:scrgbClr r="0" g="0" b="0"/>
+      </a:effectRef>
+      <a:fontRef idx="minor"/>
+    </dgm:style>
+  </dgm:styleLbl>
+  <dgm:styleLbl name="callout">
+    <dgm:scene3d>
+      <a:camera prst="orthographicFront"/>
+      <a:lightRig rig="threePt" dir="t"/>
+    </dgm:scene3d>
+    <dgm:sp3d/>
+    <dgm:txPr/>
+    <dgm:style>
+      <a:lnRef idx="2">
+        <a:scrgbClr r="0" g="0" b="0"/>
+      </a:lnRef>
+      <a:fillRef idx="1">
+        <a:scrgbClr r="0" g="0" b="0"/>
+      </a:fillRef>
+      <a:effectRef idx="0">
+        <a:scrgbClr r="0" g="0" b="0"/>
+      </a:effectRef>
+      <a:fontRef idx="minor"/>
+    </dgm:style>
+  </dgm:styleLbl>
+  <dgm:styleLbl name="asst0">
+    <dgm:scene3d>
+      <a:camera prst="orthographicFront"/>
+      <a:lightRig rig="threePt" dir="t"/>
+    </dgm:scene3d>
+    <dgm:sp3d/>
+    <dgm:txPr/>
+    <dgm:style>
+      <a:lnRef idx="2">
+        <a:scrgbClr r="0" g="0" b="0"/>
+      </a:lnRef>
+      <a:fillRef idx="1">
+        <a:scrgbClr r="0" g="0" b="0"/>
+      </a:fillRef>
+      <a:effectRef idx="0">
+        <a:scrgbClr r="0" g="0" b="0"/>
+      </a:effectRef>
+      <a:fontRef idx="minor">
+        <a:schemeClr val="lt1"/>
+      </a:fontRef>
+    </dgm:style>
+  </dgm:styleLbl>
+  <dgm:styleLbl name="asst1">
+    <dgm:scene3d>
+      <a:camera prst="orthographicFront"/>
+      <a:lightRig rig="threePt" dir="t"/>
+    </dgm:scene3d>
+    <dgm:sp3d/>
+    <dgm:txPr/>
+    <dgm:style>
+      <a:lnRef idx="2">
+        <a:scrgbClr r="0" g="0" b="0"/>
+      </a:lnRef>
+      <a:fillRef idx="1">
+        <a:scrgbClr r="0" g="0" b="0"/>
+      </a:fillRef>
+      <a:effectRef idx="0">
+        <a:scrgbClr r="0" g="0" b="0"/>
+      </a:effectRef>
+      <a:fontRef idx="minor">
+        <a:schemeClr val="lt1"/>
+      </a:fontRef>
+    </dgm:style>
+  </dgm:styleLbl>
+  <dgm:styleLbl name="asst2">
+    <dgm:scene3d>
+      <a:camera prst="orthographicFront"/>
+      <a:lightRig rig="threePt" dir="t"/>
+    </dgm:scene3d>
+    <dgm:sp3d/>
+    <dgm:txPr/>
+    <dgm:style>
+      <a:lnRef idx="2">
+        <a:scrgbClr r="0" g="0" b="0"/>
+      </a:lnRef>
+      <a:fillRef idx="1">
+        <a:scrgbClr r="0" g="0" b="0"/>
+      </a:fillRef>
+      <a:effectRef idx="0">
+        <a:scrgbClr r="0" g="0" b="0"/>
+      </a:effectRef>
+      <a:fontRef idx="minor">
+        <a:schemeClr val="lt1"/>
+      </a:fontRef>
+    </dgm:style>
+  </dgm:styleLbl>
+  <dgm:styleLbl name="asst3">
+    <dgm:scene3d>
+      <a:camera prst="orthographicFront"/>
+      <a:lightRig rig="threePt" dir="t"/>
+    </dgm:scene3d>
+    <dgm:sp3d/>
+    <dgm:txPr/>
+    <dgm:style>
+      <a:lnRef idx="2">
+        <a:scrgbClr r="0" g="0" b="0"/>
+      </a:lnRef>
+      <a:fillRef idx="1">
+        <a:scrgbClr r="0" g="0" b="0"/>
+      </a:fillRef>
+      <a:effectRef idx="0">
+        <a:scrgbClr r="0" g="0" b="0"/>
+      </a:effectRef>
+      <a:fontRef idx="minor">
+        <a:schemeClr val="lt1"/>
+      </a:fontRef>
+    </dgm:style>
+  </dgm:styleLbl>
+  <dgm:styleLbl name="asst4">
+    <dgm:scene3d>
+      <a:camera prst="orthographicFront"/>
+      <a:lightRig rig="threePt" dir="t"/>
+    </dgm:scene3d>
+    <dgm:sp3d/>
+    <dgm:txPr/>
+    <dgm:style>
+      <a:lnRef idx="2">
+        <a:scrgbClr r="0" g="0" b="0"/>
+      </a:lnRef>
+      <a:fillRef idx="1">
+        <a:scrgbClr r="0" g="0" b="0"/>
+      </a:fillRef>
+      <a:effectRef idx="0">
+        <a:scrgbClr r="0" g="0" b="0"/>
+      </a:effectRef>
+      <a:fontRef idx="minor">
+        <a:schemeClr val="lt1"/>
+      </a:fontRef>
+    </dgm:style>
+  </dgm:styleLbl>
+  <dgm:styleLbl name="parChTrans2D1">
+    <dgm:scene3d>
+      <a:camera prst="orthographicFront"/>
+      <a:lightRig rig="threePt" dir="t"/>
+    </dgm:scene3d>
+    <dgm:sp3d/>
+    <dgm:txPr/>
+    <dgm:style>
+      <a:lnRef idx="2">
+        <a:scrgbClr r="0" g="0" b="0"/>
+      </a:lnRef>
+      <a:fillRef idx="1">
+        <a:scrgbClr r="0" g="0" b="0"/>
+      </a:fillRef>
+      <a:effectRef idx="0">
+        <a:scrgbClr r="0" g="0" b="0"/>
+      </a:effectRef>
+      <a:fontRef idx="minor">
+        <a:schemeClr val="lt1"/>
+      </a:fontRef>
+    </dgm:style>
+  </dgm:styleLbl>
+  <dgm:styleLbl name="parChTrans2D2">
+    <dgm:scene3d>
+      <a:camera prst="orthographicFront"/>
+      <a:lightRig rig="threePt" dir="t"/>
+    </dgm:scene3d>
+    <dgm:sp3d/>
+    <dgm:txPr/>
+    <dgm:style>
+      <a:lnRef idx="2">
+        <a:scrgbClr r="0" g="0" b="0"/>
+      </a:lnRef>
+      <a:fillRef idx="1">
+        <a:scrgbClr r="0" g="0" b="0"/>
+      </a:fillRef>
+      <a:effectRef idx="0">
+        <a:scrgbClr r="0" g="0" b="0"/>
+      </a:effectRef>
+      <a:fontRef idx="minor">
+        <a:schemeClr val="lt1"/>
+      </a:fontRef>
+    </dgm:style>
+  </dgm:styleLbl>
+  <dgm:styleLbl name="parChTrans2D3">
+    <dgm:scene3d>
+      <a:camera prst="orthographicFront"/>
+      <a:lightRig rig="threePt" dir="t"/>
+    </dgm:scene3d>
+    <dgm:sp3d/>
+    <dgm:txPr/>
+    <dgm:style>
+      <a:lnRef idx="2">
+        <a:scrgbClr r="0" g="0" b="0"/>
+      </a:lnRef>
+      <a:fillRef idx="1">
+        <a:scrgbClr r="0" g="0" b="0"/>
+      </a:fillRef>
+      <a:effectRef idx="0">
+        <a:scrgbClr r="0" g="0" b="0"/>
+      </a:effectRef>
+      <a:fontRef idx="minor">
+        <a:schemeClr val="lt1"/>
+      </a:fontRef>
+    </dgm:style>
+  </dgm:styleLbl>
+  <dgm:styleLbl name="parChTrans2D4">
+    <dgm:scene3d>
+      <a:camera prst="orthographicFront"/>
+      <a:lightRig rig="threePt" dir="t"/>
+    </dgm:scene3d>
+    <dgm:sp3d/>
+    <dgm:txPr/>
+    <dgm:style>
+      <a:lnRef idx="2">
+        <a:scrgbClr r="0" g="0" b="0"/>
+      </a:lnRef>
+      <a:fillRef idx="1">
+        <a:scrgbClr r="0" g="0" b="0"/>
+      </a:fillRef>
+      <a:effectRef idx="0">
+        <a:scrgbClr r="0" g="0" b="0"/>
+      </a:effectRef>
+      <a:fontRef idx="minor">
+        <a:schemeClr val="lt1"/>
+      </a:fontRef>
+    </dgm:style>
+  </dgm:styleLbl>
+  <dgm:styleLbl name="parChTrans1D1">
+    <dgm:scene3d>
+      <a:camera prst="orthographicFront"/>
+      <a:lightRig rig="threePt" dir="t"/>
+    </dgm:scene3d>
+    <dgm:sp3d/>
+    <dgm:txPr/>
+    <dgm:style>
+      <a:lnRef idx="2">
+        <a:scrgbClr r="0" g="0" b="0"/>
+      </a:lnRef>
+      <a:fillRef idx="0">
+        <a:scrgbClr r="0" g="0" b="0"/>
+      </a:fillRef>
+      <a:effectRef idx="0">
+        <a:scrgbClr r="0" g="0" b="0"/>
+      </a:effectRef>
+      <a:fontRef idx="minor"/>
+    </dgm:style>
+  </dgm:styleLbl>
+  <dgm:styleLbl name="parChTrans1D2">
+    <dgm:scene3d>
+      <a:camera prst="orthographicFront"/>
+      <a:lightRig rig="threePt" dir="t"/>
+    </dgm:scene3d>
+    <dgm:sp3d/>
+    <dgm:txPr/>
+    <dgm:style>
+      <a:lnRef idx="2">
+        <a:scrgbClr r="0" g="0" b="0"/>
+      </a:lnRef>
+      <a:fillRef idx="0">
+        <a:scrgbClr r="0" g="0" b="0"/>
+      </a:fillRef>
+      <a:effectRef idx="0">
+        <a:scrgbClr r="0" g="0" b="0"/>
+      </a:effectRef>
+      <a:fontRef idx="minor"/>
+    </dgm:style>
+  </dgm:styleLbl>
+  <dgm:styleLbl name="parChTrans1D3">
+    <dgm:scene3d>
+      <a:camera prst="orthographicFront"/>
+      <a:lightRig rig="threePt" dir="t"/>
+    </dgm:scene3d>
+    <dgm:sp3d/>
+    <dgm:txPr/>
+    <dgm:style>
+      <a:lnRef idx="2">
+        <a:scrgbClr r="0" g="0" b="0"/>
+      </a:lnRef>
+      <a:fillRef idx="0">
+        <a:scrgbClr r="0" g="0" b="0"/>
+      </a:fillRef>
+      <a:effectRef idx="0">
+        <a:scrgbClr r="0" g="0" b="0"/>
+      </a:effectRef>
+      <a:fontRef idx="minor"/>
+    </dgm:style>
+  </dgm:styleLbl>
+  <dgm:styleLbl name="parChTrans1D4">
+    <dgm:scene3d>
+      <a:camera prst="orthographicFront"/>
+      <a:lightRig rig="threePt" dir="t"/>
+    </dgm:scene3d>
+    <dgm:sp3d/>
+    <dgm:txPr/>
+    <dgm:style>
+      <a:lnRef idx="2">
+        <a:scrgbClr r="0" g="0" b="0"/>
+      </a:lnRef>
+      <a:fillRef idx="0">
+        <a:scrgbClr r="0" g="0" b="0"/>
+      </a:fillRef>
+      <a:effectRef idx="0">
+        <a:scrgbClr r="0" g="0" b="0"/>
+      </a:effectRef>
+      <a:fontRef idx="minor"/>
+    </dgm:style>
+  </dgm:styleLbl>
+  <dgm:styleLbl name="fgAcc1">
+    <dgm:scene3d>
+      <a:camera prst="orthographicFront"/>
+      <a:lightRig rig="threePt" dir="t"/>
+    </dgm:scene3d>
+    <dgm:sp3d/>
+    <dgm:txPr/>
+    <dgm:style>
+      <a:lnRef idx="2">
+        <a:scrgbClr r="0" g="0" b="0"/>
+      </a:lnRef>
+      <a:fillRef idx="1">
+        <a:scrgbClr r="0" g="0" b="0"/>
+      </a:fillRef>
+      <a:effectRef idx="0">
+        <a:scrgbClr r="0" g="0" b="0"/>
+      </a:effectRef>
+      <a:fontRef idx="minor"/>
+    </dgm:style>
+  </dgm:styleLbl>
+  <dgm:styleLbl name="conFgAcc1">
+    <dgm:scene3d>
+      <a:camera prst="orthographicFront"/>
+      <a:lightRig rig="threePt" dir="t"/>
+    </dgm:scene3d>
+    <dgm:sp3d/>
+    <dgm:txPr/>
+    <dgm:style>
+      <a:lnRef idx="2">
+        <a:scrgbClr r="0" g="0" b="0"/>
+      </a:lnRef>
+      <a:fillRef idx="1">
+        <a:scrgbClr r="0" g="0" b="0"/>
+      </a:fillRef>
+      <a:effectRef idx="0">
+        <a:scrgbClr r="0" g="0" b="0"/>
+      </a:effectRef>
+      <a:fontRef idx="minor"/>
+    </dgm:style>
+  </dgm:styleLbl>
+  <dgm:styleLbl name="alignAcc1">
+    <dgm:scene3d>
+      <a:camera prst="orthographicFront"/>
+      <a:lightRig rig="threePt" dir="t"/>
+    </dgm:scene3d>
+    <dgm:sp3d/>
+    <dgm:txPr/>
+    <dgm:style>
+      <a:lnRef idx="2">
+        <a:scrgbClr r="0" g="0" b="0"/>
+      </a:lnRef>
+      <a:fillRef idx="1">
+        <a:scrgbClr r="0" g="0" b="0"/>
+      </a:fillRef>
+      <a:effectRef idx="0">
+        <a:scrgbClr r="0" g="0" b="0"/>
+      </a:effectRef>
+      <a:fontRef idx="minor"/>
+    </dgm:style>
+  </dgm:styleLbl>
+  <dgm:styleLbl name="trAlignAcc1">
+    <dgm:scene3d>
+      <a:camera prst="orthographicFront"/>
+      <a:lightRig rig="threePt" dir="t"/>
+    </dgm:scene3d>
+    <dgm:sp3d/>
+    <dgm:txPr/>
+    <dgm:style>
+      <a:lnRef idx="1">
+        <a:scrgbClr r="0" g="0" b="0"/>
+      </a:lnRef>
+      <a:fillRef idx="1">
+        <a:scrgbClr r="0" g="0" b="0"/>
+      </a:fillRef>
+      <a:effectRef idx="0">
+        <a:scrgbClr r="0" g="0" b="0"/>
+      </a:effectRef>
+      <a:fontRef idx="minor"/>
+    </dgm:style>
+  </dgm:styleLbl>
+  <dgm:styleLbl name="bgAcc1">
+    <dgm:scene3d>
+      <a:camera prst="orthographicFront"/>
+      <a:lightRig rig="threePt" dir="t"/>
+    </dgm:scene3d>
+    <dgm:sp3d/>
+    <dgm:txPr/>
+    <dgm:style>
+      <a:lnRef idx="2">
+        <a:scrgbClr r="0" g="0" b="0"/>
+      </a:lnRef>
+      <a:fillRef idx="1">
+        <a:scrgbClr r="0" g="0" b="0"/>
+      </a:fillRef>
+      <a:effectRef idx="0">
+        <a:scrgbClr r="0" g="0" b="0"/>
+      </a:effectRef>
+      <a:fontRef idx="minor"/>
+    </dgm:style>
+  </dgm:styleLbl>
+  <dgm:styleLbl name="solidFgAcc1">
+    <dgm:scene3d>
+      <a:camera prst="orthographicFront"/>
+      <a:lightRig rig="threePt" dir="t"/>
+    </dgm:scene3d>
+    <dgm:sp3d/>
+    <dgm:txPr/>
+    <dgm:style>
+      <a:lnRef idx="2">
+        <a:scrgbClr r="0" g="0" b="0"/>
+      </a:lnRef>
+      <a:fillRef idx="1">
+        <a:scrgbClr r="0" g="0" b="0"/>
+      </a:fillRef>
+      <a:effectRef idx="0">
+        <a:scrgbClr r="0" g="0" b="0"/>
+      </a:effectRef>
+      <a:fontRef idx="minor"/>
+    </dgm:style>
+  </dgm:styleLbl>
+  <dgm:styleLbl name="solidAlignAcc1">
+    <dgm:scene3d>
+      <a:camera prst="orthographicFront"/>
+      <a:lightRig rig="threePt" dir="t"/>
+    </dgm:scene3d>
+    <dgm:sp3d/>
+    <dgm:txPr/>
+    <dgm:style>
+      <a:lnRef idx="2">
+        <a:scrgbClr r="0" g="0" b="0"/>
+      </a:lnRef>
+      <a:fillRef idx="1">
+        <a:scrgbClr r="0" g="0" b="0"/>
+      </a:fillRef>
+      <a:effectRef idx="0">
+        <a:scrgbClr r="0" g="0" b="0"/>
+      </a:effectRef>
+      <a:fontRef idx="minor"/>
+    </dgm:style>
+  </dgm:styleLbl>
+  <dgm:styleLbl name="solidBgAcc1">
+    <dgm:scene3d>
+      <a:camera prst="orthographicFront"/>
+      <a:lightRig rig="threePt" dir="t"/>
+    </dgm:scene3d>
+    <dgm:sp3d/>
+    <dgm:txPr/>
+    <dgm:style>
+      <a:lnRef idx="2">
+        <a:scrgbClr r="0" g="0" b="0"/>
+      </a:lnRef>
+      <a:fillRef idx="1">
+        <a:scrgbClr r="0" g="0" b="0"/>
+      </a:fillRef>
+      <a:effectRef idx="0">
+        <a:scrgbClr r="0" g="0" b="0"/>
+      </a:effectRef>
+      <a:fontRef idx="minor"/>
+    </dgm:style>
+  </dgm:styleLbl>
+  <dgm:styleLbl name="fgAccFollowNode1">
+    <dgm:scene3d>
+      <a:camera prst="orthographicFront"/>
+      <a:lightRig rig="threePt" dir="t"/>
+    </dgm:scene3d>
+    <dgm:sp3d/>
+    <dgm:txPr/>
+    <dgm:style>
+      <a:lnRef idx="2">
+        <a:scrgbClr r="0" g="0" b="0"/>
+      </a:lnRef>
+      <a:fillRef idx="1">
+        <a:scrgbClr r="0" g="0" b="0"/>
+      </a:fillRef>
+      <a:effectRef idx="0">
+        <a:scrgbClr r="0" g="0" b="0"/>
+      </a:effectRef>
+      <a:fontRef idx="minor"/>
+    </dgm:style>
+  </dgm:styleLbl>
+  <dgm:styleLbl name="alignAccFollowNode1">
+    <dgm:scene3d>
+      <a:camera prst="orthographicFront"/>
+      <a:lightRig rig="threePt" dir="t"/>
+    </dgm:scene3d>
+    <dgm:sp3d/>
+    <dgm:txPr/>
+    <dgm:style>
+      <a:lnRef idx="2">
+        <a:scrgbClr r="0" g="0" b="0"/>
+      </a:lnRef>
+      <a:fillRef idx="1">
+        <a:scrgbClr r="0" g="0" b="0"/>
+      </a:fillRef>
+      <a:effectRef idx="0">
+        <a:scrgbClr r="0" g="0" b="0"/>
+      </a:effectRef>
+      <a:fontRef idx="minor"/>
+    </dgm:style>
+  </dgm:styleLbl>
+  <dgm:styleLbl name="bgAccFollowNode1">
+    <dgm:scene3d>
+      <a:camera prst="orthographicFront"/>
+      <a:lightRig rig="threePt" dir="t"/>
+    </dgm:scene3d>
+    <dgm:sp3d/>
+    <dgm:txPr/>
+    <dgm:style>
+      <a:lnRef idx="2">
+        <a:scrgbClr r="0" g="0" b="0"/>
+      </a:lnRef>
+      <a:fillRef idx="1">
+        <a:scrgbClr r="0" g="0" b="0"/>
+      </a:fillRef>
+      <a:effectRef idx="0">
+        <a:scrgbClr r="0" g="0" b="0"/>
+      </a:effectRef>
+      <a:fontRef idx="minor"/>
+    </dgm:style>
+  </dgm:styleLbl>
+  <dgm:styleLbl name="fgAcc0">
+    <dgm:scene3d>
+      <a:camera prst="orthographicFront"/>
+      <a:lightRig rig="threePt" dir="t"/>
+    </dgm:scene3d>
+    <dgm:sp3d/>
+    <dgm:txPr/>
+    <dgm:style>
+      <a:lnRef idx="2">
+        <a:scrgbClr r="0" g="0" b="0"/>
+      </a:lnRef>
+      <a:fillRef idx="1">
+        <a:scrgbClr r="0" g="0" b="0"/>
+      </a:fillRef>
+      <a:effectRef idx="0">
+        <a:scrgbClr r="0" g="0" b="0"/>
+      </a:effectRef>
+      <a:fontRef idx="minor"/>
+    </dgm:style>
+  </dgm:styleLbl>
+  <dgm:styleLbl name="fgAcc2">
+    <dgm:scene3d>
+      <a:camera prst="orthographicFront"/>
+      <a:lightRig rig="threePt" dir="t"/>
+    </dgm:scene3d>
+    <dgm:sp3d/>
+    <dgm:txPr/>
+    <dgm:style>
+      <a:lnRef idx="2">
+        <a:scrgbClr r="0" g="0" b="0"/>
+      </a:lnRef>
+      <a:fillRef idx="1">
+        <a:scrgbClr r="0" g="0" b="0"/>
+      </a:fillRef>
+      <a:effectRef idx="0">
+        <a:scrgbClr r="0" g="0" b="0"/>
+      </a:effectRef>
+      <a:fontRef idx="minor"/>
+    </dgm:style>
+  </dgm:styleLbl>
+  <dgm:styleLbl name="fgAcc3">
+    <dgm:scene3d>
+      <a:camera prst="orthographicFront"/>
+      <a:lightRig rig="threePt" dir="t"/>
+    </dgm:scene3d>
+    <dgm:sp3d/>
+    <dgm:txPr/>
+    <dgm:style>
+      <a:lnRef idx="2">
+        <a:scrgbClr r="0" g="0" b="0"/>
+      </a:lnRef>
+      <a:fillRef idx="1">
+        <a:scrgbClr r="0" g="0" b="0"/>
+      </a:fillRef>
+      <a:effectRef idx="0">
+        <a:scrgbClr r="0" g="0" b="0"/>
+      </a:effectRef>
+      <a:fontRef idx="minor"/>
+    </dgm:style>
+  </dgm:styleLbl>
+  <dgm:styleLbl name="fgAcc4">
+    <dgm:scene3d>
+      <a:camera prst="orthographicFront"/>
+      <a:lightRig rig="threePt" dir="t"/>
+    </dgm:scene3d>
+    <dgm:sp3d/>
+    <dgm:txPr/>
+    <dgm:style>
+      <a:lnRef idx="2">
+        <a:scrgbClr r="0" g="0" b="0"/>
+      </a:lnRef>
+      <a:fillRef idx="1">
+        <a:scrgbClr r="0" g="0" b="0"/>
+      </a:fillRef>
+      <a:effectRef idx="0">
+        <a:scrgbClr r="0" g="0" b="0"/>
+      </a:effectRef>
+      <a:fontRef idx="minor"/>
+    </dgm:style>
+  </dgm:styleLbl>
+  <dgm:styleLbl name="bgShp">
+    <dgm:scene3d>
+      <a:camera prst="orthographicFront"/>
+      <a:lightRig rig="threePt" dir="t"/>
+    </dgm:scene3d>
+    <dgm:sp3d/>
+    <dgm:txPr/>
+    <dgm:style>
+      <a:lnRef idx="0">
+        <a:scrgbClr r="0" g="0" b="0"/>
+      </a:lnRef>
+      <a:fillRef idx="1">
+        <a:scrgbClr r="0" g="0" b="0"/>
+      </a:fillRef>
+      <a:effectRef idx="0">
+        <a:scrgbClr r="0" g="0" b="0"/>
+      </a:effectRef>
+      <a:fontRef idx="minor"/>
+    </dgm:style>
+  </dgm:styleLbl>
+  <dgm:styleLbl name="dkBgShp">
+    <dgm:scene3d>
+      <a:camera prst="orthographicFront"/>
+      <a:lightRig rig="threePt" dir="t"/>
+    </dgm:scene3d>
+    <dgm:sp3d/>
+    <dgm:txPr/>
+    <dgm:style>
+      <a:lnRef idx="0">
+        <a:scrgbClr r="0" g="0" b="0"/>
+      </a:lnRef>
+      <a:fillRef idx="1">
+        <a:scrgbClr r="0" g="0" b="0"/>
+      </a:fillRef>
+      <a:effectRef idx="0">
+        <a:scrgbClr r="0" g="0" b="0"/>
+      </a:effectRef>
+      <a:fontRef idx="minor"/>
+    </dgm:style>
+  </dgm:styleLbl>
+  <dgm:styleLbl name="trBgShp">
+    <dgm:scene3d>
+      <a:camera prst="orthographicFront"/>
+      <a:lightRig rig="threePt" dir="t"/>
+    </dgm:scene3d>
+    <dgm:sp3d/>
+    <dgm:txPr/>
+    <dgm:style>
+      <a:lnRef idx="0">
+        <a:scrgbClr r="0" g="0" b="0"/>
+      </a:lnRef>
+      <a:fillRef idx="1">
+        <a:scrgbClr r="0" g="0" b="0"/>
+      </a:fillRef>
+      <a:effectRef idx="0">
+        <a:scrgbClr r="0" g="0" b="0"/>
+      </a:effectRef>
+      <a:fontRef idx="minor"/>
+    </dgm:style>
+  </dgm:styleLbl>
+  <dgm:styleLbl name="fgShp">
+    <dgm:scene3d>
+      <a:camera prst="orthographicFront"/>
+      <a:lightRig rig="threePt" dir="t"/>
+    </dgm:scene3d>
+    <dgm:sp3d/>
+    <dgm:txPr/>
+    <dgm:style>
+      <a:lnRef idx="2">
+        <a:scrgbClr r="0" g="0" b="0"/>
+      </a:lnRef>
+      <a:fillRef idx="1">
+        <a:scrgbClr r="0" g="0" b="0"/>
+      </a:fillRef>
+      <a:effectRef idx="0">
+        <a:scrgbClr r="0" g="0" b="0"/>
+      </a:effectRef>
+      <a:fontRef idx="minor"/>
+    </dgm:style>
+  </dgm:styleLbl>
+  <dgm:styleLbl name="revTx">
+    <dgm:scene3d>
+      <a:camera prst="orthographicFront"/>
+      <a:lightRig rig="threePt" dir="t"/>
+    </dgm:scene3d>
+    <dgm:sp3d/>
+    <dgm:txPr/>
+    <dgm:style>
+      <a:lnRef idx="0">
+        <a:scrgbClr r="0" g="0" b="0"/>
+      </a:lnRef>
+      <a:fillRef idx="0">
+        <a:scrgbClr r="0" g="0" b="0"/>
+      </a:fillRef>
+      <a:effectRef idx="0">
+        <a:scrgbClr r="0" g="0" b="0"/>
+      </a:effectRef>
+      <a:fontRef idx="minor"/>
+    </dgm:style>
+  </dgm:styleLbl>
+</dgm:styleDef>
+</file>
+
+<file path=ppt/diagrams/quickStyle2.xml><?xml version="1.0" encoding="utf-8"?>
+<dgm:styleDef xmlns:dgm="http://schemas.openxmlformats.org/drawingml/2006/diagram" xmlns:a="http://schemas.openxmlformats.org/drawingml/2006/main" uniqueId="urn:microsoft.com/office/officeart/2005/8/quickstyle/simple1">
+  <dgm:title val=""/>
+  <dgm:desc val=""/>
+  <dgm:catLst>
+    <dgm:cat type="simple" pri="10100"/>
+  </dgm:catLst>
+  <dgm:scene3d>
+    <a:camera prst="orthographicFront"/>
+    <a:lightRig rig="threePt" dir="t"/>
+  </dgm:scene3d>
+  <dgm:styleLbl name="node0">
+    <dgm:scene3d>
+      <a:camera prst="orthographicFront"/>
+      <a:lightRig rig="threePt" dir="t"/>
+    </dgm:scene3d>
+    <dgm:sp3d/>
+    <dgm:txPr/>
+    <dgm:style>
+      <a:lnRef idx="2">
+        <a:scrgbClr r="0" g="0" b="0"/>
+      </a:lnRef>
+      <a:fillRef idx="1">
+        <a:scrgbClr r="0" g="0" b="0"/>
+      </a:fillRef>
+      <a:effectRef idx="0">
+        <a:scrgbClr r="0" g="0" b="0"/>
+      </a:effectRef>
+      <a:fontRef idx="minor">
+        <a:schemeClr val="lt1"/>
+      </a:fontRef>
+    </dgm:style>
+  </dgm:styleLbl>
+  <dgm:styleLbl name="lnNode1">
+    <dgm:scene3d>
+      <a:camera prst="orthographicFront"/>
+      <a:lightRig rig="threePt" dir="t"/>
+    </dgm:scene3d>
+    <dgm:sp3d/>
+    <dgm:txPr/>
+    <dgm:style>
+      <a:lnRef idx="2">
+        <a:scrgbClr r="0" g="0" b="0"/>
+      </a:lnRef>
+      <a:fillRef idx="1">
+        <a:scrgbClr r="0" g="0" b="0"/>
+      </a:fillRef>
+      <a:effectRef idx="0">
+        <a:scrgbClr r="0" g="0" b="0"/>
+      </a:effectRef>
+      <a:fontRef idx="minor">
+        <a:schemeClr val="lt1"/>
+      </a:fontRef>
+    </dgm:style>
+  </dgm:styleLbl>
+  <dgm:styleLbl name="vennNode1">
+    <dgm:scene3d>
+      <a:camera prst="orthographicFront"/>
+      <a:lightRig rig="threePt" dir="t"/>
+    </dgm:scene3d>
+    <dgm:sp3d/>
+    <dgm:txPr/>
+    <dgm:style>
+      <a:lnRef idx="2">
+        <a:scrgbClr r="0" g="0" b="0"/>
+      </a:lnRef>
+      <a:fillRef idx="1">
+        <a:scrgbClr r="0" g="0" b="0"/>
+      </a:fillRef>
+      <a:effectRef idx="0">
+        <a:scrgbClr r="0" g="0" b="0"/>
+      </a:effectRef>
+      <a:fontRef idx="minor">
+        <a:schemeClr val="tx1"/>
+      </a:fontRef>
+    </dgm:style>
+  </dgm:styleLbl>
+  <dgm:styleLbl name="alignNode1">
+    <dgm:scene3d>
+      <a:camera prst="orthographicFront"/>
+      <a:lightRig rig="threePt" dir="t"/>
+    </dgm:scene3d>
+    <dgm:sp3d/>
+    <dgm:txPr/>
+    <dgm:style>
+      <a:lnRef idx="2">
+        <a:scrgbClr r="0" g="0" b="0"/>
+      </a:lnRef>
+      <a:fillRef idx="1">
+        <a:scrgbClr r="0" g="0" b="0"/>
+      </a:fillRef>
+      <a:effectRef idx="0">
+        <a:scrgbClr r="0" g="0" b="0"/>
+      </a:effectRef>
+      <a:fontRef idx="minor">
+        <a:schemeClr val="lt1"/>
+      </a:fontRef>
+    </dgm:style>
+  </dgm:styleLbl>
+  <dgm:styleLbl name="node1">
+    <dgm:scene3d>
+      <a:camera prst="orthographicFront"/>
+      <a:lightRig rig="threePt" dir="t"/>
+    </dgm:scene3d>
+    <dgm:sp3d/>
+    <dgm:txPr/>
+    <dgm:style>
+      <a:lnRef idx="2">
+        <a:scrgbClr r="0" g="0" b="0"/>
+      </a:lnRef>
+      <a:fillRef idx="1">
+        <a:scrgbClr r="0" g="0" b="0"/>
+      </a:fillRef>
+      <a:effectRef idx="0">
+        <a:scrgbClr r="0" g="0" b="0"/>
+      </a:effectRef>
+      <a:fontRef idx="minor">
+        <a:schemeClr val="lt1"/>
+      </a:fontRef>
+    </dgm:style>
+  </dgm:styleLbl>
+  <dgm:styleLbl name="node2">
+    <dgm:scene3d>
+      <a:camera prst="orthographicFront"/>
+      <a:lightRig rig="threePt" dir="t"/>
+    </dgm:scene3d>
+    <dgm:sp3d/>
+    <dgm:txPr/>
+    <dgm:style>
+      <a:lnRef idx="2">
+        <a:scrgbClr r="0" g="0" b="0"/>
+      </a:lnRef>
+      <a:fillRef idx="1">
+        <a:scrgbClr r="0" g="0" b="0"/>
+      </a:fillRef>
+      <a:effectRef idx="0">
+        <a:scrgbClr r="0" g="0" b="0"/>
+      </a:effectRef>
+      <a:fontRef idx="minor">
+        <a:schemeClr val="lt1"/>
+      </a:fontRef>
+    </dgm:style>
+  </dgm:styleLbl>
+  <dgm:styleLbl name="node3">
+    <dgm:scene3d>
+      <a:camera prst="orthographicFront"/>
+      <a:lightRig rig="threePt" dir="t"/>
+    </dgm:scene3d>
+    <dgm:sp3d/>
+    <dgm:txPr/>
+    <dgm:style>
+      <a:lnRef idx="2">
+        <a:scrgbClr r="0" g="0" b="0"/>
+      </a:lnRef>
+      <a:fillRef idx="1">
+        <a:scrgbClr r="0" g="0" b="0"/>
+      </a:fillRef>
+      <a:effectRef idx="0">
+        <a:scrgbClr r="0" g="0" b="0"/>
+      </a:effectRef>
+      <a:fontRef idx="minor">
+        <a:schemeClr val="lt1"/>
+      </a:fontRef>
+    </dgm:style>
+  </dgm:styleLbl>
+  <dgm:styleLbl name="node4">
+    <dgm:scene3d>
+      <a:camera prst="orthographicFront"/>
+      <a:lightRig rig="threePt" dir="t"/>
+    </dgm:scene3d>
+    <dgm:sp3d/>
+    <dgm:txPr/>
+    <dgm:style>
+      <a:lnRef idx="2">
+        <a:scrgbClr r="0" g="0" b="0"/>
+      </a:lnRef>
+      <a:fillRef idx="1">
+        <a:scrgbClr r="0" g="0" b="0"/>
+      </a:fillRef>
+      <a:effectRef idx="0">
+        <a:scrgbClr r="0" g="0" b="0"/>
+      </a:effectRef>
+      <a:fontRef idx="minor">
+        <a:schemeClr val="lt1"/>
+      </a:fontRef>
+    </dgm:style>
+  </dgm:styleLbl>
+  <dgm:styleLbl name="fgImgPlace1">
+    <dgm:scene3d>
+      <a:camera prst="orthographicFront"/>
+      <a:lightRig rig="threePt" dir="t"/>
+    </dgm:scene3d>
+    <dgm:sp3d/>
+    <dgm:txPr/>
+    <dgm:style>
+      <a:lnRef idx="2">
+        <a:scrgbClr r="0" g="0" b="0"/>
+      </a:lnRef>
+      <a:fillRef idx="1">
+        <a:scrgbClr r="0" g="0" b="0"/>
+      </a:fillRef>
+      <a:effectRef idx="0">
+        <a:scrgbClr r="0" g="0" b="0"/>
+      </a:effectRef>
+      <a:fontRef idx="minor"/>
+    </dgm:style>
+  </dgm:styleLbl>
+  <dgm:styleLbl name="alignImgPlace1">
+    <dgm:scene3d>
+      <a:camera prst="orthographicFront"/>
+      <a:lightRig rig="threePt" dir="t"/>
+    </dgm:scene3d>
+    <dgm:sp3d/>
+    <dgm:txPr/>
+    <dgm:style>
+      <a:lnRef idx="2">
+        <a:scrgbClr r="0" g="0" b="0"/>
+      </a:lnRef>
+      <a:fillRef idx="1">
+        <a:scrgbClr r="0" g="0" b="0"/>
+      </a:fillRef>
+      <a:effectRef idx="0">
+        <a:scrgbClr r="0" g="0" b="0"/>
+      </a:effectRef>
+      <a:fontRef idx="minor"/>
+    </dgm:style>
+  </dgm:styleLbl>
+  <dgm:styleLbl name="bgImgPlace1">
+    <dgm:scene3d>
+      <a:camera prst="orthographicFront"/>
+      <a:lightRig rig="threePt" dir="t"/>
+    </dgm:scene3d>
+    <dgm:sp3d/>
+    <dgm:txPr/>
+    <dgm:style>
+      <a:lnRef idx="2">
+        <a:scrgbClr r="0" g="0" b="0"/>
+      </a:lnRef>
+      <a:fillRef idx="1">
+        <a:scrgbClr r="0" g="0" b="0"/>
+      </a:fillRef>
+      <a:effectRef idx="0">
+        <a:scrgbClr r="0" g="0" b="0"/>
+      </a:effectRef>
+      <a:fontRef idx="minor"/>
+    </dgm:style>
+  </dgm:styleLbl>
+  <dgm:styleLbl name="sibTrans2D1">
+    <dgm:scene3d>
+      <a:camera prst="orthographicFront"/>
+      <a:lightRig rig="threePt" dir="t"/>
+    </dgm:scene3d>
+    <dgm:sp3d/>
+    <dgm:txPr/>
+    <dgm:style>
+      <a:lnRef idx="0">
+        <a:scrgbClr r="0" g="0" b="0"/>
+      </a:lnRef>
+      <a:fillRef idx="1">
+        <a:scrgbClr r="0" g="0" b="0"/>
+      </a:fillRef>
+      <a:effectRef idx="0">
+        <a:scrgbClr r="0" g="0" b="0"/>
+      </a:effectRef>
+      <a:fontRef idx="minor">
+        <a:schemeClr val="lt1"/>
+      </a:fontRef>
+    </dgm:style>
+  </dgm:styleLbl>
+  <dgm:styleLbl name="fgSibTrans2D1">
+    <dgm:scene3d>
+      <a:camera prst="orthographicFront"/>
+      <a:lightRig rig="threePt" dir="t"/>
+    </dgm:scene3d>
+    <dgm:sp3d/>
+    <dgm:txPr/>
+    <dgm:style>
+      <a:lnRef idx="0">
+        <a:scrgbClr r="0" g="0" b="0"/>
+      </a:lnRef>
+      <a:fillRef idx="1">
+        <a:scrgbClr r="0" g="0" b="0"/>
+      </a:fillRef>
+      <a:effectRef idx="0">
+        <a:scrgbClr r="0" g="0" b="0"/>
+      </a:effectRef>
+      <a:fontRef idx="minor">
+        <a:schemeClr val="lt1"/>
+      </a:fontRef>
+    </dgm:style>
+  </dgm:styleLbl>
+  <dgm:styleLbl name="bgSibTrans2D1">
+    <dgm:scene3d>
+      <a:camera prst="orthographicFront"/>
+      <a:lightRig rig="threePt" dir="t"/>
+    </dgm:scene3d>
+    <dgm:sp3d/>
+    <dgm:txPr/>
+    <dgm:style>
+      <a:lnRef idx="0">
+        <a:scrgbClr r="0" g="0" b="0"/>
+      </a:lnRef>
+      <a:fillRef idx="1">
+        <a:scrgbClr r="0" g="0" b="0"/>
+      </a:fillRef>
+      <a:effectRef idx="0">
+        <a:scrgbClr r="0" g="0" b="0"/>
+      </a:effectRef>
+      <a:fontRef idx="minor">
+        <a:schemeClr val="lt1"/>
+      </a:fontRef>
+    </dgm:style>
+  </dgm:styleLbl>
+  <dgm:styleLbl name="sibTrans1D1">
+    <dgm:scene3d>
+      <a:camera prst="orthographicFront"/>
+      <a:lightRig rig="threePt" dir="t"/>
+    </dgm:scene3d>
+    <dgm:sp3d/>
+    <dgm:txPr/>
+    <dgm:style>
+      <a:lnRef idx="1">
+        <a:scrgbClr r="0" g="0" b="0"/>
+      </a:lnRef>
+      <a:fillRef idx="0">
+        <a:scrgbClr r="0" g="0" b="0"/>
+      </a:fillRef>
+      <a:effectRef idx="0">
+        <a:scrgbClr r="0" g="0" b="0"/>
+      </a:effectRef>
+      <a:fontRef idx="minor"/>
+    </dgm:style>
+  </dgm:styleLbl>
+  <dgm:styleLbl name="callout">
+    <dgm:scene3d>
+      <a:camera prst="orthographicFront"/>
+      <a:lightRig rig="threePt" dir="t"/>
+    </dgm:scene3d>
+    <dgm:sp3d/>
+    <dgm:txPr/>
+    <dgm:style>
+      <a:lnRef idx="2">
+        <a:scrgbClr r="0" g="0" b="0"/>
+      </a:lnRef>
+      <a:fillRef idx="1">
+        <a:scrgbClr r="0" g="0" b="0"/>
+      </a:fillRef>
+      <a:effectRef idx="0">
+        <a:scrgbClr r="0" g="0" b="0"/>
+      </a:effectRef>
+      <a:fontRef idx="minor"/>
+    </dgm:style>
+  </dgm:styleLbl>
+  <dgm:styleLbl name="asst0">
+    <dgm:scene3d>
+      <a:camera prst="orthographicFront"/>
+      <a:lightRig rig="threePt" dir="t"/>
+    </dgm:scene3d>
+    <dgm:sp3d/>
+    <dgm:txPr/>
+    <dgm:style>
+      <a:lnRef idx="2">
+        <a:scrgbClr r="0" g="0" b="0"/>
+      </a:lnRef>
+      <a:fillRef idx="1">
+        <a:scrgbClr r="0" g="0" b="0"/>
+      </a:fillRef>
+      <a:effectRef idx="0">
+        <a:scrgbClr r="0" g="0" b="0"/>
+      </a:effectRef>
+      <a:fontRef idx="minor">
+        <a:schemeClr val="lt1"/>
+      </a:fontRef>
+    </dgm:style>
+  </dgm:styleLbl>
+  <dgm:styleLbl name="asst1">
+    <dgm:scene3d>
+      <a:camera prst="orthographicFront"/>
+      <a:lightRig rig="threePt" dir="t"/>
+    </dgm:scene3d>
+    <dgm:sp3d/>
+    <dgm:txPr/>
+    <dgm:style>
+      <a:lnRef idx="2">
+        <a:scrgbClr r="0" g="0" b="0"/>
+      </a:lnRef>
+      <a:fillRef idx="1">
+        <a:scrgbClr r="0" g="0" b="0"/>
+      </a:fillRef>
+      <a:effectRef idx="0">
+        <a:scrgbClr r="0" g="0" b="0"/>
+      </a:effectRef>
+      <a:fontRef idx="minor">
+        <a:schemeClr val="lt1"/>
+      </a:fontRef>
+    </dgm:style>
+  </dgm:styleLbl>
+  <dgm:styleLbl name="asst2">
+    <dgm:scene3d>
+      <a:camera prst="orthographicFront"/>
+      <a:lightRig rig="threePt" dir="t"/>
+    </dgm:scene3d>
+    <dgm:sp3d/>
+    <dgm:txPr/>
+    <dgm:style>
+      <a:lnRef idx="2">
+        <a:scrgbClr r="0" g="0" b="0"/>
+      </a:lnRef>
+      <a:fillRef idx="1">
+        <a:scrgbClr r="0" g="0" b="0"/>
+      </a:fillRef>
+      <a:effectRef idx="0">
+        <a:scrgbClr r="0" g="0" b="0"/>
+      </a:effectRef>
+      <a:fontRef idx="minor">
+        <a:schemeClr val="lt1"/>
+      </a:fontRef>
+    </dgm:style>
+  </dgm:styleLbl>
+  <dgm:styleLbl name="asst3">
+    <dgm:scene3d>
+      <a:camera prst="orthographicFront"/>
+      <a:lightRig rig="threePt" dir="t"/>
+    </dgm:scene3d>
+    <dgm:sp3d/>
+    <dgm:txPr/>
+    <dgm:style>
+      <a:lnRef idx="2">
+        <a:scrgbClr r="0" g="0" b="0"/>
+      </a:lnRef>
+      <a:fillRef idx="1">
+        <a:scrgbClr r="0" g="0" b="0"/>
+      </a:fillRef>
+      <a:effectRef idx="0">
+        <a:scrgbClr r="0" g="0" b="0"/>
+      </a:effectRef>
+      <a:fontRef idx="minor">
+        <a:schemeClr val="lt1"/>
+      </a:fontRef>
+    </dgm:style>
+  </dgm:styleLbl>
+  <dgm:styleLbl name="asst4">
+    <dgm:scene3d>
+      <a:camera prst="orthographicFront"/>
+      <a:lightRig rig="threePt" dir="t"/>
+    </dgm:scene3d>
+    <dgm:sp3d/>
+    <dgm:txPr/>
+    <dgm:style>
+      <a:lnRef idx="2">
+        <a:scrgbClr r="0" g="0" b="0"/>
+      </a:lnRef>
+      <a:fillRef idx="1">
+        <a:scrgbClr r="0" g="0" b="0"/>
+      </a:fillRef>
+      <a:effectRef idx="0">
+        <a:scrgbClr r="0" g="0" b="0"/>
+      </a:effectRef>
+      <a:fontRef idx="minor">
+        <a:schemeClr val="lt1"/>
+      </a:fontRef>
+    </dgm:style>
+  </dgm:styleLbl>
+  <dgm:styleLbl name="parChTrans2D1">
+    <dgm:scene3d>
+      <a:camera prst="orthographicFront"/>
+      <a:lightRig rig="threePt" dir="t"/>
+    </dgm:scene3d>
+    <dgm:sp3d/>
+    <dgm:txPr/>
+    <dgm:style>
+      <a:lnRef idx="2">
+        <a:scrgbClr r="0" g="0" b="0"/>
+      </a:lnRef>
+      <a:fillRef idx="1">
+        <a:scrgbClr r="0" g="0" b="0"/>
+      </a:fillRef>
+      <a:effectRef idx="0">
+        <a:scrgbClr r="0" g="0" b="0"/>
+      </a:effectRef>
+      <a:fontRef idx="minor">
+        <a:schemeClr val="lt1"/>
+      </a:fontRef>
+    </dgm:style>
+  </dgm:styleLbl>
+  <dgm:styleLbl name="parChTrans2D2">
+    <dgm:scene3d>
+      <a:camera prst="orthographicFront"/>
+      <a:lightRig rig="threePt" dir="t"/>
+    </dgm:scene3d>
+    <dgm:sp3d/>
+    <dgm:txPr/>
+    <dgm:style>
+      <a:lnRef idx="2">
+        <a:scrgbClr r="0" g="0" b="0"/>
+      </a:lnRef>
+      <a:fillRef idx="1">
+        <a:scrgbClr r="0" g="0" b="0"/>
+      </a:fillRef>
+      <a:effectRef idx="0">
+        <a:scrgbClr r="0" g="0" b="0"/>
+      </a:effectRef>
+      <a:fontRef idx="minor">
+        <a:schemeClr val="lt1"/>
+      </a:fontRef>
+    </dgm:style>
+  </dgm:styleLbl>
+  <dgm:styleLbl name="parChTrans2D3">
+    <dgm:scene3d>
+      <a:camera prst="orthographicFront"/>
+      <a:lightRig rig="threePt" dir="t"/>
+    </dgm:scene3d>
+    <dgm:sp3d/>
+    <dgm:txPr/>
+    <dgm:style>
+      <a:lnRef idx="2">
+        <a:scrgbClr r="0" g="0" b="0"/>
+      </a:lnRef>
+      <a:fillRef idx="1">
+        <a:scrgbClr r="0" g="0" b="0"/>
+      </a:fillRef>
+      <a:effectRef idx="0">
+        <a:scrgbClr r="0" g="0" b="0"/>
+      </a:effectRef>
+      <a:fontRef idx="minor">
+        <a:schemeClr val="lt1"/>
+      </a:fontRef>
+    </dgm:style>
+  </dgm:styleLbl>
+  <dgm:styleLbl name="parChTrans2D4">
+    <dgm:scene3d>
+      <a:camera prst="orthographicFront"/>
+      <a:lightRig rig="threePt" dir="t"/>
+    </dgm:scene3d>
+    <dgm:sp3d/>
+    <dgm:txPr/>
+    <dgm:style>
+      <a:lnRef idx="2">
+        <a:scrgbClr r="0" g="0" b="0"/>
+      </a:lnRef>
+      <a:fillRef idx="1">
+        <a:scrgbClr r="0" g="0" b="0"/>
+      </a:fillRef>
+      <a:effectRef idx="0">
+        <a:scrgbClr r="0" g="0" b="0"/>
+      </a:effectRef>
+      <a:fontRef idx="minor">
+        <a:schemeClr val="lt1"/>
+      </a:fontRef>
+    </dgm:style>
+  </dgm:styleLbl>
+  <dgm:styleLbl name="parChTrans1D1">
+    <dgm:scene3d>
+      <a:camera prst="orthographicFront"/>
+      <a:lightRig rig="threePt" dir="t"/>
+    </dgm:scene3d>
+    <dgm:sp3d/>
+    <dgm:txPr/>
+    <dgm:style>
+      <a:lnRef idx="2">
+        <a:scrgbClr r="0" g="0" b="0"/>
+      </a:lnRef>
+      <a:fillRef idx="0">
+        <a:scrgbClr r="0" g="0" b="0"/>
+      </a:fillRef>
+      <a:effectRef idx="0">
+        <a:scrgbClr r="0" g="0" b="0"/>
+      </a:effectRef>
+      <a:fontRef idx="minor"/>
+    </dgm:style>
+  </dgm:styleLbl>
+  <dgm:styleLbl name="parChTrans1D2">
+    <dgm:scene3d>
+      <a:camera prst="orthographicFront"/>
+      <a:lightRig rig="threePt" dir="t"/>
+    </dgm:scene3d>
+    <dgm:sp3d/>
+    <dgm:txPr/>
+    <dgm:style>
+      <a:lnRef idx="2">
+        <a:scrgbClr r="0" g="0" b="0"/>
+      </a:lnRef>
+      <a:fillRef idx="0">
+        <a:scrgbClr r="0" g="0" b="0"/>
+      </a:fillRef>
+      <a:effectRef idx="0">
+        <a:scrgbClr r="0" g="0" b="0"/>
+      </a:effectRef>
+      <a:fontRef idx="minor"/>
+    </dgm:style>
+  </dgm:styleLbl>
+  <dgm:styleLbl name="parChTrans1D3">
+    <dgm:scene3d>
+      <a:camera prst="orthographicFront"/>
+      <a:lightRig rig="threePt" dir="t"/>
+    </dgm:scene3d>
+    <dgm:sp3d/>
+    <dgm:txPr/>
+    <dgm:style>
+      <a:lnRef idx="2">
+        <a:scrgbClr r="0" g="0" b="0"/>
+      </a:lnRef>
+      <a:fillRef idx="0">
+        <a:scrgbClr r="0" g="0" b="0"/>
+      </a:fillRef>
+      <a:effectRef idx="0">
+        <a:scrgbClr r="0" g="0" b="0"/>
+      </a:effectRef>
+      <a:fontRef idx="minor"/>
+    </dgm:style>
+  </dgm:styleLbl>
+  <dgm:styleLbl name="parChTrans1D4">
+    <dgm:scene3d>
+      <a:camera prst="orthographicFront"/>
+      <a:lightRig rig="threePt" dir="t"/>
+    </dgm:scene3d>
+    <dgm:sp3d/>
+    <dgm:txPr/>
+    <dgm:style>
+      <a:lnRef idx="2">
+        <a:scrgbClr r="0" g="0" b="0"/>
+      </a:lnRef>
+      <a:fillRef idx="0">
+        <a:scrgbClr r="0" g="0" b="0"/>
+      </a:fillRef>
+      <a:effectRef idx="0">
+        <a:scrgbClr r="0" g="0" b="0"/>
+      </a:effectRef>
+      <a:fontRef idx="minor"/>
+    </dgm:style>
+  </dgm:styleLbl>
+  <dgm:styleLbl name="fgAcc1">
+    <dgm:scene3d>
+      <a:camera prst="orthographicFront"/>
+      <a:lightRig rig="threePt" dir="t"/>
+    </dgm:scene3d>
+    <dgm:sp3d/>
+    <dgm:txPr/>
+    <dgm:style>
+      <a:lnRef idx="2">
+        <a:scrgbClr r="0" g="0" b="0"/>
+      </a:lnRef>
+      <a:fillRef idx="1">
+        <a:scrgbClr r="0" g="0" b="0"/>
+      </a:fillRef>
+      <a:effectRef idx="0">
+        <a:scrgbClr r="0" g="0" b="0"/>
+      </a:effectRef>
+      <a:fontRef idx="minor"/>
+    </dgm:style>
+  </dgm:styleLbl>
+  <dgm:styleLbl name="conFgAcc1">
+    <dgm:scene3d>
+      <a:camera prst="orthographicFront"/>
+      <a:lightRig rig="threePt" dir="t"/>
+    </dgm:scene3d>
+    <dgm:sp3d/>
+    <dgm:txPr/>
+    <dgm:style>
+      <a:lnRef idx="2">
+        <a:scrgbClr r="0" g="0" b="0"/>
+      </a:lnRef>
+      <a:fillRef idx="1">
+        <a:scrgbClr r="0" g="0" b="0"/>
+      </a:fillRef>
+      <a:effectRef idx="0">
+        <a:scrgbClr r="0" g="0" b="0"/>
+      </a:effectRef>
+      <a:fontRef idx="minor"/>
+    </dgm:style>
+  </dgm:styleLbl>
+  <dgm:styleLbl name="alignAcc1">
+    <dgm:scene3d>
+      <a:camera prst="orthographicFront"/>
+      <a:lightRig rig="threePt" dir="t"/>
+    </dgm:scene3d>
+    <dgm:sp3d/>
+    <dgm:txPr/>
+    <dgm:style>
+      <a:lnRef idx="2">
+        <a:scrgbClr r="0" g="0" b="0"/>
+      </a:lnRef>
+      <a:fillRef idx="1">
+        <a:scrgbClr r="0" g="0" b="0"/>
+      </a:fillRef>
+      <a:effectRef idx="0">
+        <a:scrgbClr r="0" g="0" b="0"/>
+      </a:effectRef>
+      <a:fontRef idx="minor"/>
+    </dgm:style>
+  </dgm:styleLbl>
+  <dgm:styleLbl name="trAlignAcc1">
+    <dgm:scene3d>
+      <a:camera prst="orthographicFront"/>
+      <a:lightRig rig="threePt" dir="t"/>
+    </dgm:scene3d>
+    <dgm:sp3d/>
+    <dgm:txPr/>
+    <dgm:style>
+      <a:lnRef idx="1">
+        <a:scrgbClr r="0" g="0" b="0"/>
+      </a:lnRef>
+      <a:fillRef idx="1">
+        <a:scrgbClr r="0" g="0" b="0"/>
+      </a:fillRef>
+      <a:effectRef idx="0">
+        <a:scrgbClr r="0" g="0" b="0"/>
+      </a:effectRef>
+      <a:fontRef idx="minor"/>
+    </dgm:style>
+  </dgm:styleLbl>
+  <dgm:styleLbl name="bgAcc1">
+    <dgm:scene3d>
+      <a:camera prst="orthographicFront"/>
+      <a:lightRig rig="threePt" dir="t"/>
+    </dgm:scene3d>
+    <dgm:sp3d/>
+    <dgm:txPr/>
+    <dgm:style>
+      <a:lnRef idx="2">
+        <a:scrgbClr r="0" g="0" b="0"/>
+      </a:lnRef>
+      <a:fillRef idx="1">
+        <a:scrgbClr r="0" g="0" b="0"/>
+      </a:fillRef>
+      <a:effectRef idx="0">
+        <a:scrgbClr r="0" g="0" b="0"/>
+      </a:effectRef>
+      <a:fontRef idx="minor"/>
+    </dgm:style>
+  </dgm:styleLbl>
+  <dgm:styleLbl name="solidFgAcc1">
+    <dgm:scene3d>
+      <a:camera prst="orthographicFront"/>
+      <a:lightRig rig="threePt" dir="t"/>
+    </dgm:scene3d>
+    <dgm:sp3d/>
+    <dgm:txPr/>
+    <dgm:style>
+      <a:lnRef idx="2">
+        <a:scrgbClr r="0" g="0" b="0"/>
+      </a:lnRef>
+      <a:fillRef idx="1">
+        <a:scrgbClr r="0" g="0" b="0"/>
+      </a:fillRef>
+      <a:effectRef idx="0">
+        <a:scrgbClr r="0" g="0" b="0"/>
+      </a:effectRef>
+      <a:fontRef idx="minor"/>
+    </dgm:style>
+  </dgm:styleLbl>
+  <dgm:styleLbl name="solidAlignAcc1">
+    <dgm:scene3d>
+      <a:camera prst="orthographicFront"/>
+      <a:lightRig rig="threePt" dir="t"/>
+    </dgm:scene3d>
+    <dgm:sp3d/>
+    <dgm:txPr/>
+    <dgm:style>
+      <a:lnRef idx="2">
+        <a:scrgbClr r="0" g="0" b="0"/>
+      </a:lnRef>
+      <a:fillRef idx="1">
+        <a:scrgbClr r="0" g="0" b="0"/>
+      </a:fillRef>
+      <a:effectRef idx="0">
+        <a:scrgbClr r="0" g="0" b="0"/>
+      </a:effectRef>
+      <a:fontRef idx="minor"/>
+    </dgm:style>
+  </dgm:styleLbl>
+  <dgm:styleLbl name="solidBgAcc1">
+    <dgm:scene3d>
+      <a:camera prst="orthographicFront"/>
+      <a:lightRig rig="threePt" dir="t"/>
+    </dgm:scene3d>
+    <dgm:sp3d/>
+    <dgm:txPr/>
+    <dgm:style>
+      <a:lnRef idx="2">
+        <a:scrgbClr r="0" g="0" b="0"/>
+      </a:lnRef>
+      <a:fillRef idx="1">
+        <a:scrgbClr r="0" g="0" b="0"/>
+      </a:fillRef>
+      <a:effectRef idx="0">
+        <a:scrgbClr r="0" g="0" b="0"/>
+      </a:effectRef>
+      <a:fontRef idx="minor"/>
+    </dgm:style>
+  </dgm:styleLbl>
+  <dgm:styleLbl name="fgAccFollowNode1">
+    <dgm:scene3d>
+      <a:camera prst="orthographicFront"/>
+      <a:lightRig rig="threePt" dir="t"/>
+    </dgm:scene3d>
+    <dgm:sp3d/>
+    <dgm:txPr/>
+    <dgm:style>
+      <a:lnRef idx="2">
+        <a:scrgbClr r="0" g="0" b="0"/>
+      </a:lnRef>
+      <a:fillRef idx="1">
+        <a:scrgbClr r="0" g="0" b="0"/>
+      </a:fillRef>
+      <a:effectRef idx="0">
+        <a:scrgbClr r="0" g="0" b="0"/>
+      </a:effectRef>
+      <a:fontRef idx="minor"/>
+    </dgm:style>
+  </dgm:styleLbl>
+  <dgm:styleLbl name="alignAccFollowNode1">
+    <dgm:scene3d>
+      <a:camera prst="orthographicFront"/>
+      <a:lightRig rig="threePt" dir="t"/>
+    </dgm:scene3d>
+    <dgm:sp3d/>
+    <dgm:txPr/>
+    <dgm:style>
+      <a:lnRef idx="2">
+        <a:scrgbClr r="0" g="0" b="0"/>
+      </a:lnRef>
+      <a:fillRef idx="1">
+        <a:scrgbClr r="0" g="0" b="0"/>
+      </a:fillRef>
+      <a:effectRef idx="0">
+        <a:scrgbClr r="0" g="0" b="0"/>
+      </a:effectRef>
+      <a:fontRef idx="minor"/>
+    </dgm:style>
+  </dgm:styleLbl>
+  <dgm:styleLbl name="bgAccFollowNode1">
+    <dgm:scene3d>
+      <a:camera prst="orthographicFront"/>
+      <a:lightRig rig="threePt" dir="t"/>
+    </dgm:scene3d>
+    <dgm:sp3d/>
+    <dgm:txPr/>
+    <dgm:style>
+      <a:lnRef idx="2">
+        <a:scrgbClr r="0" g="0" b="0"/>
+      </a:lnRef>
+      <a:fillRef idx="1">
+        <a:scrgbClr r="0" g="0" b="0"/>
+      </a:fillRef>
+      <a:effectRef idx="0">
+        <a:scrgbClr r="0" g="0" b="0"/>
+      </a:effectRef>
+      <a:fontRef idx="minor"/>
+    </dgm:style>
+  </dgm:styleLbl>
+  <dgm:styleLbl name="fgAcc0">
+    <dgm:scene3d>
+      <a:camera prst="orthographicFront"/>
+      <a:lightRig rig="threePt" dir="t"/>
+    </dgm:scene3d>
+    <dgm:sp3d/>
+    <dgm:txPr/>
+    <dgm:style>
+      <a:lnRef idx="2">
+        <a:scrgbClr r="0" g="0" b="0"/>
+      </a:lnRef>
+      <a:fillRef idx="1">
+        <a:scrgbClr r="0" g="0" b="0"/>
+      </a:fillRef>
+      <a:effectRef idx="0">
+        <a:scrgbClr r="0" g="0" b="0"/>
+      </a:effectRef>
+      <a:fontRef idx="minor"/>
+    </dgm:style>
+  </dgm:styleLbl>
+  <dgm:styleLbl name="fgAcc2">
+    <dgm:scene3d>
+      <a:camera prst="orthographicFront"/>
+      <a:lightRig rig="threePt" dir="t"/>
+    </dgm:scene3d>
+    <dgm:sp3d/>
+    <dgm:txPr/>
+    <dgm:style>
+      <a:lnRef idx="2">
+        <a:scrgbClr r="0" g="0" b="0"/>
+      </a:lnRef>
+      <a:fillRef idx="1">
+        <a:scrgbClr r="0" g="0" b="0"/>
+      </a:fillRef>
+      <a:effectRef idx="0">
+        <a:scrgbClr r="0" g="0" b="0"/>
+      </a:effectRef>
+      <a:fontRef idx="minor"/>
+    </dgm:style>
+  </dgm:styleLbl>
+  <dgm:styleLbl name="fgAcc3">
+    <dgm:scene3d>
+      <a:camera prst="orthographicFront"/>
+      <a:lightRig rig="threePt" dir="t"/>
+    </dgm:scene3d>
+    <dgm:sp3d/>
+    <dgm:txPr/>
+    <dgm:style>
+      <a:lnRef idx="2">
+        <a:scrgbClr r="0" g="0" b="0"/>
+      </a:lnRef>
+      <a:fillRef idx="1">
+        <a:scrgbClr r="0" g="0" b="0"/>
+      </a:fillRef>
+      <a:effectRef idx="0">
+        <a:scrgbClr r="0" g="0" b="0"/>
+      </a:effectRef>
+      <a:fontRef idx="minor"/>
+    </dgm:style>
+  </dgm:styleLbl>
+  <dgm:styleLbl name="fgAcc4">
+    <dgm:scene3d>
+      <a:camera prst="orthographicFront"/>
+      <a:lightRig rig="threePt" dir="t"/>
+    </dgm:scene3d>
+    <dgm:sp3d/>
+    <dgm:txPr/>
+    <dgm:style>
+      <a:lnRef idx="2">
+        <a:scrgbClr r="0" g="0" b="0"/>
+      </a:lnRef>
+      <a:fillRef idx="1">
+        <a:scrgbClr r="0" g="0" b="0"/>
+      </a:fillRef>
+      <a:effectRef idx="0">
+        <a:scrgbClr r="0" g="0" b="0"/>
+      </a:effectRef>
+      <a:fontRef idx="minor"/>
+    </dgm:style>
+  </dgm:styleLbl>
+  <dgm:styleLbl name="bgShp">
+    <dgm:scene3d>
+      <a:camera prst="orthographicFront"/>
+      <a:lightRig rig="threePt" dir="t"/>
+    </dgm:scene3d>
+    <dgm:sp3d/>
+    <dgm:txPr/>
+    <dgm:style>
+      <a:lnRef idx="0">
+        <a:scrgbClr r="0" g="0" b="0"/>
+      </a:lnRef>
+      <a:fillRef idx="1">
+        <a:scrgbClr r="0" g="0" b="0"/>
+      </a:fillRef>
+      <a:effectRef idx="0">
+        <a:scrgbClr r="0" g="0" b="0"/>
+      </a:effectRef>
+      <a:fontRef idx="minor"/>
+    </dgm:style>
+  </dgm:styleLbl>
+  <dgm:styleLbl name="dkBgShp">
+    <dgm:scene3d>
+      <a:camera prst="orthographicFront"/>
+      <a:lightRig rig="threePt" dir="t"/>
+    </dgm:scene3d>
+    <dgm:sp3d/>
+    <dgm:txPr/>
+    <dgm:style>
+      <a:lnRef idx="0">
+        <a:scrgbClr r="0" g="0" b="0"/>
+      </a:lnRef>
+      <a:fillRef idx="1">
+        <a:scrgbClr r="0" g="0" b="0"/>
+      </a:fillRef>
+      <a:effectRef idx="0">
+        <a:scrgbClr r="0" g="0" b="0"/>
+      </a:effectRef>
+      <a:fontRef idx="minor"/>
+    </dgm:style>
+  </dgm:styleLbl>
+  <dgm:styleLbl name="trBgShp">
+    <dgm:scene3d>
+      <a:camera prst="orthographicFront"/>
+      <a:lightRig rig="threePt" dir="t"/>
+    </dgm:scene3d>
+    <dgm:sp3d/>
+    <dgm:txPr/>
+    <dgm:style>
+      <a:lnRef idx="0">
+        <a:scrgbClr r="0" g="0" b="0"/>
+      </a:lnRef>
+      <a:fillRef idx="1">
+        <a:scrgbClr r="0" g="0" b="0"/>
+      </a:fillRef>
+      <a:effectRef idx="0">
+        <a:scrgbClr r="0" g="0" b="0"/>
+      </a:effectRef>
+      <a:fontRef idx="minor"/>
+    </dgm:style>
+  </dgm:styleLbl>
+  <dgm:styleLbl name="fgShp">
+    <dgm:scene3d>
+      <a:camera prst="orthographicFront"/>
+      <a:lightRig rig="threePt" dir="t"/>
+    </dgm:scene3d>
+    <dgm:sp3d/>
+    <dgm:txPr/>
+    <dgm:style>
+      <a:lnRef idx="2">
+        <a:scrgbClr r="0" g="0" b="0"/>
+      </a:lnRef>
+      <a:fillRef idx="1">
+        <a:scrgbClr r="0" g="0" b="0"/>
+      </a:fillRef>
+      <a:effectRef idx="0">
+        <a:scrgbClr r="0" g="0" b="0"/>
+      </a:effectRef>
+      <a:fontRef idx="minor"/>
+    </dgm:style>
+  </dgm:styleLbl>
+  <dgm:styleLbl name="revTx">
+    <dgm:scene3d>
+      <a:camera prst="orthographicFront"/>
+      <a:lightRig rig="threePt" dir="t"/>
+    </dgm:scene3d>
+    <dgm:sp3d/>
+    <dgm:txPr/>
+    <dgm:style>
+      <a:lnRef idx="0">
+        <a:scrgbClr r="0" g="0" b="0"/>
+      </a:lnRef>
+      <a:fillRef idx="0">
+        <a:scrgbClr r="0" g="0" b="0"/>
+      </a:fillRef>
+      <a:effectRef idx="0">
+        <a:scrgbClr r="0" g="0" b="0"/>
+      </a:effectRef>
+      <a:fontRef idx="minor"/>
+    </dgm:style>
+  </dgm:styleLbl>
+</dgm:styleDef>
 </file>
 
 <file path=ppt/slideLayouts/slideLayout1.xml><?xml version="1.0" encoding="utf-8"?>
@@ -3399,14 +10312,6 @@
 <file path=ppt/slides/slide2.xml><?xml version="1.0" encoding="utf-8"?>
 <p:sld xmlns:a="http://schemas.openxmlformats.org/drawingml/2006/main" xmlns:r="http://schemas.openxmlformats.org/officeDocument/2006/relationships" xmlns:p="http://schemas.openxmlformats.org/presentationml/2006/main">
   <p:cSld>
-    <p:bg>
-      <p:bgPr>
-        <a:solidFill>
-          <a:schemeClr val="bg1"/>
-        </a:solidFill>
-        <a:effectLst/>
-      </p:bgPr>
-    </p:bg>
     <p:spTree>
       <p:nvGrpSpPr>
         <p:cNvPr id="1" name=""/>
@@ -3426,7 +10331,7 @@
           <p:cNvPr id="4" name="Tittel 3">
             <a:extLst>
               <a:ext uri="{FF2B5EF4-FFF2-40B4-BE49-F238E27FC236}">
-                <a16:creationId xmlns:a16="http://schemas.microsoft.com/office/drawing/2014/main" id="{992CD921-5B22-4BED-ADFA-75630000E8F2}"/>
+                <a16:creationId xmlns:a16="http://schemas.microsoft.com/office/drawing/2014/main" id="{7ADE6A78-3717-4C40-BA61-45F0F5BEF156}"/>
               </a:ext>
             </a:extLst>
           </p:cNvPr>
@@ -3439,166 +10344,70 @@
         </p:nvSpPr>
         <p:spPr>
           <a:xfrm>
-            <a:off x="6501910" y="603148"/>
-            <a:ext cx="5053203" cy="1676603"/>
+            <a:off x="839788" y="457200"/>
+            <a:ext cx="3932237" cy="1600200"/>
           </a:xfrm>
         </p:spPr>
         <p:txBody>
-          <a:bodyPr vert="horz" lIns="91440" tIns="45720" rIns="91440" bIns="45720" rtlCol="0" anchor="ctr">
-            <a:normAutofit/>
-          </a:bodyPr>
+          <a:bodyPr/>
           <a:lstStyle/>
           <a:p>
             <a:r>
-              <a:rPr lang="en-US" sz="4400"/>
+              <a:rPr lang="en-US"/>
               <a:t>4.4 While-løkke</a:t>
             </a:r>
+            <a:endParaRPr lang="nb-NO" dirty="0"/>
           </a:p>
         </p:txBody>
       </p:sp>
       <p:sp>
         <p:nvSpPr>
-          <p:cNvPr id="33" name="Rectangle 20">
+          <p:cNvPr id="6" name="Plassholder for tekst 5">
             <a:extLst>
               <a:ext uri="{FF2B5EF4-FFF2-40B4-BE49-F238E27FC236}">
-                <a16:creationId xmlns:a16="http://schemas.microsoft.com/office/drawing/2014/main" id="{ABA02949-E632-47D6-A98D-77C5CC6325B6}"/>
-              </a:ext>
-              <a:ext uri="{C183D7F6-B498-43B3-948B-1728B52AA6E4}">
-                <adec:decorative xmlns:adec="http://schemas.microsoft.com/office/drawing/2017/decorative" val="1"/>
+                <a16:creationId xmlns:a16="http://schemas.microsoft.com/office/drawing/2014/main" id="{95F0615B-5048-4219-9B80-7BC5D6290FAF}"/>
               </a:ext>
             </a:extLst>
           </p:cNvPr>
           <p:cNvSpPr>
-            <a:spLocks noGrp="1" noRot="1" noChangeAspect="1" noMove="1" noResize="1" noEditPoints="1" noAdjustHandles="1" noChangeArrowheads="1" noChangeShapeType="1" noTextEdit="1"/>
+            <a:spLocks noGrp="1"/>
           </p:cNvSpPr>
           <p:nvPr>
-            <p:extLst>
-              <p:ext uri="{386F3935-93C4-4BCD-93E2-E3B085C9AB24}">
-                <p16:designElem xmlns:p16="http://schemas.microsoft.com/office/powerpoint/2015/main" val="1"/>
-              </p:ext>
-            </p:extLst>
+            <p:ph type="body" sz="half" idx="2"/>
           </p:nvPr>
         </p:nvSpPr>
         <p:spPr>
           <a:xfrm>
-            <a:off x="0" y="0"/>
-            <a:ext cx="6096000" cy="6858000"/>
+            <a:off x="839788" y="2057400"/>
+            <a:ext cx="3932237" cy="3811588"/>
           </a:xfrm>
-          <a:prstGeom prst="rect">
-            <a:avLst/>
-          </a:prstGeom>
-          <a:solidFill>
-            <a:srgbClr val="C8CACA"/>
-          </a:solidFill>
-          <a:ln>
-            <a:noFill/>
-          </a:ln>
         </p:spPr>
-        <p:style>
-          <a:lnRef idx="2">
-            <a:schemeClr val="accent1">
-              <a:shade val="50000"/>
-            </a:schemeClr>
-          </a:lnRef>
-          <a:fillRef idx="1">
-            <a:schemeClr val="accent1"/>
-          </a:fillRef>
-          <a:effectRef idx="0">
-            <a:schemeClr val="accent1"/>
-          </a:effectRef>
-          <a:fontRef idx="minor">
-            <a:schemeClr val="lt1"/>
-          </a:fontRef>
-        </p:style>
         <p:txBody>
-          <a:bodyPr rtlCol="0" anchor="ctr"/>
+          <a:bodyPr/>
           <a:lstStyle/>
           <a:p>
-            <a:pPr algn="ctr"/>
-            <a:endParaRPr lang="en-US"/>
+            <a:r>
+              <a:rPr lang="en-US"/>
+              <a:t>Når vi skal gjenta den samme koden</a:t>
+            </a:r>
           </a:p>
-        </p:txBody>
-      </p:sp>
-      <p:sp>
-        <p:nvSpPr>
-          <p:cNvPr id="34" name="Rounded Rectangle 9">
-            <a:extLst>
-              <a:ext uri="{FF2B5EF4-FFF2-40B4-BE49-F238E27FC236}">
-                <a16:creationId xmlns:a16="http://schemas.microsoft.com/office/drawing/2014/main" id="{D0BC50C1-C79A-4C87-BAB0-5C89FCD577FC}"/>
-              </a:ext>
-              <a:ext uri="{C183D7F6-B498-43B3-948B-1728B52AA6E4}">
-                <adec:decorative xmlns:adec="http://schemas.microsoft.com/office/drawing/2017/decorative" val="1"/>
-              </a:ext>
-            </a:extLst>
-          </p:cNvPr>
-          <p:cNvSpPr>
-            <a:spLocks noGrp="1" noRot="1" noChangeAspect="1" noMove="1" noResize="1" noEditPoints="1" noAdjustHandles="1" noChangeArrowheads="1" noChangeShapeType="1" noTextEdit="1"/>
-          </p:cNvSpPr>
-          <p:nvPr>
-            <p:extLst>
-              <p:ext uri="{386F3935-93C4-4BCD-93E2-E3B085C9AB24}">
-                <p16:designElem xmlns:p16="http://schemas.microsoft.com/office/powerpoint/2015/main" val="1"/>
-              </p:ext>
-            </p:extLst>
-          </p:nvPr>
-        </p:nvSpPr>
-        <p:spPr>
-          <a:xfrm>
-            <a:off x="484631" y="484632"/>
-            <a:ext cx="5125593" cy="5739187"/>
-          </a:xfrm>
-          <a:prstGeom prst="roundRect">
-            <a:avLst>
-              <a:gd name="adj" fmla="val 0"/>
-            </a:avLst>
-          </a:prstGeom>
-          <a:solidFill>
-            <a:srgbClr val="FFFFFF"/>
-          </a:solidFill>
-          <a:ln w="9525">
-            <a:solidFill>
-              <a:srgbClr val="C8CACA"/>
-            </a:solidFill>
-          </a:ln>
-          <a:effectLst>
-            <a:outerShdw blurRad="57150" dist="19050" dir="5400000" algn="t" rotWithShape="0">
-              <a:prstClr val="black">
-                <a:alpha val="63000"/>
-              </a:prstClr>
-            </a:outerShdw>
-          </a:effectLst>
-        </p:spPr>
-        <p:style>
-          <a:lnRef idx="2">
-            <a:schemeClr val="accent1">
-              <a:shade val="50000"/>
-            </a:schemeClr>
-          </a:lnRef>
-          <a:fillRef idx="1">
-            <a:schemeClr val="accent1"/>
-          </a:fillRef>
-          <a:effectRef idx="0">
-            <a:schemeClr val="accent1"/>
-          </a:effectRef>
-          <a:fontRef idx="minor">
-            <a:schemeClr val="lt1"/>
-          </a:fontRef>
-        </p:style>
-        <p:txBody>
-          <a:bodyPr rtlCol="0" anchor="ctr"/>
-          <a:lstStyle/>
           <a:p>
-            <a:pPr algn="ctr"/>
-            <a:endParaRPr lang="en-US"/>
+            <a:r>
+              <a:rPr lang="en-US"/>
+              <a:t>mange ganger bruker vi en while-løkke</a:t>
+            </a:r>
+          </a:p>
+          <a:p>
+            <a:endParaRPr lang="nb-NO" dirty="0"/>
           </a:p>
         </p:txBody>
       </p:sp>
       <p:pic>
         <p:nvPicPr>
-          <p:cNvPr id="13" name="Bilde 12">
+          <p:cNvPr id="7" name="Bilde 6">
             <a:extLst>
               <a:ext uri="{FF2B5EF4-FFF2-40B4-BE49-F238E27FC236}">
-                <a16:creationId xmlns:a16="http://schemas.microsoft.com/office/drawing/2014/main" id="{891ADAE6-51DC-4314-B782-CA4AA5EB3471}"/>
+                <a16:creationId xmlns:a16="http://schemas.microsoft.com/office/drawing/2014/main" id="{0FCE0A22-FE35-4B9C-9545-7BB3C524F2D4}"/>
               </a:ext>
             </a:extLst>
           </p:cNvPr>
@@ -3615,8 +10424,8 @@
         </p:blipFill>
         <p:spPr>
           <a:xfrm>
-            <a:off x="822568" y="1040736"/>
-            <a:ext cx="2706596" cy="2518389"/>
+            <a:off x="659746" y="3424237"/>
+            <a:ext cx="4112279" cy="1557827"/>
           </a:xfrm>
           <a:prstGeom prst="rect">
             <a:avLst/>
@@ -3625,17 +10434,19 @@
       </p:pic>
       <p:pic>
         <p:nvPicPr>
-          <p:cNvPr id="11" name="Bilde 10">
+          <p:cNvPr id="8" name="Plassholder for innhold 7">
             <a:extLst>
               <a:ext uri="{FF2B5EF4-FFF2-40B4-BE49-F238E27FC236}">
-                <a16:creationId xmlns:a16="http://schemas.microsoft.com/office/drawing/2014/main" id="{90BAFF21-45B8-422A-BAB9-0FB34257CE59}"/>
+                <a16:creationId xmlns:a16="http://schemas.microsoft.com/office/drawing/2014/main" id="{8834B04B-0C88-4141-8B4E-553AA42F5235}"/>
               </a:ext>
             </a:extLst>
           </p:cNvPr>
           <p:cNvPicPr>
-            <a:picLocks noChangeAspect="1"/>
+            <a:picLocks noGrp="1" noChangeAspect="1"/>
           </p:cNvPicPr>
-          <p:nvPr/>
+          <p:nvPr>
+            <p:ph idx="1"/>
+          </p:nvPr>
         </p:nvPicPr>
         <p:blipFill>
           <a:blip r:embed="rId3"/>
@@ -3645,178 +10456,18 @@
         </p:blipFill>
         <p:spPr>
           <a:xfrm>
-            <a:off x="6757324" y="3773827"/>
-            <a:ext cx="4112279" cy="1557827"/>
+            <a:off x="5183188" y="2603975"/>
+            <a:ext cx="6172200" cy="1640525"/>
           </a:xfrm>
           <a:prstGeom prst="rect">
             <a:avLst/>
           </a:prstGeom>
         </p:spPr>
       </p:pic>
-      <p:pic>
-        <p:nvPicPr>
-          <p:cNvPr id="15" name="Bilde 14">
-            <a:extLst>
-              <a:ext uri="{FF2B5EF4-FFF2-40B4-BE49-F238E27FC236}">
-                <a16:creationId xmlns:a16="http://schemas.microsoft.com/office/drawing/2014/main" id="{8EFF45FD-E461-4627-8727-F97D1F192559}"/>
-              </a:ext>
-            </a:extLst>
-          </p:cNvPr>
-          <p:cNvPicPr>
-            <a:picLocks noChangeAspect="1"/>
-          </p:cNvPicPr>
-          <p:nvPr/>
-        </p:nvPicPr>
-        <p:blipFill>
-          <a:blip r:embed="rId4"/>
-          <a:stretch>
-            <a:fillRect/>
-          </a:stretch>
-        </p:blipFill>
-        <p:spPr>
-          <a:xfrm>
-            <a:off x="898957" y="3868752"/>
-            <a:ext cx="4200309" cy="1786459"/>
-          </a:xfrm>
-          <a:prstGeom prst="rect">
-            <a:avLst/>
-          </a:prstGeom>
-        </p:spPr>
-      </p:pic>
-      <p:sp>
-        <p:nvSpPr>
-          <p:cNvPr id="6" name="Plassholder for tekst 5">
-            <a:extLst>
-              <a:ext uri="{FF2B5EF4-FFF2-40B4-BE49-F238E27FC236}">
-                <a16:creationId xmlns:a16="http://schemas.microsoft.com/office/drawing/2014/main" id="{7C8CDA62-D4D2-4D12-9D55-E7BF7366B70E}"/>
-              </a:ext>
-            </a:extLst>
-          </p:cNvPr>
-          <p:cNvSpPr>
-            <a:spLocks noGrp="1"/>
-          </p:cNvSpPr>
-          <p:nvPr>
-            <p:ph type="body" sz="half" idx="2"/>
-          </p:nvPr>
-        </p:nvSpPr>
-        <p:spPr>
-          <a:xfrm>
-            <a:off x="6486524" y="2438400"/>
-            <a:ext cx="5053203" cy="3785419"/>
-          </a:xfrm>
-        </p:spPr>
-        <p:txBody>
-          <a:bodyPr vert="horz" lIns="91440" tIns="45720" rIns="91440" bIns="45720" rtlCol="0">
-            <a:normAutofit/>
-          </a:bodyPr>
-          <a:lstStyle/>
-          <a:p>
-            <a:r>
-              <a:rPr lang="en-US" sz="2000" dirty="0" err="1"/>
-              <a:t>Når</a:t>
-            </a:r>
-            <a:r>
-              <a:rPr lang="en-US" sz="2000" dirty="0"/>
-              <a:t> vi </a:t>
-            </a:r>
-            <a:r>
-              <a:rPr lang="en-US" sz="2000" dirty="0" err="1"/>
-              <a:t>skal</a:t>
-            </a:r>
-            <a:r>
-              <a:rPr lang="en-US" sz="2000" dirty="0"/>
-              <a:t> </a:t>
-            </a:r>
-            <a:r>
-              <a:rPr lang="en-US" sz="2000" dirty="0" err="1"/>
-              <a:t>gjenta</a:t>
-            </a:r>
-            <a:r>
-              <a:rPr lang="en-US" sz="2000" dirty="0"/>
-              <a:t> den </a:t>
-            </a:r>
-            <a:r>
-              <a:rPr lang="en-US" sz="2000" dirty="0" err="1"/>
-              <a:t>samme</a:t>
-            </a:r>
-            <a:r>
-              <a:rPr lang="en-US" sz="2000" dirty="0"/>
-              <a:t> </a:t>
-            </a:r>
-            <a:r>
-              <a:rPr lang="en-US" sz="2000" dirty="0" err="1"/>
-              <a:t>koden</a:t>
-            </a:r>
-            <a:endParaRPr lang="en-US" sz="2000" dirty="0"/>
-          </a:p>
-          <a:p>
-            <a:r>
-              <a:rPr lang="en-US" sz="2000" dirty="0"/>
-              <a:t>mange ganger </a:t>
-            </a:r>
-            <a:r>
-              <a:rPr lang="en-US" sz="2000" dirty="0" err="1"/>
-              <a:t>bruker</a:t>
-            </a:r>
-            <a:r>
-              <a:rPr lang="en-US" sz="2000" dirty="0"/>
-              <a:t> vi </a:t>
-            </a:r>
-            <a:r>
-              <a:rPr lang="en-US" sz="2000" dirty="0" err="1"/>
-              <a:t>en</a:t>
-            </a:r>
-            <a:r>
-              <a:rPr lang="en-US" sz="2000" dirty="0"/>
-              <a:t> while-</a:t>
-            </a:r>
-            <a:r>
-              <a:rPr lang="en-US" sz="2000" dirty="0" err="1"/>
-              <a:t>løkke</a:t>
-            </a:r>
-            <a:endParaRPr lang="en-US" sz="2000" dirty="0"/>
-          </a:p>
-          <a:p>
-            <a:pPr indent="-228600">
-              <a:buFont typeface="Arial" panose="020B0604020202020204" pitchFamily="34" charset="0"/>
-              <a:buChar char="•"/>
-            </a:pPr>
-            <a:endParaRPr lang="en-US" sz="2000" dirty="0"/>
-          </a:p>
-          <a:p>
-            <a:endParaRPr lang="en-US" sz="2000" dirty="0"/>
-          </a:p>
-        </p:txBody>
-      </p:sp>
-      <p:sp>
-        <p:nvSpPr>
-          <p:cNvPr id="9" name="Plassholder for innhold 8">
-            <a:extLst>
-              <a:ext uri="{FF2B5EF4-FFF2-40B4-BE49-F238E27FC236}">
-                <a16:creationId xmlns:a16="http://schemas.microsoft.com/office/drawing/2014/main" id="{F3296749-819D-428C-8A86-C6B56101EB98}"/>
-              </a:ext>
-            </a:extLst>
-          </p:cNvPr>
-          <p:cNvSpPr>
-            <a:spLocks noGrp="1"/>
-          </p:cNvSpPr>
-          <p:nvPr>
-            <p:ph idx="1"/>
-          </p:nvPr>
-        </p:nvSpPr>
-        <p:spPr/>
-        <p:txBody>
-          <a:bodyPr/>
-          <a:lstStyle/>
-          <a:p>
-            <a:endParaRPr lang="nb-NO" dirty="0"/>
-          </a:p>
-        </p:txBody>
-      </p:sp>
     </p:spTree>
     <p:extLst>
       <p:ext uri="{BB962C8B-B14F-4D97-AF65-F5344CB8AC3E}">
-        <p14:creationId xmlns:p14="http://schemas.microsoft.com/office/powerpoint/2010/main" val="3398389793"/>
+        <p14:creationId xmlns:p14="http://schemas.microsoft.com/office/powerpoint/2010/main" val="3526304866"/>
       </p:ext>
     </p:extLst>
   </p:cSld>
@@ -3946,12 +10597,44 @@
           <a:p>
             <a:pPr algn="ctr"/>
             <a:r>
-              <a:rPr lang="en-US" sz="5400">
+              <a:rPr lang="en-US" sz="5400" dirty="0">
                 <a:solidFill>
                   <a:srgbClr val="FFFFFF"/>
                 </a:solidFill>
               </a:rPr>
-              <a:t>Telle fra null til 20 Side 88</a:t>
+              <a:t>Telle </a:t>
+            </a:r>
+            <a:r>
+              <a:rPr lang="en-US" sz="5400" dirty="0" err="1">
+                <a:solidFill>
+                  <a:srgbClr val="FFFFFF"/>
+                </a:solidFill>
+              </a:rPr>
+              <a:t>fra</a:t>
+            </a:r>
+            <a:r>
+              <a:rPr lang="en-US" sz="5400" dirty="0">
+                <a:solidFill>
+                  <a:srgbClr val="FFFFFF"/>
+                </a:solidFill>
+              </a:rPr>
+              <a:t> null </a:t>
+            </a:r>
+            <a:r>
+              <a:rPr lang="en-US" sz="5400" dirty="0" err="1">
+                <a:solidFill>
+                  <a:srgbClr val="FFFFFF"/>
+                </a:solidFill>
+              </a:rPr>
+              <a:t>til</a:t>
+            </a:r>
+            <a:r>
+              <a:rPr lang="en-US" sz="5400" dirty="0">
+                <a:solidFill>
+                  <a:srgbClr val="FFFFFF"/>
+                </a:solidFill>
+              </a:rPr>
+              <a:t> 10 Side 88</a:t>
             </a:r>
           </a:p>
         </p:txBody>
@@ -4032,7 +10715,7 @@
         </p:blipFill>
         <p:spPr>
           <a:xfrm>
-            <a:off x="331567" y="3695908"/>
+            <a:off x="331565" y="2596836"/>
             <a:ext cx="5455917" cy="1459457"/>
           </a:xfrm>
           <a:prstGeom prst="rect">
@@ -4094,10 +10777,10 @@
       </p:cxnSp>
       <p:pic>
         <p:nvPicPr>
-          <p:cNvPr id="8" name="Bilde 7">
+          <p:cNvPr id="9" name="Bilde 8">
             <a:extLst>
               <a:ext uri="{FF2B5EF4-FFF2-40B4-BE49-F238E27FC236}">
-                <a16:creationId xmlns:a16="http://schemas.microsoft.com/office/drawing/2014/main" id="{9B2BA226-DFD7-44EE-AC80-99E468C8BFCE}"/>
+                <a16:creationId xmlns:a16="http://schemas.microsoft.com/office/drawing/2014/main" id="{5E64CCE8-0279-43AB-9151-8973DFA9A35E}"/>
               </a:ext>
             </a:extLst>
           </p:cNvPr>
@@ -4114,8 +10797,38 @@
         </p:blipFill>
         <p:spPr>
           <a:xfrm>
-            <a:off x="6445073" y="3702727"/>
-            <a:ext cx="5455917" cy="1445818"/>
+            <a:off x="7012352" y="2734913"/>
+            <a:ext cx="3819759" cy="3554147"/>
+          </a:xfrm>
+          <a:prstGeom prst="rect">
+            <a:avLst/>
+          </a:prstGeom>
+        </p:spPr>
+      </p:pic>
+      <p:pic>
+        <p:nvPicPr>
+          <p:cNvPr id="10" name="Bilde 9">
+            <a:extLst>
+              <a:ext uri="{FF2B5EF4-FFF2-40B4-BE49-F238E27FC236}">
+                <a16:creationId xmlns:a16="http://schemas.microsoft.com/office/drawing/2014/main" id="{31E02C91-5A18-478C-9E18-315236E0728B}"/>
+              </a:ext>
+            </a:extLst>
+          </p:cNvPr>
+          <p:cNvPicPr>
+            <a:picLocks noChangeAspect="1"/>
+          </p:cNvPicPr>
+          <p:nvPr/>
+        </p:nvPicPr>
+        <p:blipFill>
+          <a:blip r:embed="rId4"/>
+          <a:stretch>
+            <a:fillRect/>
+          </a:stretch>
+        </p:blipFill>
+        <p:spPr>
+          <a:xfrm>
+            <a:off x="1019896" y="4425636"/>
+            <a:ext cx="4200309" cy="1786459"/>
           </a:xfrm>
           <a:prstGeom prst="rect">
             <a:avLst/>
@@ -4138,6 +10851,14 @@
 <file path=ppt/slides/slide4.xml><?xml version="1.0" encoding="utf-8"?>
 <p:sld xmlns:a="http://schemas.openxmlformats.org/drawingml/2006/main" xmlns:r="http://schemas.openxmlformats.org/officeDocument/2006/relationships" xmlns:p="http://schemas.openxmlformats.org/presentationml/2006/main">
   <p:cSld>
+    <p:bg>
+      <p:bgPr>
+        <a:solidFill>
+          <a:schemeClr val="bg1"/>
+        </a:solidFill>
+        <a:effectLst/>
+      </p:bgPr>
+    </p:bg>
     <p:spTree>
       <p:nvGrpSpPr>
         <p:cNvPr id="1" name=""/>
@@ -4154,6 +10875,487 @@
       </p:grpSpPr>
       <p:sp>
         <p:nvSpPr>
+          <p:cNvPr id="10" name="Freeform: Shape 9">
+            <a:extLst>
+              <a:ext uri="{FF2B5EF4-FFF2-40B4-BE49-F238E27FC236}">
+                <a16:creationId xmlns:a16="http://schemas.microsoft.com/office/drawing/2014/main" id="{46C2E80F-49A6-4372-B103-219D417A55ED}"/>
+              </a:ext>
+              <a:ext uri="{C183D7F6-B498-43B3-948B-1728B52AA6E4}">
+                <adec:decorative xmlns:adec="http://schemas.microsoft.com/office/drawing/2017/decorative" val="1"/>
+              </a:ext>
+            </a:extLst>
+          </p:cNvPr>
+          <p:cNvSpPr>
+            <a:spLocks noGrp="1" noRot="1" noChangeAspect="1" noMove="1" noResize="1" noEditPoints="1" noAdjustHandles="1" noChangeArrowheads="1" noChangeShapeType="1" noTextEdit="1"/>
+          </p:cNvSpPr>
+          <p:nvPr>
+            <p:extLst>
+              <p:ext uri="{386F3935-93C4-4BCD-93E2-E3B085C9AB24}">
+                <p16:designElem xmlns:p16="http://schemas.microsoft.com/office/powerpoint/2015/main" val="1"/>
+              </p:ext>
+            </p:extLst>
+          </p:nvPr>
+        </p:nvSpPr>
+        <p:spPr>
+          <a:xfrm>
+            <a:off x="484096" y="470925"/>
+            <a:ext cx="4381009" cy="5892104"/>
+          </a:xfrm>
+          <a:custGeom>
+            <a:avLst/>
+            <a:gdLst>
+              <a:gd name="connsiteX0" fmla="*/ 0 w 4381009"/>
+              <a:gd name="connsiteY0" fmla="*/ 0 h 5892104"/>
+              <a:gd name="connsiteX1" fmla="*/ 4157628 w 4381009"/>
+              <a:gd name="connsiteY1" fmla="*/ 0 h 5892104"/>
+              <a:gd name="connsiteX2" fmla="*/ 4169302 w 4381009"/>
+              <a:gd name="connsiteY2" fmla="*/ 68659 h 5892104"/>
+              <a:gd name="connsiteX3" fmla="*/ 4191571 w 4381009"/>
+              <a:gd name="connsiteY3" fmla="*/ 205472 h 5892104"/>
+              <a:gd name="connsiteX4" fmla="*/ 4213368 w 4381009"/>
+              <a:gd name="connsiteY4" fmla="*/ 342890 h 5892104"/>
+              <a:gd name="connsiteX5" fmla="*/ 4232030 w 4381009"/>
+              <a:gd name="connsiteY5" fmla="*/ 480913 h 5892104"/>
+              <a:gd name="connsiteX6" fmla="*/ 4250848 w 4381009"/>
+              <a:gd name="connsiteY6" fmla="*/ 618332 h 5892104"/>
+              <a:gd name="connsiteX7" fmla="*/ 4268412 w 4381009"/>
+              <a:gd name="connsiteY7" fmla="*/ 756355 h 5892104"/>
+              <a:gd name="connsiteX8" fmla="*/ 4283467 w 4381009"/>
+              <a:gd name="connsiteY8" fmla="*/ 892563 h 5892104"/>
+              <a:gd name="connsiteX9" fmla="*/ 4297737 w 4381009"/>
+              <a:gd name="connsiteY9" fmla="*/ 1030587 h 5892104"/>
+              <a:gd name="connsiteX10" fmla="*/ 4310754 w 4381009"/>
+              <a:gd name="connsiteY10" fmla="*/ 1168005 h 5892104"/>
+              <a:gd name="connsiteX11" fmla="*/ 4322045 w 4381009"/>
+              <a:gd name="connsiteY11" fmla="*/ 1303002 h 5892104"/>
+              <a:gd name="connsiteX12" fmla="*/ 4333336 w 4381009"/>
+              <a:gd name="connsiteY12" fmla="*/ 1439815 h 5892104"/>
+              <a:gd name="connsiteX13" fmla="*/ 4342745 w 4381009"/>
+              <a:gd name="connsiteY13" fmla="*/ 1574812 h 5892104"/>
+              <a:gd name="connsiteX14" fmla="*/ 4350115 w 4381009"/>
+              <a:gd name="connsiteY14" fmla="*/ 1709808 h 5892104"/>
+              <a:gd name="connsiteX15" fmla="*/ 4357799 w 4381009"/>
+              <a:gd name="connsiteY15" fmla="*/ 1844200 h 5892104"/>
+              <a:gd name="connsiteX16" fmla="*/ 4364229 w 4381009"/>
+              <a:gd name="connsiteY16" fmla="*/ 1977381 h 5892104"/>
+              <a:gd name="connsiteX17" fmla="*/ 4368777 w 4381009"/>
+              <a:gd name="connsiteY17" fmla="*/ 2109351 h 5892104"/>
+              <a:gd name="connsiteX18" fmla="*/ 4372697 w 4381009"/>
+              <a:gd name="connsiteY18" fmla="*/ 2241321 h 5892104"/>
+              <a:gd name="connsiteX19" fmla="*/ 4376461 w 4381009"/>
+              <a:gd name="connsiteY19" fmla="*/ 2372080 h 5892104"/>
+              <a:gd name="connsiteX20" fmla="*/ 4378186 w 4381009"/>
+              <a:gd name="connsiteY20" fmla="*/ 2501023 h 5892104"/>
+              <a:gd name="connsiteX21" fmla="*/ 4380068 w 4381009"/>
+              <a:gd name="connsiteY21" fmla="*/ 2629966 h 5892104"/>
+              <a:gd name="connsiteX22" fmla="*/ 4381009 w 4381009"/>
+              <a:gd name="connsiteY22" fmla="*/ 2757093 h 5892104"/>
+              <a:gd name="connsiteX23" fmla="*/ 4380068 w 4381009"/>
+              <a:gd name="connsiteY23" fmla="*/ 2883010 h 5892104"/>
+              <a:gd name="connsiteX24" fmla="*/ 4380068 w 4381009"/>
+              <a:gd name="connsiteY24" fmla="*/ 3007715 h 5892104"/>
+              <a:gd name="connsiteX25" fmla="*/ 4378186 w 4381009"/>
+              <a:gd name="connsiteY25" fmla="*/ 3131210 h 5892104"/>
+              <a:gd name="connsiteX26" fmla="*/ 4375363 w 4381009"/>
+              <a:gd name="connsiteY26" fmla="*/ 3252283 h 5892104"/>
+              <a:gd name="connsiteX27" fmla="*/ 4372697 w 4381009"/>
+              <a:gd name="connsiteY27" fmla="*/ 3372146 h 5892104"/>
+              <a:gd name="connsiteX28" fmla="*/ 4369718 w 4381009"/>
+              <a:gd name="connsiteY28" fmla="*/ 3489587 h 5892104"/>
+              <a:gd name="connsiteX29" fmla="*/ 4365170 w 4381009"/>
+              <a:gd name="connsiteY29" fmla="*/ 3606423 h 5892104"/>
+              <a:gd name="connsiteX30" fmla="*/ 4360309 w 4381009"/>
+              <a:gd name="connsiteY30" fmla="*/ 3721443 h 5892104"/>
+              <a:gd name="connsiteX31" fmla="*/ 4355918 w 4381009"/>
+              <a:gd name="connsiteY31" fmla="*/ 3834041 h 5892104"/>
+              <a:gd name="connsiteX32" fmla="*/ 4343529 w 4381009"/>
+              <a:gd name="connsiteY32" fmla="*/ 4053789 h 5892104"/>
+              <a:gd name="connsiteX33" fmla="*/ 4330356 w 4381009"/>
+              <a:gd name="connsiteY33" fmla="*/ 4264457 h 5892104"/>
+              <a:gd name="connsiteX34" fmla="*/ 4316556 w 4381009"/>
+              <a:gd name="connsiteY34" fmla="*/ 4466650 h 5892104"/>
+              <a:gd name="connsiteX35" fmla="*/ 4301344 w 4381009"/>
+              <a:gd name="connsiteY35" fmla="*/ 4657946 h 5892104"/>
+              <a:gd name="connsiteX36" fmla="*/ 4285506 w 4381009"/>
+              <a:gd name="connsiteY36" fmla="*/ 4840767 h 5892104"/>
+              <a:gd name="connsiteX37" fmla="*/ 4268412 w 4381009"/>
+              <a:gd name="connsiteY37" fmla="*/ 5010269 h 5892104"/>
+              <a:gd name="connsiteX38" fmla="*/ 4251633 w 4381009"/>
+              <a:gd name="connsiteY38" fmla="*/ 5169481 h 5892104"/>
+              <a:gd name="connsiteX39" fmla="*/ 4234853 w 4381009"/>
+              <a:gd name="connsiteY39" fmla="*/ 5315980 h 5892104"/>
+              <a:gd name="connsiteX40" fmla="*/ 4219014 w 4381009"/>
+              <a:gd name="connsiteY40" fmla="*/ 5450371 h 5892104"/>
+              <a:gd name="connsiteX41" fmla="*/ 4203959 w 4381009"/>
+              <a:gd name="connsiteY41" fmla="*/ 5569628 h 5892104"/>
+              <a:gd name="connsiteX42" fmla="*/ 4189689 w 4381009"/>
+              <a:gd name="connsiteY42" fmla="*/ 5677384 h 5892104"/>
+              <a:gd name="connsiteX43" fmla="*/ 4177770 w 4381009"/>
+              <a:gd name="connsiteY43" fmla="*/ 5768189 h 5892104"/>
+              <a:gd name="connsiteX44" fmla="*/ 4166479 w 4381009"/>
+              <a:gd name="connsiteY44" fmla="*/ 5844465 h 5892104"/>
+              <a:gd name="connsiteX45" fmla="*/ 4159132 w 4381009"/>
+              <a:gd name="connsiteY45" fmla="*/ 5892104 h 5892104"/>
+              <a:gd name="connsiteX46" fmla="*/ 0 w 4381009"/>
+              <a:gd name="connsiteY46" fmla="*/ 5892104 h 5892104"/>
+            </a:gdLst>
+            <a:ahLst/>
+            <a:cxnLst>
+              <a:cxn ang="0">
+                <a:pos x="connsiteX0" y="connsiteY0"/>
+              </a:cxn>
+              <a:cxn ang="0">
+                <a:pos x="connsiteX1" y="connsiteY1"/>
+              </a:cxn>
+              <a:cxn ang="0">
+                <a:pos x="connsiteX2" y="connsiteY2"/>
+              </a:cxn>
+              <a:cxn ang="0">
+                <a:pos x="connsiteX3" y="connsiteY3"/>
+              </a:cxn>
+              <a:cxn ang="0">
+                <a:pos x="connsiteX4" y="connsiteY4"/>
+              </a:cxn>
+              <a:cxn ang="0">
+                <a:pos x="connsiteX5" y="connsiteY5"/>
+              </a:cxn>
+              <a:cxn ang="0">
+                <a:pos x="connsiteX6" y="connsiteY6"/>
+              </a:cxn>
+              <a:cxn ang="0">
+                <a:pos x="connsiteX7" y="connsiteY7"/>
+              </a:cxn>
+              <a:cxn ang="0">
+                <a:pos x="connsiteX8" y="connsiteY8"/>
+              </a:cxn>
+              <a:cxn ang="0">
+                <a:pos x="connsiteX9" y="connsiteY9"/>
+              </a:cxn>
+              <a:cxn ang="0">
+                <a:pos x="connsiteX10" y="connsiteY10"/>
+              </a:cxn>
+              <a:cxn ang="0">
+                <a:pos x="connsiteX11" y="connsiteY11"/>
+              </a:cxn>
+              <a:cxn ang="0">
+                <a:pos x="connsiteX12" y="connsiteY12"/>
+              </a:cxn>
+              <a:cxn ang="0">
+                <a:pos x="connsiteX13" y="connsiteY13"/>
+              </a:cxn>
+              <a:cxn ang="0">
+                <a:pos x="connsiteX14" y="connsiteY14"/>
+              </a:cxn>
+              <a:cxn ang="0">
+                <a:pos x="connsiteX15" y="connsiteY15"/>
+              </a:cxn>
+              <a:cxn ang="0">
+                <a:pos x="connsiteX16" y="connsiteY16"/>
+              </a:cxn>
+              <a:cxn ang="0">
+                <a:pos x="connsiteX17" y="connsiteY17"/>
+              </a:cxn>
+              <a:cxn ang="0">
+                <a:pos x="connsiteX18" y="connsiteY18"/>
+              </a:cxn>
+              <a:cxn ang="0">
+                <a:pos x="connsiteX19" y="connsiteY19"/>
+              </a:cxn>
+              <a:cxn ang="0">
+                <a:pos x="connsiteX20" y="connsiteY20"/>
+              </a:cxn>
+              <a:cxn ang="0">
+                <a:pos x="connsiteX21" y="connsiteY21"/>
+              </a:cxn>
+              <a:cxn ang="0">
+                <a:pos x="connsiteX22" y="connsiteY22"/>
+              </a:cxn>
+              <a:cxn ang="0">
+                <a:pos x="connsiteX23" y="connsiteY23"/>
+              </a:cxn>
+              <a:cxn ang="0">
+                <a:pos x="connsiteX24" y="connsiteY24"/>
+              </a:cxn>
+              <a:cxn ang="0">
+                <a:pos x="connsiteX25" y="connsiteY25"/>
+              </a:cxn>
+              <a:cxn ang="0">
+                <a:pos x="connsiteX26" y="connsiteY26"/>
+              </a:cxn>
+              <a:cxn ang="0">
+                <a:pos x="connsiteX27" y="connsiteY27"/>
+              </a:cxn>
+              <a:cxn ang="0">
+                <a:pos x="connsiteX28" y="connsiteY28"/>
+              </a:cxn>
+              <a:cxn ang="0">
+                <a:pos x="connsiteX29" y="connsiteY29"/>
+              </a:cxn>
+              <a:cxn ang="0">
+                <a:pos x="connsiteX30" y="connsiteY30"/>
+              </a:cxn>
+              <a:cxn ang="0">
+                <a:pos x="connsiteX31" y="connsiteY31"/>
+              </a:cxn>
+              <a:cxn ang="0">
+                <a:pos x="connsiteX32" y="connsiteY32"/>
+              </a:cxn>
+              <a:cxn ang="0">
+                <a:pos x="connsiteX33" y="connsiteY33"/>
+              </a:cxn>
+              <a:cxn ang="0">
+                <a:pos x="connsiteX34" y="connsiteY34"/>
+              </a:cxn>
+              <a:cxn ang="0">
+                <a:pos x="connsiteX35" y="connsiteY35"/>
+              </a:cxn>
+              <a:cxn ang="0">
+                <a:pos x="connsiteX36" y="connsiteY36"/>
+              </a:cxn>
+              <a:cxn ang="0">
+                <a:pos x="connsiteX37" y="connsiteY37"/>
+              </a:cxn>
+              <a:cxn ang="0">
+                <a:pos x="connsiteX38" y="connsiteY38"/>
+              </a:cxn>
+              <a:cxn ang="0">
+                <a:pos x="connsiteX39" y="connsiteY39"/>
+              </a:cxn>
+              <a:cxn ang="0">
+                <a:pos x="connsiteX40" y="connsiteY40"/>
+              </a:cxn>
+              <a:cxn ang="0">
+                <a:pos x="connsiteX41" y="connsiteY41"/>
+              </a:cxn>
+              <a:cxn ang="0">
+                <a:pos x="connsiteX42" y="connsiteY42"/>
+              </a:cxn>
+              <a:cxn ang="0">
+                <a:pos x="connsiteX43" y="connsiteY43"/>
+              </a:cxn>
+              <a:cxn ang="0">
+                <a:pos x="connsiteX44" y="connsiteY44"/>
+              </a:cxn>
+              <a:cxn ang="0">
+                <a:pos x="connsiteX45" y="connsiteY45"/>
+              </a:cxn>
+              <a:cxn ang="0">
+                <a:pos x="connsiteX46" y="connsiteY46"/>
+              </a:cxn>
+            </a:cxnLst>
+            <a:rect l="l" t="t" r="r" b="b"/>
+            <a:pathLst>
+              <a:path w="4381009" h="5892104">
+                <a:moveTo>
+                  <a:pt x="0" y="0"/>
+                </a:moveTo>
+                <a:lnTo>
+                  <a:pt x="4157628" y="0"/>
+                </a:lnTo>
+                <a:lnTo>
+                  <a:pt x="4169302" y="68659"/>
+                </a:lnTo>
+                <a:lnTo>
+                  <a:pt x="4191571" y="205472"/>
+                </a:lnTo>
+                <a:lnTo>
+                  <a:pt x="4213368" y="342890"/>
+                </a:lnTo>
+                <a:lnTo>
+                  <a:pt x="4232030" y="480913"/>
+                </a:lnTo>
+                <a:lnTo>
+                  <a:pt x="4250848" y="618332"/>
+                </a:lnTo>
+                <a:lnTo>
+                  <a:pt x="4268412" y="756355"/>
+                </a:lnTo>
+                <a:lnTo>
+                  <a:pt x="4283467" y="892563"/>
+                </a:lnTo>
+                <a:lnTo>
+                  <a:pt x="4297737" y="1030587"/>
+                </a:lnTo>
+                <a:lnTo>
+                  <a:pt x="4310754" y="1168005"/>
+                </a:lnTo>
+                <a:lnTo>
+                  <a:pt x="4322045" y="1303002"/>
+                </a:lnTo>
+                <a:lnTo>
+                  <a:pt x="4333336" y="1439815"/>
+                </a:lnTo>
+                <a:lnTo>
+                  <a:pt x="4342745" y="1574812"/>
+                </a:lnTo>
+                <a:lnTo>
+                  <a:pt x="4350115" y="1709808"/>
+                </a:lnTo>
+                <a:lnTo>
+                  <a:pt x="4357799" y="1844200"/>
+                </a:lnTo>
+                <a:lnTo>
+                  <a:pt x="4364229" y="1977381"/>
+                </a:lnTo>
+                <a:lnTo>
+                  <a:pt x="4368777" y="2109351"/>
+                </a:lnTo>
+                <a:lnTo>
+                  <a:pt x="4372697" y="2241321"/>
+                </a:lnTo>
+                <a:lnTo>
+                  <a:pt x="4376461" y="2372080"/>
+                </a:lnTo>
+                <a:lnTo>
+                  <a:pt x="4378186" y="2501023"/>
+                </a:lnTo>
+                <a:lnTo>
+                  <a:pt x="4380068" y="2629966"/>
+                </a:lnTo>
+                <a:lnTo>
+                  <a:pt x="4381009" y="2757093"/>
+                </a:lnTo>
+                <a:lnTo>
+                  <a:pt x="4380068" y="2883010"/>
+                </a:lnTo>
+                <a:lnTo>
+                  <a:pt x="4380068" y="3007715"/>
+                </a:lnTo>
+                <a:lnTo>
+                  <a:pt x="4378186" y="3131210"/>
+                </a:lnTo>
+                <a:lnTo>
+                  <a:pt x="4375363" y="3252283"/>
+                </a:lnTo>
+                <a:lnTo>
+                  <a:pt x="4372697" y="3372146"/>
+                </a:lnTo>
+                <a:lnTo>
+                  <a:pt x="4369718" y="3489587"/>
+                </a:lnTo>
+                <a:lnTo>
+                  <a:pt x="4365170" y="3606423"/>
+                </a:lnTo>
+                <a:lnTo>
+                  <a:pt x="4360309" y="3721443"/>
+                </a:lnTo>
+                <a:lnTo>
+                  <a:pt x="4355918" y="3834041"/>
+                </a:lnTo>
+                <a:lnTo>
+                  <a:pt x="4343529" y="4053789"/>
+                </a:lnTo>
+                <a:lnTo>
+                  <a:pt x="4330356" y="4264457"/>
+                </a:lnTo>
+                <a:lnTo>
+                  <a:pt x="4316556" y="4466650"/>
+                </a:lnTo>
+                <a:lnTo>
+                  <a:pt x="4301344" y="4657946"/>
+                </a:lnTo>
+                <a:lnTo>
+                  <a:pt x="4285506" y="4840767"/>
+                </a:lnTo>
+                <a:lnTo>
+                  <a:pt x="4268412" y="5010269"/>
+                </a:lnTo>
+                <a:lnTo>
+                  <a:pt x="4251633" y="5169481"/>
+                </a:lnTo>
+                <a:lnTo>
+                  <a:pt x="4234853" y="5315980"/>
+                </a:lnTo>
+                <a:lnTo>
+                  <a:pt x="4219014" y="5450371"/>
+                </a:lnTo>
+                <a:lnTo>
+                  <a:pt x="4203959" y="5569628"/>
+                </a:lnTo>
+                <a:lnTo>
+                  <a:pt x="4189689" y="5677384"/>
+                </a:lnTo>
+                <a:lnTo>
+                  <a:pt x="4177770" y="5768189"/>
+                </a:lnTo>
+                <a:lnTo>
+                  <a:pt x="4166479" y="5844465"/>
+                </a:lnTo>
+                <a:lnTo>
+                  <a:pt x="4159132" y="5892104"/>
+                </a:lnTo>
+                <a:lnTo>
+                  <a:pt x="0" y="5892104"/>
+                </a:lnTo>
+                <a:close/>
+              </a:path>
+            </a:pathLst>
+          </a:custGeom>
+          <a:solidFill>
+            <a:srgbClr val="404040"/>
+          </a:solidFill>
+          <a:ln>
+            <a:noFill/>
+          </a:ln>
+        </p:spPr>
+        <p:style>
+          <a:lnRef idx="2">
+            <a:schemeClr val="accent1">
+              <a:shade val="50000"/>
+            </a:schemeClr>
+          </a:lnRef>
+          <a:fillRef idx="1">
+            <a:schemeClr val="accent1"/>
+          </a:fillRef>
+          <a:effectRef idx="0">
+            <a:schemeClr val="accent1"/>
+          </a:effectRef>
+          <a:fontRef idx="minor">
+            <a:schemeClr val="lt1"/>
+          </a:fontRef>
+        </p:style>
+        <p:txBody>
+          <a:bodyPr wrap="square" rtlCol="0" anchor="ctr">
+            <a:noAutofit/>
+          </a:bodyPr>
+          <a:lstStyle/>
+          <a:p>
+            <a:pPr marL="0" marR="0" lvl="0" indent="0" algn="ctr" defTabSz="457200" rtl="0" eaLnBrk="1" fontAlgn="auto" latinLnBrk="0" hangingPunct="1">
+              <a:lnSpc>
+                <a:spcPct val="100000"/>
+              </a:lnSpc>
+              <a:spcBef>
+                <a:spcPts val="0"/>
+              </a:spcBef>
+              <a:spcAft>
+                <a:spcPts val="0"/>
+              </a:spcAft>
+              <a:buClrTx/>
+              <a:buSzTx/>
+              <a:buFontTx/>
+              <a:buNone/>
+              <a:tabLst/>
+              <a:defRPr/>
+            </a:pPr>
+            <a:endParaRPr kumimoji="0" lang="en-US" sz="1800" b="0" i="0" u="none" strike="noStrike" kern="1200" cap="none" spc="0" normalizeH="0" baseline="0" noProof="0">
+              <a:ln>
+                <a:noFill/>
+              </a:ln>
+              <a:solidFill>
+                <a:prstClr val="white"/>
+              </a:solidFill>
+              <a:effectLst/>
+              <a:uLnTx/>
+              <a:uFillTx/>
+              <a:latin typeface="Calibri" panose="020F0502020204030204"/>
+              <a:ea typeface="+mn-ea"/>
+              <a:cs typeface="+mn-cs"/>
+            </a:endParaRPr>
+          </a:p>
+        </p:txBody>
+      </p:sp>
+      <p:sp>
+        <p:nvSpPr>
           <p:cNvPr id="2" name="Tittel 1">
             <a:extLst>
               <a:ext uri="{FF2B5EF4-FFF2-40B4-BE49-F238E27FC236}">
@@ -4168,76 +11370,76 @@
             <p:ph type="title"/>
           </p:nvPr>
         </p:nvSpPr>
-        <p:spPr/>
+        <p:spPr>
+          <a:xfrm>
+            <a:off x="863029" y="1012004"/>
+            <a:ext cx="3416158" cy="4795408"/>
+          </a:xfrm>
+        </p:spPr>
         <p:txBody>
-          <a:bodyPr/>
+          <a:bodyPr>
+            <a:normAutofit/>
+          </a:bodyPr>
           <a:lstStyle/>
-          <a:p>
-            <a:endParaRPr lang="nb-NO"/>
-          </a:p>
-        </p:txBody>
-      </p:sp>
-      <p:sp>
-        <p:nvSpPr>
-          <p:cNvPr id="3" name="Plassholder for innhold 2">
-            <a:extLst>
-              <a:ext uri="{FF2B5EF4-FFF2-40B4-BE49-F238E27FC236}">
-                <a16:creationId xmlns:a16="http://schemas.microsoft.com/office/drawing/2014/main" id="{13F9FAB5-84E7-4643-BF5C-0257F2D9BFF5}"/>
-              </a:ext>
-            </a:extLst>
-          </p:cNvPr>
-          <p:cNvSpPr>
-            <a:spLocks noGrp="1"/>
-          </p:cNvSpPr>
-          <p:nvPr>
-            <p:ph idx="1"/>
-          </p:nvPr>
-        </p:nvSpPr>
-        <p:spPr/>
-        <p:txBody>
-          <a:bodyPr/>
-          <a:lstStyle/>
-          <a:p>
-            <a:r>
-              <a:rPr lang="nb-NO" dirty="0"/>
-              <a:t>Eksempel Tegne i canvas med en </a:t>
-            </a:r>
-            <a:r>
-              <a:rPr lang="nb-NO" dirty="0" err="1"/>
-              <a:t>while</a:t>
-            </a:r>
-            <a:r>
-              <a:rPr lang="nb-NO" dirty="0"/>
-              <a:t>-løkke Side 89</a:t>
-            </a:r>
-          </a:p>
-          <a:p>
-            <a:r>
-              <a:rPr lang="nb-NO" dirty="0"/>
-              <a:t>Eksempel Kassaapparat Side 90</a:t>
-            </a:r>
-          </a:p>
-          <a:p>
-            <a:endParaRPr lang="nb-NO" dirty="0"/>
-          </a:p>
-          <a:p>
-            <a:endParaRPr lang="nb-NO" dirty="0"/>
-          </a:p>
           <a:p>
             <a:r>
               <a:rPr lang="nb-NO" dirty="0">
                 <a:solidFill>
-                  <a:srgbClr val="008000"/>
+                  <a:srgbClr val="FFFFFF"/>
                 </a:solidFill>
               </a:rPr>
-              <a:t>PRØV SELV side 90</a:t>
+              <a:t>Eksempler med </a:t>
             </a:r>
-          </a:p>
-          <a:p>
-            <a:endParaRPr lang="nb-NO" dirty="0"/>
+            <a:r>
+              <a:rPr lang="nb-NO" dirty="0" err="1">
+                <a:solidFill>
+                  <a:srgbClr val="FFFFFF"/>
+                </a:solidFill>
+              </a:rPr>
+              <a:t>while</a:t>
+            </a:r>
+            <a:r>
+              <a:rPr lang="nb-NO" dirty="0">
+                <a:solidFill>
+                  <a:srgbClr val="FFFFFF"/>
+                </a:solidFill>
+              </a:rPr>
+              <a:t>-løkke</a:t>
+            </a:r>
           </a:p>
         </p:txBody>
       </p:sp>
+      <p:graphicFrame>
+        <p:nvGraphicFramePr>
+          <p:cNvPr id="5" name="Plassholder for innhold 2">
+            <a:extLst>
+              <a:ext uri="{FF2B5EF4-FFF2-40B4-BE49-F238E27FC236}">
+                <a16:creationId xmlns:a16="http://schemas.microsoft.com/office/drawing/2014/main" id="{7B2058AE-DA05-4523-BD0D-B613008C1480}"/>
+              </a:ext>
+            </a:extLst>
+          </p:cNvPr>
+          <p:cNvGraphicFramePr>
+            <a:graphicFrameLocks noGrp="1"/>
+          </p:cNvGraphicFramePr>
+          <p:nvPr>
+            <p:ph idx="1"/>
+            <p:extLst>
+              <p:ext uri="{D42A27DB-BD31-4B8C-83A1-F6EECF244321}">
+                <p14:modId xmlns:p14="http://schemas.microsoft.com/office/powerpoint/2010/main" val="915666754"/>
+              </p:ext>
+            </p:extLst>
+          </p:nvPr>
+        </p:nvGraphicFramePr>
+        <p:xfrm>
+          <a:off x="5194300" y="470924"/>
+          <a:ext cx="6513604" cy="5885426"/>
+        </p:xfrm>
+        <a:graphic>
+          <a:graphicData uri="http://schemas.openxmlformats.org/drawingml/2006/diagram">
+            <dgm:relIds xmlns:dgm="http://schemas.openxmlformats.org/drawingml/2006/diagram" xmlns:r="http://schemas.openxmlformats.org/officeDocument/2006/relationships" r:dm="rId2" r:lo="rId3" r:qs="rId4" r:cs="rId5"/>
+          </a:graphicData>
+        </a:graphic>
+      </p:graphicFrame>
     </p:spTree>
     <p:extLst>
       <p:ext uri="{BB962C8B-B14F-4D97-AF65-F5344CB8AC3E}">
@@ -4837,6 +12039,14 @@
 <file path=ppt/slides/slide7.xml><?xml version="1.0" encoding="utf-8"?>
 <p:sld xmlns:a="http://schemas.openxmlformats.org/drawingml/2006/main" xmlns:r="http://schemas.openxmlformats.org/officeDocument/2006/relationships" xmlns:p="http://schemas.openxmlformats.org/presentationml/2006/main">
   <p:cSld>
+    <p:bg>
+      <p:bgPr>
+        <a:solidFill>
+          <a:schemeClr val="bg1"/>
+        </a:solidFill>
+        <a:effectLst/>
+      </p:bgPr>
+    </p:bg>
     <p:spTree>
       <p:nvGrpSpPr>
         <p:cNvPr id="1" name=""/>
@@ -4853,6 +12063,487 @@
       </p:grpSpPr>
       <p:sp>
         <p:nvSpPr>
+          <p:cNvPr id="15" name="Freeform: Shape 9">
+            <a:extLst>
+              <a:ext uri="{FF2B5EF4-FFF2-40B4-BE49-F238E27FC236}">
+                <a16:creationId xmlns:a16="http://schemas.microsoft.com/office/drawing/2014/main" id="{46C2E80F-49A6-4372-B103-219D417A55ED}"/>
+              </a:ext>
+              <a:ext uri="{C183D7F6-B498-43B3-948B-1728B52AA6E4}">
+                <adec:decorative xmlns:adec="http://schemas.microsoft.com/office/drawing/2017/decorative" val="1"/>
+              </a:ext>
+            </a:extLst>
+          </p:cNvPr>
+          <p:cNvSpPr>
+            <a:spLocks noGrp="1" noRot="1" noChangeAspect="1" noMove="1" noResize="1" noEditPoints="1" noAdjustHandles="1" noChangeArrowheads="1" noChangeShapeType="1" noTextEdit="1"/>
+          </p:cNvSpPr>
+          <p:nvPr>
+            <p:extLst>
+              <p:ext uri="{386F3935-93C4-4BCD-93E2-E3B085C9AB24}">
+                <p16:designElem xmlns:p16="http://schemas.microsoft.com/office/powerpoint/2015/main" val="1"/>
+              </p:ext>
+            </p:extLst>
+          </p:nvPr>
+        </p:nvSpPr>
+        <p:spPr>
+          <a:xfrm>
+            <a:off x="484096" y="470925"/>
+            <a:ext cx="4381009" cy="5892104"/>
+          </a:xfrm>
+          <a:custGeom>
+            <a:avLst/>
+            <a:gdLst>
+              <a:gd name="connsiteX0" fmla="*/ 0 w 4381009"/>
+              <a:gd name="connsiteY0" fmla="*/ 0 h 5892104"/>
+              <a:gd name="connsiteX1" fmla="*/ 4157628 w 4381009"/>
+              <a:gd name="connsiteY1" fmla="*/ 0 h 5892104"/>
+              <a:gd name="connsiteX2" fmla="*/ 4169302 w 4381009"/>
+              <a:gd name="connsiteY2" fmla="*/ 68659 h 5892104"/>
+              <a:gd name="connsiteX3" fmla="*/ 4191571 w 4381009"/>
+              <a:gd name="connsiteY3" fmla="*/ 205472 h 5892104"/>
+              <a:gd name="connsiteX4" fmla="*/ 4213368 w 4381009"/>
+              <a:gd name="connsiteY4" fmla="*/ 342890 h 5892104"/>
+              <a:gd name="connsiteX5" fmla="*/ 4232030 w 4381009"/>
+              <a:gd name="connsiteY5" fmla="*/ 480913 h 5892104"/>
+              <a:gd name="connsiteX6" fmla="*/ 4250848 w 4381009"/>
+              <a:gd name="connsiteY6" fmla="*/ 618332 h 5892104"/>
+              <a:gd name="connsiteX7" fmla="*/ 4268412 w 4381009"/>
+              <a:gd name="connsiteY7" fmla="*/ 756355 h 5892104"/>
+              <a:gd name="connsiteX8" fmla="*/ 4283467 w 4381009"/>
+              <a:gd name="connsiteY8" fmla="*/ 892563 h 5892104"/>
+              <a:gd name="connsiteX9" fmla="*/ 4297737 w 4381009"/>
+              <a:gd name="connsiteY9" fmla="*/ 1030587 h 5892104"/>
+              <a:gd name="connsiteX10" fmla="*/ 4310754 w 4381009"/>
+              <a:gd name="connsiteY10" fmla="*/ 1168005 h 5892104"/>
+              <a:gd name="connsiteX11" fmla="*/ 4322045 w 4381009"/>
+              <a:gd name="connsiteY11" fmla="*/ 1303002 h 5892104"/>
+              <a:gd name="connsiteX12" fmla="*/ 4333336 w 4381009"/>
+              <a:gd name="connsiteY12" fmla="*/ 1439815 h 5892104"/>
+              <a:gd name="connsiteX13" fmla="*/ 4342745 w 4381009"/>
+              <a:gd name="connsiteY13" fmla="*/ 1574812 h 5892104"/>
+              <a:gd name="connsiteX14" fmla="*/ 4350115 w 4381009"/>
+              <a:gd name="connsiteY14" fmla="*/ 1709808 h 5892104"/>
+              <a:gd name="connsiteX15" fmla="*/ 4357799 w 4381009"/>
+              <a:gd name="connsiteY15" fmla="*/ 1844200 h 5892104"/>
+              <a:gd name="connsiteX16" fmla="*/ 4364229 w 4381009"/>
+              <a:gd name="connsiteY16" fmla="*/ 1977381 h 5892104"/>
+              <a:gd name="connsiteX17" fmla="*/ 4368777 w 4381009"/>
+              <a:gd name="connsiteY17" fmla="*/ 2109351 h 5892104"/>
+              <a:gd name="connsiteX18" fmla="*/ 4372697 w 4381009"/>
+              <a:gd name="connsiteY18" fmla="*/ 2241321 h 5892104"/>
+              <a:gd name="connsiteX19" fmla="*/ 4376461 w 4381009"/>
+              <a:gd name="connsiteY19" fmla="*/ 2372080 h 5892104"/>
+              <a:gd name="connsiteX20" fmla="*/ 4378186 w 4381009"/>
+              <a:gd name="connsiteY20" fmla="*/ 2501023 h 5892104"/>
+              <a:gd name="connsiteX21" fmla="*/ 4380068 w 4381009"/>
+              <a:gd name="connsiteY21" fmla="*/ 2629966 h 5892104"/>
+              <a:gd name="connsiteX22" fmla="*/ 4381009 w 4381009"/>
+              <a:gd name="connsiteY22" fmla="*/ 2757093 h 5892104"/>
+              <a:gd name="connsiteX23" fmla="*/ 4380068 w 4381009"/>
+              <a:gd name="connsiteY23" fmla="*/ 2883010 h 5892104"/>
+              <a:gd name="connsiteX24" fmla="*/ 4380068 w 4381009"/>
+              <a:gd name="connsiteY24" fmla="*/ 3007715 h 5892104"/>
+              <a:gd name="connsiteX25" fmla="*/ 4378186 w 4381009"/>
+              <a:gd name="connsiteY25" fmla="*/ 3131210 h 5892104"/>
+              <a:gd name="connsiteX26" fmla="*/ 4375363 w 4381009"/>
+              <a:gd name="connsiteY26" fmla="*/ 3252283 h 5892104"/>
+              <a:gd name="connsiteX27" fmla="*/ 4372697 w 4381009"/>
+              <a:gd name="connsiteY27" fmla="*/ 3372146 h 5892104"/>
+              <a:gd name="connsiteX28" fmla="*/ 4369718 w 4381009"/>
+              <a:gd name="connsiteY28" fmla="*/ 3489587 h 5892104"/>
+              <a:gd name="connsiteX29" fmla="*/ 4365170 w 4381009"/>
+              <a:gd name="connsiteY29" fmla="*/ 3606423 h 5892104"/>
+              <a:gd name="connsiteX30" fmla="*/ 4360309 w 4381009"/>
+              <a:gd name="connsiteY30" fmla="*/ 3721443 h 5892104"/>
+              <a:gd name="connsiteX31" fmla="*/ 4355918 w 4381009"/>
+              <a:gd name="connsiteY31" fmla="*/ 3834041 h 5892104"/>
+              <a:gd name="connsiteX32" fmla="*/ 4343529 w 4381009"/>
+              <a:gd name="connsiteY32" fmla="*/ 4053789 h 5892104"/>
+              <a:gd name="connsiteX33" fmla="*/ 4330356 w 4381009"/>
+              <a:gd name="connsiteY33" fmla="*/ 4264457 h 5892104"/>
+              <a:gd name="connsiteX34" fmla="*/ 4316556 w 4381009"/>
+              <a:gd name="connsiteY34" fmla="*/ 4466650 h 5892104"/>
+              <a:gd name="connsiteX35" fmla="*/ 4301344 w 4381009"/>
+              <a:gd name="connsiteY35" fmla="*/ 4657946 h 5892104"/>
+              <a:gd name="connsiteX36" fmla="*/ 4285506 w 4381009"/>
+              <a:gd name="connsiteY36" fmla="*/ 4840767 h 5892104"/>
+              <a:gd name="connsiteX37" fmla="*/ 4268412 w 4381009"/>
+              <a:gd name="connsiteY37" fmla="*/ 5010269 h 5892104"/>
+              <a:gd name="connsiteX38" fmla="*/ 4251633 w 4381009"/>
+              <a:gd name="connsiteY38" fmla="*/ 5169481 h 5892104"/>
+              <a:gd name="connsiteX39" fmla="*/ 4234853 w 4381009"/>
+              <a:gd name="connsiteY39" fmla="*/ 5315980 h 5892104"/>
+              <a:gd name="connsiteX40" fmla="*/ 4219014 w 4381009"/>
+              <a:gd name="connsiteY40" fmla="*/ 5450371 h 5892104"/>
+              <a:gd name="connsiteX41" fmla="*/ 4203959 w 4381009"/>
+              <a:gd name="connsiteY41" fmla="*/ 5569628 h 5892104"/>
+              <a:gd name="connsiteX42" fmla="*/ 4189689 w 4381009"/>
+              <a:gd name="connsiteY42" fmla="*/ 5677384 h 5892104"/>
+              <a:gd name="connsiteX43" fmla="*/ 4177770 w 4381009"/>
+              <a:gd name="connsiteY43" fmla="*/ 5768189 h 5892104"/>
+              <a:gd name="connsiteX44" fmla="*/ 4166479 w 4381009"/>
+              <a:gd name="connsiteY44" fmla="*/ 5844465 h 5892104"/>
+              <a:gd name="connsiteX45" fmla="*/ 4159132 w 4381009"/>
+              <a:gd name="connsiteY45" fmla="*/ 5892104 h 5892104"/>
+              <a:gd name="connsiteX46" fmla="*/ 0 w 4381009"/>
+              <a:gd name="connsiteY46" fmla="*/ 5892104 h 5892104"/>
+            </a:gdLst>
+            <a:ahLst/>
+            <a:cxnLst>
+              <a:cxn ang="0">
+                <a:pos x="connsiteX0" y="connsiteY0"/>
+              </a:cxn>
+              <a:cxn ang="0">
+                <a:pos x="connsiteX1" y="connsiteY1"/>
+              </a:cxn>
+              <a:cxn ang="0">
+                <a:pos x="connsiteX2" y="connsiteY2"/>
+              </a:cxn>
+              <a:cxn ang="0">
+                <a:pos x="connsiteX3" y="connsiteY3"/>
+              </a:cxn>
+              <a:cxn ang="0">
+                <a:pos x="connsiteX4" y="connsiteY4"/>
+              </a:cxn>
+              <a:cxn ang="0">
+                <a:pos x="connsiteX5" y="connsiteY5"/>
+              </a:cxn>
+              <a:cxn ang="0">
+                <a:pos x="connsiteX6" y="connsiteY6"/>
+              </a:cxn>
+              <a:cxn ang="0">
+                <a:pos x="connsiteX7" y="connsiteY7"/>
+              </a:cxn>
+              <a:cxn ang="0">
+                <a:pos x="connsiteX8" y="connsiteY8"/>
+              </a:cxn>
+              <a:cxn ang="0">
+                <a:pos x="connsiteX9" y="connsiteY9"/>
+              </a:cxn>
+              <a:cxn ang="0">
+                <a:pos x="connsiteX10" y="connsiteY10"/>
+              </a:cxn>
+              <a:cxn ang="0">
+                <a:pos x="connsiteX11" y="connsiteY11"/>
+              </a:cxn>
+              <a:cxn ang="0">
+                <a:pos x="connsiteX12" y="connsiteY12"/>
+              </a:cxn>
+              <a:cxn ang="0">
+                <a:pos x="connsiteX13" y="connsiteY13"/>
+              </a:cxn>
+              <a:cxn ang="0">
+                <a:pos x="connsiteX14" y="connsiteY14"/>
+              </a:cxn>
+              <a:cxn ang="0">
+                <a:pos x="connsiteX15" y="connsiteY15"/>
+              </a:cxn>
+              <a:cxn ang="0">
+                <a:pos x="connsiteX16" y="connsiteY16"/>
+              </a:cxn>
+              <a:cxn ang="0">
+                <a:pos x="connsiteX17" y="connsiteY17"/>
+              </a:cxn>
+              <a:cxn ang="0">
+                <a:pos x="connsiteX18" y="connsiteY18"/>
+              </a:cxn>
+              <a:cxn ang="0">
+                <a:pos x="connsiteX19" y="connsiteY19"/>
+              </a:cxn>
+              <a:cxn ang="0">
+                <a:pos x="connsiteX20" y="connsiteY20"/>
+              </a:cxn>
+              <a:cxn ang="0">
+                <a:pos x="connsiteX21" y="connsiteY21"/>
+              </a:cxn>
+              <a:cxn ang="0">
+                <a:pos x="connsiteX22" y="connsiteY22"/>
+              </a:cxn>
+              <a:cxn ang="0">
+                <a:pos x="connsiteX23" y="connsiteY23"/>
+              </a:cxn>
+              <a:cxn ang="0">
+                <a:pos x="connsiteX24" y="connsiteY24"/>
+              </a:cxn>
+              <a:cxn ang="0">
+                <a:pos x="connsiteX25" y="connsiteY25"/>
+              </a:cxn>
+              <a:cxn ang="0">
+                <a:pos x="connsiteX26" y="connsiteY26"/>
+              </a:cxn>
+              <a:cxn ang="0">
+                <a:pos x="connsiteX27" y="connsiteY27"/>
+              </a:cxn>
+              <a:cxn ang="0">
+                <a:pos x="connsiteX28" y="connsiteY28"/>
+              </a:cxn>
+              <a:cxn ang="0">
+                <a:pos x="connsiteX29" y="connsiteY29"/>
+              </a:cxn>
+              <a:cxn ang="0">
+                <a:pos x="connsiteX30" y="connsiteY30"/>
+              </a:cxn>
+              <a:cxn ang="0">
+                <a:pos x="connsiteX31" y="connsiteY31"/>
+              </a:cxn>
+              <a:cxn ang="0">
+                <a:pos x="connsiteX32" y="connsiteY32"/>
+              </a:cxn>
+              <a:cxn ang="0">
+                <a:pos x="connsiteX33" y="connsiteY33"/>
+              </a:cxn>
+              <a:cxn ang="0">
+                <a:pos x="connsiteX34" y="connsiteY34"/>
+              </a:cxn>
+              <a:cxn ang="0">
+                <a:pos x="connsiteX35" y="connsiteY35"/>
+              </a:cxn>
+              <a:cxn ang="0">
+                <a:pos x="connsiteX36" y="connsiteY36"/>
+              </a:cxn>
+              <a:cxn ang="0">
+                <a:pos x="connsiteX37" y="connsiteY37"/>
+              </a:cxn>
+              <a:cxn ang="0">
+                <a:pos x="connsiteX38" y="connsiteY38"/>
+              </a:cxn>
+              <a:cxn ang="0">
+                <a:pos x="connsiteX39" y="connsiteY39"/>
+              </a:cxn>
+              <a:cxn ang="0">
+                <a:pos x="connsiteX40" y="connsiteY40"/>
+              </a:cxn>
+              <a:cxn ang="0">
+                <a:pos x="connsiteX41" y="connsiteY41"/>
+              </a:cxn>
+              <a:cxn ang="0">
+                <a:pos x="connsiteX42" y="connsiteY42"/>
+              </a:cxn>
+              <a:cxn ang="0">
+                <a:pos x="connsiteX43" y="connsiteY43"/>
+              </a:cxn>
+              <a:cxn ang="0">
+                <a:pos x="connsiteX44" y="connsiteY44"/>
+              </a:cxn>
+              <a:cxn ang="0">
+                <a:pos x="connsiteX45" y="connsiteY45"/>
+              </a:cxn>
+              <a:cxn ang="0">
+                <a:pos x="connsiteX46" y="connsiteY46"/>
+              </a:cxn>
+            </a:cxnLst>
+            <a:rect l="l" t="t" r="r" b="b"/>
+            <a:pathLst>
+              <a:path w="4381009" h="5892104">
+                <a:moveTo>
+                  <a:pt x="0" y="0"/>
+                </a:moveTo>
+                <a:lnTo>
+                  <a:pt x="4157628" y="0"/>
+                </a:lnTo>
+                <a:lnTo>
+                  <a:pt x="4169302" y="68659"/>
+                </a:lnTo>
+                <a:lnTo>
+                  <a:pt x="4191571" y="205472"/>
+                </a:lnTo>
+                <a:lnTo>
+                  <a:pt x="4213368" y="342890"/>
+                </a:lnTo>
+                <a:lnTo>
+                  <a:pt x="4232030" y="480913"/>
+                </a:lnTo>
+                <a:lnTo>
+                  <a:pt x="4250848" y="618332"/>
+                </a:lnTo>
+                <a:lnTo>
+                  <a:pt x="4268412" y="756355"/>
+                </a:lnTo>
+                <a:lnTo>
+                  <a:pt x="4283467" y="892563"/>
+                </a:lnTo>
+                <a:lnTo>
+                  <a:pt x="4297737" y="1030587"/>
+                </a:lnTo>
+                <a:lnTo>
+                  <a:pt x="4310754" y="1168005"/>
+                </a:lnTo>
+                <a:lnTo>
+                  <a:pt x="4322045" y="1303002"/>
+                </a:lnTo>
+                <a:lnTo>
+                  <a:pt x="4333336" y="1439815"/>
+                </a:lnTo>
+                <a:lnTo>
+                  <a:pt x="4342745" y="1574812"/>
+                </a:lnTo>
+                <a:lnTo>
+                  <a:pt x="4350115" y="1709808"/>
+                </a:lnTo>
+                <a:lnTo>
+                  <a:pt x="4357799" y="1844200"/>
+                </a:lnTo>
+                <a:lnTo>
+                  <a:pt x="4364229" y="1977381"/>
+                </a:lnTo>
+                <a:lnTo>
+                  <a:pt x="4368777" y="2109351"/>
+                </a:lnTo>
+                <a:lnTo>
+                  <a:pt x="4372697" y="2241321"/>
+                </a:lnTo>
+                <a:lnTo>
+                  <a:pt x="4376461" y="2372080"/>
+                </a:lnTo>
+                <a:lnTo>
+                  <a:pt x="4378186" y="2501023"/>
+                </a:lnTo>
+                <a:lnTo>
+                  <a:pt x="4380068" y="2629966"/>
+                </a:lnTo>
+                <a:lnTo>
+                  <a:pt x="4381009" y="2757093"/>
+                </a:lnTo>
+                <a:lnTo>
+                  <a:pt x="4380068" y="2883010"/>
+                </a:lnTo>
+                <a:lnTo>
+                  <a:pt x="4380068" y="3007715"/>
+                </a:lnTo>
+                <a:lnTo>
+                  <a:pt x="4378186" y="3131210"/>
+                </a:lnTo>
+                <a:lnTo>
+                  <a:pt x="4375363" y="3252283"/>
+                </a:lnTo>
+                <a:lnTo>
+                  <a:pt x="4372697" y="3372146"/>
+                </a:lnTo>
+                <a:lnTo>
+                  <a:pt x="4369718" y="3489587"/>
+                </a:lnTo>
+                <a:lnTo>
+                  <a:pt x="4365170" y="3606423"/>
+                </a:lnTo>
+                <a:lnTo>
+                  <a:pt x="4360309" y="3721443"/>
+                </a:lnTo>
+                <a:lnTo>
+                  <a:pt x="4355918" y="3834041"/>
+                </a:lnTo>
+                <a:lnTo>
+                  <a:pt x="4343529" y="4053789"/>
+                </a:lnTo>
+                <a:lnTo>
+                  <a:pt x="4330356" y="4264457"/>
+                </a:lnTo>
+                <a:lnTo>
+                  <a:pt x="4316556" y="4466650"/>
+                </a:lnTo>
+                <a:lnTo>
+                  <a:pt x="4301344" y="4657946"/>
+                </a:lnTo>
+                <a:lnTo>
+                  <a:pt x="4285506" y="4840767"/>
+                </a:lnTo>
+                <a:lnTo>
+                  <a:pt x="4268412" y="5010269"/>
+                </a:lnTo>
+                <a:lnTo>
+                  <a:pt x="4251633" y="5169481"/>
+                </a:lnTo>
+                <a:lnTo>
+                  <a:pt x="4234853" y="5315980"/>
+                </a:lnTo>
+                <a:lnTo>
+                  <a:pt x="4219014" y="5450371"/>
+                </a:lnTo>
+                <a:lnTo>
+                  <a:pt x="4203959" y="5569628"/>
+                </a:lnTo>
+                <a:lnTo>
+                  <a:pt x="4189689" y="5677384"/>
+                </a:lnTo>
+                <a:lnTo>
+                  <a:pt x="4177770" y="5768189"/>
+                </a:lnTo>
+                <a:lnTo>
+                  <a:pt x="4166479" y="5844465"/>
+                </a:lnTo>
+                <a:lnTo>
+                  <a:pt x="4159132" y="5892104"/>
+                </a:lnTo>
+                <a:lnTo>
+                  <a:pt x="0" y="5892104"/>
+                </a:lnTo>
+                <a:close/>
+              </a:path>
+            </a:pathLst>
+          </a:custGeom>
+          <a:solidFill>
+            <a:srgbClr val="404040"/>
+          </a:solidFill>
+          <a:ln>
+            <a:noFill/>
+          </a:ln>
+        </p:spPr>
+        <p:style>
+          <a:lnRef idx="2">
+            <a:schemeClr val="accent1">
+              <a:shade val="50000"/>
+            </a:schemeClr>
+          </a:lnRef>
+          <a:fillRef idx="1">
+            <a:schemeClr val="accent1"/>
+          </a:fillRef>
+          <a:effectRef idx="0">
+            <a:schemeClr val="accent1"/>
+          </a:effectRef>
+          <a:fontRef idx="minor">
+            <a:schemeClr val="lt1"/>
+          </a:fontRef>
+        </p:style>
+        <p:txBody>
+          <a:bodyPr wrap="square" rtlCol="0" anchor="ctr">
+            <a:noAutofit/>
+          </a:bodyPr>
+          <a:lstStyle/>
+          <a:p>
+            <a:pPr marL="0" marR="0" lvl="0" indent="0" algn="ctr" defTabSz="457200" rtl="0" eaLnBrk="1" fontAlgn="auto" latinLnBrk="0" hangingPunct="1">
+              <a:lnSpc>
+                <a:spcPct val="100000"/>
+              </a:lnSpc>
+              <a:spcBef>
+                <a:spcPts val="0"/>
+              </a:spcBef>
+              <a:spcAft>
+                <a:spcPts val="0"/>
+              </a:spcAft>
+              <a:buClrTx/>
+              <a:buSzTx/>
+              <a:buFontTx/>
+              <a:buNone/>
+              <a:tabLst/>
+              <a:defRPr/>
+            </a:pPr>
+            <a:endParaRPr kumimoji="0" lang="en-US" sz="1800" b="0" i="0" u="none" strike="noStrike" kern="1200" cap="none" spc="0" normalizeH="0" baseline="0" noProof="0">
+              <a:ln>
+                <a:noFill/>
+              </a:ln>
+              <a:solidFill>
+                <a:prstClr val="white"/>
+              </a:solidFill>
+              <a:effectLst/>
+              <a:uLnTx/>
+              <a:uFillTx/>
+              <a:latin typeface="Calibri" panose="020F0502020204030204"/>
+              <a:ea typeface="+mn-ea"/>
+              <a:cs typeface="+mn-cs"/>
+            </a:endParaRPr>
+          </a:p>
+        </p:txBody>
+      </p:sp>
+      <p:sp>
+        <p:nvSpPr>
           <p:cNvPr id="2" name="Tittel 1">
             <a:extLst>
               <a:ext uri="{FF2B5EF4-FFF2-40B4-BE49-F238E27FC236}">
@@ -4867,97 +12558,60 @@
             <p:ph type="title"/>
           </p:nvPr>
         </p:nvSpPr>
-        <p:spPr/>
+        <p:spPr>
+          <a:xfrm>
+            <a:off x="863029" y="1012004"/>
+            <a:ext cx="3416158" cy="4795408"/>
+          </a:xfrm>
+        </p:spPr>
         <p:txBody>
-          <a:bodyPr/>
+          <a:bodyPr>
+            <a:normAutofit/>
+          </a:bodyPr>
           <a:lstStyle/>
           <a:p>
             <a:r>
-              <a:rPr lang="nb-NO" dirty="0"/>
+              <a:rPr lang="nb-NO">
+                <a:solidFill>
+                  <a:srgbClr val="FFFFFF"/>
+                </a:solidFill>
+              </a:rPr>
               <a:t>Eksempel</a:t>
             </a:r>
           </a:p>
         </p:txBody>
       </p:sp>
-      <p:sp>
-        <p:nvSpPr>
-          <p:cNvPr id="3" name="Plassholder for innhold 2">
+      <p:graphicFrame>
+        <p:nvGraphicFramePr>
+          <p:cNvPr id="16" name="Plassholder for innhold 2">
             <a:extLst>
               <a:ext uri="{FF2B5EF4-FFF2-40B4-BE49-F238E27FC236}">
-                <a16:creationId xmlns:a16="http://schemas.microsoft.com/office/drawing/2014/main" id="{4297DB2C-41A5-4C33-93DC-AA0BF79CDFCD}"/>
+                <a16:creationId xmlns:a16="http://schemas.microsoft.com/office/drawing/2014/main" id="{FCFA91B5-0EC0-46D0-9FE4-F365B397A85B}"/>
               </a:ext>
             </a:extLst>
           </p:cNvPr>
-          <p:cNvSpPr>
-            <a:spLocks noGrp="1"/>
-          </p:cNvSpPr>
+          <p:cNvGraphicFramePr>
+            <a:graphicFrameLocks noGrp="1"/>
+          </p:cNvGraphicFramePr>
           <p:nvPr>
             <p:ph idx="1"/>
+            <p:extLst>
+              <p:ext uri="{D42A27DB-BD31-4B8C-83A1-F6EECF244321}">
+                <p14:modId xmlns:p14="http://schemas.microsoft.com/office/powerpoint/2010/main" val="154637403"/>
+              </p:ext>
+            </p:extLst>
           </p:nvPr>
-        </p:nvSpPr>
-        <p:spPr/>
-        <p:txBody>
-          <a:bodyPr/>
-          <a:lstStyle/>
-          <a:p>
-            <a:r>
-              <a:rPr lang="nb-NO" dirty="0" err="1"/>
-              <a:t>Fibonaccitallene</a:t>
-            </a:r>
-            <a:r>
-              <a:rPr lang="nb-NO" dirty="0"/>
-              <a:t> Side 92</a:t>
-            </a:r>
-          </a:p>
-          <a:p>
-            <a:r>
-              <a:rPr lang="nb-NO" dirty="0"/>
-              <a:t>Å summere alle tallene fra en til hundre Side 92</a:t>
-            </a:r>
-          </a:p>
-          <a:p>
-            <a:r>
-              <a:rPr lang="nb-NO" dirty="0"/>
-              <a:t>Gangetabell Side 93</a:t>
-            </a:r>
-          </a:p>
-          <a:p>
-            <a:r>
-              <a:rPr lang="nb-NO" dirty="0"/>
-              <a:t>For-løkke med flere variabler Side 94</a:t>
-            </a:r>
-          </a:p>
-          <a:p>
-            <a:endParaRPr lang="nb-NO" dirty="0"/>
-          </a:p>
-          <a:p>
-            <a:endParaRPr lang="nb-NO" dirty="0"/>
-          </a:p>
-          <a:p>
-            <a:r>
-              <a:rPr lang="nb-NO" dirty="0">
-                <a:solidFill>
-                  <a:srgbClr val="008000"/>
-                </a:solidFill>
-              </a:rPr>
-              <a:t>PRØV SELV side 94</a:t>
-            </a:r>
-          </a:p>
-          <a:p>
-            <a:r>
-              <a:rPr lang="nb-NO" dirty="0">
-                <a:solidFill>
-                  <a:srgbClr val="008000"/>
-                </a:solidFill>
-              </a:rPr>
-              <a:t>Ekstrastoff Tegne i canvas med for-løkke</a:t>
-            </a:r>
-          </a:p>
-          <a:p>
-            <a:endParaRPr lang="nb-NO" dirty="0"/>
-          </a:p>
-        </p:txBody>
-      </p:sp>
+        </p:nvGraphicFramePr>
+        <p:xfrm>
+          <a:off x="5194300" y="470924"/>
+          <a:ext cx="6513604" cy="5885426"/>
+        </p:xfrm>
+        <a:graphic>
+          <a:graphicData uri="http://schemas.openxmlformats.org/drawingml/2006/diagram">
+            <dgm:relIds xmlns:dgm="http://schemas.openxmlformats.org/drawingml/2006/diagram" xmlns:r="http://schemas.openxmlformats.org/officeDocument/2006/relationships" r:dm="rId2" r:lo="rId3" r:qs="rId4" r:cs="rId5"/>
+          </a:graphicData>
+        </a:graphic>
+      </p:graphicFrame>
     </p:spTree>
     <p:extLst>
       <p:ext uri="{BB962C8B-B14F-4D97-AF65-F5344CB8AC3E}">
@@ -5267,6 +12921,21 @@
 </file>
 
 <file path=customXml/item1.xml><?xml version="1.0" encoding="utf-8"?>
+<p:properties xmlns:p="http://schemas.microsoft.com/office/2006/metadata/properties" xmlns:xsi="http://www.w3.org/2001/XMLSchema-instance" xmlns:pc="http://schemas.microsoft.com/office/infopath/2007/PartnerControls">
+  <documentManagement/>
+</p:properties>
+</file>
+
+<file path=customXml/item2.xml><?xml version="1.0" encoding="utf-8"?>
+<?mso-contentType ?>
+<FormTemplates xmlns="http://schemas.microsoft.com/sharepoint/v3/contenttype/forms">
+  <Display>DocumentLibraryForm</Display>
+  <Edit>DocumentLibraryForm</Edit>
+  <New>DocumentLibraryForm</New>
+</FormTemplates>
+</file>
+
+<file path=customXml/item3.xml><?xml version="1.0" encoding="utf-8"?>
 <ct:contentTypeSchema xmlns:ct="http://schemas.microsoft.com/office/2006/metadata/contentType" xmlns:ma="http://schemas.microsoft.com/office/2006/metadata/properties/metaAttributes" ct:_="" ma:_="" ma:contentTypeName="Dokument" ma:contentTypeID="0x01010045865D2A2404A340A9116C967D5A8A18" ma:contentTypeVersion="8" ma:contentTypeDescription="Opprett et nytt dokument." ma:contentTypeScope="" ma:versionID="c1170821e5ddd0badc770b112e96b910">
   <xsd:schema xmlns:xsd="http://www.w3.org/2001/XMLSchema" xmlns:xs="http://www.w3.org/2001/XMLSchema" xmlns:p="http://schemas.microsoft.com/office/2006/metadata/properties" xmlns:ns3="7ee59893-5bfb-4ba5-ba61-3f9ac5a63a3a" targetNamespace="http://schemas.microsoft.com/office/2006/metadata/properties" ma:root="true" ma:fieldsID="105b5d8b40729520ebc3a32ed622274c" ns3:_="">
     <xsd:import namespace="7ee59893-5bfb-4ba5-ba61-3f9ac5a63a3a"/>
@@ -5436,22 +13105,31 @@
 </ct:contentTypeSchema>
 </file>
 
-<file path=customXml/item2.xml><?xml version="1.0" encoding="utf-8"?>
-<?mso-contentType ?>
-<FormTemplates xmlns="http://schemas.microsoft.com/sharepoint/v3/contenttype/forms">
-  <Display>DocumentLibraryForm</Display>
-  <Edit>DocumentLibraryForm</Edit>
-  <New>DocumentLibraryForm</New>
-</FormTemplates>
+<file path=customXml/itemProps1.xml><?xml version="1.0" encoding="utf-8"?>
+<ds:datastoreItem xmlns:ds="http://schemas.openxmlformats.org/officeDocument/2006/customXml" ds:itemID="{8617A9C9-C858-468D-A625-2A8A8AF1C831}">
+  <ds:schemaRefs>
+    <ds:schemaRef ds:uri="http://schemas.microsoft.com/office/2006/documentManagement/types"/>
+    <ds:schemaRef ds:uri="http://schemas.microsoft.com/office/infopath/2007/PartnerControls"/>
+    <ds:schemaRef ds:uri="http://purl.org/dc/elements/1.1/"/>
+    <ds:schemaRef ds:uri="http://schemas.microsoft.com/office/2006/metadata/properties"/>
+    <ds:schemaRef ds:uri="7ee59893-5bfb-4ba5-ba61-3f9ac5a63a3a"/>
+    <ds:schemaRef ds:uri="http://purl.org/dc/terms/"/>
+    <ds:schemaRef ds:uri="http://schemas.openxmlformats.org/package/2006/metadata/core-properties"/>
+    <ds:schemaRef ds:uri="http://www.w3.org/XML/1998/namespace"/>
+    <ds:schemaRef ds:uri="http://purl.org/dc/dcmitype/"/>
+  </ds:schemaRefs>
+</ds:datastoreItem>
 </file>
 
-<file path=customXml/item3.xml><?xml version="1.0" encoding="utf-8"?>
-<p:properties xmlns:p="http://schemas.microsoft.com/office/2006/metadata/properties" xmlns:xsi="http://www.w3.org/2001/XMLSchema-instance" xmlns:pc="http://schemas.microsoft.com/office/infopath/2007/PartnerControls">
-  <documentManagement/>
-</p:properties>
+<file path=customXml/itemProps2.xml><?xml version="1.0" encoding="utf-8"?>
+<ds:datastoreItem xmlns:ds="http://schemas.openxmlformats.org/officeDocument/2006/customXml" ds:itemID="{781A7D2C-7166-4FBF-958F-F45087E3C041}">
+  <ds:schemaRefs>
+    <ds:schemaRef ds:uri="http://schemas.microsoft.com/sharepoint/v3/contenttype/forms"/>
+  </ds:schemaRefs>
+</ds:datastoreItem>
 </file>
 
-<file path=customXml/itemProps1.xml><?xml version="1.0" encoding="utf-8"?>
+<file path=customXml/itemProps3.xml><?xml version="1.0" encoding="utf-8"?>
 <ds:datastoreItem xmlns:ds="http://schemas.openxmlformats.org/officeDocument/2006/customXml" ds:itemID="{5D471E1F-44B9-4DB0-AEA0-5229E9124557}">
   <ds:schemaRefs>
     <ds:schemaRef ds:uri="http://schemas.microsoft.com/office/2006/metadata/contentType"/>
@@ -5467,28 +13145,4 @@
     <ds:schemaRef ds:uri="http://schemas.microsoft.com/internal/obd"/>
   </ds:schemaRefs>
 </ds:datastoreItem>
-</file>
-
-<file path=customXml/itemProps2.xml><?xml version="1.0" encoding="utf-8"?>
-<ds:datastoreItem xmlns:ds="http://schemas.openxmlformats.org/officeDocument/2006/customXml" ds:itemID="{781A7D2C-7166-4FBF-958F-F45087E3C041}">
-  <ds:schemaRefs>
-    <ds:schemaRef ds:uri="http://schemas.microsoft.com/sharepoint/v3/contenttype/forms"/>
-  </ds:schemaRefs>
-</ds:datastoreItem>
-</file>
-
-<file path=customXml/itemProps3.xml><?xml version="1.0" encoding="utf-8"?>
-<ds:datastoreItem xmlns:ds="http://schemas.openxmlformats.org/officeDocument/2006/customXml" ds:itemID="{8617A9C9-C858-468D-A625-2A8A8AF1C831}">
-  <ds:schemaRefs>
-    <ds:schemaRef ds:uri="7ee59893-5bfb-4ba5-ba61-3f9ac5a63a3a"/>
-    <ds:schemaRef ds:uri="http://purl.org/dc/terms/"/>
-    <ds:schemaRef ds:uri="http://schemas.openxmlformats.org/package/2006/metadata/core-properties"/>
-    <ds:schemaRef ds:uri="http://schemas.microsoft.com/office/2006/documentManagement/types"/>
-    <ds:schemaRef ds:uri="http://schemas.microsoft.com/office/infopath/2007/PartnerControls"/>
-    <ds:schemaRef ds:uri="http://purl.org/dc/elements/1.1/"/>
-    <ds:schemaRef ds:uri="http://schemas.microsoft.com/office/2006/metadata/properties"/>
-    <ds:schemaRef ds:uri="http://www.w3.org/XML/1998/namespace"/>
-    <ds:schemaRef ds:uri="http://purl.org/dc/dcmitype/"/>
-  </ds:schemaRefs>
-</ds:datastoreItem>
 </file>
--- a/Uke 37/Uke37.pptx
+++ b/Uke 37/Uke37.pptx
@@ -121,7 +121,7 @@
 <file path=ppt/revisionInfo.xml><?xml version="1.0" encoding="utf-8"?>
 <p1510:revInfo xmlns:a="http://schemas.openxmlformats.org/drawingml/2006/main" xmlns:r="http://schemas.openxmlformats.org/officeDocument/2006/relationships" xmlns:p1510="http://schemas.microsoft.com/office/powerpoint/2015/10/main">
   <p1510:revLst>
-    <p1510:client id="{22AA54FA-BF3D-4225-AC39-E061E38FC14E}" v="18" dt="2019-09-06T14:53:06.075"/>
+    <p1510:client id="{22AA54FA-BF3D-4225-AC39-E061E38FC14E}" v="31" dt="2019-09-11T16:51:12.757"/>
   </p1510:revLst>
 </p1510:revInfo>
 </file>
@@ -131,75 +131,12 @@
   <pc:docChgLst>
     <pc:chgData name="Aizan Magomadova" userId="b3d38ecc-02a7-4810-ad44-0e9f513517c5" providerId="ADAL" clId="{22AA54FA-BF3D-4225-AC39-E061E38FC14E}"/>
     <pc:docChg chg="undo custSel mod addSld delSld modSld">
-      <pc:chgData name="Aizan Magomadova" userId="b3d38ecc-02a7-4810-ad44-0e9f513517c5" providerId="ADAL" clId="{22AA54FA-BF3D-4225-AC39-E061E38FC14E}" dt="2019-09-06T14:56:50.102" v="69" actId="26606"/>
+      <pc:chgData name="Aizan Magomadova" userId="b3d38ecc-02a7-4810-ad44-0e9f513517c5" providerId="ADAL" clId="{22AA54FA-BF3D-4225-AC39-E061E38FC14E}" dt="2019-09-11T16:51:12.757" v="82"/>
       <pc:docMkLst>
         <pc:docMk/>
       </pc:docMkLst>
-      <pc:sldChg chg="addSp delSp modSp del">
-        <pc:chgData name="Aizan Magomadova" userId="b3d38ecc-02a7-4810-ad44-0e9f513517c5" providerId="ADAL" clId="{22AA54FA-BF3D-4225-AC39-E061E38FC14E}" dt="2019-09-06T14:53:09.914" v="30" actId="2696"/>
-        <pc:sldMkLst>
-          <pc:docMk/>
-          <pc:sldMk cId="3398389793" sldId="257"/>
-        </pc:sldMkLst>
-        <pc:spChg chg="mod">
-          <ac:chgData name="Aizan Magomadova" userId="b3d38ecc-02a7-4810-ad44-0e9f513517c5" providerId="ADAL" clId="{22AA54FA-BF3D-4225-AC39-E061E38FC14E}" dt="2019-09-06T14:51:08.714" v="12"/>
-          <ac:spMkLst>
-            <pc:docMk/>
-            <pc:sldMk cId="3398389793" sldId="257"/>
-            <ac:spMk id="4" creationId="{992CD921-5B22-4BED-ADFA-75630000E8F2}"/>
-          </ac:spMkLst>
-        </pc:spChg>
-        <pc:spChg chg="add mod">
-          <ac:chgData name="Aizan Magomadova" userId="b3d38ecc-02a7-4810-ad44-0e9f513517c5" providerId="ADAL" clId="{22AA54FA-BF3D-4225-AC39-E061E38FC14E}" dt="2019-09-06T14:52:01.511" v="19" actId="1076"/>
-          <ac:spMkLst>
-            <pc:docMk/>
-            <pc:sldMk cId="3398389793" sldId="257"/>
-            <ac:spMk id="7" creationId="{1DE76118-BE77-4BEF-A382-10224653806F}"/>
-          </ac:spMkLst>
-        </pc:spChg>
-        <pc:spChg chg="add">
-          <ac:chgData name="Aizan Magomadova" userId="b3d38ecc-02a7-4810-ad44-0e9f513517c5" providerId="ADAL" clId="{22AA54FA-BF3D-4225-AC39-E061E38FC14E}" dt="2019-09-06T14:51:22.227" v="15"/>
-          <ac:spMkLst>
-            <pc:docMk/>
-            <pc:sldMk cId="3398389793" sldId="257"/>
-            <ac:spMk id="8" creationId="{369AAD1B-A92C-489E-B7BB-55E7ABE8C51B}"/>
-          </ac:spMkLst>
-        </pc:spChg>
-        <pc:spChg chg="del mod">
-          <ac:chgData name="Aizan Magomadova" userId="b3d38ecc-02a7-4810-ad44-0e9f513517c5" providerId="ADAL" clId="{22AA54FA-BF3D-4225-AC39-E061E38FC14E}" dt="2019-09-06T14:51:16.892" v="14" actId="478"/>
-          <ac:spMkLst>
-            <pc:docMk/>
-            <pc:sldMk cId="3398389793" sldId="257"/>
-            <ac:spMk id="9" creationId="{F3296749-819D-428C-8A86-C6B56101EB98}"/>
-          </ac:spMkLst>
-        </pc:spChg>
-        <pc:picChg chg="add mod">
-          <ac:chgData name="Aizan Magomadova" userId="b3d38ecc-02a7-4810-ad44-0e9f513517c5" providerId="ADAL" clId="{22AA54FA-BF3D-4225-AC39-E061E38FC14E}" dt="2019-09-06T14:50:16.317" v="10" actId="1076"/>
-          <ac:picMkLst>
-            <pc:docMk/>
-            <pc:sldMk cId="3398389793" sldId="257"/>
-            <ac:picMk id="10" creationId="{904FB354-99F3-4FD7-BE7A-54E2DF220461}"/>
-          </ac:picMkLst>
-        </pc:picChg>
-        <pc:picChg chg="del">
-          <ac:chgData name="Aizan Magomadova" userId="b3d38ecc-02a7-4810-ad44-0e9f513517c5" providerId="ADAL" clId="{22AA54FA-BF3D-4225-AC39-E061E38FC14E}" dt="2019-09-06T14:49:28.583" v="2"/>
-          <ac:picMkLst>
-            <pc:docMk/>
-            <pc:sldMk cId="3398389793" sldId="257"/>
-            <ac:picMk id="13" creationId="{891ADAE6-51DC-4314-B782-CA4AA5EB3471}"/>
-          </ac:picMkLst>
-        </pc:picChg>
-        <pc:picChg chg="del">
-          <ac:chgData name="Aizan Magomadova" userId="b3d38ecc-02a7-4810-ad44-0e9f513517c5" providerId="ADAL" clId="{22AA54FA-BF3D-4225-AC39-E061E38FC14E}" dt="2019-09-06T14:49:36.700" v="4"/>
-          <ac:picMkLst>
-            <pc:docMk/>
-            <pc:sldMk cId="3398389793" sldId="257"/>
-            <ac:picMk id="15" creationId="{8EFF45FD-E461-4627-8727-F97D1F192559}"/>
-          </ac:picMkLst>
-        </pc:picChg>
-      </pc:sldChg>
-      <pc:sldChg chg="addSp delSp modSp">
-        <pc:chgData name="Aizan Magomadova" userId="b3d38ecc-02a7-4810-ad44-0e9f513517c5" providerId="ADAL" clId="{22AA54FA-BF3D-4225-AC39-E061E38FC14E}" dt="2019-09-06T14:54:03.460" v="38" actId="20577"/>
+      <pc:sldChg chg="addSp delSp modSp modAnim">
+        <pc:chgData name="Aizan Magomadova" userId="b3d38ecc-02a7-4810-ad44-0e9f513517c5" providerId="ADAL" clId="{22AA54FA-BF3D-4225-AC39-E061E38FC14E}" dt="2019-09-11T16:48:16.969" v="74"/>
         <pc:sldMkLst>
           <pc:docMk/>
           <pc:sldMk cId="1645237244" sldId="258"/>
@@ -284,6 +221,13 @@
           </ac:graphicFrameMkLst>
         </pc:graphicFrameChg>
       </pc:sldChg>
+      <pc:sldChg chg="modAnim">
+        <pc:chgData name="Aizan Magomadova" userId="b3d38ecc-02a7-4810-ad44-0e9f513517c5" providerId="ADAL" clId="{22AA54FA-BF3D-4225-AC39-E061E38FC14E}" dt="2019-09-11T16:51:12.757" v="82"/>
+        <pc:sldMkLst>
+          <pc:docMk/>
+          <pc:sldMk cId="278328568" sldId="260"/>
+        </pc:sldMkLst>
+      </pc:sldChg>
       <pc:sldChg chg="addSp delSp modSp mod setBg">
         <pc:chgData name="Aizan Magomadova" userId="b3d38ecc-02a7-4810-ad44-0e9f513517c5" providerId="ADAL" clId="{22AA54FA-BF3D-4225-AC39-E061E38FC14E}" dt="2019-09-06T14:56:50.102" v="69" actId="26606"/>
         <pc:sldMkLst>
@@ -363,8 +307,8 @@
           </ac:cxnSpMkLst>
         </pc:cxnChg>
       </pc:sldChg>
-      <pc:sldChg chg="addSp delSp modSp add mod setBg">
-        <pc:chgData name="Aizan Magomadova" userId="b3d38ecc-02a7-4810-ad44-0e9f513517c5" providerId="ADAL" clId="{22AA54FA-BF3D-4225-AC39-E061E38FC14E}" dt="2019-09-06T14:53:06.075" v="29"/>
+      <pc:sldChg chg="addSp delSp modSp add mod setBg modAnim">
+        <pc:chgData name="Aizan Magomadova" userId="b3d38ecc-02a7-4810-ad44-0e9f513517c5" providerId="ADAL" clId="{22AA54FA-BF3D-4225-AC39-E061E38FC14E}" dt="2019-09-11T16:47:42.022" v="71"/>
         <pc:sldMkLst>
           <pc:docMk/>
           <pc:sldMk cId="3526304866" sldId="263"/>
@@ -7173,7 +7117,7 @@
           <a:p>
             <a:fld id="{B3E7360F-B60D-4EE6-A027-75FA4BE88006}" type="datetimeFigureOut">
               <a:rPr lang="nb-NO" smtClean="0"/>
-              <a:t>06.09.2019</a:t>
+              <a:t>11.09.2019</a:t>
             </a:fld>
             <a:endParaRPr lang="nb-NO"/>
           </a:p>
@@ -7371,7 +7315,7 @@
           <a:p>
             <a:fld id="{B3E7360F-B60D-4EE6-A027-75FA4BE88006}" type="datetimeFigureOut">
               <a:rPr lang="nb-NO" smtClean="0"/>
-              <a:t>06.09.2019</a:t>
+              <a:t>11.09.2019</a:t>
             </a:fld>
             <a:endParaRPr lang="nb-NO"/>
           </a:p>
@@ -7579,7 +7523,7 @@
           <a:p>
             <a:fld id="{B3E7360F-B60D-4EE6-A027-75FA4BE88006}" type="datetimeFigureOut">
               <a:rPr lang="nb-NO" smtClean="0"/>
-              <a:t>06.09.2019</a:t>
+              <a:t>11.09.2019</a:t>
             </a:fld>
             <a:endParaRPr lang="nb-NO"/>
           </a:p>
@@ -7777,7 +7721,7 @@
           <a:p>
             <a:fld id="{B3E7360F-B60D-4EE6-A027-75FA4BE88006}" type="datetimeFigureOut">
               <a:rPr lang="nb-NO" smtClean="0"/>
-              <a:t>06.09.2019</a:t>
+              <a:t>11.09.2019</a:t>
             </a:fld>
             <a:endParaRPr lang="nb-NO"/>
           </a:p>
@@ -8052,7 +7996,7 @@
           <a:p>
             <a:fld id="{B3E7360F-B60D-4EE6-A027-75FA4BE88006}" type="datetimeFigureOut">
               <a:rPr lang="nb-NO" smtClean="0"/>
-              <a:t>06.09.2019</a:t>
+              <a:t>11.09.2019</a:t>
             </a:fld>
             <a:endParaRPr lang="nb-NO"/>
           </a:p>
@@ -8317,7 +8261,7 @@
           <a:p>
             <a:fld id="{B3E7360F-B60D-4EE6-A027-75FA4BE88006}" type="datetimeFigureOut">
               <a:rPr lang="nb-NO" smtClean="0"/>
-              <a:t>06.09.2019</a:t>
+              <a:t>11.09.2019</a:t>
             </a:fld>
             <a:endParaRPr lang="nb-NO"/>
           </a:p>
@@ -8729,7 +8673,7 @@
           <a:p>
             <a:fld id="{B3E7360F-B60D-4EE6-A027-75FA4BE88006}" type="datetimeFigureOut">
               <a:rPr lang="nb-NO" smtClean="0"/>
-              <a:t>06.09.2019</a:t>
+              <a:t>11.09.2019</a:t>
             </a:fld>
             <a:endParaRPr lang="nb-NO"/>
           </a:p>
@@ -8870,7 +8814,7 @@
           <a:p>
             <a:fld id="{B3E7360F-B60D-4EE6-A027-75FA4BE88006}" type="datetimeFigureOut">
               <a:rPr lang="nb-NO" smtClean="0"/>
-              <a:t>06.09.2019</a:t>
+              <a:t>11.09.2019</a:t>
             </a:fld>
             <a:endParaRPr lang="nb-NO"/>
           </a:p>
@@ -8983,7 +8927,7 @@
           <a:p>
             <a:fld id="{B3E7360F-B60D-4EE6-A027-75FA4BE88006}" type="datetimeFigureOut">
               <a:rPr lang="nb-NO" smtClean="0"/>
-              <a:t>06.09.2019</a:t>
+              <a:t>11.09.2019</a:t>
             </a:fld>
             <a:endParaRPr lang="nb-NO"/>
           </a:p>
@@ -9294,7 +9238,7 @@
           <a:p>
             <a:fld id="{B3E7360F-B60D-4EE6-A027-75FA4BE88006}" type="datetimeFigureOut">
               <a:rPr lang="nb-NO" smtClean="0"/>
-              <a:t>06.09.2019</a:t>
+              <a:t>11.09.2019</a:t>
             </a:fld>
             <a:endParaRPr lang="nb-NO"/>
           </a:p>
@@ -9582,7 +9526,7 @@
           <a:p>
             <a:fld id="{B3E7360F-B60D-4EE6-A027-75FA4BE88006}" type="datetimeFigureOut">
               <a:rPr lang="nb-NO" smtClean="0"/>
-              <a:t>06.09.2019</a:t>
+              <a:t>11.09.2019</a:t>
             </a:fld>
             <a:endParaRPr lang="nb-NO"/>
           </a:p>
@@ -9823,7 +9767,7 @@
           <a:p>
             <a:fld id="{B3E7360F-B60D-4EE6-A027-75FA4BE88006}" type="datetimeFigureOut">
               <a:rPr lang="nb-NO" smtClean="0"/>
-              <a:t>06.09.2019</a:t>
+              <a:t>11.09.2019</a:t>
             </a:fld>
             <a:endParaRPr lang="nb-NO"/>
           </a:p>
@@ -10474,6 +10418,172 @@
   <p:clrMapOvr>
     <a:masterClrMapping/>
   </p:clrMapOvr>
+  <p:timing>
+    <p:tnLst>
+      <p:par>
+        <p:cTn id="1" dur="indefinite" restart="never" nodeType="tmRoot">
+          <p:childTnLst>
+            <p:seq concurrent="1" nextAc="seek">
+              <p:cTn id="2" dur="indefinite" nodeType="mainSeq">
+                <p:childTnLst>
+                  <p:par>
+                    <p:cTn id="3" fill="hold">
+                      <p:stCondLst>
+                        <p:cond delay="indefinite"/>
+                      </p:stCondLst>
+                      <p:childTnLst>
+                        <p:par>
+                          <p:cTn id="4" fill="hold">
+                            <p:stCondLst>
+                              <p:cond delay="0"/>
+                            </p:stCondLst>
+                            <p:childTnLst>
+                              <p:par>
+                                <p:cTn id="5" presetID="1" presetClass="entr" presetSubtype="0" fill="hold" nodeType="clickEffect">
+                                  <p:stCondLst>
+                                    <p:cond delay="0"/>
+                                  </p:stCondLst>
+                                  <p:childTnLst>
+                                    <p:set>
+                                      <p:cBhvr>
+                                        <p:cTn id="6" dur="1" fill="hold">
+                                          <p:stCondLst>
+                                            <p:cond delay="0"/>
+                                          </p:stCondLst>
+                                        </p:cTn>
+                                        <p:tgtEl>
+                                          <p:spTgt spid="7"/>
+                                        </p:tgtEl>
+                                        <p:attrNameLst>
+                                          <p:attrName>style.visibility</p:attrName>
+                                        </p:attrNameLst>
+                                      </p:cBhvr>
+                                      <p:to>
+                                        <p:strVal val="visible"/>
+                                      </p:to>
+                                    </p:set>
+                                  </p:childTnLst>
+                                </p:cTn>
+                              </p:par>
+                            </p:childTnLst>
+                          </p:cTn>
+                        </p:par>
+                      </p:childTnLst>
+                    </p:cTn>
+                  </p:par>
+                  <p:par>
+                    <p:cTn id="7" fill="hold">
+                      <p:stCondLst>
+                        <p:cond delay="indefinite"/>
+                      </p:stCondLst>
+                      <p:childTnLst>
+                        <p:par>
+                          <p:cTn id="8" fill="hold">
+                            <p:stCondLst>
+                              <p:cond delay="0"/>
+                            </p:stCondLst>
+                            <p:childTnLst>
+                              <p:par>
+                                <p:cTn id="9" presetID="2" presetClass="entr" presetSubtype="4" fill="hold" nodeType="clickEffect">
+                                  <p:stCondLst>
+                                    <p:cond delay="0"/>
+                                  </p:stCondLst>
+                                  <p:childTnLst>
+                                    <p:set>
+                                      <p:cBhvr>
+                                        <p:cTn id="10" dur="1" fill="hold">
+                                          <p:stCondLst>
+                                            <p:cond delay="0"/>
+                                          </p:stCondLst>
+                                        </p:cTn>
+                                        <p:tgtEl>
+                                          <p:spTgt spid="8"/>
+                                        </p:tgtEl>
+                                        <p:attrNameLst>
+                                          <p:attrName>style.visibility</p:attrName>
+                                        </p:attrNameLst>
+                                      </p:cBhvr>
+                                      <p:to>
+                                        <p:strVal val="visible"/>
+                                      </p:to>
+                                    </p:set>
+                                    <p:anim calcmode="lin" valueType="num">
+                                      <p:cBhvr additive="base">
+                                        <p:cTn id="11" dur="500" fill="hold"/>
+                                        <p:tgtEl>
+                                          <p:spTgt spid="8"/>
+                                        </p:tgtEl>
+                                        <p:attrNameLst>
+                                          <p:attrName>ppt_x</p:attrName>
+                                        </p:attrNameLst>
+                                      </p:cBhvr>
+                                      <p:tavLst>
+                                        <p:tav tm="0">
+                                          <p:val>
+                                            <p:strVal val="#ppt_x"/>
+                                          </p:val>
+                                        </p:tav>
+                                        <p:tav tm="100000">
+                                          <p:val>
+                                            <p:strVal val="#ppt_x"/>
+                                          </p:val>
+                                        </p:tav>
+                                      </p:tavLst>
+                                    </p:anim>
+                                    <p:anim calcmode="lin" valueType="num">
+                                      <p:cBhvr additive="base">
+                                        <p:cTn id="12" dur="500" fill="hold"/>
+                                        <p:tgtEl>
+                                          <p:spTgt spid="8"/>
+                                        </p:tgtEl>
+                                        <p:attrNameLst>
+                                          <p:attrName>ppt_y</p:attrName>
+                                        </p:attrNameLst>
+                                      </p:cBhvr>
+                                      <p:tavLst>
+                                        <p:tav tm="0">
+                                          <p:val>
+                                            <p:strVal val="1+#ppt_h/2"/>
+                                          </p:val>
+                                        </p:tav>
+                                        <p:tav tm="100000">
+                                          <p:val>
+                                            <p:strVal val="#ppt_y"/>
+                                          </p:val>
+                                        </p:tav>
+                                      </p:tavLst>
+                                    </p:anim>
+                                  </p:childTnLst>
+                                </p:cTn>
+                              </p:par>
+                            </p:childTnLst>
+                          </p:cTn>
+                        </p:par>
+                      </p:childTnLst>
+                    </p:cTn>
+                  </p:par>
+                </p:childTnLst>
+              </p:cTn>
+              <p:prevCondLst>
+                <p:cond evt="onPrev" delay="0">
+                  <p:tgtEl>
+                    <p:sldTgt/>
+                  </p:tgtEl>
+                </p:cond>
+              </p:prevCondLst>
+              <p:nextCondLst>
+                <p:cond evt="onNext" delay="0">
+                  <p:tgtEl>
+                    <p:sldTgt/>
+                  </p:tgtEl>
+                </p:cond>
+              </p:nextCondLst>
+            </p:seq>
+          </p:childTnLst>
+        </p:cTn>
+      </p:par>
+    </p:tnLst>
+  </p:timing>
 </p:sld>
 </file>
 
@@ -10845,6 +10955,263 @@
   <p:clrMapOvr>
     <a:masterClrMapping/>
   </p:clrMapOvr>
+  <p:timing>
+    <p:tnLst>
+      <p:par>
+        <p:cTn id="1" dur="indefinite" restart="never" nodeType="tmRoot">
+          <p:childTnLst>
+            <p:seq concurrent="1" nextAc="seek">
+              <p:cTn id="2" dur="indefinite" nodeType="mainSeq">
+                <p:childTnLst>
+                  <p:par>
+                    <p:cTn id="3" fill="hold">
+                      <p:stCondLst>
+                        <p:cond delay="indefinite"/>
+                      </p:stCondLst>
+                      <p:childTnLst>
+                        <p:par>
+                          <p:cTn id="4" fill="hold">
+                            <p:stCondLst>
+                              <p:cond delay="0"/>
+                            </p:stCondLst>
+                            <p:childTnLst>
+                              <p:par>
+                                <p:cTn id="5" presetID="1" presetClass="entr" presetSubtype="0" fill="hold" nodeType="clickEffect">
+                                  <p:stCondLst>
+                                    <p:cond delay="0"/>
+                                  </p:stCondLst>
+                                  <p:childTnLst>
+                                    <p:set>
+                                      <p:cBhvr>
+                                        <p:cTn id="6" dur="1" fill="hold">
+                                          <p:stCondLst>
+                                            <p:cond delay="0"/>
+                                          </p:stCondLst>
+                                        </p:cTn>
+                                        <p:tgtEl>
+                                          <p:spTgt spid="7"/>
+                                        </p:tgtEl>
+                                        <p:attrNameLst>
+                                          <p:attrName>style.visibility</p:attrName>
+                                        </p:attrNameLst>
+                                      </p:cBhvr>
+                                      <p:to>
+                                        <p:strVal val="visible"/>
+                                      </p:to>
+                                    </p:set>
+                                  </p:childTnLst>
+                                </p:cTn>
+                              </p:par>
+                            </p:childTnLst>
+                          </p:cTn>
+                        </p:par>
+                      </p:childTnLst>
+                    </p:cTn>
+                  </p:par>
+                  <p:par>
+                    <p:cTn id="7" fill="hold">
+                      <p:stCondLst>
+                        <p:cond delay="indefinite"/>
+                      </p:stCondLst>
+                      <p:childTnLst>
+                        <p:par>
+                          <p:cTn id="8" fill="hold">
+                            <p:stCondLst>
+                              <p:cond delay="0"/>
+                            </p:stCondLst>
+                            <p:childTnLst>
+                              <p:par>
+                                <p:cTn id="9" presetID="2" presetClass="entr" presetSubtype="4" fill="hold" nodeType="clickEffect">
+                                  <p:stCondLst>
+                                    <p:cond delay="0"/>
+                                  </p:stCondLst>
+                                  <p:childTnLst>
+                                    <p:set>
+                                      <p:cBhvr>
+                                        <p:cTn id="10" dur="1" fill="hold">
+                                          <p:stCondLst>
+                                            <p:cond delay="0"/>
+                                          </p:stCondLst>
+                                        </p:cTn>
+                                        <p:tgtEl>
+                                          <p:spTgt spid="9"/>
+                                        </p:tgtEl>
+                                        <p:attrNameLst>
+                                          <p:attrName>style.visibility</p:attrName>
+                                        </p:attrNameLst>
+                                      </p:cBhvr>
+                                      <p:to>
+                                        <p:strVal val="visible"/>
+                                      </p:to>
+                                    </p:set>
+                                    <p:anim calcmode="lin" valueType="num">
+                                      <p:cBhvr additive="base">
+                                        <p:cTn id="11" dur="500" fill="hold"/>
+                                        <p:tgtEl>
+                                          <p:spTgt spid="9"/>
+                                        </p:tgtEl>
+                                        <p:attrNameLst>
+                                          <p:attrName>ppt_x</p:attrName>
+                                        </p:attrNameLst>
+                                      </p:cBhvr>
+                                      <p:tavLst>
+                                        <p:tav tm="0">
+                                          <p:val>
+                                            <p:strVal val="#ppt_x"/>
+                                          </p:val>
+                                        </p:tav>
+                                        <p:tav tm="100000">
+                                          <p:val>
+                                            <p:strVal val="#ppt_x"/>
+                                          </p:val>
+                                        </p:tav>
+                                      </p:tavLst>
+                                    </p:anim>
+                                    <p:anim calcmode="lin" valueType="num">
+                                      <p:cBhvr additive="base">
+                                        <p:cTn id="12" dur="500" fill="hold"/>
+                                        <p:tgtEl>
+                                          <p:spTgt spid="9"/>
+                                        </p:tgtEl>
+                                        <p:attrNameLst>
+                                          <p:attrName>ppt_y</p:attrName>
+                                        </p:attrNameLst>
+                                      </p:cBhvr>
+                                      <p:tavLst>
+                                        <p:tav tm="0">
+                                          <p:val>
+                                            <p:strVal val="1+#ppt_h/2"/>
+                                          </p:val>
+                                        </p:tav>
+                                        <p:tav tm="100000">
+                                          <p:val>
+                                            <p:strVal val="#ppt_y"/>
+                                          </p:val>
+                                        </p:tav>
+                                      </p:tavLst>
+                                    </p:anim>
+                                  </p:childTnLst>
+                                </p:cTn>
+                              </p:par>
+                            </p:childTnLst>
+                          </p:cTn>
+                        </p:par>
+                      </p:childTnLst>
+                    </p:cTn>
+                  </p:par>
+                  <p:par>
+                    <p:cTn id="13" fill="hold">
+                      <p:stCondLst>
+                        <p:cond delay="indefinite"/>
+                      </p:stCondLst>
+                      <p:childTnLst>
+                        <p:par>
+                          <p:cTn id="14" fill="hold">
+                            <p:stCondLst>
+                              <p:cond delay="0"/>
+                            </p:stCondLst>
+                            <p:childTnLst>
+                              <p:par>
+                                <p:cTn id="15" presetID="2" presetClass="entr" presetSubtype="4" fill="hold" nodeType="clickEffect">
+                                  <p:stCondLst>
+                                    <p:cond delay="0"/>
+                                  </p:stCondLst>
+                                  <p:childTnLst>
+                                    <p:set>
+                                      <p:cBhvr>
+                                        <p:cTn id="16" dur="1" fill="hold">
+                                          <p:stCondLst>
+                                            <p:cond delay="0"/>
+                                          </p:stCondLst>
+                                        </p:cTn>
+                                        <p:tgtEl>
+                                          <p:spTgt spid="10"/>
+                                        </p:tgtEl>
+                                        <p:attrNameLst>
+                                          <p:attrName>style.visibility</p:attrName>
+                                        </p:attrNameLst>
+                                      </p:cBhvr>
+                                      <p:to>
+                                        <p:strVal val="visible"/>
+                                      </p:to>
+                                    </p:set>
+                                    <p:anim calcmode="lin" valueType="num">
+                                      <p:cBhvr additive="base">
+                                        <p:cTn id="17" dur="500" fill="hold"/>
+                                        <p:tgtEl>
+                                          <p:spTgt spid="10"/>
+                                        </p:tgtEl>
+                                        <p:attrNameLst>
+                                          <p:attrName>ppt_x</p:attrName>
+                                        </p:attrNameLst>
+                                      </p:cBhvr>
+                                      <p:tavLst>
+                                        <p:tav tm="0">
+                                          <p:val>
+                                            <p:strVal val="#ppt_x"/>
+                                          </p:val>
+                                        </p:tav>
+                                        <p:tav tm="100000">
+                                          <p:val>
+                                            <p:strVal val="#ppt_x"/>
+                                          </p:val>
+                                        </p:tav>
+                                      </p:tavLst>
+                                    </p:anim>
+                                    <p:anim calcmode="lin" valueType="num">
+                                      <p:cBhvr additive="base">
+                                        <p:cTn id="18" dur="500" fill="hold"/>
+                                        <p:tgtEl>
+                                          <p:spTgt spid="10"/>
+                                        </p:tgtEl>
+                                        <p:attrNameLst>
+                                          <p:attrName>ppt_y</p:attrName>
+                                        </p:attrNameLst>
+                                      </p:cBhvr>
+                                      <p:tavLst>
+                                        <p:tav tm="0">
+                                          <p:val>
+                                            <p:strVal val="1+#ppt_h/2"/>
+                                          </p:val>
+                                        </p:tav>
+                                        <p:tav tm="100000">
+                                          <p:val>
+                                            <p:strVal val="#ppt_y"/>
+                                          </p:val>
+                                        </p:tav>
+                                      </p:tavLst>
+                                    </p:anim>
+                                  </p:childTnLst>
+                                </p:cTn>
+                              </p:par>
+                            </p:childTnLst>
+                          </p:cTn>
+                        </p:par>
+                      </p:childTnLst>
+                    </p:cTn>
+                  </p:par>
+                </p:childTnLst>
+              </p:cTn>
+              <p:prevCondLst>
+                <p:cond evt="onPrev" delay="0">
+                  <p:tgtEl>
+                    <p:sldTgt/>
+                  </p:tgtEl>
+                </p:cond>
+              </p:prevCondLst>
+              <p:nextCondLst>
+                <p:cond evt="onNext" delay="0">
+                  <p:tgtEl>
+                    <p:sldTgt/>
+                  </p:tgtEl>
+                </p:cond>
+              </p:nextCondLst>
+            </p:seq>
+          </p:childTnLst>
+        </p:cTn>
+      </p:par>
+    </p:tnLst>
+  </p:timing>
 </p:sld>
 </file>
 
@@ -11614,7 +11981,7 @@
               <a:buNone/>
             </a:pPr>
             <a:r>
-              <a:rPr lang="nb-NO" sz="1500">
+              <a:rPr lang="nb-NO" sz="1500" dirty="0">
                 <a:latin typeface="Georgia" panose="02040502050405020303" pitchFamily="18" charset="0"/>
               </a:rPr>
               <a:t>For løkke gjentar en kode et bestemt antall ganger.</a:t>
@@ -11624,7 +11991,7 @@
             <a:pPr marL="0" indent="0">
               <a:buNone/>
             </a:pPr>
-            <a:endParaRPr lang="nb-NO" sz="1500">
+            <a:endParaRPr lang="nb-NO" sz="1500" dirty="0">
               <a:latin typeface="Georgia" panose="02040502050405020303" pitchFamily="18" charset="0"/>
             </a:endParaRPr>
           </a:p>
@@ -11632,7 +11999,7 @@
             <a:pPr marL="0" indent="0">
               <a:buNone/>
             </a:pPr>
-            <a:endParaRPr lang="nb-NO" sz="1500">
+            <a:endParaRPr lang="nb-NO" sz="1500" dirty="0">
               <a:latin typeface="Georgia" panose="02040502050405020303" pitchFamily="18" charset="0"/>
             </a:endParaRPr>
           </a:p>
@@ -11640,7 +12007,7 @@
             <a:pPr marL="0" indent="0">
               <a:buNone/>
             </a:pPr>
-            <a:endParaRPr lang="nb-NO" sz="1500">
+            <a:endParaRPr lang="nb-NO" sz="1500" dirty="0">
               <a:latin typeface="Georgia" panose="02040502050405020303" pitchFamily="18" charset="0"/>
             </a:endParaRPr>
           </a:p>
@@ -11648,7 +12015,7 @@
             <a:pPr marL="0" indent="0">
               <a:buNone/>
             </a:pPr>
-            <a:endParaRPr lang="nb-NO" sz="1500">
+            <a:endParaRPr lang="nb-NO" sz="1500" dirty="0">
               <a:latin typeface="Georgia" panose="02040502050405020303" pitchFamily="18" charset="0"/>
             </a:endParaRPr>
           </a:p>
@@ -11656,7 +12023,7 @@
             <a:pPr marL="0" indent="0">
               <a:buNone/>
             </a:pPr>
-            <a:endParaRPr lang="nb-NO" sz="1500">
+            <a:endParaRPr lang="nb-NO" sz="1500" dirty="0">
               <a:latin typeface="Georgia" panose="02040502050405020303" pitchFamily="18" charset="0"/>
             </a:endParaRPr>
           </a:p>
@@ -11665,7 +12032,7 @@
               <a:buNone/>
             </a:pPr>
             <a:r>
-              <a:rPr lang="nb-NO" sz="1500">
+              <a:rPr lang="nb-NO" sz="1500" dirty="0">
                 <a:latin typeface="Georgia" panose="02040502050405020303" pitchFamily="18" charset="0"/>
               </a:rPr>
               <a:t>Tre punkter må være med:</a:t>
@@ -11676,7 +12043,7 @@
               <a:buAutoNum type="arabicPeriod"/>
             </a:pPr>
             <a:r>
-              <a:rPr lang="nb-NO" sz="1500">
+              <a:rPr lang="nb-NO" sz="1500" dirty="0">
                 <a:latin typeface="Georgia" panose="02040502050405020303" pitchFamily="18" charset="0"/>
               </a:rPr>
               <a:t>Definere en variabel som er en teller</a:t>
@@ -11687,7 +12054,7 @@
               <a:buAutoNum type="arabicPeriod"/>
             </a:pPr>
             <a:r>
-              <a:rPr lang="nb-NO" sz="1500">
+              <a:rPr lang="nb-NO" sz="1500" dirty="0">
                 <a:latin typeface="Georgia" panose="02040502050405020303" pitchFamily="18" charset="0"/>
               </a:rPr>
               <a:t>Sjekke betingelsen</a:t>
@@ -11698,14 +12065,14 @@
               <a:buAutoNum type="arabicPeriod"/>
             </a:pPr>
             <a:r>
-              <a:rPr lang="nb-NO" sz="1500">
+              <a:rPr lang="nb-NO" sz="1500" dirty="0">
                 <a:latin typeface="Georgia" panose="02040502050405020303" pitchFamily="18" charset="0"/>
               </a:rPr>
               <a:t>Endre variabelen</a:t>
             </a:r>
           </a:p>
           <a:p>
-            <a:endParaRPr lang="nb-NO" sz="1500">
+            <a:endParaRPr lang="nb-NO" sz="1500" dirty="0">
               <a:latin typeface="Georgia" panose="02040502050405020303" pitchFamily="18" charset="0"/>
             </a:endParaRPr>
           </a:p>
@@ -11713,27 +12080,27 @@
             <a:pPr marL="0" indent="0">
               <a:buNone/>
             </a:pPr>
-            <a:endParaRPr lang="nb-NO" sz="1500">
+            <a:endParaRPr lang="nb-NO" sz="1500" dirty="0">
               <a:latin typeface="Georgia" panose="02040502050405020303" pitchFamily="18" charset="0"/>
             </a:endParaRPr>
           </a:p>
           <a:p>
-            <a:endParaRPr lang="nb-NO" sz="1500">
+            <a:endParaRPr lang="nb-NO" sz="1500" dirty="0">
               <a:latin typeface="Georgia" panose="02040502050405020303" pitchFamily="18" charset="0"/>
             </a:endParaRPr>
           </a:p>
           <a:p>
-            <a:endParaRPr lang="nb-NO" sz="1500">
+            <a:endParaRPr lang="nb-NO" sz="1500" dirty="0">
               <a:latin typeface="Georgia" panose="02040502050405020303" pitchFamily="18" charset="0"/>
             </a:endParaRPr>
           </a:p>
           <a:p>
-            <a:endParaRPr lang="nb-NO" sz="1500">
+            <a:endParaRPr lang="nb-NO" sz="1500" dirty="0">
               <a:latin typeface="Georgia" panose="02040502050405020303" pitchFamily="18" charset="0"/>
             </a:endParaRPr>
           </a:p>
           <a:p>
-            <a:endParaRPr lang="nb-NO" sz="1500"/>
+            <a:endParaRPr lang="nb-NO" sz="1500" dirty="0"/>
           </a:p>
         </p:txBody>
       </p:sp>
@@ -11837,6 +12204,459 @@
   <p:clrMapOvr>
     <a:masterClrMapping/>
   </p:clrMapOvr>
+  <p:timing>
+    <p:tnLst>
+      <p:par>
+        <p:cTn id="1" dur="indefinite" restart="never" nodeType="tmRoot">
+          <p:childTnLst>
+            <p:seq concurrent="1" nextAc="seek">
+              <p:cTn id="2" dur="indefinite" nodeType="mainSeq">
+                <p:childTnLst>
+                  <p:par>
+                    <p:cTn id="3" fill="hold">
+                      <p:stCondLst>
+                        <p:cond delay="indefinite"/>
+                      </p:stCondLst>
+                      <p:childTnLst>
+                        <p:par>
+                          <p:cTn id="4" fill="hold">
+                            <p:stCondLst>
+                              <p:cond delay="0"/>
+                            </p:stCondLst>
+                            <p:childTnLst>
+                              <p:par>
+                                <p:cTn id="5" presetID="1" presetClass="entr" presetSubtype="0" fill="hold" nodeType="clickEffect">
+                                  <p:stCondLst>
+                                    <p:cond delay="0"/>
+                                  </p:stCondLst>
+                                  <p:childTnLst>
+                                    <p:set>
+                                      <p:cBhvr>
+                                        <p:cTn id="6" dur="1" fill="hold">
+                                          <p:stCondLst>
+                                            <p:cond delay="0"/>
+                                          </p:stCondLst>
+                                        </p:cTn>
+                                        <p:tgtEl>
+                                          <p:spTgt spid="4">
+                                            <p:txEl>
+                                              <p:pRg st="6" end="6"/>
+                                            </p:txEl>
+                                          </p:spTgt>
+                                        </p:tgtEl>
+                                        <p:attrNameLst>
+                                          <p:attrName>style.visibility</p:attrName>
+                                        </p:attrNameLst>
+                                      </p:cBhvr>
+                                      <p:to>
+                                        <p:strVal val="visible"/>
+                                      </p:to>
+                                    </p:set>
+                                  </p:childTnLst>
+                                </p:cTn>
+                              </p:par>
+                              <p:par>
+                                <p:cTn id="7" presetID="1" presetClass="entr" presetSubtype="0" fill="hold" nodeType="withEffect">
+                                  <p:stCondLst>
+                                    <p:cond delay="0"/>
+                                  </p:stCondLst>
+                                  <p:childTnLst>
+                                    <p:set>
+                                      <p:cBhvr>
+                                        <p:cTn id="8" dur="1" fill="hold">
+                                          <p:stCondLst>
+                                            <p:cond delay="0"/>
+                                          </p:stCondLst>
+                                        </p:cTn>
+                                        <p:tgtEl>
+                                          <p:spTgt spid="4">
+                                            <p:txEl>
+                                              <p:pRg st="7" end="7"/>
+                                            </p:txEl>
+                                          </p:spTgt>
+                                        </p:tgtEl>
+                                        <p:attrNameLst>
+                                          <p:attrName>style.visibility</p:attrName>
+                                        </p:attrNameLst>
+                                      </p:cBhvr>
+                                      <p:to>
+                                        <p:strVal val="visible"/>
+                                      </p:to>
+                                    </p:set>
+                                  </p:childTnLst>
+                                </p:cTn>
+                              </p:par>
+                              <p:par>
+                                <p:cTn id="9" presetID="1" presetClass="entr" presetSubtype="0" fill="hold" nodeType="withEffect">
+                                  <p:stCondLst>
+                                    <p:cond delay="0"/>
+                                  </p:stCondLst>
+                                  <p:childTnLst>
+                                    <p:set>
+                                      <p:cBhvr>
+                                        <p:cTn id="10" dur="1" fill="hold">
+                                          <p:stCondLst>
+                                            <p:cond delay="0"/>
+                                          </p:stCondLst>
+                                        </p:cTn>
+                                        <p:tgtEl>
+                                          <p:spTgt spid="4">
+                                            <p:txEl>
+                                              <p:pRg st="8" end="8"/>
+                                            </p:txEl>
+                                          </p:spTgt>
+                                        </p:tgtEl>
+                                        <p:attrNameLst>
+                                          <p:attrName>style.visibility</p:attrName>
+                                        </p:attrNameLst>
+                                      </p:cBhvr>
+                                      <p:to>
+                                        <p:strVal val="visible"/>
+                                      </p:to>
+                                    </p:set>
+                                  </p:childTnLst>
+                                </p:cTn>
+                              </p:par>
+                              <p:par>
+                                <p:cTn id="11" presetID="1" presetClass="entr" presetSubtype="0" fill="hold" nodeType="withEffect">
+                                  <p:stCondLst>
+                                    <p:cond delay="0"/>
+                                  </p:stCondLst>
+                                  <p:childTnLst>
+                                    <p:set>
+                                      <p:cBhvr>
+                                        <p:cTn id="12" dur="1" fill="hold">
+                                          <p:stCondLst>
+                                            <p:cond delay="0"/>
+                                          </p:stCondLst>
+                                        </p:cTn>
+                                        <p:tgtEl>
+                                          <p:spTgt spid="4">
+                                            <p:txEl>
+                                              <p:pRg st="9" end="9"/>
+                                            </p:txEl>
+                                          </p:spTgt>
+                                        </p:tgtEl>
+                                        <p:attrNameLst>
+                                          <p:attrName>style.visibility</p:attrName>
+                                        </p:attrNameLst>
+                                      </p:cBhvr>
+                                      <p:to>
+                                        <p:strVal val="visible"/>
+                                      </p:to>
+                                    </p:set>
+                                  </p:childTnLst>
+                                </p:cTn>
+                              </p:par>
+                            </p:childTnLst>
+                          </p:cTn>
+                        </p:par>
+                      </p:childTnLst>
+                    </p:cTn>
+                  </p:par>
+                  <p:par>
+                    <p:cTn id="13" fill="hold">
+                      <p:stCondLst>
+                        <p:cond delay="indefinite"/>
+                      </p:stCondLst>
+                      <p:childTnLst>
+                        <p:par>
+                          <p:cTn id="14" fill="hold">
+                            <p:stCondLst>
+                              <p:cond delay="0"/>
+                            </p:stCondLst>
+                            <p:childTnLst>
+                              <p:par>
+                                <p:cTn id="15" presetID="2" presetClass="entr" presetSubtype="4" fill="hold" nodeType="clickEffect">
+                                  <p:stCondLst>
+                                    <p:cond delay="0"/>
+                                  </p:stCondLst>
+                                  <p:childTnLst>
+                                    <p:set>
+                                      <p:cBhvr>
+                                        <p:cTn id="16" dur="1" fill="hold">
+                                          <p:stCondLst>
+                                            <p:cond delay="0"/>
+                                          </p:stCondLst>
+                                        </p:cTn>
+                                        <p:tgtEl>
+                                          <p:spTgt spid="5"/>
+                                        </p:tgtEl>
+                                        <p:attrNameLst>
+                                          <p:attrName>style.visibility</p:attrName>
+                                        </p:attrNameLst>
+                                      </p:cBhvr>
+                                      <p:to>
+                                        <p:strVal val="visible"/>
+                                      </p:to>
+                                    </p:set>
+                                    <p:anim calcmode="lin" valueType="num">
+                                      <p:cBhvr additive="base">
+                                        <p:cTn id="17" dur="500" fill="hold"/>
+                                        <p:tgtEl>
+                                          <p:spTgt spid="5"/>
+                                        </p:tgtEl>
+                                        <p:attrNameLst>
+                                          <p:attrName>ppt_x</p:attrName>
+                                        </p:attrNameLst>
+                                      </p:cBhvr>
+                                      <p:tavLst>
+                                        <p:tav tm="0">
+                                          <p:val>
+                                            <p:strVal val="#ppt_x"/>
+                                          </p:val>
+                                        </p:tav>
+                                        <p:tav tm="100000">
+                                          <p:val>
+                                            <p:strVal val="#ppt_x"/>
+                                          </p:val>
+                                        </p:tav>
+                                      </p:tavLst>
+                                    </p:anim>
+                                    <p:anim calcmode="lin" valueType="num">
+                                      <p:cBhvr additive="base">
+                                        <p:cTn id="18" dur="500" fill="hold"/>
+                                        <p:tgtEl>
+                                          <p:spTgt spid="5"/>
+                                        </p:tgtEl>
+                                        <p:attrNameLst>
+                                          <p:attrName>ppt_y</p:attrName>
+                                        </p:attrNameLst>
+                                      </p:cBhvr>
+                                      <p:tavLst>
+                                        <p:tav tm="0">
+                                          <p:val>
+                                            <p:strVal val="1+#ppt_h/2"/>
+                                          </p:val>
+                                        </p:tav>
+                                        <p:tav tm="100000">
+                                          <p:val>
+                                            <p:strVal val="#ppt_y"/>
+                                          </p:val>
+                                        </p:tav>
+                                      </p:tavLst>
+                                    </p:anim>
+                                  </p:childTnLst>
+                                </p:cTn>
+                              </p:par>
+                            </p:childTnLst>
+                          </p:cTn>
+                        </p:par>
+                      </p:childTnLst>
+                    </p:cTn>
+                  </p:par>
+                  <p:par>
+                    <p:cTn id="19" fill="hold">
+                      <p:stCondLst>
+                        <p:cond delay="indefinite"/>
+                      </p:stCondLst>
+                      <p:childTnLst>
+                        <p:par>
+                          <p:cTn id="20" fill="hold">
+                            <p:stCondLst>
+                              <p:cond delay="0"/>
+                            </p:stCondLst>
+                            <p:childTnLst>
+                              <p:par>
+                                <p:cTn id="21" presetID="2" presetClass="entr" presetSubtype="4" fill="hold" nodeType="clickEffect">
+                                  <p:stCondLst>
+                                    <p:cond delay="0"/>
+                                  </p:stCondLst>
+                                  <p:childTnLst>
+                                    <p:set>
+                                      <p:cBhvr>
+                                        <p:cTn id="22" dur="1" fill="hold">
+                                          <p:stCondLst>
+                                            <p:cond delay="0"/>
+                                          </p:stCondLst>
+                                        </p:cTn>
+                                        <p:tgtEl>
+                                          <p:spTgt spid="6"/>
+                                        </p:tgtEl>
+                                        <p:attrNameLst>
+                                          <p:attrName>style.visibility</p:attrName>
+                                        </p:attrNameLst>
+                                      </p:cBhvr>
+                                      <p:to>
+                                        <p:strVal val="visible"/>
+                                      </p:to>
+                                    </p:set>
+                                    <p:anim calcmode="lin" valueType="num">
+                                      <p:cBhvr additive="base">
+                                        <p:cTn id="23" dur="500" fill="hold"/>
+                                        <p:tgtEl>
+                                          <p:spTgt spid="6"/>
+                                        </p:tgtEl>
+                                        <p:attrNameLst>
+                                          <p:attrName>ppt_x</p:attrName>
+                                        </p:attrNameLst>
+                                      </p:cBhvr>
+                                      <p:tavLst>
+                                        <p:tav tm="0">
+                                          <p:val>
+                                            <p:strVal val="#ppt_x"/>
+                                          </p:val>
+                                        </p:tav>
+                                        <p:tav tm="100000">
+                                          <p:val>
+                                            <p:strVal val="#ppt_x"/>
+                                          </p:val>
+                                        </p:tav>
+                                      </p:tavLst>
+                                    </p:anim>
+                                    <p:anim calcmode="lin" valueType="num">
+                                      <p:cBhvr additive="base">
+                                        <p:cTn id="24" dur="500" fill="hold"/>
+                                        <p:tgtEl>
+                                          <p:spTgt spid="6"/>
+                                        </p:tgtEl>
+                                        <p:attrNameLst>
+                                          <p:attrName>ppt_y</p:attrName>
+                                        </p:attrNameLst>
+                                      </p:cBhvr>
+                                      <p:tavLst>
+                                        <p:tav tm="0">
+                                          <p:val>
+                                            <p:strVal val="1+#ppt_h/2"/>
+                                          </p:val>
+                                        </p:tav>
+                                        <p:tav tm="100000">
+                                          <p:val>
+                                            <p:strVal val="#ppt_y"/>
+                                          </p:val>
+                                        </p:tav>
+                                      </p:tavLst>
+                                    </p:anim>
+                                  </p:childTnLst>
+                                </p:cTn>
+                              </p:par>
+                            </p:childTnLst>
+                          </p:cTn>
+                        </p:par>
+                      </p:childTnLst>
+                    </p:cTn>
+                  </p:par>
+                  <p:par>
+                    <p:cTn id="25" fill="hold">
+                      <p:stCondLst>
+                        <p:cond delay="indefinite"/>
+                      </p:stCondLst>
+                      <p:childTnLst>
+                        <p:par>
+                          <p:cTn id="26" fill="hold">
+                            <p:stCondLst>
+                              <p:cond delay="0"/>
+                            </p:stCondLst>
+                            <p:childTnLst>
+                              <p:par>
+                                <p:cTn id="27" presetID="42" presetClass="entr" presetSubtype="0" fill="hold" nodeType="clickEffect">
+                                  <p:stCondLst>
+                                    <p:cond delay="0"/>
+                                  </p:stCondLst>
+                                  <p:childTnLst>
+                                    <p:set>
+                                      <p:cBhvr>
+                                        <p:cTn id="28" dur="1" fill="hold">
+                                          <p:stCondLst>
+                                            <p:cond delay="0"/>
+                                          </p:stCondLst>
+                                        </p:cTn>
+                                        <p:tgtEl>
+                                          <p:spTgt spid="7"/>
+                                        </p:tgtEl>
+                                        <p:attrNameLst>
+                                          <p:attrName>style.visibility</p:attrName>
+                                        </p:attrNameLst>
+                                      </p:cBhvr>
+                                      <p:to>
+                                        <p:strVal val="visible"/>
+                                      </p:to>
+                                    </p:set>
+                                    <p:animEffect transition="in" filter="fade">
+                                      <p:cBhvr>
+                                        <p:cTn id="29" dur="1000"/>
+                                        <p:tgtEl>
+                                          <p:spTgt spid="7"/>
+                                        </p:tgtEl>
+                                      </p:cBhvr>
+                                    </p:animEffect>
+                                    <p:anim calcmode="lin" valueType="num">
+                                      <p:cBhvr>
+                                        <p:cTn id="30" dur="1000" fill="hold"/>
+                                        <p:tgtEl>
+                                          <p:spTgt spid="7"/>
+                                        </p:tgtEl>
+                                        <p:attrNameLst>
+                                          <p:attrName>ppt_x</p:attrName>
+                                        </p:attrNameLst>
+                                      </p:cBhvr>
+                                      <p:tavLst>
+                                        <p:tav tm="0">
+                                          <p:val>
+                                            <p:strVal val="#ppt_x"/>
+                                          </p:val>
+                                        </p:tav>
+                                        <p:tav tm="100000">
+                                          <p:val>
+                                            <p:strVal val="#ppt_x"/>
+                                          </p:val>
+                                        </p:tav>
+                                      </p:tavLst>
+                                    </p:anim>
+                                    <p:anim calcmode="lin" valueType="num">
+                                      <p:cBhvr>
+                                        <p:cTn id="31" dur="1000" fill="hold"/>
+                                        <p:tgtEl>
+                                          <p:spTgt spid="7"/>
+                                        </p:tgtEl>
+                                        <p:attrNameLst>
+                                          <p:attrName>ppt_y</p:attrName>
+                                        </p:attrNameLst>
+                                      </p:cBhvr>
+                                      <p:tavLst>
+                                        <p:tav tm="0">
+                                          <p:val>
+                                            <p:strVal val="#ppt_y+.1"/>
+                                          </p:val>
+                                        </p:tav>
+                                        <p:tav tm="100000">
+                                          <p:val>
+                                            <p:strVal val="#ppt_y"/>
+                                          </p:val>
+                                        </p:tav>
+                                      </p:tavLst>
+                                    </p:anim>
+                                  </p:childTnLst>
+                                </p:cTn>
+                              </p:par>
+                            </p:childTnLst>
+                          </p:cTn>
+                        </p:par>
+                      </p:childTnLst>
+                    </p:cTn>
+                  </p:par>
+                </p:childTnLst>
+              </p:cTn>
+              <p:prevCondLst>
+                <p:cond evt="onPrev" delay="0">
+                  <p:tgtEl>
+                    <p:sldTgt/>
+                  </p:tgtEl>
+                </p:cond>
+              </p:prevCondLst>
+              <p:nextCondLst>
+                <p:cond evt="onNext" delay="0">
+                  <p:tgtEl>
+                    <p:sldTgt/>
+                  </p:tgtEl>
+                </p:cond>
+              </p:nextCondLst>
+            </p:seq>
+          </p:childTnLst>
+        </p:cTn>
+      </p:par>
+    </p:tnLst>
+  </p:timing>
 </p:sld>
 </file>
 
@@ -12921,21 +13741,6 @@
 </file>
 
 <file path=customXml/item1.xml><?xml version="1.0" encoding="utf-8"?>
-<p:properties xmlns:p="http://schemas.microsoft.com/office/2006/metadata/properties" xmlns:xsi="http://www.w3.org/2001/XMLSchema-instance" xmlns:pc="http://schemas.microsoft.com/office/infopath/2007/PartnerControls">
-  <documentManagement/>
-</p:properties>
-</file>
-
-<file path=customXml/item2.xml><?xml version="1.0" encoding="utf-8"?>
-<?mso-contentType ?>
-<FormTemplates xmlns="http://schemas.microsoft.com/sharepoint/v3/contenttype/forms">
-  <Display>DocumentLibraryForm</Display>
-  <Edit>DocumentLibraryForm</Edit>
-  <New>DocumentLibraryForm</New>
-</FormTemplates>
-</file>
-
-<file path=customXml/item3.xml><?xml version="1.0" encoding="utf-8"?>
 <ct:contentTypeSchema xmlns:ct="http://schemas.microsoft.com/office/2006/metadata/contentType" xmlns:ma="http://schemas.microsoft.com/office/2006/metadata/properties/metaAttributes" ct:_="" ma:_="" ma:contentTypeName="Dokument" ma:contentTypeID="0x01010045865D2A2404A340A9116C967D5A8A18" ma:contentTypeVersion="8" ma:contentTypeDescription="Opprett et nytt dokument." ma:contentTypeScope="" ma:versionID="c1170821e5ddd0badc770b112e96b910">
   <xsd:schema xmlns:xsd="http://www.w3.org/2001/XMLSchema" xmlns:xs="http://www.w3.org/2001/XMLSchema" xmlns:p="http://schemas.microsoft.com/office/2006/metadata/properties" xmlns:ns3="7ee59893-5bfb-4ba5-ba61-3f9ac5a63a3a" targetNamespace="http://schemas.microsoft.com/office/2006/metadata/properties" ma:root="true" ma:fieldsID="105b5d8b40729520ebc3a32ed622274c" ns3:_="">
     <xsd:import namespace="7ee59893-5bfb-4ba5-ba61-3f9ac5a63a3a"/>
@@ -13105,31 +13910,22 @@
 </ct:contentTypeSchema>
 </file>
 
-<file path=customXml/itemProps1.xml><?xml version="1.0" encoding="utf-8"?>
-<ds:datastoreItem xmlns:ds="http://schemas.openxmlformats.org/officeDocument/2006/customXml" ds:itemID="{8617A9C9-C858-468D-A625-2A8A8AF1C831}">
-  <ds:schemaRefs>
-    <ds:schemaRef ds:uri="http://schemas.microsoft.com/office/2006/documentManagement/types"/>
-    <ds:schemaRef ds:uri="http://schemas.microsoft.com/office/infopath/2007/PartnerControls"/>
-    <ds:schemaRef ds:uri="http://purl.org/dc/elements/1.1/"/>
-    <ds:schemaRef ds:uri="http://schemas.microsoft.com/office/2006/metadata/properties"/>
-    <ds:schemaRef ds:uri="7ee59893-5bfb-4ba5-ba61-3f9ac5a63a3a"/>
-    <ds:schemaRef ds:uri="http://purl.org/dc/terms/"/>
-    <ds:schemaRef ds:uri="http://schemas.openxmlformats.org/package/2006/metadata/core-properties"/>
-    <ds:schemaRef ds:uri="http://www.w3.org/XML/1998/namespace"/>
-    <ds:schemaRef ds:uri="http://purl.org/dc/dcmitype/"/>
-  </ds:schemaRefs>
-</ds:datastoreItem>
+<file path=customXml/item2.xml><?xml version="1.0" encoding="utf-8"?>
+<?mso-contentType ?>
+<FormTemplates xmlns="http://schemas.microsoft.com/sharepoint/v3/contenttype/forms">
+  <Display>DocumentLibraryForm</Display>
+  <Edit>DocumentLibraryForm</Edit>
+  <New>DocumentLibraryForm</New>
+</FormTemplates>
 </file>
 
-<file path=customXml/itemProps2.xml><?xml version="1.0" encoding="utf-8"?>
-<ds:datastoreItem xmlns:ds="http://schemas.openxmlformats.org/officeDocument/2006/customXml" ds:itemID="{781A7D2C-7166-4FBF-958F-F45087E3C041}">
-  <ds:schemaRefs>
-    <ds:schemaRef ds:uri="http://schemas.microsoft.com/sharepoint/v3/contenttype/forms"/>
-  </ds:schemaRefs>
-</ds:datastoreItem>
+<file path=customXml/item3.xml><?xml version="1.0" encoding="utf-8"?>
+<p:properties xmlns:p="http://schemas.microsoft.com/office/2006/metadata/properties" xmlns:xsi="http://www.w3.org/2001/XMLSchema-instance" xmlns:pc="http://schemas.microsoft.com/office/infopath/2007/PartnerControls">
+  <documentManagement/>
+</p:properties>
 </file>
 
-<file path=customXml/itemProps3.xml><?xml version="1.0" encoding="utf-8"?>
+<file path=customXml/itemProps1.xml><?xml version="1.0" encoding="utf-8"?>
 <ds:datastoreItem xmlns:ds="http://schemas.openxmlformats.org/officeDocument/2006/customXml" ds:itemID="{5D471E1F-44B9-4DB0-AEA0-5229E9124557}">
   <ds:schemaRefs>
     <ds:schemaRef ds:uri="http://schemas.microsoft.com/office/2006/metadata/contentType"/>
@@ -13145,4 +13941,28 @@
     <ds:schemaRef ds:uri="http://schemas.microsoft.com/internal/obd"/>
   </ds:schemaRefs>
 </ds:datastoreItem>
+</file>
+
+<file path=customXml/itemProps2.xml><?xml version="1.0" encoding="utf-8"?>
+<ds:datastoreItem xmlns:ds="http://schemas.openxmlformats.org/officeDocument/2006/customXml" ds:itemID="{781A7D2C-7166-4FBF-958F-F45087E3C041}">
+  <ds:schemaRefs>
+    <ds:schemaRef ds:uri="http://schemas.microsoft.com/sharepoint/v3/contenttype/forms"/>
+  </ds:schemaRefs>
+</ds:datastoreItem>
+</file>
+
+<file path=customXml/itemProps3.xml><?xml version="1.0" encoding="utf-8"?>
+<ds:datastoreItem xmlns:ds="http://schemas.openxmlformats.org/officeDocument/2006/customXml" ds:itemID="{8617A9C9-C858-468D-A625-2A8A8AF1C831}">
+  <ds:schemaRefs>
+    <ds:schemaRef ds:uri="http://schemas.microsoft.com/office/2006/metadata/properties"/>
+    <ds:schemaRef ds:uri="7ee59893-5bfb-4ba5-ba61-3f9ac5a63a3a"/>
+    <ds:schemaRef ds:uri="http://purl.org/dc/terms/"/>
+    <ds:schemaRef ds:uri="http://schemas.openxmlformats.org/package/2006/metadata/core-properties"/>
+    <ds:schemaRef ds:uri="http://schemas.microsoft.com/office/2006/documentManagement/types"/>
+    <ds:schemaRef ds:uri="http://schemas.microsoft.com/office/infopath/2007/PartnerControls"/>
+    <ds:schemaRef ds:uri="http://purl.org/dc/elements/1.1/"/>
+    <ds:schemaRef ds:uri="http://www.w3.org/XML/1998/namespace"/>
+    <ds:schemaRef ds:uri="http://purl.org/dc/dcmitype/"/>
+  </ds:schemaRefs>
+</ds:datastoreItem>
 </file>